--- a/PPT_Churn-Predictions-Telecom-Customer.pptx
+++ b/PPT_Churn-Predictions-Telecom-Customer.pptx
@@ -118,6 +118,11 @@
       </a:defRPr>
     </a:lvl9pPr>
   </p:defaultTextStyle>
+  <p:extLst>
+    <p:ext uri="{EFAFB233-063F-42B5-8137-9DF3F51BA10A}">
+      <p15:sldGuideLst xmlns:p15="http://schemas.microsoft.com/office/powerpoint/2012/main"/>
+    </p:ext>
+  </p:extLst>
 </p:presentation>
 </file>
 
@@ -8788,7 +8793,7 @@
           <a:p>
             <a:fld id="{2395C5C9-164C-46B3-A87E-7660D39D3106}" type="datetime2">
               <a:rPr lang="en-US" smtClean="0"/>
-              <a:t>Sunday, April 16, 2023</a:t>
+              <a:t>Monday, April 17, 2023</a:t>
             </a:fld>
             <a:endParaRPr lang="en-US" dirty="0"/>
           </a:p>
@@ -8991,7 +8996,7 @@
           <a:p>
             <a:fld id="{5B75179A-1E2B-41AB-B400-4F1B4022FAEE}" type="datetime2">
               <a:rPr lang="en-US" smtClean="0"/>
-              <a:t>Sunday, April 16, 2023</a:t>
+              <a:t>Monday, April 17, 2023</a:t>
             </a:fld>
             <a:endParaRPr lang="en-US"/>
           </a:p>
@@ -9204,7 +9209,7 @@
           <a:p>
             <a:fld id="{05681D0F-6595-4F14-8EF3-954CD87C797B}" type="datetime2">
               <a:rPr lang="en-US" smtClean="0"/>
-              <a:t>Sunday, April 16, 2023</a:t>
+              <a:t>Monday, April 17, 2023</a:t>
             </a:fld>
             <a:endParaRPr lang="en-US"/>
           </a:p>
@@ -9406,7 +9411,7 @@
           <a:p>
             <a:fld id="{4DDCFF8A-AAF8-4A12-8A91-9CA0EAF6CBB9}" type="datetime2">
               <a:rPr lang="en-US" smtClean="0"/>
-              <a:t>Sunday, April 16, 2023</a:t>
+              <a:t>Monday, April 17, 2023</a:t>
             </a:fld>
             <a:endParaRPr lang="en-US" dirty="0"/>
           </a:p>
@@ -9685,7 +9690,7 @@
           <a:p>
             <a:fld id="{ABCC25C3-021A-4B0B-8F70-0C181FE1CF45}" type="datetime2">
               <a:rPr lang="en-US" smtClean="0"/>
-              <a:t>Sunday, April 16, 2023</a:t>
+              <a:t>Monday, April 17, 2023</a:t>
             </a:fld>
             <a:endParaRPr lang="en-US"/>
           </a:p>
@@ -9945,7 +9950,7 @@
           <a:p>
             <a:fld id="{0C23D88D-8CEC-4ED9-A53B-5596187D9A16}" type="datetime2">
               <a:rPr lang="en-US" smtClean="0"/>
-              <a:t>Sunday, April 16, 2023</a:t>
+              <a:t>Monday, April 17, 2023</a:t>
             </a:fld>
             <a:endParaRPr lang="en-US"/>
           </a:p>
@@ -10361,7 +10366,7 @@
           <a:p>
             <a:fld id="{D2CCD382-DFDA-4722-A27A-59C21AD112F2}" type="datetime2">
               <a:rPr lang="en-US" smtClean="0"/>
-              <a:t>Sunday, April 16, 2023</a:t>
+              <a:t>Monday, April 17, 2023</a:t>
             </a:fld>
             <a:endParaRPr lang="en-US"/>
           </a:p>
@@ -10506,7 +10511,7 @@
           <a:p>
             <a:fld id="{22F2A30D-1C09-413F-AAB1-38F366000715}" type="datetime2">
               <a:rPr lang="en-US" smtClean="0"/>
-              <a:t>Sunday, April 16, 2023</a:t>
+              <a:t>Monday, April 17, 2023</a:t>
             </a:fld>
             <a:endParaRPr lang="en-US"/>
           </a:p>
@@ -10628,7 +10633,7 @@
           <a:p>
             <a:fld id="{6DB82B9C-D65E-4F64-95C3-B10F3B00F0D9}" type="datetime2">
               <a:rPr lang="en-US" smtClean="0"/>
-              <a:t>Sunday, April 16, 2023</a:t>
+              <a:t>Monday, April 17, 2023</a:t>
             </a:fld>
             <a:endParaRPr lang="en-US"/>
           </a:p>
@@ -10951,7 +10956,7 @@
           <a:p>
             <a:fld id="{B7F5FDCC-6AAC-4A08-B9E0-3793AB5E64C3}" type="datetime2">
               <a:rPr lang="en-US" smtClean="0"/>
-              <a:t>Sunday, April 16, 2023</a:t>
+              <a:t>Monday, April 17, 2023</a:t>
             </a:fld>
             <a:endParaRPr lang="en-US"/>
           </a:p>
@@ -11239,7 +11244,7 @@
           <a:p>
             <a:fld id="{349FE94D-439C-40F1-900E-BC07940E3988}" type="datetime2">
               <a:rPr lang="en-US" smtClean="0"/>
-              <a:t>Sunday, April 16, 2023</a:t>
+              <a:t>Monday, April 17, 2023</a:t>
             </a:fld>
             <a:endParaRPr lang="en-US"/>
           </a:p>
@@ -11527,7 +11532,7 @@
           <a:p>
             <a:fld id="{8DEA2CF1-0EB2-4673-802D-3371233E4A77}" type="datetime2">
               <a:rPr lang="en-US" smtClean="0"/>
-              <a:t>Sunday, April 16, 2023</a:t>
+              <a:t>Monday, April 17, 2023</a:t>
             </a:fld>
             <a:endParaRPr lang="en-US" dirty="0"/>
           </a:p>
@@ -13193,10 +13198,10 @@
       </p:sp>
       <p:sp>
         <p:nvSpPr>
-          <p:cNvPr id="2" name="TextBox 1">
+          <p:cNvPr id="3" name="TextBox 2">
             <a:extLst>
               <a:ext uri="{FF2B5EF4-FFF2-40B4-BE49-F238E27FC236}">
-                <a16:creationId xmlns:a16="http://schemas.microsoft.com/office/drawing/2014/main" id="{FC9A9FF2-7FC3-0C9A-C4AB-826331AC7991}"/>
+                <a16:creationId xmlns:a16="http://schemas.microsoft.com/office/drawing/2014/main" id="{C6E7AA57-E89A-ECCF-DC92-55A863C6C8EA}"/>
               </a:ext>
             </a:extLst>
           </p:cNvPr>
@@ -13205,8 +13210,8 @@
         </p:nvSpPr>
         <p:spPr>
           <a:xfrm>
-            <a:off x="1319180" y="3548146"/>
-            <a:ext cx="6505692" cy="646331"/>
+            <a:off x="283464" y="804672"/>
+            <a:ext cx="8577072" cy="461665"/>
           </a:xfrm>
           <a:prstGeom prst="rect">
             <a:avLst/>
@@ -13214,30 +13219,198 @@
           <a:noFill/>
         </p:spPr>
         <p:txBody>
-          <a:bodyPr wrap="none" rtlCol="0">
+          <a:bodyPr wrap="square" rtlCol="0">
             <a:spAutoFit/>
           </a:bodyPr>
           <a:lstStyle/>
           <a:p>
-            <a:pPr algn="ctr"/>
+            <a:pPr marL="342900" indent="-342900">
+              <a:buFont typeface="Wingdings" pitchFamily="2" charset="2"/>
+              <a:buChar char="v"/>
+            </a:pPr>
             <a:r>
-              <a:rPr lang="en-TH" dirty="0"/>
-              <a:t>Short summary that which model is the best for this problem</a:t>
+              <a:rPr lang="en-US" sz="2400" b="1" dirty="0">
+                <a:solidFill>
+                  <a:schemeClr val="accent3">
+                    <a:lumMod val="20000"/>
+                    <a:lumOff val="80000"/>
+                  </a:schemeClr>
+                </a:solidFill>
+                <a:effectLst>
+                  <a:outerShdw blurRad="50800" dist="38100" dir="2700000" algn="tl" rotWithShape="0">
+                    <a:prstClr val="black">
+                      <a:alpha val="40000"/>
+                    </a:prstClr>
+                  </a:outerShdw>
+                </a:effectLst>
+              </a:rPr>
+              <a:t>Conclusion</a:t>
             </a:r>
-          </a:p>
-          <a:p>
-            <a:pPr algn="ctr"/>
+            <a:endParaRPr lang="en-TH" sz="2400" b="1" dirty="0">
+              <a:solidFill>
+                <a:schemeClr val="accent3">
+                  <a:lumMod val="20000"/>
+                  <a:lumOff val="80000"/>
+                </a:schemeClr>
+              </a:solidFill>
+              <a:effectLst>
+                <a:outerShdw blurRad="50800" dist="38100" dir="2700000" algn="tl" rotWithShape="0">
+                  <a:prstClr val="black">
+                    <a:alpha val="40000"/>
+                  </a:prstClr>
+                </a:outerShdw>
+              </a:effectLst>
+            </a:endParaRPr>
+          </a:p>
+        </p:txBody>
+      </p:sp>
+      <p:sp>
+        <p:nvSpPr>
+          <p:cNvPr id="10" name="TextBox 9">
+            <a:extLst>
+              <a:ext uri="{FF2B5EF4-FFF2-40B4-BE49-F238E27FC236}">
+                <a16:creationId xmlns:a16="http://schemas.microsoft.com/office/drawing/2014/main" id="{E586B2CC-8FED-4DC3-AF21-266790D900ED}"/>
+              </a:ext>
+            </a:extLst>
+          </p:cNvPr>
+          <p:cNvSpPr txBox="1"/>
+          <p:nvPr/>
+        </p:nvSpPr>
+        <p:spPr>
+          <a:xfrm>
+            <a:off x="972272" y="1266337"/>
+            <a:ext cx="7199455" cy="1538883"/>
+          </a:xfrm>
+          <a:prstGeom prst="rect">
+            <a:avLst/>
+          </a:prstGeom>
+          <a:noFill/>
+        </p:spPr>
+        <p:txBody>
+          <a:bodyPr wrap="square" rtlCol="0">
+            <a:spAutoFit/>
+          </a:bodyPr>
+          <a:lstStyle/>
+          <a:p>
             <a:r>
-              <a:rPr lang="en-US" dirty="0"/>
-              <a:t>A</a:t>
+              <a:rPr lang="en-US" dirty="0">
+                <a:solidFill>
+                  <a:schemeClr val="accent3">
+                    <a:lumMod val="20000"/>
+                    <a:lumOff val="80000"/>
+                  </a:schemeClr>
+                </a:solidFill>
+              </a:rPr>
+              <a:t>W</a:t>
             </a:r>
             <a:r>
-              <a:rPr lang="en-TH" dirty="0"/>
-              <a:t>nd why it is the best</a:t>
+              <a:rPr lang="en-US" b="0" i="0" dirty="0">
+                <a:solidFill>
+                  <a:schemeClr val="accent3">
+                    <a:lumMod val="20000"/>
+                    <a:lumOff val="80000"/>
+                  </a:schemeClr>
+                </a:solidFill>
+                <a:effectLst/>
+              </a:rPr>
+              <a:t>e have identified the optimal model based on precision evaluations is </a:t>
             </a:r>
+            <a:r>
+              <a:rPr lang="en-US" sz="2000" b="1" i="0" dirty="0">
+                <a:effectLst/>
+              </a:rPr>
+              <a:t>Support Vector Machine with Grid Search CV produced the highest precision of 63.89%</a:t>
+            </a:r>
+            <a:r>
+              <a:rPr lang="en-US" sz="2000" i="0" dirty="0">
+                <a:effectLst/>
+              </a:rPr>
+              <a:t> </a:t>
+            </a:r>
+            <a:r>
+              <a:rPr lang="en-US" i="0" dirty="0">
+                <a:solidFill>
+                  <a:schemeClr val="accent3">
+                    <a:lumMod val="20000"/>
+                    <a:lumOff val="80000"/>
+                  </a:schemeClr>
+                </a:solidFill>
+                <a:effectLst/>
+              </a:rPr>
+              <a:t>for this specific problem. </a:t>
+            </a:r>
+            <a:r>
+              <a:rPr lang="en-US" dirty="0">
+                <a:solidFill>
+                  <a:schemeClr val="accent3">
+                    <a:lumMod val="20000"/>
+                    <a:lumOff val="80000"/>
+                  </a:schemeClr>
+                </a:solidFill>
+              </a:rPr>
+              <a:t>T</a:t>
+            </a:r>
+            <a:r>
+              <a:rPr lang="en-US" i="0" dirty="0">
+                <a:solidFill>
+                  <a:schemeClr val="accent3">
+                    <a:lumMod val="20000"/>
+                    <a:lumOff val="80000"/>
+                  </a:schemeClr>
+                </a:solidFill>
+                <a:effectLst/>
+              </a:rPr>
+              <a:t>he Decision Tree and Naive Bayes Classifier models exhibited the poorest performance are 47.35% and 43.25%</a:t>
+            </a:r>
+            <a:endParaRPr lang="en-TH" sz="2000" dirty="0">
+              <a:solidFill>
+                <a:schemeClr val="accent3">
+                  <a:lumMod val="20000"/>
+                  <a:lumOff val="80000"/>
+                </a:schemeClr>
+              </a:solidFill>
+            </a:endParaRPr>
           </a:p>
         </p:txBody>
       </p:sp>
+      <p:pic>
+        <p:nvPicPr>
+          <p:cNvPr id="11" name="Picture 10">
+            <a:extLst>
+              <a:ext uri="{FF2B5EF4-FFF2-40B4-BE49-F238E27FC236}">
+                <a16:creationId xmlns:a16="http://schemas.microsoft.com/office/drawing/2014/main" id="{7923C3FC-6D81-F7CE-6DFA-6245219B916F}"/>
+              </a:ext>
+            </a:extLst>
+          </p:cNvPr>
+          <p:cNvPicPr>
+            <a:picLocks noChangeAspect="1"/>
+          </p:cNvPicPr>
+          <p:nvPr/>
+        </p:nvPicPr>
+        <p:blipFill>
+          <a:blip r:embed="rId2"/>
+          <a:stretch>
+            <a:fillRect/>
+          </a:stretch>
+        </p:blipFill>
+        <p:spPr>
+          <a:xfrm>
+            <a:off x="1260748" y="2964831"/>
+            <a:ext cx="6622502" cy="3306911"/>
+          </a:xfrm>
+          <a:prstGeom prst="rect">
+            <a:avLst/>
+          </a:prstGeom>
+          <a:ln w="38100">
+            <a:solidFill>
+              <a:schemeClr val="accent3">
+                <a:lumMod val="60000"/>
+                <a:lumOff val="40000"/>
+              </a:schemeClr>
+            </a:solidFill>
+          </a:ln>
+        </p:spPr>
+      </p:pic>
     </p:spTree>
     <p:extLst>
       <p:ext uri="{BB962C8B-B14F-4D97-AF65-F5344CB8AC3E}">
@@ -23885,14 +24058,14 @@
           <p:nvPr>
             <p:extLst>
               <p:ext uri="{D42A27DB-BD31-4B8C-83A1-F6EECF244321}">
-                <p14:modId xmlns:p14="http://schemas.microsoft.com/office/powerpoint/2010/main" val="2568649172"/>
+                <p14:modId xmlns:p14="http://schemas.microsoft.com/office/powerpoint/2010/main" val="3367819490"/>
               </p:ext>
             </p:extLst>
           </p:nvPr>
         </p:nvGraphicFramePr>
         <p:xfrm>
           <a:off x="440686" y="1394227"/>
-          <a:ext cx="8283765" cy="2930347"/>
+          <a:ext cx="8283765" cy="4473103"/>
         </p:xfrm>
         <a:graphic>
           <a:graphicData uri="http://schemas.openxmlformats.org/drawingml/2006/table">
@@ -23923,7 +24096,7 @@
                   </a:extLst>
                 </a:gridCol>
               </a:tblGrid>
-              <a:tr h="262503">
+              <a:tr h="400704">
                 <a:tc>
                   <a:txBody>
                     <a:bodyPr/>
@@ -23973,7 +24146,7 @@
                   </a:ext>
                 </a:extLst>
               </a:tr>
-              <a:tr h="432358">
+              <a:tr h="659984">
                 <a:tc>
                   <a:txBody>
                     <a:bodyPr/>
@@ -24040,7 +24213,7 @@
                   </a:ext>
                 </a:extLst>
               </a:tr>
-              <a:tr h="312755">
+              <a:tr h="477413">
                 <a:tc>
                   <a:txBody>
                     <a:bodyPr/>
@@ -24096,7 +24269,7 @@
                   </a:ext>
                 </a:extLst>
               </a:tr>
-              <a:tr h="312755">
+              <a:tr h="477413">
                 <a:tc>
                   <a:txBody>
                     <a:bodyPr/>
@@ -24152,7 +24325,7 @@
                   </a:ext>
                 </a:extLst>
               </a:tr>
-              <a:tr h="432358">
+              <a:tr h="659984">
                 <a:tc>
                   <a:txBody>
                     <a:bodyPr/>
@@ -24228,7 +24401,7 @@
                   </a:ext>
                 </a:extLst>
               </a:tr>
-              <a:tr h="312755">
+              <a:tr h="477413">
                 <a:tc>
                   <a:txBody>
                     <a:bodyPr/>
@@ -24284,7 +24457,7 @@
                   </a:ext>
                 </a:extLst>
               </a:tr>
-              <a:tr h="432505">
+              <a:tr h="660208">
                 <a:tc>
                   <a:txBody>
                     <a:bodyPr/>
@@ -24347,7 +24520,7 @@
                   </a:ext>
                 </a:extLst>
               </a:tr>
-              <a:tr h="432358">
+              <a:tr h="659984">
                 <a:tc>
                   <a:txBody>
                     <a:bodyPr/>
@@ -24434,8 +24607,8 @@
         </p:nvSpPr>
         <p:spPr>
           <a:xfrm>
-            <a:off x="1526839" y="4372214"/>
-            <a:ext cx="6027448" cy="307777"/>
+            <a:off x="440686" y="5945607"/>
+            <a:ext cx="8283765" cy="523220"/>
           </a:xfrm>
           <a:prstGeom prst="rect">
             <a:avLst/>
@@ -24448,6 +24621,7 @@
           </a:bodyPr>
           <a:lstStyle/>
           <a:p>
+            <a:pPr algn="ctr"/>
             <a:r>
               <a:rPr lang="en-US" sz="1400" i="1" dirty="0">
                 <a:effectLst/>
@@ -24462,1248 +24636,18 @@
               <a:rPr lang="en-US" sz="1400" b="1" i="1" dirty="0">
                 <a:effectLst/>
               </a:rPr>
-              <a:t>converted all concerned data into numerical term</a:t>
+              <a:t>converted all concerned data into numerical term </a:t>
+            </a:r>
+          </a:p>
+          <a:p>
+            <a:pPr algn="ctr"/>
+            <a:r>
+              <a:rPr lang="en-US" sz="1400" i="1" dirty="0">
+                <a:effectLst/>
+              </a:rPr>
+              <a:t>to prepare for implementing predictive models</a:t>
             </a:r>
             <a:endParaRPr lang="en-TH" sz="1400" i="1" dirty="0"/>
-          </a:p>
-        </p:txBody>
-      </p:sp>
-      <p:grpSp>
-        <p:nvGrpSpPr>
-          <p:cNvPr id="50" name="Group 49">
-            <a:extLst>
-              <a:ext uri="{FF2B5EF4-FFF2-40B4-BE49-F238E27FC236}">
-                <a16:creationId xmlns:a16="http://schemas.microsoft.com/office/drawing/2014/main" id="{67657A57-12D9-01DA-6EB6-B699B41EB837}"/>
-              </a:ext>
-            </a:extLst>
-          </p:cNvPr>
-          <p:cNvGrpSpPr/>
-          <p:nvPr/>
-        </p:nvGrpSpPr>
-        <p:grpSpPr>
-          <a:xfrm>
-            <a:off x="383407" y="4909990"/>
-            <a:ext cx="1290917" cy="1290917"/>
-            <a:chOff x="1100249" y="4880018"/>
-            <a:chExt cx="1290917" cy="1290917"/>
-          </a:xfrm>
-        </p:grpSpPr>
-        <p:sp>
-          <p:nvSpPr>
-            <p:cNvPr id="40" name="Oval 39">
-              <a:extLst>
-                <a:ext uri="{FF2B5EF4-FFF2-40B4-BE49-F238E27FC236}">
-                  <a16:creationId xmlns:a16="http://schemas.microsoft.com/office/drawing/2014/main" id="{0ABA37CE-0723-0CE0-9FBC-084FAB5CCDF2}"/>
-                </a:ext>
-              </a:extLst>
-            </p:cNvPr>
-            <p:cNvSpPr/>
-            <p:nvPr/>
-          </p:nvSpPr>
-          <p:spPr>
-            <a:xfrm>
-              <a:off x="1100249" y="4880018"/>
-              <a:ext cx="1290917" cy="1290917"/>
-            </a:xfrm>
-            <a:prstGeom prst="ellipse">
-              <a:avLst/>
-            </a:prstGeom>
-            <a:solidFill>
-              <a:schemeClr val="tx1"/>
-            </a:solidFill>
-            <a:ln w="57150">
-              <a:solidFill>
-                <a:schemeClr val="accent1"/>
-              </a:solidFill>
-            </a:ln>
-          </p:spPr>
-          <p:style>
-            <a:lnRef idx="2">
-              <a:schemeClr val="accent1">
-                <a:shade val="50000"/>
-              </a:schemeClr>
-            </a:lnRef>
-            <a:fillRef idx="1">
-              <a:schemeClr val="accent1"/>
-            </a:fillRef>
-            <a:effectRef idx="0">
-              <a:schemeClr val="accent1"/>
-            </a:effectRef>
-            <a:fontRef idx="minor">
-              <a:schemeClr val="lt1"/>
-            </a:fontRef>
-          </p:style>
-          <p:txBody>
-            <a:bodyPr rtlCol="0" anchor="ctr"/>
-            <a:lstStyle/>
-            <a:p>
-              <a:pPr algn="ctr"/>
-              <a:endParaRPr lang="en-TH"/>
-            </a:p>
-          </p:txBody>
-        </p:sp>
-        <p:grpSp>
-          <p:nvGrpSpPr>
-            <p:cNvPr id="22" name="Group 21">
-              <a:extLst>
-                <a:ext uri="{FF2B5EF4-FFF2-40B4-BE49-F238E27FC236}">
-                  <a16:creationId xmlns:a16="http://schemas.microsoft.com/office/drawing/2014/main" id="{16580A43-ECA0-F3AC-47A9-7811FBB667F3}"/>
-                </a:ext>
-              </a:extLst>
-            </p:cNvPr>
-            <p:cNvGrpSpPr/>
-            <p:nvPr/>
-          </p:nvGrpSpPr>
-          <p:grpSpPr>
-            <a:xfrm>
-              <a:off x="1378373" y="5191485"/>
-              <a:ext cx="734668" cy="667982"/>
-              <a:chOff x="4492487" y="5239910"/>
-              <a:chExt cx="571223" cy="519373"/>
-            </a:xfrm>
-          </p:grpSpPr>
-          <p:sp>
-            <p:nvSpPr>
-              <p:cNvPr id="23" name="Rectangle 22">
-                <a:extLst>
-                  <a:ext uri="{FF2B5EF4-FFF2-40B4-BE49-F238E27FC236}">
-                    <a16:creationId xmlns:a16="http://schemas.microsoft.com/office/drawing/2014/main" id="{D3C4FD27-D1B6-7669-774B-4AAE0E27DA30}"/>
-                  </a:ext>
-                </a:extLst>
-              </p:cNvPr>
-              <p:cNvSpPr/>
-              <p:nvPr/>
-            </p:nvSpPr>
-            <p:spPr>
-              <a:xfrm>
-                <a:off x="4492487" y="5239910"/>
-                <a:ext cx="95415" cy="95415"/>
-              </a:xfrm>
-              <a:prstGeom prst="rect">
-                <a:avLst/>
-              </a:prstGeom>
-            </p:spPr>
-            <p:style>
-              <a:lnRef idx="2">
-                <a:schemeClr val="accent1">
-                  <a:shade val="50000"/>
-                </a:schemeClr>
-              </a:lnRef>
-              <a:fillRef idx="1">
-                <a:schemeClr val="accent1"/>
-              </a:fillRef>
-              <a:effectRef idx="0">
-                <a:schemeClr val="accent1"/>
-              </a:effectRef>
-              <a:fontRef idx="minor">
-                <a:schemeClr val="lt1"/>
-              </a:fontRef>
-            </p:style>
-            <p:txBody>
-              <a:bodyPr rtlCol="0" anchor="ctr"/>
-              <a:lstStyle/>
-              <a:p>
-                <a:pPr algn="ctr"/>
-                <a:endParaRPr lang="en-TH"/>
-              </a:p>
-            </p:txBody>
-          </p:sp>
-          <p:sp>
-            <p:nvSpPr>
-              <p:cNvPr id="24" name="Rectangle 23">
-                <a:extLst>
-                  <a:ext uri="{FF2B5EF4-FFF2-40B4-BE49-F238E27FC236}">
-                    <a16:creationId xmlns:a16="http://schemas.microsoft.com/office/drawing/2014/main" id="{4186E4DD-30EC-30A8-3A31-CE08042DC0B9}"/>
-                  </a:ext>
-                </a:extLst>
-              </p:cNvPr>
-              <p:cNvSpPr/>
-              <p:nvPr/>
-            </p:nvSpPr>
-            <p:spPr>
-              <a:xfrm>
-                <a:off x="4730391" y="5239910"/>
-                <a:ext cx="95415" cy="95415"/>
-              </a:xfrm>
-              <a:prstGeom prst="rect">
-                <a:avLst/>
-              </a:prstGeom>
-            </p:spPr>
-            <p:style>
-              <a:lnRef idx="2">
-                <a:schemeClr val="accent1">
-                  <a:shade val="50000"/>
-                </a:schemeClr>
-              </a:lnRef>
-              <a:fillRef idx="1">
-                <a:schemeClr val="accent1"/>
-              </a:fillRef>
-              <a:effectRef idx="0">
-                <a:schemeClr val="accent1"/>
-              </a:effectRef>
-              <a:fontRef idx="minor">
-                <a:schemeClr val="lt1"/>
-              </a:fontRef>
-            </p:style>
-            <p:txBody>
-              <a:bodyPr rtlCol="0" anchor="ctr"/>
-              <a:lstStyle/>
-              <a:p>
-                <a:pPr algn="ctr"/>
-                <a:endParaRPr lang="en-TH"/>
-              </a:p>
-            </p:txBody>
-          </p:sp>
-          <p:sp>
-            <p:nvSpPr>
-              <p:cNvPr id="25" name="Rectangle 24">
-                <a:extLst>
-                  <a:ext uri="{FF2B5EF4-FFF2-40B4-BE49-F238E27FC236}">
-                    <a16:creationId xmlns:a16="http://schemas.microsoft.com/office/drawing/2014/main" id="{46BF44A7-64A0-5E28-44F8-701A9AEDC07D}"/>
-                  </a:ext>
-                </a:extLst>
-              </p:cNvPr>
-              <p:cNvSpPr/>
-              <p:nvPr/>
-            </p:nvSpPr>
-            <p:spPr>
-              <a:xfrm>
-                <a:off x="4968295" y="5239910"/>
-                <a:ext cx="95415" cy="95415"/>
-              </a:xfrm>
-              <a:prstGeom prst="rect">
-                <a:avLst/>
-              </a:prstGeom>
-            </p:spPr>
-            <p:style>
-              <a:lnRef idx="2">
-                <a:schemeClr val="accent1">
-                  <a:shade val="50000"/>
-                </a:schemeClr>
-              </a:lnRef>
-              <a:fillRef idx="1">
-                <a:schemeClr val="accent1"/>
-              </a:fillRef>
-              <a:effectRef idx="0">
-                <a:schemeClr val="accent1"/>
-              </a:effectRef>
-              <a:fontRef idx="minor">
-                <a:schemeClr val="lt1"/>
-              </a:fontRef>
-            </p:style>
-            <p:txBody>
-              <a:bodyPr rtlCol="0" anchor="ctr"/>
-              <a:lstStyle/>
-              <a:p>
-                <a:pPr algn="ctr"/>
-                <a:endParaRPr lang="en-TH"/>
-              </a:p>
-            </p:txBody>
-          </p:sp>
-          <p:sp>
-            <p:nvSpPr>
-              <p:cNvPr id="26" name="Rectangle 25">
-                <a:extLst>
-                  <a:ext uri="{FF2B5EF4-FFF2-40B4-BE49-F238E27FC236}">
-                    <a16:creationId xmlns:a16="http://schemas.microsoft.com/office/drawing/2014/main" id="{963A535D-4669-A735-1F45-069A1AFC9415}"/>
-                  </a:ext>
-                </a:extLst>
-              </p:cNvPr>
-              <p:cNvSpPr/>
-              <p:nvPr/>
-            </p:nvSpPr>
-            <p:spPr>
-              <a:xfrm>
-                <a:off x="4492487" y="5451889"/>
-                <a:ext cx="95415" cy="95415"/>
-              </a:xfrm>
-              <a:prstGeom prst="rect">
-                <a:avLst/>
-              </a:prstGeom>
-            </p:spPr>
-            <p:style>
-              <a:lnRef idx="2">
-                <a:schemeClr val="accent1">
-                  <a:shade val="50000"/>
-                </a:schemeClr>
-              </a:lnRef>
-              <a:fillRef idx="1">
-                <a:schemeClr val="accent1"/>
-              </a:fillRef>
-              <a:effectRef idx="0">
-                <a:schemeClr val="accent1"/>
-              </a:effectRef>
-              <a:fontRef idx="minor">
-                <a:schemeClr val="lt1"/>
-              </a:fontRef>
-            </p:style>
-            <p:txBody>
-              <a:bodyPr rtlCol="0" anchor="ctr"/>
-              <a:lstStyle/>
-              <a:p>
-                <a:pPr algn="ctr"/>
-                <a:endParaRPr lang="en-TH"/>
-              </a:p>
-            </p:txBody>
-          </p:sp>
-          <p:sp>
-            <p:nvSpPr>
-              <p:cNvPr id="27" name="Rectangle 26">
-                <a:extLst>
-                  <a:ext uri="{FF2B5EF4-FFF2-40B4-BE49-F238E27FC236}">
-                    <a16:creationId xmlns:a16="http://schemas.microsoft.com/office/drawing/2014/main" id="{AF528588-6AF2-BE68-248F-7FAED5EEE0FF}"/>
-                  </a:ext>
-                </a:extLst>
-              </p:cNvPr>
-              <p:cNvSpPr/>
-              <p:nvPr/>
-            </p:nvSpPr>
-            <p:spPr>
-              <a:xfrm>
-                <a:off x="4730391" y="5451889"/>
-                <a:ext cx="95415" cy="95415"/>
-              </a:xfrm>
-              <a:prstGeom prst="rect">
-                <a:avLst/>
-              </a:prstGeom>
-            </p:spPr>
-            <p:style>
-              <a:lnRef idx="2">
-                <a:schemeClr val="accent1">
-                  <a:shade val="50000"/>
-                </a:schemeClr>
-              </a:lnRef>
-              <a:fillRef idx="1">
-                <a:schemeClr val="accent1"/>
-              </a:fillRef>
-              <a:effectRef idx="0">
-                <a:schemeClr val="accent1"/>
-              </a:effectRef>
-              <a:fontRef idx="minor">
-                <a:schemeClr val="lt1"/>
-              </a:fontRef>
-            </p:style>
-            <p:txBody>
-              <a:bodyPr rtlCol="0" anchor="ctr"/>
-              <a:lstStyle/>
-              <a:p>
-                <a:pPr algn="ctr"/>
-                <a:endParaRPr lang="en-TH"/>
-              </a:p>
-            </p:txBody>
-          </p:sp>
-          <p:sp>
-            <p:nvSpPr>
-              <p:cNvPr id="28" name="Rectangle 27">
-                <a:extLst>
-                  <a:ext uri="{FF2B5EF4-FFF2-40B4-BE49-F238E27FC236}">
-                    <a16:creationId xmlns:a16="http://schemas.microsoft.com/office/drawing/2014/main" id="{8B8454D9-FAEC-663F-8AC0-3FA72CB06FB3}"/>
-                  </a:ext>
-                </a:extLst>
-              </p:cNvPr>
-              <p:cNvSpPr/>
-              <p:nvPr/>
-            </p:nvSpPr>
-            <p:spPr>
-              <a:xfrm>
-                <a:off x="4968295" y="5451889"/>
-                <a:ext cx="95415" cy="95415"/>
-              </a:xfrm>
-              <a:prstGeom prst="rect">
-                <a:avLst/>
-              </a:prstGeom>
-            </p:spPr>
-            <p:style>
-              <a:lnRef idx="2">
-                <a:schemeClr val="accent1">
-                  <a:shade val="50000"/>
-                </a:schemeClr>
-              </a:lnRef>
-              <a:fillRef idx="1">
-                <a:schemeClr val="accent1"/>
-              </a:fillRef>
-              <a:effectRef idx="0">
-                <a:schemeClr val="accent1"/>
-              </a:effectRef>
-              <a:fontRef idx="minor">
-                <a:schemeClr val="lt1"/>
-              </a:fontRef>
-            </p:style>
-            <p:txBody>
-              <a:bodyPr rtlCol="0" anchor="ctr"/>
-              <a:lstStyle/>
-              <a:p>
-                <a:pPr algn="ctr"/>
-                <a:endParaRPr lang="en-TH"/>
-              </a:p>
-            </p:txBody>
-          </p:sp>
-          <p:sp>
-            <p:nvSpPr>
-              <p:cNvPr id="29" name="Rectangle 28">
-                <a:extLst>
-                  <a:ext uri="{FF2B5EF4-FFF2-40B4-BE49-F238E27FC236}">
-                    <a16:creationId xmlns:a16="http://schemas.microsoft.com/office/drawing/2014/main" id="{8E615399-84CD-340B-6F31-0724F9C2AE9B}"/>
-                  </a:ext>
-                </a:extLst>
-              </p:cNvPr>
-              <p:cNvSpPr/>
-              <p:nvPr/>
-            </p:nvSpPr>
-            <p:spPr>
-              <a:xfrm>
-                <a:off x="4492487" y="5663868"/>
-                <a:ext cx="95415" cy="95415"/>
-              </a:xfrm>
-              <a:prstGeom prst="rect">
-                <a:avLst/>
-              </a:prstGeom>
-            </p:spPr>
-            <p:style>
-              <a:lnRef idx="2">
-                <a:schemeClr val="accent1">
-                  <a:shade val="50000"/>
-                </a:schemeClr>
-              </a:lnRef>
-              <a:fillRef idx="1">
-                <a:schemeClr val="accent1"/>
-              </a:fillRef>
-              <a:effectRef idx="0">
-                <a:schemeClr val="accent1"/>
-              </a:effectRef>
-              <a:fontRef idx="minor">
-                <a:schemeClr val="lt1"/>
-              </a:fontRef>
-            </p:style>
-            <p:txBody>
-              <a:bodyPr rtlCol="0" anchor="ctr"/>
-              <a:lstStyle/>
-              <a:p>
-                <a:pPr algn="ctr"/>
-                <a:endParaRPr lang="en-TH"/>
-              </a:p>
-            </p:txBody>
-          </p:sp>
-          <p:sp>
-            <p:nvSpPr>
-              <p:cNvPr id="30" name="Rectangle 29">
-                <a:extLst>
-                  <a:ext uri="{FF2B5EF4-FFF2-40B4-BE49-F238E27FC236}">
-                    <a16:creationId xmlns:a16="http://schemas.microsoft.com/office/drawing/2014/main" id="{FAACF364-04FD-019F-E630-D7C4037D1613}"/>
-                  </a:ext>
-                </a:extLst>
-              </p:cNvPr>
-              <p:cNvSpPr/>
-              <p:nvPr/>
-            </p:nvSpPr>
-            <p:spPr>
-              <a:xfrm>
-                <a:off x="4730391" y="5663868"/>
-                <a:ext cx="95415" cy="95415"/>
-              </a:xfrm>
-              <a:prstGeom prst="rect">
-                <a:avLst/>
-              </a:prstGeom>
-            </p:spPr>
-            <p:style>
-              <a:lnRef idx="2">
-                <a:schemeClr val="accent1">
-                  <a:shade val="50000"/>
-                </a:schemeClr>
-              </a:lnRef>
-              <a:fillRef idx="1">
-                <a:schemeClr val="accent1"/>
-              </a:fillRef>
-              <a:effectRef idx="0">
-                <a:schemeClr val="accent1"/>
-              </a:effectRef>
-              <a:fontRef idx="minor">
-                <a:schemeClr val="lt1"/>
-              </a:fontRef>
-            </p:style>
-            <p:txBody>
-              <a:bodyPr rtlCol="0" anchor="ctr"/>
-              <a:lstStyle/>
-              <a:p>
-                <a:pPr algn="ctr"/>
-                <a:endParaRPr lang="en-TH"/>
-              </a:p>
-            </p:txBody>
-          </p:sp>
-          <p:sp>
-            <p:nvSpPr>
-              <p:cNvPr id="31" name="Rectangle 30">
-                <a:extLst>
-                  <a:ext uri="{FF2B5EF4-FFF2-40B4-BE49-F238E27FC236}">
-                    <a16:creationId xmlns:a16="http://schemas.microsoft.com/office/drawing/2014/main" id="{C6748E14-83E2-CAF1-A99A-748B57D2EEB0}"/>
-                  </a:ext>
-                </a:extLst>
-              </p:cNvPr>
-              <p:cNvSpPr/>
-              <p:nvPr/>
-            </p:nvSpPr>
-            <p:spPr>
-              <a:xfrm>
-                <a:off x="4968295" y="5663868"/>
-                <a:ext cx="95415" cy="95415"/>
-              </a:xfrm>
-              <a:prstGeom prst="rect">
-                <a:avLst/>
-              </a:prstGeom>
-            </p:spPr>
-            <p:style>
-              <a:lnRef idx="2">
-                <a:schemeClr val="accent1">
-                  <a:shade val="50000"/>
-                </a:schemeClr>
-              </a:lnRef>
-              <a:fillRef idx="1">
-                <a:schemeClr val="accent1"/>
-              </a:fillRef>
-              <a:effectRef idx="0">
-                <a:schemeClr val="accent1"/>
-              </a:effectRef>
-              <a:fontRef idx="minor">
-                <a:schemeClr val="lt1"/>
-              </a:fontRef>
-            </p:style>
-            <p:txBody>
-              <a:bodyPr rtlCol="0" anchor="ctr"/>
-              <a:lstStyle/>
-              <a:p>
-                <a:pPr algn="ctr"/>
-                <a:endParaRPr lang="en-TH"/>
-              </a:p>
-            </p:txBody>
-          </p:sp>
-          <p:cxnSp>
-            <p:nvCxnSpPr>
-              <p:cNvPr id="32" name="Straight Connector 31">
-                <a:extLst>
-                  <a:ext uri="{FF2B5EF4-FFF2-40B4-BE49-F238E27FC236}">
-                    <a16:creationId xmlns:a16="http://schemas.microsoft.com/office/drawing/2014/main" id="{11A7121B-6663-8147-257C-98A2F3769FFB}"/>
-                  </a:ext>
-                </a:extLst>
-              </p:cNvPr>
-              <p:cNvCxnSpPr>
-                <a:stCxn id="23" idx="3"/>
-                <a:endCxn id="24" idx="1"/>
-              </p:cNvCxnSpPr>
-              <p:nvPr/>
-            </p:nvCxnSpPr>
-            <p:spPr>
-              <a:xfrm>
-                <a:off x="4587902" y="5287618"/>
-                <a:ext cx="142489" cy="0"/>
-              </a:xfrm>
-              <a:prstGeom prst="line">
-                <a:avLst/>
-              </a:prstGeom>
-              <a:ln w="12700"/>
-            </p:spPr>
-            <p:style>
-              <a:lnRef idx="1">
-                <a:schemeClr val="accent1"/>
-              </a:lnRef>
-              <a:fillRef idx="0">
-                <a:schemeClr val="accent1"/>
-              </a:fillRef>
-              <a:effectRef idx="0">
-                <a:schemeClr val="accent1"/>
-              </a:effectRef>
-              <a:fontRef idx="minor">
-                <a:schemeClr val="tx1"/>
-              </a:fontRef>
-            </p:style>
-          </p:cxnSp>
-          <p:cxnSp>
-            <p:nvCxnSpPr>
-              <p:cNvPr id="33" name="Straight Connector 32">
-                <a:extLst>
-                  <a:ext uri="{FF2B5EF4-FFF2-40B4-BE49-F238E27FC236}">
-                    <a16:creationId xmlns:a16="http://schemas.microsoft.com/office/drawing/2014/main" id="{4DCB0B1F-8BCB-315F-41E0-585F70345F11}"/>
-                  </a:ext>
-                </a:extLst>
-              </p:cNvPr>
-              <p:cNvCxnSpPr>
-                <a:cxnSpLocks/>
-                <a:stCxn id="26" idx="2"/>
-                <a:endCxn id="29" idx="0"/>
-              </p:cNvCxnSpPr>
-              <p:nvPr/>
-            </p:nvCxnSpPr>
-            <p:spPr>
-              <a:xfrm>
-                <a:off x="4540195" y="5547304"/>
-                <a:ext cx="0" cy="116564"/>
-              </a:xfrm>
-              <a:prstGeom prst="line">
-                <a:avLst/>
-              </a:prstGeom>
-              <a:ln w="12700"/>
-            </p:spPr>
-            <p:style>
-              <a:lnRef idx="1">
-                <a:schemeClr val="accent1"/>
-              </a:lnRef>
-              <a:fillRef idx="0">
-                <a:schemeClr val="accent1"/>
-              </a:fillRef>
-              <a:effectRef idx="0">
-                <a:schemeClr val="accent1"/>
-              </a:effectRef>
-              <a:fontRef idx="minor">
-                <a:schemeClr val="tx1"/>
-              </a:fontRef>
-            </p:style>
-          </p:cxnSp>
-          <p:cxnSp>
-            <p:nvCxnSpPr>
-              <p:cNvPr id="34" name="Straight Connector 33">
-                <a:extLst>
-                  <a:ext uri="{FF2B5EF4-FFF2-40B4-BE49-F238E27FC236}">
-                    <a16:creationId xmlns:a16="http://schemas.microsoft.com/office/drawing/2014/main" id="{749808D8-20B8-4373-D94C-05B447F9CD47}"/>
-                  </a:ext>
-                </a:extLst>
-              </p:cNvPr>
-              <p:cNvCxnSpPr>
-                <a:cxnSpLocks/>
-                <a:stCxn id="24" idx="2"/>
-                <a:endCxn id="27" idx="0"/>
-              </p:cNvCxnSpPr>
-              <p:nvPr/>
-            </p:nvCxnSpPr>
-            <p:spPr>
-              <a:xfrm>
-                <a:off x="4778099" y="5335325"/>
-                <a:ext cx="0" cy="116564"/>
-              </a:xfrm>
-              <a:prstGeom prst="line">
-                <a:avLst/>
-              </a:prstGeom>
-              <a:ln w="12700"/>
-            </p:spPr>
-            <p:style>
-              <a:lnRef idx="1">
-                <a:schemeClr val="accent1"/>
-              </a:lnRef>
-              <a:fillRef idx="0">
-                <a:schemeClr val="accent1"/>
-              </a:fillRef>
-              <a:effectRef idx="0">
-                <a:schemeClr val="accent1"/>
-              </a:effectRef>
-              <a:fontRef idx="minor">
-                <a:schemeClr val="tx1"/>
-              </a:fontRef>
-            </p:style>
-          </p:cxnSp>
-          <p:cxnSp>
-            <p:nvCxnSpPr>
-              <p:cNvPr id="35" name="Straight Connector 34">
-                <a:extLst>
-                  <a:ext uri="{FF2B5EF4-FFF2-40B4-BE49-F238E27FC236}">
-                    <a16:creationId xmlns:a16="http://schemas.microsoft.com/office/drawing/2014/main" id="{922311DC-5D0D-AC5C-C9B8-628E3C102950}"/>
-                  </a:ext>
-                </a:extLst>
-              </p:cNvPr>
-              <p:cNvCxnSpPr>
-                <a:cxnSpLocks/>
-                <a:stCxn id="25" idx="2"/>
-                <a:endCxn id="28" idx="0"/>
-              </p:cNvCxnSpPr>
-              <p:nvPr/>
-            </p:nvCxnSpPr>
-            <p:spPr>
-              <a:xfrm>
-                <a:off x="5016003" y="5335325"/>
-                <a:ext cx="0" cy="116564"/>
-              </a:xfrm>
-              <a:prstGeom prst="line">
-                <a:avLst/>
-              </a:prstGeom>
-              <a:ln w="12700"/>
-            </p:spPr>
-            <p:style>
-              <a:lnRef idx="1">
-                <a:schemeClr val="accent1"/>
-              </a:lnRef>
-              <a:fillRef idx="0">
-                <a:schemeClr val="accent1"/>
-              </a:fillRef>
-              <a:effectRef idx="0">
-                <a:schemeClr val="accent1"/>
-              </a:effectRef>
-              <a:fontRef idx="minor">
-                <a:schemeClr val="tx1"/>
-              </a:fontRef>
-            </p:style>
-          </p:cxnSp>
-          <p:cxnSp>
-            <p:nvCxnSpPr>
-              <p:cNvPr id="36" name="Straight Connector 35">
-                <a:extLst>
-                  <a:ext uri="{FF2B5EF4-FFF2-40B4-BE49-F238E27FC236}">
-                    <a16:creationId xmlns:a16="http://schemas.microsoft.com/office/drawing/2014/main" id="{AF95DCEA-C061-2330-3925-271C24EAAC25}"/>
-                  </a:ext>
-                </a:extLst>
-              </p:cNvPr>
-              <p:cNvCxnSpPr>
-                <a:cxnSpLocks/>
-                <a:stCxn id="28" idx="2"/>
-                <a:endCxn id="31" idx="0"/>
-              </p:cNvCxnSpPr>
-              <p:nvPr/>
-            </p:nvCxnSpPr>
-            <p:spPr>
-              <a:xfrm>
-                <a:off x="5016003" y="5547304"/>
-                <a:ext cx="0" cy="116564"/>
-              </a:xfrm>
-              <a:prstGeom prst="line">
-                <a:avLst/>
-              </a:prstGeom>
-              <a:ln w="12700"/>
-            </p:spPr>
-            <p:style>
-              <a:lnRef idx="1">
-                <a:schemeClr val="accent1"/>
-              </a:lnRef>
-              <a:fillRef idx="0">
-                <a:schemeClr val="accent1"/>
-              </a:fillRef>
-              <a:effectRef idx="0">
-                <a:schemeClr val="accent1"/>
-              </a:effectRef>
-              <a:fontRef idx="minor">
-                <a:schemeClr val="tx1"/>
-              </a:fontRef>
-            </p:style>
-          </p:cxnSp>
-          <p:cxnSp>
-            <p:nvCxnSpPr>
-              <p:cNvPr id="37" name="Curved Connector 36">
-                <a:extLst>
-                  <a:ext uri="{FF2B5EF4-FFF2-40B4-BE49-F238E27FC236}">
-                    <a16:creationId xmlns:a16="http://schemas.microsoft.com/office/drawing/2014/main" id="{DC14EBAB-25E6-BC0F-5D26-9E773AD92402}"/>
-                  </a:ext>
-                </a:extLst>
-              </p:cNvPr>
-              <p:cNvCxnSpPr>
-                <a:cxnSpLocks/>
-                <a:stCxn id="24" idx="3"/>
-                <a:endCxn id="28" idx="1"/>
-              </p:cNvCxnSpPr>
-              <p:nvPr/>
-            </p:nvCxnSpPr>
-            <p:spPr>
-              <a:xfrm>
-                <a:off x="4825806" y="5287618"/>
-                <a:ext cx="142489" cy="211979"/>
-              </a:xfrm>
-              <a:prstGeom prst="curvedConnector3">
-                <a:avLst/>
-              </a:prstGeom>
-              <a:ln w="12700"/>
-            </p:spPr>
-            <p:style>
-              <a:lnRef idx="1">
-                <a:schemeClr val="accent1"/>
-              </a:lnRef>
-              <a:fillRef idx="0">
-                <a:schemeClr val="accent1"/>
-              </a:fillRef>
-              <a:effectRef idx="0">
-                <a:schemeClr val="accent1"/>
-              </a:effectRef>
-              <a:fontRef idx="minor">
-                <a:schemeClr val="tx1"/>
-              </a:fontRef>
-            </p:style>
-          </p:cxnSp>
-          <p:cxnSp>
-            <p:nvCxnSpPr>
-              <p:cNvPr id="38" name="Curved Connector 37">
-                <a:extLst>
-                  <a:ext uri="{FF2B5EF4-FFF2-40B4-BE49-F238E27FC236}">
-                    <a16:creationId xmlns:a16="http://schemas.microsoft.com/office/drawing/2014/main" id="{219A9264-FC1F-9EE2-6391-69B7AE1806CF}"/>
-                  </a:ext>
-                </a:extLst>
-              </p:cNvPr>
-              <p:cNvCxnSpPr>
-                <a:cxnSpLocks/>
-                <a:stCxn id="27" idx="3"/>
-                <a:endCxn id="31" idx="1"/>
-              </p:cNvCxnSpPr>
-              <p:nvPr/>
-            </p:nvCxnSpPr>
-            <p:spPr>
-              <a:xfrm>
-                <a:off x="4825806" y="5499597"/>
-                <a:ext cx="142489" cy="211979"/>
-              </a:xfrm>
-              <a:prstGeom prst="curvedConnector3">
-                <a:avLst/>
-              </a:prstGeom>
-              <a:ln w="12700"/>
-            </p:spPr>
-            <p:style>
-              <a:lnRef idx="1">
-                <a:schemeClr val="accent1"/>
-              </a:lnRef>
-              <a:fillRef idx="0">
-                <a:schemeClr val="accent1"/>
-              </a:fillRef>
-              <a:effectRef idx="0">
-                <a:schemeClr val="accent1"/>
-              </a:effectRef>
-              <a:fontRef idx="minor">
-                <a:schemeClr val="tx1"/>
-              </a:fontRef>
-            </p:style>
-          </p:cxnSp>
-          <p:cxnSp>
-            <p:nvCxnSpPr>
-              <p:cNvPr id="39" name="Curved Connector 38">
-                <a:extLst>
-                  <a:ext uri="{FF2B5EF4-FFF2-40B4-BE49-F238E27FC236}">
-                    <a16:creationId xmlns:a16="http://schemas.microsoft.com/office/drawing/2014/main" id="{A4AC789E-3C7A-9F74-CDAA-9E056F922E3D}"/>
-                  </a:ext>
-                </a:extLst>
-              </p:cNvPr>
-              <p:cNvCxnSpPr>
-                <a:cxnSpLocks/>
-                <a:stCxn id="27" idx="1"/>
-                <a:endCxn id="29" idx="3"/>
-              </p:cNvCxnSpPr>
-              <p:nvPr/>
-            </p:nvCxnSpPr>
-            <p:spPr>
-              <a:xfrm rot="10800000" flipV="1">
-                <a:off x="4587903" y="5499596"/>
-                <a:ext cx="142489" cy="211979"/>
-              </a:xfrm>
-              <a:prstGeom prst="curvedConnector3">
-                <a:avLst>
-                  <a:gd name="adj1" fmla="val 50000"/>
-                </a:avLst>
-              </a:prstGeom>
-              <a:ln w="12700"/>
-            </p:spPr>
-            <p:style>
-              <a:lnRef idx="1">
-                <a:schemeClr val="accent1"/>
-              </a:lnRef>
-              <a:fillRef idx="0">
-                <a:schemeClr val="accent1"/>
-              </a:fillRef>
-              <a:effectRef idx="0">
-                <a:schemeClr val="accent1"/>
-              </a:effectRef>
-              <a:fontRef idx="minor">
-                <a:schemeClr val="tx1"/>
-              </a:fontRef>
-            </p:style>
-          </p:cxnSp>
-        </p:grpSp>
-      </p:grpSp>
-      <p:sp>
-        <p:nvSpPr>
-          <p:cNvPr id="49" name="Down Arrow 48">
-            <a:extLst>
-              <a:ext uri="{FF2B5EF4-FFF2-40B4-BE49-F238E27FC236}">
-                <a16:creationId xmlns:a16="http://schemas.microsoft.com/office/drawing/2014/main" id="{015AC9AE-8FC4-4194-2328-65908187DB4D}"/>
-              </a:ext>
-            </a:extLst>
-          </p:cNvPr>
-          <p:cNvSpPr/>
-          <p:nvPr/>
-        </p:nvSpPr>
-        <p:spPr>
-          <a:xfrm>
-            <a:off x="661532" y="4407611"/>
-            <a:ext cx="734668" cy="376169"/>
-          </a:xfrm>
-          <a:prstGeom prst="downArrow">
-            <a:avLst/>
-          </a:prstGeom>
-        </p:spPr>
-        <p:style>
-          <a:lnRef idx="2">
-            <a:schemeClr val="accent1">
-              <a:shade val="50000"/>
-            </a:schemeClr>
-          </a:lnRef>
-          <a:fillRef idx="1">
-            <a:schemeClr val="accent1"/>
-          </a:fillRef>
-          <a:effectRef idx="0">
-            <a:schemeClr val="accent1"/>
-          </a:effectRef>
-          <a:fontRef idx="minor">
-            <a:schemeClr val="lt1"/>
-          </a:fontRef>
-        </p:style>
-        <p:txBody>
-          <a:bodyPr rtlCol="0" anchor="ctr"/>
-          <a:lstStyle/>
-          <a:p>
-            <a:pPr algn="ctr"/>
-            <a:endParaRPr lang="en-TH"/>
-          </a:p>
-        </p:txBody>
-      </p:sp>
-      <p:sp>
-        <p:nvSpPr>
-          <p:cNvPr id="69" name="Rectangle 68">
-            <a:extLst>
-              <a:ext uri="{FF2B5EF4-FFF2-40B4-BE49-F238E27FC236}">
-                <a16:creationId xmlns:a16="http://schemas.microsoft.com/office/drawing/2014/main" id="{1DA11B14-1F95-493B-7BBA-A3DF089E16CB}"/>
-              </a:ext>
-            </a:extLst>
-          </p:cNvPr>
-          <p:cNvSpPr/>
-          <p:nvPr/>
-        </p:nvSpPr>
-        <p:spPr>
-          <a:xfrm>
-            <a:off x="1934803" y="4815421"/>
-            <a:ext cx="6925733" cy="1480052"/>
-          </a:xfrm>
-          <a:prstGeom prst="rect">
-            <a:avLst/>
-          </a:prstGeom>
-          <a:solidFill>
-            <a:schemeClr val="accent1">
-              <a:lumMod val="40000"/>
-              <a:lumOff val="60000"/>
-              <a:alpha val="41569"/>
-            </a:schemeClr>
-          </a:solidFill>
-          <a:ln>
-            <a:noFill/>
-          </a:ln>
-          <a:effectLst>
-            <a:outerShdw blurRad="50800" dist="38100" dir="2700000" algn="tl" rotWithShape="0">
-              <a:prstClr val="black">
-                <a:alpha val="40000"/>
-              </a:prstClr>
-            </a:outerShdw>
-          </a:effectLst>
-        </p:spPr>
-        <p:style>
-          <a:lnRef idx="2">
-            <a:schemeClr val="accent1">
-              <a:shade val="50000"/>
-            </a:schemeClr>
-          </a:lnRef>
-          <a:fillRef idx="1">
-            <a:schemeClr val="accent1"/>
-          </a:fillRef>
-          <a:effectRef idx="0">
-            <a:schemeClr val="accent1"/>
-          </a:effectRef>
-          <a:fontRef idx="minor">
-            <a:schemeClr val="lt1"/>
-          </a:fontRef>
-        </p:style>
-        <p:txBody>
-          <a:bodyPr rtlCol="0" anchor="ctr"/>
-          <a:lstStyle/>
-          <a:p>
-            <a:pPr algn="ctr"/>
-            <a:endParaRPr lang="en-TH"/>
-          </a:p>
-        </p:txBody>
-      </p:sp>
-      <p:cxnSp>
-        <p:nvCxnSpPr>
-          <p:cNvPr id="65" name="Elbow Connector 64">
-            <a:extLst>
-              <a:ext uri="{FF2B5EF4-FFF2-40B4-BE49-F238E27FC236}">
-                <a16:creationId xmlns:a16="http://schemas.microsoft.com/office/drawing/2014/main" id="{501D22CE-98ED-7908-4ED2-7FF23203F258}"/>
-              </a:ext>
-            </a:extLst>
-          </p:cNvPr>
-          <p:cNvCxnSpPr>
-            <a:cxnSpLocks/>
-            <a:stCxn id="40" idx="6"/>
-            <a:endCxn id="54" idx="1"/>
-          </p:cNvCxnSpPr>
-          <p:nvPr/>
-        </p:nvCxnSpPr>
-        <p:spPr>
-          <a:xfrm flipV="1">
-            <a:off x="1674324" y="4980878"/>
-            <a:ext cx="260479" cy="574571"/>
-          </a:xfrm>
-          <a:prstGeom prst="bentConnector3">
-            <a:avLst>
-              <a:gd name="adj1" fmla="val 50000"/>
-            </a:avLst>
-          </a:prstGeom>
-          <a:ln w="38100">
-            <a:solidFill>
-              <a:schemeClr val="accent1"/>
-            </a:solidFill>
-            <a:headEnd type="oval" w="med" len="med"/>
-            <a:tailEnd type="oval" w="med" len="med"/>
-          </a:ln>
-        </p:spPr>
-        <p:style>
-          <a:lnRef idx="1">
-            <a:schemeClr val="accent1"/>
-          </a:lnRef>
-          <a:fillRef idx="0">
-            <a:schemeClr val="accent1"/>
-          </a:fillRef>
-          <a:effectRef idx="0">
-            <a:schemeClr val="accent1"/>
-          </a:effectRef>
-          <a:fontRef idx="minor">
-            <a:schemeClr val="tx1"/>
-          </a:fontRef>
-        </p:style>
-      </p:cxnSp>
-      <p:sp>
-        <p:nvSpPr>
-          <p:cNvPr id="21" name="TextBox 20">
-            <a:extLst>
-              <a:ext uri="{FF2B5EF4-FFF2-40B4-BE49-F238E27FC236}">
-                <a16:creationId xmlns:a16="http://schemas.microsoft.com/office/drawing/2014/main" id="{C26E4524-E8E0-E0E4-EA3C-B14E3D3E71C2}"/>
-              </a:ext>
-            </a:extLst>
-          </p:cNvPr>
-          <p:cNvSpPr txBox="1"/>
-          <p:nvPr/>
-        </p:nvSpPr>
-        <p:spPr>
-          <a:xfrm>
-            <a:off x="1952448" y="5130687"/>
-            <a:ext cx="3545343" cy="1092607"/>
-          </a:xfrm>
-          <a:prstGeom prst="rect">
-            <a:avLst/>
-          </a:prstGeom>
-          <a:noFill/>
-        </p:spPr>
-        <p:txBody>
-          <a:bodyPr wrap="square" rtlCol="0">
-            <a:spAutoFit/>
-          </a:bodyPr>
-          <a:lstStyle/>
-          <a:p>
-            <a:pPr marL="285750" indent="-285750" algn="l">
-              <a:buFont typeface="Arial" panose="020B0604020202020204" pitchFamily="34" charset="0"/>
-              <a:buChar char="•"/>
-            </a:pPr>
-            <a:r>
-              <a:rPr lang="en-US" sz="1300" b="0" i="0" dirty="0">
-                <a:effectLst/>
-              </a:rPr>
-              <a:t>Decision Trees</a:t>
-            </a:r>
-          </a:p>
-          <a:p>
-            <a:pPr marL="285750" indent="-285750" algn="l">
-              <a:buFont typeface="Arial" panose="020B0604020202020204" pitchFamily="34" charset="0"/>
-              <a:buChar char="•"/>
-            </a:pPr>
-            <a:r>
-              <a:rPr lang="en-US" sz="1300" b="0" i="0" dirty="0">
-                <a:effectLst/>
-              </a:rPr>
-              <a:t>Naive Bayes Classifier</a:t>
-            </a:r>
-          </a:p>
-          <a:p>
-            <a:pPr marL="285750" indent="-285750" algn="l">
-              <a:buFont typeface="Arial" panose="020B0604020202020204" pitchFamily="34" charset="0"/>
-              <a:buChar char="•"/>
-            </a:pPr>
-            <a:r>
-              <a:rPr lang="en-US" sz="1300" b="0" i="0" dirty="0">
-                <a:effectLst/>
-              </a:rPr>
-              <a:t>AdaBoost Classifier</a:t>
-            </a:r>
-          </a:p>
-          <a:p>
-            <a:pPr marL="285750" indent="-285750" algn="l">
-              <a:buFont typeface="Arial" panose="020B0604020202020204" pitchFamily="34" charset="0"/>
-              <a:buChar char="•"/>
-            </a:pPr>
-            <a:r>
-              <a:rPr lang="en-US" sz="1300" b="0" i="0" dirty="0">
-                <a:effectLst/>
-              </a:rPr>
-              <a:t>Multilayer Perceptron</a:t>
-            </a:r>
-          </a:p>
-          <a:p>
-            <a:pPr marL="285750" indent="-285750" algn="l">
-              <a:buFont typeface="Arial" panose="020B0604020202020204" pitchFamily="34" charset="0"/>
-              <a:buChar char="•"/>
-            </a:pPr>
-            <a:r>
-              <a:rPr lang="en-US" sz="1300" b="0" i="0" dirty="0">
-                <a:effectLst/>
-              </a:rPr>
-              <a:t>Bagging along with Random Forest</a:t>
-            </a:r>
-          </a:p>
-        </p:txBody>
-      </p:sp>
-      <p:sp>
-        <p:nvSpPr>
-          <p:cNvPr id="51" name="TextBox 50">
-            <a:extLst>
-              <a:ext uri="{FF2B5EF4-FFF2-40B4-BE49-F238E27FC236}">
-                <a16:creationId xmlns:a16="http://schemas.microsoft.com/office/drawing/2014/main" id="{1B1A1E4D-4DA0-32BD-72D3-13BC1748A532}"/>
-              </a:ext>
-            </a:extLst>
-          </p:cNvPr>
-          <p:cNvSpPr txBox="1"/>
-          <p:nvPr/>
-        </p:nvSpPr>
-        <p:spPr>
-          <a:xfrm>
-            <a:off x="4984626" y="5130687"/>
-            <a:ext cx="4197159" cy="892552"/>
-          </a:xfrm>
-          <a:prstGeom prst="rect">
-            <a:avLst/>
-          </a:prstGeom>
-          <a:noFill/>
-        </p:spPr>
-        <p:txBody>
-          <a:bodyPr wrap="square" rtlCol="0">
-            <a:spAutoFit/>
-          </a:bodyPr>
-          <a:lstStyle/>
-          <a:p>
-            <a:pPr marL="285750" indent="-285750" algn="l">
-              <a:buFont typeface="Arial" panose="020B0604020202020204" pitchFamily="34" charset="0"/>
-              <a:buChar char="•"/>
-            </a:pPr>
-            <a:r>
-              <a:rPr lang="en-US" sz="1300" b="0" i="0" dirty="0">
-                <a:effectLst/>
-              </a:rPr>
-              <a:t>K-nearest neighbor with Grid Search CV</a:t>
-            </a:r>
-            <a:endParaRPr lang="en-US" sz="1300" dirty="0"/>
-          </a:p>
-          <a:p>
-            <a:pPr marL="285750" indent="-285750" algn="l">
-              <a:buFont typeface="Arial" panose="020B0604020202020204" pitchFamily="34" charset="0"/>
-              <a:buChar char="•"/>
-            </a:pPr>
-            <a:r>
-              <a:rPr lang="en-US" sz="1300" b="0" i="0" dirty="0">
-                <a:effectLst/>
-              </a:rPr>
-              <a:t>Logistic Regression with Grid Search CV</a:t>
-            </a:r>
-            <a:endParaRPr lang="en-US" sz="1300" dirty="0"/>
-          </a:p>
-          <a:p>
-            <a:pPr marL="285750" indent="-285750" algn="l">
-              <a:buFont typeface="Arial" panose="020B0604020202020204" pitchFamily="34" charset="0"/>
-              <a:buChar char="•"/>
-            </a:pPr>
-            <a:r>
-              <a:rPr lang="en-US" sz="1300" b="0" i="0" dirty="0">
-                <a:effectLst/>
-              </a:rPr>
-              <a:t>Random Forest with Randomized Search CV</a:t>
-            </a:r>
-            <a:endParaRPr lang="en-US" sz="1300" dirty="0"/>
-          </a:p>
-          <a:p>
-            <a:pPr marL="285750" indent="-285750" algn="l">
-              <a:buFont typeface="Arial" panose="020B0604020202020204" pitchFamily="34" charset="0"/>
-              <a:buChar char="•"/>
-            </a:pPr>
-            <a:r>
-              <a:rPr lang="en-US" sz="1300" b="0" i="0" dirty="0">
-                <a:effectLst/>
-              </a:rPr>
-              <a:t>Support Vector Machine with Grid Search CV</a:t>
-            </a:r>
-          </a:p>
-        </p:txBody>
-      </p:sp>
-      <p:sp>
-        <p:nvSpPr>
-          <p:cNvPr id="54" name="TextBox 53">
-            <a:extLst>
-              <a:ext uri="{FF2B5EF4-FFF2-40B4-BE49-F238E27FC236}">
-                <a16:creationId xmlns:a16="http://schemas.microsoft.com/office/drawing/2014/main" id="{573F8E0B-6DA6-11A1-DB0D-C29EB7309BCE}"/>
-              </a:ext>
-            </a:extLst>
-          </p:cNvPr>
-          <p:cNvSpPr txBox="1"/>
-          <p:nvPr/>
-        </p:nvSpPr>
-        <p:spPr>
-          <a:xfrm>
-            <a:off x="1934803" y="4826989"/>
-            <a:ext cx="2970241" cy="307777"/>
-          </a:xfrm>
-          <a:prstGeom prst="rect">
-            <a:avLst/>
-          </a:prstGeom>
-          <a:noFill/>
-        </p:spPr>
-        <p:txBody>
-          <a:bodyPr wrap="square" rtlCol="0">
-            <a:spAutoFit/>
-          </a:bodyPr>
-          <a:lstStyle/>
-          <a:p>
-            <a:r>
-              <a:rPr lang="en-US" sz="1400" b="1" dirty="0"/>
-              <a:t> Selected Predictive Models</a:t>
-            </a:r>
-            <a:endParaRPr lang="en-TH" sz="1400" b="1" dirty="0"/>
-          </a:p>
-        </p:txBody>
-      </p:sp>
-      <p:sp>
-        <p:nvSpPr>
-          <p:cNvPr id="72" name="TextBox 71">
-            <a:extLst>
-              <a:ext uri="{FF2B5EF4-FFF2-40B4-BE49-F238E27FC236}">
-                <a16:creationId xmlns:a16="http://schemas.microsoft.com/office/drawing/2014/main" id="{D7E3BF1E-DC8D-0ADC-A20A-88FB8FA34083}"/>
-              </a:ext>
-            </a:extLst>
-          </p:cNvPr>
-          <p:cNvSpPr txBox="1"/>
-          <p:nvPr/>
-        </p:nvSpPr>
-        <p:spPr>
-          <a:xfrm>
-            <a:off x="449149" y="6253106"/>
-            <a:ext cx="1164405" cy="307777"/>
-          </a:xfrm>
-          <a:prstGeom prst="rect">
-            <a:avLst/>
-          </a:prstGeom>
-          <a:noFill/>
-        </p:spPr>
-        <p:txBody>
-          <a:bodyPr wrap="square" rtlCol="0">
-            <a:spAutoFit/>
-          </a:bodyPr>
-          <a:lstStyle/>
-          <a:p>
-            <a:pPr algn="ctr"/>
-            <a:r>
-              <a:rPr lang="en-US" sz="1400" b="1" dirty="0"/>
-              <a:t>Modeling</a:t>
-            </a:r>
-            <a:endParaRPr lang="en-TH" sz="1400" b="1" dirty="0"/>
           </a:p>
         </p:txBody>
       </p:sp>
@@ -25717,342 +24661,6 @@
   <p:clrMapOvr>
     <a:masterClrMapping/>
   </p:clrMapOvr>
-  <p:timing>
-    <p:tnLst>
-      <p:par>
-        <p:cTn id="1" dur="indefinite" restart="never" nodeType="tmRoot">
-          <p:childTnLst>
-            <p:seq concurrent="1" nextAc="seek">
-              <p:cTn id="2" dur="indefinite" nodeType="mainSeq">
-                <p:childTnLst>
-                  <p:par>
-                    <p:cTn id="3" fill="hold">
-                      <p:stCondLst>
-                        <p:cond delay="indefinite"/>
-                      </p:stCondLst>
-                      <p:childTnLst>
-                        <p:par>
-                          <p:cTn id="4" fill="hold">
-                            <p:stCondLst>
-                              <p:cond delay="0"/>
-                            </p:stCondLst>
-                            <p:childTnLst>
-                              <p:par>
-                                <p:cTn id="5" presetID="10" presetClass="entr" presetSubtype="0" fill="hold" nodeType="clickEffect">
-                                  <p:stCondLst>
-                                    <p:cond delay="0"/>
-                                  </p:stCondLst>
-                                  <p:childTnLst>
-                                    <p:set>
-                                      <p:cBhvr>
-                                        <p:cTn id="6" dur="1" fill="hold">
-                                          <p:stCondLst>
-                                            <p:cond delay="0"/>
-                                          </p:stCondLst>
-                                        </p:cTn>
-                                        <p:tgtEl>
-                                          <p:spTgt spid="50"/>
-                                        </p:tgtEl>
-                                        <p:attrNameLst>
-                                          <p:attrName>style.visibility</p:attrName>
-                                        </p:attrNameLst>
-                                      </p:cBhvr>
-                                      <p:to>
-                                        <p:strVal val="visible"/>
-                                      </p:to>
-                                    </p:set>
-                                    <p:animEffect transition="in" filter="fade">
-                                      <p:cBhvr>
-                                        <p:cTn id="7" dur="500"/>
-                                        <p:tgtEl>
-                                          <p:spTgt spid="50"/>
-                                        </p:tgtEl>
-                                      </p:cBhvr>
-                                    </p:animEffect>
-                                  </p:childTnLst>
-                                </p:cTn>
-                              </p:par>
-                              <p:par>
-                                <p:cTn id="8" presetID="10" presetClass="entr" presetSubtype="0" fill="hold" grpId="0" nodeType="withEffect">
-                                  <p:stCondLst>
-                                    <p:cond delay="0"/>
-                                  </p:stCondLst>
-                                  <p:childTnLst>
-                                    <p:set>
-                                      <p:cBhvr>
-                                        <p:cTn id="9" dur="1" fill="hold">
-                                          <p:stCondLst>
-                                            <p:cond delay="0"/>
-                                          </p:stCondLst>
-                                        </p:cTn>
-                                        <p:tgtEl>
-                                          <p:spTgt spid="49"/>
-                                        </p:tgtEl>
-                                        <p:attrNameLst>
-                                          <p:attrName>style.visibility</p:attrName>
-                                        </p:attrNameLst>
-                                      </p:cBhvr>
-                                      <p:to>
-                                        <p:strVal val="visible"/>
-                                      </p:to>
-                                    </p:set>
-                                    <p:animEffect transition="in" filter="fade">
-                                      <p:cBhvr>
-                                        <p:cTn id="10" dur="500"/>
-                                        <p:tgtEl>
-                                          <p:spTgt spid="49"/>
-                                        </p:tgtEl>
-                                      </p:cBhvr>
-                                    </p:animEffect>
-                                  </p:childTnLst>
-                                </p:cTn>
-                              </p:par>
-                              <p:par>
-                                <p:cTn id="11" presetID="10" presetClass="entr" presetSubtype="0" fill="hold" grpId="0" nodeType="withEffect">
-                                  <p:stCondLst>
-                                    <p:cond delay="0"/>
-                                  </p:stCondLst>
-                                  <p:childTnLst>
-                                    <p:set>
-                                      <p:cBhvr>
-                                        <p:cTn id="12" dur="1" fill="hold">
-                                          <p:stCondLst>
-                                            <p:cond delay="0"/>
-                                          </p:stCondLst>
-                                        </p:cTn>
-                                        <p:tgtEl>
-                                          <p:spTgt spid="69"/>
-                                        </p:tgtEl>
-                                        <p:attrNameLst>
-                                          <p:attrName>style.visibility</p:attrName>
-                                        </p:attrNameLst>
-                                      </p:cBhvr>
-                                      <p:to>
-                                        <p:strVal val="visible"/>
-                                      </p:to>
-                                    </p:set>
-                                    <p:animEffect transition="in" filter="fade">
-                                      <p:cBhvr>
-                                        <p:cTn id="13" dur="500"/>
-                                        <p:tgtEl>
-                                          <p:spTgt spid="69"/>
-                                        </p:tgtEl>
-                                      </p:cBhvr>
-                                    </p:animEffect>
-                                  </p:childTnLst>
-                                </p:cTn>
-                              </p:par>
-                              <p:par>
-                                <p:cTn id="14" presetID="10" presetClass="entr" presetSubtype="0" fill="hold" nodeType="withEffect">
-                                  <p:stCondLst>
-                                    <p:cond delay="0"/>
-                                  </p:stCondLst>
-                                  <p:childTnLst>
-                                    <p:set>
-                                      <p:cBhvr>
-                                        <p:cTn id="15" dur="1" fill="hold">
-                                          <p:stCondLst>
-                                            <p:cond delay="0"/>
-                                          </p:stCondLst>
-                                        </p:cTn>
-                                        <p:tgtEl>
-                                          <p:spTgt spid="65"/>
-                                        </p:tgtEl>
-                                        <p:attrNameLst>
-                                          <p:attrName>style.visibility</p:attrName>
-                                        </p:attrNameLst>
-                                      </p:cBhvr>
-                                      <p:to>
-                                        <p:strVal val="visible"/>
-                                      </p:to>
-                                    </p:set>
-                                    <p:animEffect transition="in" filter="fade">
-                                      <p:cBhvr>
-                                        <p:cTn id="16" dur="500"/>
-                                        <p:tgtEl>
-                                          <p:spTgt spid="65"/>
-                                        </p:tgtEl>
-                                      </p:cBhvr>
-                                    </p:animEffect>
-                                  </p:childTnLst>
-                                </p:cTn>
-                              </p:par>
-                              <p:par>
-                                <p:cTn id="17" presetID="10" presetClass="entr" presetSubtype="0" fill="hold" grpId="0" nodeType="withEffect">
-                                  <p:stCondLst>
-                                    <p:cond delay="0"/>
-                                  </p:stCondLst>
-                                  <p:childTnLst>
-                                    <p:set>
-                                      <p:cBhvr>
-                                        <p:cTn id="18" dur="1" fill="hold">
-                                          <p:stCondLst>
-                                            <p:cond delay="0"/>
-                                          </p:stCondLst>
-                                        </p:cTn>
-                                        <p:tgtEl>
-                                          <p:spTgt spid="21"/>
-                                        </p:tgtEl>
-                                        <p:attrNameLst>
-                                          <p:attrName>style.visibility</p:attrName>
-                                        </p:attrNameLst>
-                                      </p:cBhvr>
-                                      <p:to>
-                                        <p:strVal val="visible"/>
-                                      </p:to>
-                                    </p:set>
-                                    <p:animEffect transition="in" filter="fade">
-                                      <p:cBhvr>
-                                        <p:cTn id="19" dur="500"/>
-                                        <p:tgtEl>
-                                          <p:spTgt spid="21"/>
-                                        </p:tgtEl>
-                                      </p:cBhvr>
-                                    </p:animEffect>
-                                  </p:childTnLst>
-                                </p:cTn>
-                              </p:par>
-                              <p:par>
-                                <p:cTn id="20" presetID="10" presetClass="entr" presetSubtype="0" fill="hold" grpId="0" nodeType="withEffect">
-                                  <p:stCondLst>
-                                    <p:cond delay="0"/>
-                                  </p:stCondLst>
-                                  <p:childTnLst>
-                                    <p:set>
-                                      <p:cBhvr>
-                                        <p:cTn id="21" dur="1" fill="hold">
-                                          <p:stCondLst>
-                                            <p:cond delay="0"/>
-                                          </p:stCondLst>
-                                        </p:cTn>
-                                        <p:tgtEl>
-                                          <p:spTgt spid="51"/>
-                                        </p:tgtEl>
-                                        <p:attrNameLst>
-                                          <p:attrName>style.visibility</p:attrName>
-                                        </p:attrNameLst>
-                                      </p:cBhvr>
-                                      <p:to>
-                                        <p:strVal val="visible"/>
-                                      </p:to>
-                                    </p:set>
-                                    <p:animEffect transition="in" filter="fade">
-                                      <p:cBhvr>
-                                        <p:cTn id="22" dur="500"/>
-                                        <p:tgtEl>
-                                          <p:spTgt spid="51"/>
-                                        </p:tgtEl>
-                                      </p:cBhvr>
-                                    </p:animEffect>
-                                  </p:childTnLst>
-                                </p:cTn>
-                              </p:par>
-                              <p:par>
-                                <p:cTn id="23" presetID="10" presetClass="entr" presetSubtype="0" fill="hold" grpId="0" nodeType="withEffect">
-                                  <p:stCondLst>
-                                    <p:cond delay="0"/>
-                                  </p:stCondLst>
-                                  <p:childTnLst>
-                                    <p:set>
-                                      <p:cBhvr>
-                                        <p:cTn id="24" dur="1" fill="hold">
-                                          <p:stCondLst>
-                                            <p:cond delay="0"/>
-                                          </p:stCondLst>
-                                        </p:cTn>
-                                        <p:tgtEl>
-                                          <p:spTgt spid="54"/>
-                                        </p:tgtEl>
-                                        <p:attrNameLst>
-                                          <p:attrName>style.visibility</p:attrName>
-                                        </p:attrNameLst>
-                                      </p:cBhvr>
-                                      <p:to>
-                                        <p:strVal val="visible"/>
-                                      </p:to>
-                                    </p:set>
-                                    <p:animEffect transition="in" filter="fade">
-                                      <p:cBhvr>
-                                        <p:cTn id="25" dur="500"/>
-                                        <p:tgtEl>
-                                          <p:spTgt spid="54"/>
-                                        </p:tgtEl>
-                                      </p:cBhvr>
-                                    </p:animEffect>
-                                  </p:childTnLst>
-                                </p:cTn>
-                              </p:par>
-                              <p:par>
-                                <p:cTn id="26" presetID="10" presetClass="entr" presetSubtype="0" fill="hold" grpId="0" nodeType="withEffect">
-                                  <p:stCondLst>
-                                    <p:cond delay="0"/>
-                                  </p:stCondLst>
-                                  <p:childTnLst>
-                                    <p:set>
-                                      <p:cBhvr>
-                                        <p:cTn id="27" dur="1" fill="hold">
-                                          <p:stCondLst>
-                                            <p:cond delay="0"/>
-                                          </p:stCondLst>
-                                        </p:cTn>
-                                        <p:tgtEl>
-                                          <p:spTgt spid="72"/>
-                                        </p:tgtEl>
-                                        <p:attrNameLst>
-                                          <p:attrName>style.visibility</p:attrName>
-                                        </p:attrNameLst>
-                                      </p:cBhvr>
-                                      <p:to>
-                                        <p:strVal val="visible"/>
-                                      </p:to>
-                                    </p:set>
-                                    <p:animEffect transition="in" filter="fade">
-                                      <p:cBhvr>
-                                        <p:cTn id="28" dur="500"/>
-                                        <p:tgtEl>
-                                          <p:spTgt spid="72"/>
-                                        </p:tgtEl>
-                                      </p:cBhvr>
-                                    </p:animEffect>
-                                  </p:childTnLst>
-                                </p:cTn>
-                              </p:par>
-                            </p:childTnLst>
-                          </p:cTn>
-                        </p:par>
-                      </p:childTnLst>
-                    </p:cTn>
-                  </p:par>
-                </p:childTnLst>
-              </p:cTn>
-              <p:prevCondLst>
-                <p:cond evt="onPrev" delay="0">
-                  <p:tgtEl>
-                    <p:sldTgt/>
-                  </p:tgtEl>
-                </p:cond>
-              </p:prevCondLst>
-              <p:nextCondLst>
-                <p:cond evt="onNext" delay="0">
-                  <p:tgtEl>
-                    <p:sldTgt/>
-                  </p:tgtEl>
-                </p:cond>
-              </p:nextCondLst>
-            </p:seq>
-          </p:childTnLst>
-        </p:cTn>
-      </p:par>
-    </p:tnLst>
-    <p:bldLst>
-      <p:bldP spid="49" grpId="0" animBg="1"/>
-      <p:bldP spid="69" grpId="0" animBg="1"/>
-      <p:bldP spid="21" grpId="0"/>
-      <p:bldP spid="51" grpId="0"/>
-      <p:bldP spid="54" grpId="0"/>
-      <p:bldP spid="72" grpId="0"/>
-    </p:bldLst>
-  </p:timing>
 </p:sld>
 </file>
 
@@ -26622,7 +25230,7 @@
                   </a:outerShdw>
                 </a:effectLst>
               </a:rPr>
-              <a:t>Performance of each model</a:t>
+              <a:t>Implementing predictive models</a:t>
             </a:r>
             <a:endParaRPr lang="en-TH" sz="2400" b="1" dirty="0">
               <a:solidFill>
@@ -26644,10 +25252,10 @@
       </p:sp>
       <p:sp>
         <p:nvSpPr>
-          <p:cNvPr id="11" name="TextBox 10">
+          <p:cNvPr id="34" name="TextBox 33">
             <a:extLst>
               <a:ext uri="{FF2B5EF4-FFF2-40B4-BE49-F238E27FC236}">
-                <a16:creationId xmlns:a16="http://schemas.microsoft.com/office/drawing/2014/main" id="{7FC1D973-3796-B58F-6611-E0FC61051B04}"/>
+                <a16:creationId xmlns:a16="http://schemas.microsoft.com/office/drawing/2014/main" id="{07861B27-9967-915D-28EA-9252E72CA667}"/>
               </a:ext>
             </a:extLst>
           </p:cNvPr>
@@ -26656,8 +25264,3240 @@
         </p:nvSpPr>
         <p:spPr>
           <a:xfrm>
-            <a:off x="1415399" y="3548146"/>
-            <a:ext cx="6313202" cy="923330"/>
+            <a:off x="621793" y="1635669"/>
+            <a:ext cx="5307874" cy="5078313"/>
+          </a:xfrm>
+          <a:prstGeom prst="rect">
+            <a:avLst/>
+          </a:prstGeom>
+          <a:noFill/>
+        </p:spPr>
+        <p:txBody>
+          <a:bodyPr wrap="square" rtlCol="0">
+            <a:spAutoFit/>
+          </a:bodyPr>
+          <a:lstStyle/>
+          <a:p>
+            <a:pPr marL="285750" indent="-285750" algn="l">
+              <a:buFont typeface="Arial" panose="020B0604020202020204" pitchFamily="34" charset="0"/>
+              <a:buChar char="•"/>
+            </a:pPr>
+            <a:r>
+              <a:rPr lang="en-US" b="0" i="0" dirty="0">
+                <a:effectLst/>
+              </a:rPr>
+              <a:t>Decision Trees</a:t>
+            </a:r>
+          </a:p>
+          <a:p>
+            <a:pPr marL="285750" indent="-285750" algn="l">
+              <a:buFont typeface="Arial" panose="020B0604020202020204" pitchFamily="34" charset="0"/>
+              <a:buChar char="•"/>
+            </a:pPr>
+            <a:endParaRPr lang="en-US" b="0" i="0" dirty="0">
+              <a:effectLst/>
+            </a:endParaRPr>
+          </a:p>
+          <a:p>
+            <a:pPr marL="285750" indent="-285750" algn="l">
+              <a:buFont typeface="Arial" panose="020B0604020202020204" pitchFamily="34" charset="0"/>
+              <a:buChar char="•"/>
+            </a:pPr>
+            <a:r>
+              <a:rPr lang="en-US" b="0" i="0" dirty="0">
+                <a:effectLst/>
+              </a:rPr>
+              <a:t>Naive Bayes Classifier</a:t>
+            </a:r>
+          </a:p>
+          <a:p>
+            <a:pPr marL="285750" indent="-285750" algn="l">
+              <a:buFont typeface="Arial" panose="020B0604020202020204" pitchFamily="34" charset="0"/>
+              <a:buChar char="•"/>
+            </a:pPr>
+            <a:endParaRPr lang="en-US" b="0" i="0" dirty="0">
+              <a:effectLst/>
+            </a:endParaRPr>
+          </a:p>
+          <a:p>
+            <a:pPr marL="285750" indent="-285750" algn="l">
+              <a:buFont typeface="Arial" panose="020B0604020202020204" pitchFamily="34" charset="0"/>
+              <a:buChar char="•"/>
+            </a:pPr>
+            <a:r>
+              <a:rPr lang="en-US" b="0" i="0" dirty="0">
+                <a:effectLst/>
+              </a:rPr>
+              <a:t>AdaBoost Classifier</a:t>
+            </a:r>
+          </a:p>
+          <a:p>
+            <a:pPr marL="285750" indent="-285750" algn="l">
+              <a:buFont typeface="Arial" panose="020B0604020202020204" pitchFamily="34" charset="0"/>
+              <a:buChar char="•"/>
+            </a:pPr>
+            <a:endParaRPr lang="en-US" b="0" i="0" dirty="0">
+              <a:effectLst/>
+            </a:endParaRPr>
+          </a:p>
+          <a:p>
+            <a:pPr marL="285750" indent="-285750" algn="l">
+              <a:buFont typeface="Arial" panose="020B0604020202020204" pitchFamily="34" charset="0"/>
+              <a:buChar char="•"/>
+            </a:pPr>
+            <a:r>
+              <a:rPr lang="en-US" b="0" i="0" dirty="0">
+                <a:effectLst/>
+              </a:rPr>
+              <a:t>Multilayer Perceptron</a:t>
+            </a:r>
+          </a:p>
+          <a:p>
+            <a:pPr marL="285750" indent="-285750" algn="l">
+              <a:buFont typeface="Arial" panose="020B0604020202020204" pitchFamily="34" charset="0"/>
+              <a:buChar char="•"/>
+            </a:pPr>
+            <a:endParaRPr lang="en-US" b="0" i="0" dirty="0">
+              <a:effectLst/>
+            </a:endParaRPr>
+          </a:p>
+          <a:p>
+            <a:pPr marL="285750" indent="-285750" algn="l">
+              <a:buFont typeface="Arial" panose="020B0604020202020204" pitchFamily="34" charset="0"/>
+              <a:buChar char="•"/>
+            </a:pPr>
+            <a:r>
+              <a:rPr lang="en-US" b="0" i="0" dirty="0">
+                <a:effectLst/>
+              </a:rPr>
+              <a:t>Bagging along with Random Forest</a:t>
+            </a:r>
+          </a:p>
+          <a:p>
+            <a:pPr marL="285750" indent="-285750" algn="l">
+              <a:buFont typeface="Arial" panose="020B0604020202020204" pitchFamily="34" charset="0"/>
+              <a:buChar char="•"/>
+            </a:pPr>
+            <a:endParaRPr lang="en-US" b="0" i="0" dirty="0">
+              <a:effectLst/>
+            </a:endParaRPr>
+          </a:p>
+          <a:p>
+            <a:pPr marL="285750" indent="-285750" algn="l">
+              <a:buFont typeface="Arial" panose="020B0604020202020204" pitchFamily="34" charset="0"/>
+              <a:buChar char="•"/>
+            </a:pPr>
+            <a:r>
+              <a:rPr lang="en-US" b="0" i="0" dirty="0">
+                <a:effectLst/>
+              </a:rPr>
+              <a:t>K-nearest neighbor with Grid Search CV</a:t>
+            </a:r>
+          </a:p>
+          <a:p>
+            <a:pPr marL="285750" indent="-285750" algn="l">
+              <a:buFont typeface="Arial" panose="020B0604020202020204" pitchFamily="34" charset="0"/>
+              <a:buChar char="•"/>
+            </a:pPr>
+            <a:endParaRPr lang="en-US" dirty="0"/>
+          </a:p>
+          <a:p>
+            <a:pPr marL="285750" indent="-285750" algn="l">
+              <a:buFont typeface="Arial" panose="020B0604020202020204" pitchFamily="34" charset="0"/>
+              <a:buChar char="•"/>
+            </a:pPr>
+            <a:r>
+              <a:rPr lang="en-US" b="0" i="0" dirty="0">
+                <a:effectLst/>
+              </a:rPr>
+              <a:t>Logistic Regression with Grid Search CV</a:t>
+            </a:r>
+          </a:p>
+          <a:p>
+            <a:pPr marL="285750" indent="-285750" algn="l">
+              <a:buFont typeface="Arial" panose="020B0604020202020204" pitchFamily="34" charset="0"/>
+              <a:buChar char="•"/>
+            </a:pPr>
+            <a:endParaRPr lang="en-US" dirty="0"/>
+          </a:p>
+          <a:p>
+            <a:pPr marL="285750" indent="-285750" algn="l">
+              <a:buFont typeface="Arial" panose="020B0604020202020204" pitchFamily="34" charset="0"/>
+              <a:buChar char="•"/>
+            </a:pPr>
+            <a:r>
+              <a:rPr lang="en-US" b="0" i="0" dirty="0">
+                <a:effectLst/>
+              </a:rPr>
+              <a:t>Random Forest with Randomized Search CV</a:t>
+            </a:r>
+          </a:p>
+          <a:p>
+            <a:pPr marL="285750" indent="-285750" algn="l">
+              <a:buFont typeface="Arial" panose="020B0604020202020204" pitchFamily="34" charset="0"/>
+              <a:buChar char="•"/>
+            </a:pPr>
+            <a:endParaRPr lang="en-US" dirty="0"/>
+          </a:p>
+          <a:p>
+            <a:pPr marL="285750" indent="-285750" algn="l">
+              <a:buFont typeface="Arial" panose="020B0604020202020204" pitchFamily="34" charset="0"/>
+              <a:buChar char="•"/>
+            </a:pPr>
+            <a:r>
+              <a:rPr lang="en-US" b="0" i="0" dirty="0">
+                <a:effectLst/>
+              </a:rPr>
+              <a:t>Support Vector Machine with Grid Search CV</a:t>
+            </a:r>
+          </a:p>
+          <a:p>
+            <a:pPr marL="285750" indent="-285750" algn="l">
+              <a:buFont typeface="Arial" panose="020B0604020202020204" pitchFamily="34" charset="0"/>
+              <a:buChar char="•"/>
+            </a:pPr>
+            <a:endParaRPr lang="en-US" b="0" i="0" dirty="0">
+              <a:effectLst/>
+            </a:endParaRPr>
+          </a:p>
+        </p:txBody>
+      </p:sp>
+      <p:sp>
+        <p:nvSpPr>
+          <p:cNvPr id="42" name="TextBox 41">
+            <a:extLst>
+              <a:ext uri="{FF2B5EF4-FFF2-40B4-BE49-F238E27FC236}">
+                <a16:creationId xmlns:a16="http://schemas.microsoft.com/office/drawing/2014/main" id="{3B40FBCC-2122-492E-0EFC-C1461859B16F}"/>
+              </a:ext>
+            </a:extLst>
+          </p:cNvPr>
+          <p:cNvSpPr txBox="1"/>
+          <p:nvPr/>
+        </p:nvSpPr>
+        <p:spPr>
+          <a:xfrm>
+            <a:off x="621792" y="1266337"/>
+            <a:ext cx="5110686" cy="369332"/>
+          </a:xfrm>
+          <a:prstGeom prst="rect">
+            <a:avLst/>
+          </a:prstGeom>
+          <a:noFill/>
+        </p:spPr>
+        <p:txBody>
+          <a:bodyPr wrap="square" rtlCol="0">
+            <a:spAutoFit/>
+          </a:bodyPr>
+          <a:lstStyle/>
+          <a:p>
+            <a:r>
+              <a:rPr lang="en-US" dirty="0"/>
+              <a:t>Implemented in 9 selected models including</a:t>
+            </a:r>
+            <a:endParaRPr lang="en-TH" dirty="0"/>
+          </a:p>
+        </p:txBody>
+      </p:sp>
+      <p:sp>
+        <p:nvSpPr>
+          <p:cNvPr id="126" name="Oval 125">
+            <a:extLst>
+              <a:ext uri="{FF2B5EF4-FFF2-40B4-BE49-F238E27FC236}">
+                <a16:creationId xmlns:a16="http://schemas.microsoft.com/office/drawing/2014/main" id="{E4676119-07E3-68CF-791D-21FA3104260D}"/>
+              </a:ext>
+            </a:extLst>
+          </p:cNvPr>
+          <p:cNvSpPr/>
+          <p:nvPr/>
+        </p:nvSpPr>
+        <p:spPr>
+          <a:xfrm>
+            <a:off x="7325848" y="1289204"/>
+            <a:ext cx="1381386" cy="1381386"/>
+          </a:xfrm>
+          <a:prstGeom prst="ellipse">
+            <a:avLst/>
+          </a:prstGeom>
+          <a:solidFill>
+            <a:schemeClr val="tx1"/>
+          </a:solidFill>
+          <a:ln w="76200">
+            <a:solidFill>
+              <a:schemeClr val="accent2">
+                <a:lumMod val="40000"/>
+                <a:lumOff val="60000"/>
+              </a:schemeClr>
+            </a:solidFill>
+          </a:ln>
+        </p:spPr>
+        <p:style>
+          <a:lnRef idx="2">
+            <a:schemeClr val="accent1">
+              <a:shade val="50000"/>
+            </a:schemeClr>
+          </a:lnRef>
+          <a:fillRef idx="1">
+            <a:schemeClr val="accent1"/>
+          </a:fillRef>
+          <a:effectRef idx="0">
+            <a:schemeClr val="accent1"/>
+          </a:effectRef>
+          <a:fontRef idx="minor">
+            <a:schemeClr val="lt1"/>
+          </a:fontRef>
+        </p:style>
+        <p:txBody>
+          <a:bodyPr rtlCol="0" anchor="ctr"/>
+          <a:lstStyle/>
+          <a:p>
+            <a:pPr algn="ctr"/>
+            <a:endParaRPr lang="en-TH" dirty="0"/>
+          </a:p>
+        </p:txBody>
+      </p:sp>
+      <p:sp>
+        <p:nvSpPr>
+          <p:cNvPr id="129" name="Oval 128">
+            <a:extLst>
+              <a:ext uri="{FF2B5EF4-FFF2-40B4-BE49-F238E27FC236}">
+                <a16:creationId xmlns:a16="http://schemas.microsoft.com/office/drawing/2014/main" id="{D10CC9C4-1B58-D136-7A6B-B48456AE826A}"/>
+              </a:ext>
+            </a:extLst>
+          </p:cNvPr>
+          <p:cNvSpPr/>
+          <p:nvPr/>
+        </p:nvSpPr>
+        <p:spPr>
+          <a:xfrm>
+            <a:off x="5891792" y="1993577"/>
+            <a:ext cx="1381386" cy="1381386"/>
+          </a:xfrm>
+          <a:prstGeom prst="ellipse">
+            <a:avLst/>
+          </a:prstGeom>
+          <a:solidFill>
+            <a:schemeClr val="tx1"/>
+          </a:solidFill>
+          <a:ln w="76200">
+            <a:solidFill>
+              <a:schemeClr val="accent2">
+                <a:lumMod val="40000"/>
+                <a:lumOff val="60000"/>
+              </a:schemeClr>
+            </a:solidFill>
+          </a:ln>
+        </p:spPr>
+        <p:style>
+          <a:lnRef idx="2">
+            <a:schemeClr val="accent1">
+              <a:shade val="50000"/>
+            </a:schemeClr>
+          </a:lnRef>
+          <a:fillRef idx="1">
+            <a:schemeClr val="accent1"/>
+          </a:fillRef>
+          <a:effectRef idx="0">
+            <a:schemeClr val="accent1"/>
+          </a:effectRef>
+          <a:fontRef idx="minor">
+            <a:schemeClr val="lt1"/>
+          </a:fontRef>
+        </p:style>
+        <p:txBody>
+          <a:bodyPr rtlCol="0" anchor="ctr"/>
+          <a:lstStyle/>
+          <a:p>
+            <a:pPr algn="ctr"/>
+            <a:endParaRPr lang="en-TH" dirty="0"/>
+          </a:p>
+        </p:txBody>
+      </p:sp>
+      <p:sp>
+        <p:nvSpPr>
+          <p:cNvPr id="132" name="Oval 131">
+            <a:extLst>
+              <a:ext uri="{FF2B5EF4-FFF2-40B4-BE49-F238E27FC236}">
+                <a16:creationId xmlns:a16="http://schemas.microsoft.com/office/drawing/2014/main" id="{5081CE1C-11A1-025B-0B2D-6245B74DFB4F}"/>
+              </a:ext>
+            </a:extLst>
+          </p:cNvPr>
+          <p:cNvSpPr/>
+          <p:nvPr/>
+        </p:nvSpPr>
+        <p:spPr>
+          <a:xfrm>
+            <a:off x="6958834" y="3191404"/>
+            <a:ext cx="1381386" cy="1381386"/>
+          </a:xfrm>
+          <a:prstGeom prst="ellipse">
+            <a:avLst/>
+          </a:prstGeom>
+          <a:solidFill>
+            <a:schemeClr val="accent1">
+              <a:lumMod val="20000"/>
+              <a:lumOff val="80000"/>
+            </a:schemeClr>
+          </a:solidFill>
+          <a:ln w="76200">
+            <a:solidFill>
+              <a:schemeClr val="accent1"/>
+            </a:solidFill>
+          </a:ln>
+        </p:spPr>
+        <p:style>
+          <a:lnRef idx="2">
+            <a:schemeClr val="accent1">
+              <a:shade val="50000"/>
+            </a:schemeClr>
+          </a:lnRef>
+          <a:fillRef idx="1">
+            <a:schemeClr val="accent1"/>
+          </a:fillRef>
+          <a:effectRef idx="0">
+            <a:schemeClr val="accent1"/>
+          </a:effectRef>
+          <a:fontRef idx="minor">
+            <a:schemeClr val="lt1"/>
+          </a:fontRef>
+        </p:style>
+        <p:txBody>
+          <a:bodyPr rtlCol="0" anchor="ctr"/>
+          <a:lstStyle/>
+          <a:p>
+            <a:pPr algn="ctr"/>
+            <a:endParaRPr lang="en-TH" dirty="0"/>
+          </a:p>
+        </p:txBody>
+      </p:sp>
+      <p:sp>
+        <p:nvSpPr>
+          <p:cNvPr id="135" name="Oval 134">
+            <a:extLst>
+              <a:ext uri="{FF2B5EF4-FFF2-40B4-BE49-F238E27FC236}">
+                <a16:creationId xmlns:a16="http://schemas.microsoft.com/office/drawing/2014/main" id="{B3C4BC50-F4ED-DDDE-7FDF-D9C2A8BDC77D}"/>
+              </a:ext>
+            </a:extLst>
+          </p:cNvPr>
+          <p:cNvSpPr/>
+          <p:nvPr/>
+        </p:nvSpPr>
+        <p:spPr>
+          <a:xfrm>
+            <a:off x="6520570" y="4733948"/>
+            <a:ext cx="1381386" cy="1381386"/>
+          </a:xfrm>
+          <a:prstGeom prst="ellipse">
+            <a:avLst/>
+          </a:prstGeom>
+          <a:solidFill>
+            <a:schemeClr val="tx1"/>
+          </a:solidFill>
+          <a:ln w="76200">
+            <a:solidFill>
+              <a:schemeClr val="accent2">
+                <a:lumMod val="40000"/>
+                <a:lumOff val="60000"/>
+              </a:schemeClr>
+            </a:solidFill>
+          </a:ln>
+        </p:spPr>
+        <p:style>
+          <a:lnRef idx="2">
+            <a:schemeClr val="accent1">
+              <a:shade val="50000"/>
+            </a:schemeClr>
+          </a:lnRef>
+          <a:fillRef idx="1">
+            <a:schemeClr val="accent1"/>
+          </a:fillRef>
+          <a:effectRef idx="0">
+            <a:schemeClr val="accent1"/>
+          </a:effectRef>
+          <a:fontRef idx="minor">
+            <a:schemeClr val="lt1"/>
+          </a:fontRef>
+        </p:style>
+        <p:txBody>
+          <a:bodyPr rtlCol="0" anchor="ctr"/>
+          <a:lstStyle/>
+          <a:p>
+            <a:pPr algn="ctr"/>
+            <a:endParaRPr lang="en-TH" dirty="0"/>
+          </a:p>
+        </p:txBody>
+      </p:sp>
+      <p:grpSp>
+        <p:nvGrpSpPr>
+          <p:cNvPr id="136" name="Group 135">
+            <a:extLst>
+              <a:ext uri="{FF2B5EF4-FFF2-40B4-BE49-F238E27FC236}">
+                <a16:creationId xmlns:a16="http://schemas.microsoft.com/office/drawing/2014/main" id="{EE7993B6-70C7-15BE-409E-A9521B2F854A}"/>
+              </a:ext>
+            </a:extLst>
+          </p:cNvPr>
+          <p:cNvGrpSpPr/>
+          <p:nvPr/>
+        </p:nvGrpSpPr>
+        <p:grpSpPr>
+          <a:xfrm>
+            <a:off x="7736263" y="1693267"/>
+            <a:ext cx="568539" cy="625447"/>
+            <a:chOff x="2277259" y="4968905"/>
+            <a:chExt cx="568539" cy="625447"/>
+          </a:xfrm>
+        </p:grpSpPr>
+        <p:sp>
+          <p:nvSpPr>
+            <p:cNvPr id="137" name="Can 136">
+              <a:extLst>
+                <a:ext uri="{FF2B5EF4-FFF2-40B4-BE49-F238E27FC236}">
+                  <a16:creationId xmlns:a16="http://schemas.microsoft.com/office/drawing/2014/main" id="{D46A8371-2513-CA8E-B161-BE7D74BB7166}"/>
+                </a:ext>
+              </a:extLst>
+            </p:cNvPr>
+            <p:cNvSpPr/>
+            <p:nvPr/>
+          </p:nvSpPr>
+          <p:spPr>
+            <a:xfrm>
+              <a:off x="2277259" y="5283456"/>
+              <a:ext cx="568539" cy="310896"/>
+            </a:xfrm>
+            <a:prstGeom prst="can">
+              <a:avLst>
+                <a:gd name="adj" fmla="val 50000"/>
+              </a:avLst>
+            </a:prstGeom>
+          </p:spPr>
+          <p:style>
+            <a:lnRef idx="2">
+              <a:schemeClr val="accent1">
+                <a:shade val="50000"/>
+              </a:schemeClr>
+            </a:lnRef>
+            <a:fillRef idx="1">
+              <a:schemeClr val="accent1"/>
+            </a:fillRef>
+            <a:effectRef idx="0">
+              <a:schemeClr val="accent1"/>
+            </a:effectRef>
+            <a:fontRef idx="minor">
+              <a:schemeClr val="lt1"/>
+            </a:fontRef>
+          </p:style>
+          <p:txBody>
+            <a:bodyPr rtlCol="0" anchor="ctr"/>
+            <a:lstStyle/>
+            <a:p>
+              <a:pPr algn="ctr"/>
+              <a:endParaRPr lang="en-TH"/>
+            </a:p>
+          </p:txBody>
+        </p:sp>
+        <p:sp>
+          <p:nvSpPr>
+            <p:cNvPr id="138" name="Can 137">
+              <a:extLst>
+                <a:ext uri="{FF2B5EF4-FFF2-40B4-BE49-F238E27FC236}">
+                  <a16:creationId xmlns:a16="http://schemas.microsoft.com/office/drawing/2014/main" id="{D5099C23-F98F-2D71-3BD6-F2037970535E}"/>
+                </a:ext>
+              </a:extLst>
+            </p:cNvPr>
+            <p:cNvSpPr/>
+            <p:nvPr/>
+          </p:nvSpPr>
+          <p:spPr>
+            <a:xfrm>
+              <a:off x="2277259" y="5124598"/>
+              <a:ext cx="568539" cy="310896"/>
+            </a:xfrm>
+            <a:prstGeom prst="can">
+              <a:avLst>
+                <a:gd name="adj" fmla="val 50000"/>
+              </a:avLst>
+            </a:prstGeom>
+          </p:spPr>
+          <p:style>
+            <a:lnRef idx="2">
+              <a:schemeClr val="accent1">
+                <a:shade val="50000"/>
+              </a:schemeClr>
+            </a:lnRef>
+            <a:fillRef idx="1">
+              <a:schemeClr val="accent1"/>
+            </a:fillRef>
+            <a:effectRef idx="0">
+              <a:schemeClr val="accent1"/>
+            </a:effectRef>
+            <a:fontRef idx="minor">
+              <a:schemeClr val="lt1"/>
+            </a:fontRef>
+          </p:style>
+          <p:txBody>
+            <a:bodyPr rtlCol="0" anchor="ctr"/>
+            <a:lstStyle/>
+            <a:p>
+              <a:pPr algn="ctr"/>
+              <a:endParaRPr lang="en-TH"/>
+            </a:p>
+          </p:txBody>
+        </p:sp>
+        <p:sp>
+          <p:nvSpPr>
+            <p:cNvPr id="139" name="Can 138">
+              <a:extLst>
+                <a:ext uri="{FF2B5EF4-FFF2-40B4-BE49-F238E27FC236}">
+                  <a16:creationId xmlns:a16="http://schemas.microsoft.com/office/drawing/2014/main" id="{DD6B3322-30A4-CEA4-8E0D-BEB919112D7D}"/>
+                </a:ext>
+              </a:extLst>
+            </p:cNvPr>
+            <p:cNvSpPr/>
+            <p:nvPr/>
+          </p:nvSpPr>
+          <p:spPr>
+            <a:xfrm>
+              <a:off x="2277259" y="4968905"/>
+              <a:ext cx="568539" cy="310896"/>
+            </a:xfrm>
+            <a:prstGeom prst="can">
+              <a:avLst>
+                <a:gd name="adj" fmla="val 50000"/>
+              </a:avLst>
+            </a:prstGeom>
+          </p:spPr>
+          <p:style>
+            <a:lnRef idx="2">
+              <a:schemeClr val="accent1">
+                <a:shade val="50000"/>
+              </a:schemeClr>
+            </a:lnRef>
+            <a:fillRef idx="1">
+              <a:schemeClr val="accent1"/>
+            </a:fillRef>
+            <a:effectRef idx="0">
+              <a:schemeClr val="accent1"/>
+            </a:effectRef>
+            <a:fontRef idx="minor">
+              <a:schemeClr val="lt1"/>
+            </a:fontRef>
+          </p:style>
+          <p:txBody>
+            <a:bodyPr rtlCol="0" anchor="ctr"/>
+            <a:lstStyle/>
+            <a:p>
+              <a:pPr algn="ctr"/>
+              <a:endParaRPr lang="en-TH"/>
+            </a:p>
+          </p:txBody>
+        </p:sp>
+        <p:sp>
+          <p:nvSpPr>
+            <p:cNvPr id="140" name="Oval 139">
+              <a:extLst>
+                <a:ext uri="{FF2B5EF4-FFF2-40B4-BE49-F238E27FC236}">
+                  <a16:creationId xmlns:a16="http://schemas.microsoft.com/office/drawing/2014/main" id="{ABBECB84-EB8A-C756-1737-D04C77096AAA}"/>
+                </a:ext>
+              </a:extLst>
+            </p:cNvPr>
+            <p:cNvSpPr/>
+            <p:nvPr/>
+          </p:nvSpPr>
+          <p:spPr>
+            <a:xfrm>
+              <a:off x="2601745" y="5343460"/>
+              <a:ext cx="199961" cy="199961"/>
+            </a:xfrm>
+            <a:prstGeom prst="ellipse">
+              <a:avLst/>
+            </a:prstGeom>
+            <a:solidFill>
+              <a:schemeClr val="tx1"/>
+            </a:solidFill>
+          </p:spPr>
+          <p:style>
+            <a:lnRef idx="2">
+              <a:schemeClr val="accent1">
+                <a:shade val="50000"/>
+              </a:schemeClr>
+            </a:lnRef>
+            <a:fillRef idx="1">
+              <a:schemeClr val="accent1"/>
+            </a:fillRef>
+            <a:effectRef idx="0">
+              <a:schemeClr val="accent1"/>
+            </a:effectRef>
+            <a:fontRef idx="minor">
+              <a:schemeClr val="lt1"/>
+            </a:fontRef>
+          </p:style>
+          <p:txBody>
+            <a:bodyPr rtlCol="0" anchor="ctr"/>
+            <a:lstStyle/>
+            <a:p>
+              <a:pPr algn="ctr"/>
+              <a:endParaRPr lang="en-TH"/>
+            </a:p>
+          </p:txBody>
+        </p:sp>
+        <p:sp>
+          <p:nvSpPr>
+            <p:cNvPr id="141" name="Freeform 140">
+              <a:extLst>
+                <a:ext uri="{FF2B5EF4-FFF2-40B4-BE49-F238E27FC236}">
+                  <a16:creationId xmlns:a16="http://schemas.microsoft.com/office/drawing/2014/main" id="{9554C225-91C9-F4AA-EA8C-67500F3EDAC4}"/>
+                </a:ext>
+              </a:extLst>
+            </p:cNvPr>
+            <p:cNvSpPr/>
+            <p:nvPr/>
+          </p:nvSpPr>
+          <p:spPr>
+            <a:xfrm>
+              <a:off x="2640987" y="5387077"/>
+              <a:ext cx="99848" cy="89338"/>
+            </a:xfrm>
+            <a:custGeom>
+              <a:avLst/>
+              <a:gdLst>
+                <a:gd name="connsiteX0" fmla="*/ 0 w 99848"/>
+                <a:gd name="connsiteY0" fmla="*/ 57807 h 89338"/>
+                <a:gd name="connsiteX1" fmla="*/ 36786 w 99848"/>
+                <a:gd name="connsiteY1" fmla="*/ 89338 h 89338"/>
+                <a:gd name="connsiteX2" fmla="*/ 99848 w 99848"/>
+                <a:gd name="connsiteY2" fmla="*/ 0 h 89338"/>
+              </a:gdLst>
+              <a:ahLst/>
+              <a:cxnLst>
+                <a:cxn ang="0">
+                  <a:pos x="connsiteX0" y="connsiteY0"/>
+                </a:cxn>
+                <a:cxn ang="0">
+                  <a:pos x="connsiteX1" y="connsiteY1"/>
+                </a:cxn>
+                <a:cxn ang="0">
+                  <a:pos x="connsiteX2" y="connsiteY2"/>
+                </a:cxn>
+              </a:cxnLst>
+              <a:rect l="l" t="t" r="r" b="b"/>
+              <a:pathLst>
+                <a:path w="99848" h="89338">
+                  <a:moveTo>
+                    <a:pt x="0" y="57807"/>
+                  </a:moveTo>
+                  <a:lnTo>
+                    <a:pt x="36786" y="89338"/>
+                  </a:lnTo>
+                  <a:lnTo>
+                    <a:pt x="99848" y="0"/>
+                  </a:lnTo>
+                </a:path>
+              </a:pathLst>
+            </a:custGeom>
+            <a:noFill/>
+            <a:ln w="19050"/>
+          </p:spPr>
+          <p:style>
+            <a:lnRef idx="2">
+              <a:schemeClr val="accent1">
+                <a:shade val="50000"/>
+              </a:schemeClr>
+            </a:lnRef>
+            <a:fillRef idx="1">
+              <a:schemeClr val="accent1"/>
+            </a:fillRef>
+            <a:effectRef idx="0">
+              <a:schemeClr val="accent1"/>
+            </a:effectRef>
+            <a:fontRef idx="minor">
+              <a:schemeClr val="lt1"/>
+            </a:fontRef>
+          </p:style>
+          <p:txBody>
+            <a:bodyPr rtlCol="0" anchor="ctr"/>
+            <a:lstStyle/>
+            <a:p>
+              <a:pPr algn="ctr"/>
+              <a:endParaRPr lang="en-TH"/>
+            </a:p>
+          </p:txBody>
+        </p:sp>
+      </p:grpSp>
+      <p:grpSp>
+        <p:nvGrpSpPr>
+          <p:cNvPr id="142" name="Group 141">
+            <a:extLst>
+              <a:ext uri="{FF2B5EF4-FFF2-40B4-BE49-F238E27FC236}">
+                <a16:creationId xmlns:a16="http://schemas.microsoft.com/office/drawing/2014/main" id="{2B88FCFA-15A4-167C-0E0B-77C5AB692FD3}"/>
+              </a:ext>
+            </a:extLst>
+          </p:cNvPr>
+          <p:cNvGrpSpPr/>
+          <p:nvPr/>
+        </p:nvGrpSpPr>
+        <p:grpSpPr>
+          <a:xfrm>
+            <a:off x="6219416" y="2444217"/>
+            <a:ext cx="794958" cy="605346"/>
+            <a:chOff x="3152930" y="5153286"/>
+            <a:chExt cx="898456" cy="684158"/>
+          </a:xfrm>
+        </p:grpSpPr>
+        <p:sp>
+          <p:nvSpPr>
+            <p:cNvPr id="143" name="TextBox 142">
+              <a:extLst>
+                <a:ext uri="{FF2B5EF4-FFF2-40B4-BE49-F238E27FC236}">
+                  <a16:creationId xmlns:a16="http://schemas.microsoft.com/office/drawing/2014/main" id="{721C1C7C-0604-3499-FA6A-D0A5FCBC6F65}"/>
+                </a:ext>
+              </a:extLst>
+            </p:cNvPr>
+            <p:cNvSpPr txBox="1"/>
+            <p:nvPr/>
+          </p:nvSpPr>
+          <p:spPr>
+            <a:xfrm>
+              <a:off x="3172968" y="5468112"/>
+              <a:ext cx="184731" cy="369332"/>
+            </a:xfrm>
+            <a:prstGeom prst="rect">
+              <a:avLst/>
+            </a:prstGeom>
+            <a:noFill/>
+          </p:spPr>
+          <p:txBody>
+            <a:bodyPr wrap="none" rtlCol="0">
+              <a:spAutoFit/>
+            </a:bodyPr>
+            <a:lstStyle/>
+            <a:p>
+              <a:endParaRPr lang="en-TH" dirty="0"/>
+            </a:p>
+          </p:txBody>
+        </p:sp>
+        <p:sp>
+          <p:nvSpPr>
+            <p:cNvPr id="144" name="Rectangle 143">
+              <a:extLst>
+                <a:ext uri="{FF2B5EF4-FFF2-40B4-BE49-F238E27FC236}">
+                  <a16:creationId xmlns:a16="http://schemas.microsoft.com/office/drawing/2014/main" id="{CF957D42-80C8-3D73-CF5B-D8885096A032}"/>
+                </a:ext>
+              </a:extLst>
+            </p:cNvPr>
+            <p:cNvSpPr/>
+            <p:nvPr/>
+          </p:nvSpPr>
+          <p:spPr>
+            <a:xfrm>
+              <a:off x="3152930" y="5161002"/>
+              <a:ext cx="784927" cy="179365"/>
+            </a:xfrm>
+            <a:prstGeom prst="rect">
+              <a:avLst/>
+            </a:prstGeom>
+            <a:solidFill>
+              <a:schemeClr val="accent1"/>
+            </a:solidFill>
+          </p:spPr>
+          <p:style>
+            <a:lnRef idx="2">
+              <a:schemeClr val="accent1">
+                <a:shade val="50000"/>
+              </a:schemeClr>
+            </a:lnRef>
+            <a:fillRef idx="1">
+              <a:schemeClr val="accent1"/>
+            </a:fillRef>
+            <a:effectRef idx="0">
+              <a:schemeClr val="accent1"/>
+            </a:effectRef>
+            <a:fontRef idx="minor">
+              <a:schemeClr val="lt1"/>
+            </a:fontRef>
+          </p:style>
+          <p:txBody>
+            <a:bodyPr rtlCol="0" anchor="ctr"/>
+            <a:lstStyle/>
+            <a:p>
+              <a:pPr algn="ctr"/>
+              <a:endParaRPr lang="en-TH" dirty="0"/>
+            </a:p>
+          </p:txBody>
+        </p:sp>
+        <p:sp>
+          <p:nvSpPr>
+            <p:cNvPr id="145" name="Rectangle 144">
+              <a:extLst>
+                <a:ext uri="{FF2B5EF4-FFF2-40B4-BE49-F238E27FC236}">
+                  <a16:creationId xmlns:a16="http://schemas.microsoft.com/office/drawing/2014/main" id="{320522DF-B28C-FF34-B0E5-1748DD4AB0A0}"/>
+                </a:ext>
+              </a:extLst>
+            </p:cNvPr>
+            <p:cNvSpPr/>
+            <p:nvPr/>
+          </p:nvSpPr>
+          <p:spPr>
+            <a:xfrm>
+              <a:off x="3152933" y="5338865"/>
+              <a:ext cx="784927" cy="179365"/>
+            </a:xfrm>
+            <a:prstGeom prst="rect">
+              <a:avLst/>
+            </a:prstGeom>
+            <a:solidFill>
+              <a:schemeClr val="accent1"/>
+            </a:solidFill>
+          </p:spPr>
+          <p:style>
+            <a:lnRef idx="2">
+              <a:schemeClr val="accent1">
+                <a:shade val="50000"/>
+              </a:schemeClr>
+            </a:lnRef>
+            <a:fillRef idx="1">
+              <a:schemeClr val="accent1"/>
+            </a:fillRef>
+            <a:effectRef idx="0">
+              <a:schemeClr val="accent1"/>
+            </a:effectRef>
+            <a:fontRef idx="minor">
+              <a:schemeClr val="lt1"/>
+            </a:fontRef>
+          </p:style>
+          <p:txBody>
+            <a:bodyPr rtlCol="0" anchor="ctr"/>
+            <a:lstStyle/>
+            <a:p>
+              <a:pPr algn="ctr"/>
+              <a:endParaRPr lang="en-TH"/>
+            </a:p>
+          </p:txBody>
+        </p:sp>
+        <p:sp>
+          <p:nvSpPr>
+            <p:cNvPr id="146" name="Rectangle 145">
+              <a:extLst>
+                <a:ext uri="{FF2B5EF4-FFF2-40B4-BE49-F238E27FC236}">
+                  <a16:creationId xmlns:a16="http://schemas.microsoft.com/office/drawing/2014/main" id="{CE802696-6D09-64EC-B9BD-195EC2290455}"/>
+                </a:ext>
+              </a:extLst>
+            </p:cNvPr>
+            <p:cNvSpPr/>
+            <p:nvPr/>
+          </p:nvSpPr>
+          <p:spPr>
+            <a:xfrm>
+              <a:off x="3152931" y="5514925"/>
+              <a:ext cx="784927" cy="179365"/>
+            </a:xfrm>
+            <a:prstGeom prst="rect">
+              <a:avLst/>
+            </a:prstGeom>
+            <a:solidFill>
+              <a:schemeClr val="accent1"/>
+            </a:solidFill>
+          </p:spPr>
+          <p:style>
+            <a:lnRef idx="2">
+              <a:schemeClr val="accent1">
+                <a:shade val="50000"/>
+              </a:schemeClr>
+            </a:lnRef>
+            <a:fillRef idx="1">
+              <a:schemeClr val="accent1"/>
+            </a:fillRef>
+            <a:effectRef idx="0">
+              <a:schemeClr val="accent1"/>
+            </a:effectRef>
+            <a:fontRef idx="minor">
+              <a:schemeClr val="lt1"/>
+            </a:fontRef>
+          </p:style>
+          <p:txBody>
+            <a:bodyPr rtlCol="0" anchor="ctr"/>
+            <a:lstStyle/>
+            <a:p>
+              <a:pPr algn="ctr"/>
+              <a:endParaRPr lang="en-TH"/>
+            </a:p>
+          </p:txBody>
+        </p:sp>
+        <p:cxnSp>
+          <p:nvCxnSpPr>
+            <p:cNvPr id="147" name="Straight Connector 146">
+              <a:extLst>
+                <a:ext uri="{FF2B5EF4-FFF2-40B4-BE49-F238E27FC236}">
+                  <a16:creationId xmlns:a16="http://schemas.microsoft.com/office/drawing/2014/main" id="{849AA0D2-C1EB-59B7-5FE5-9A5DE82DC2EF}"/>
+                </a:ext>
+              </a:extLst>
+            </p:cNvPr>
+            <p:cNvCxnSpPr>
+              <a:cxnSpLocks/>
+            </p:cNvCxnSpPr>
+            <p:nvPr/>
+          </p:nvCxnSpPr>
+          <p:spPr>
+            <a:xfrm flipH="1">
+              <a:off x="3405309" y="5157655"/>
+              <a:ext cx="3" cy="541004"/>
+            </a:xfrm>
+            <a:prstGeom prst="line">
+              <a:avLst/>
+            </a:prstGeom>
+            <a:ln w="12700">
+              <a:solidFill>
+                <a:schemeClr val="accent1">
+                  <a:lumMod val="75000"/>
+                </a:schemeClr>
+              </a:solidFill>
+            </a:ln>
+          </p:spPr>
+          <p:style>
+            <a:lnRef idx="1">
+              <a:schemeClr val="accent1"/>
+            </a:lnRef>
+            <a:fillRef idx="0">
+              <a:schemeClr val="accent1"/>
+            </a:fillRef>
+            <a:effectRef idx="0">
+              <a:schemeClr val="accent1"/>
+            </a:effectRef>
+            <a:fontRef idx="minor">
+              <a:schemeClr val="tx1"/>
+            </a:fontRef>
+          </p:style>
+        </p:cxnSp>
+        <p:cxnSp>
+          <p:nvCxnSpPr>
+            <p:cNvPr id="148" name="Straight Connector 147">
+              <a:extLst>
+                <a:ext uri="{FF2B5EF4-FFF2-40B4-BE49-F238E27FC236}">
+                  <a16:creationId xmlns:a16="http://schemas.microsoft.com/office/drawing/2014/main" id="{15FDC69A-10D4-ACDD-DDF4-99F372AB1FB4}"/>
+                </a:ext>
+              </a:extLst>
+            </p:cNvPr>
+            <p:cNvCxnSpPr>
+              <a:cxnSpLocks/>
+            </p:cNvCxnSpPr>
+            <p:nvPr/>
+          </p:nvCxnSpPr>
+          <p:spPr>
+            <a:xfrm flipH="1">
+              <a:off x="3682340" y="5153286"/>
+              <a:ext cx="3" cy="541004"/>
+            </a:xfrm>
+            <a:prstGeom prst="line">
+              <a:avLst/>
+            </a:prstGeom>
+            <a:ln w="12700">
+              <a:solidFill>
+                <a:schemeClr val="accent1">
+                  <a:lumMod val="75000"/>
+                </a:schemeClr>
+              </a:solidFill>
+            </a:ln>
+          </p:spPr>
+          <p:style>
+            <a:lnRef idx="1">
+              <a:schemeClr val="accent1"/>
+            </a:lnRef>
+            <a:fillRef idx="0">
+              <a:schemeClr val="accent1"/>
+            </a:fillRef>
+            <a:effectRef idx="0">
+              <a:schemeClr val="accent1"/>
+            </a:effectRef>
+            <a:fontRef idx="minor">
+              <a:schemeClr val="tx1"/>
+            </a:fontRef>
+          </p:style>
+        </p:cxnSp>
+        <p:sp>
+          <p:nvSpPr>
+            <p:cNvPr id="149" name="Freeform 148">
+              <a:extLst>
+                <a:ext uri="{FF2B5EF4-FFF2-40B4-BE49-F238E27FC236}">
+                  <a16:creationId xmlns:a16="http://schemas.microsoft.com/office/drawing/2014/main" id="{D9A9BD43-5012-119F-9829-7C5DAB373060}"/>
+                </a:ext>
+              </a:extLst>
+            </p:cNvPr>
+            <p:cNvSpPr/>
+            <p:nvPr/>
+          </p:nvSpPr>
+          <p:spPr>
+            <a:xfrm rot="8100000">
+              <a:off x="3516119" y="5310993"/>
+              <a:ext cx="535267" cy="467274"/>
+            </a:xfrm>
+            <a:custGeom>
+              <a:avLst/>
+              <a:gdLst>
+                <a:gd name="connsiteX0" fmla="*/ 257597 w 515669"/>
+                <a:gd name="connsiteY0" fmla="*/ 450166 h 450166"/>
+                <a:gd name="connsiteX1" fmla="*/ 0 w 515669"/>
+                <a:gd name="connsiteY1" fmla="*/ 192568 h 450166"/>
+                <a:gd name="connsiteX2" fmla="*/ 237444 w 515669"/>
+                <a:gd name="connsiteY2" fmla="*/ 129801 h 450166"/>
+                <a:gd name="connsiteX3" fmla="*/ 367245 w 515669"/>
+                <a:gd name="connsiteY3" fmla="*/ 0 h 450166"/>
+                <a:gd name="connsiteX4" fmla="*/ 515669 w 515669"/>
+                <a:gd name="connsiteY4" fmla="*/ 0 h 450166"/>
+                <a:gd name="connsiteX5" fmla="*/ 326623 w 515669"/>
+                <a:gd name="connsiteY5" fmla="*/ 189046 h 450166"/>
+              </a:gdLst>
+              <a:ahLst/>
+              <a:cxnLst>
+                <a:cxn ang="0">
+                  <a:pos x="connsiteX0" y="connsiteY0"/>
+                </a:cxn>
+                <a:cxn ang="0">
+                  <a:pos x="connsiteX1" y="connsiteY1"/>
+                </a:cxn>
+                <a:cxn ang="0">
+                  <a:pos x="connsiteX2" y="connsiteY2"/>
+                </a:cxn>
+                <a:cxn ang="0">
+                  <a:pos x="connsiteX3" y="connsiteY3"/>
+                </a:cxn>
+                <a:cxn ang="0">
+                  <a:pos x="connsiteX4" y="connsiteY4"/>
+                </a:cxn>
+                <a:cxn ang="0">
+                  <a:pos x="connsiteX5" y="connsiteY5"/>
+                </a:cxn>
+              </a:cxnLst>
+              <a:rect l="l" t="t" r="r" b="b"/>
+              <a:pathLst>
+                <a:path w="515669" h="450166">
+                  <a:moveTo>
+                    <a:pt x="257597" y="450166"/>
+                  </a:moveTo>
+                  <a:lnTo>
+                    <a:pt x="0" y="192568"/>
+                  </a:lnTo>
+                  <a:lnTo>
+                    <a:pt x="237444" y="129801"/>
+                  </a:lnTo>
+                  <a:lnTo>
+                    <a:pt x="367245" y="0"/>
+                  </a:lnTo>
+                  <a:lnTo>
+                    <a:pt x="515669" y="0"/>
+                  </a:lnTo>
+                  <a:lnTo>
+                    <a:pt x="326623" y="189046"/>
+                  </a:lnTo>
+                  <a:close/>
+                </a:path>
+              </a:pathLst>
+            </a:custGeom>
+            <a:solidFill>
+              <a:schemeClr val="accent1">
+                <a:lumMod val="20000"/>
+                <a:lumOff val="80000"/>
+              </a:schemeClr>
+            </a:solidFill>
+            <a:ln>
+              <a:solidFill>
+                <a:schemeClr val="accent1">
+                  <a:lumMod val="50000"/>
+                </a:schemeClr>
+              </a:solidFill>
+            </a:ln>
+          </p:spPr>
+          <p:style>
+            <a:lnRef idx="2">
+              <a:schemeClr val="accent1">
+                <a:shade val="50000"/>
+              </a:schemeClr>
+            </a:lnRef>
+            <a:fillRef idx="1">
+              <a:schemeClr val="accent1"/>
+            </a:fillRef>
+            <a:effectRef idx="0">
+              <a:schemeClr val="accent1"/>
+            </a:effectRef>
+            <a:fontRef idx="minor">
+              <a:schemeClr val="lt1"/>
+            </a:fontRef>
+          </p:style>
+          <p:txBody>
+            <a:bodyPr wrap="square" rtlCol="0" anchor="ctr">
+              <a:noAutofit/>
+            </a:bodyPr>
+            <a:lstStyle/>
+            <a:p>
+              <a:pPr algn="ctr"/>
+              <a:endParaRPr lang="en-TH">
+                <a:solidFill>
+                  <a:schemeClr val="tx1"/>
+                </a:solidFill>
+              </a:endParaRPr>
+            </a:p>
+          </p:txBody>
+        </p:sp>
+      </p:grpSp>
+      <p:grpSp>
+        <p:nvGrpSpPr>
+          <p:cNvPr id="150" name="Group 149">
+            <a:extLst>
+              <a:ext uri="{FF2B5EF4-FFF2-40B4-BE49-F238E27FC236}">
+                <a16:creationId xmlns:a16="http://schemas.microsoft.com/office/drawing/2014/main" id="{DC3F97AD-4F77-A92B-4A85-DCDADCB2AC35}"/>
+              </a:ext>
+            </a:extLst>
+          </p:cNvPr>
+          <p:cNvGrpSpPr/>
+          <p:nvPr/>
+        </p:nvGrpSpPr>
+        <p:grpSpPr>
+          <a:xfrm>
+            <a:off x="7366565" y="3650545"/>
+            <a:ext cx="571223" cy="519373"/>
+            <a:chOff x="4492487" y="5239910"/>
+            <a:chExt cx="571223" cy="519373"/>
+          </a:xfrm>
+        </p:grpSpPr>
+        <p:sp>
+          <p:nvSpPr>
+            <p:cNvPr id="151" name="Rectangle 150">
+              <a:extLst>
+                <a:ext uri="{FF2B5EF4-FFF2-40B4-BE49-F238E27FC236}">
+                  <a16:creationId xmlns:a16="http://schemas.microsoft.com/office/drawing/2014/main" id="{75941CA1-582E-C635-E6E7-C6AF787AC636}"/>
+                </a:ext>
+              </a:extLst>
+            </p:cNvPr>
+            <p:cNvSpPr/>
+            <p:nvPr/>
+          </p:nvSpPr>
+          <p:spPr>
+            <a:xfrm>
+              <a:off x="4492487" y="5239910"/>
+              <a:ext cx="95415" cy="95415"/>
+            </a:xfrm>
+            <a:prstGeom prst="rect">
+              <a:avLst/>
+            </a:prstGeom>
+          </p:spPr>
+          <p:style>
+            <a:lnRef idx="2">
+              <a:schemeClr val="accent1">
+                <a:shade val="50000"/>
+              </a:schemeClr>
+            </a:lnRef>
+            <a:fillRef idx="1">
+              <a:schemeClr val="accent1"/>
+            </a:fillRef>
+            <a:effectRef idx="0">
+              <a:schemeClr val="accent1"/>
+            </a:effectRef>
+            <a:fontRef idx="minor">
+              <a:schemeClr val="lt1"/>
+            </a:fontRef>
+          </p:style>
+          <p:txBody>
+            <a:bodyPr rtlCol="0" anchor="ctr"/>
+            <a:lstStyle/>
+            <a:p>
+              <a:pPr algn="ctr"/>
+              <a:endParaRPr lang="en-TH"/>
+            </a:p>
+          </p:txBody>
+        </p:sp>
+        <p:sp>
+          <p:nvSpPr>
+            <p:cNvPr id="152" name="Rectangle 151">
+              <a:extLst>
+                <a:ext uri="{FF2B5EF4-FFF2-40B4-BE49-F238E27FC236}">
+                  <a16:creationId xmlns:a16="http://schemas.microsoft.com/office/drawing/2014/main" id="{2415E4EF-2CCF-974B-585C-D2323F6E0DF4}"/>
+                </a:ext>
+              </a:extLst>
+            </p:cNvPr>
+            <p:cNvSpPr/>
+            <p:nvPr/>
+          </p:nvSpPr>
+          <p:spPr>
+            <a:xfrm>
+              <a:off x="4730391" y="5239910"/>
+              <a:ext cx="95415" cy="95415"/>
+            </a:xfrm>
+            <a:prstGeom prst="rect">
+              <a:avLst/>
+            </a:prstGeom>
+          </p:spPr>
+          <p:style>
+            <a:lnRef idx="2">
+              <a:schemeClr val="accent1">
+                <a:shade val="50000"/>
+              </a:schemeClr>
+            </a:lnRef>
+            <a:fillRef idx="1">
+              <a:schemeClr val="accent1"/>
+            </a:fillRef>
+            <a:effectRef idx="0">
+              <a:schemeClr val="accent1"/>
+            </a:effectRef>
+            <a:fontRef idx="minor">
+              <a:schemeClr val="lt1"/>
+            </a:fontRef>
+          </p:style>
+          <p:txBody>
+            <a:bodyPr rtlCol="0" anchor="ctr"/>
+            <a:lstStyle/>
+            <a:p>
+              <a:pPr algn="ctr"/>
+              <a:endParaRPr lang="en-TH"/>
+            </a:p>
+          </p:txBody>
+        </p:sp>
+        <p:sp>
+          <p:nvSpPr>
+            <p:cNvPr id="153" name="Rectangle 152">
+              <a:extLst>
+                <a:ext uri="{FF2B5EF4-FFF2-40B4-BE49-F238E27FC236}">
+                  <a16:creationId xmlns:a16="http://schemas.microsoft.com/office/drawing/2014/main" id="{DA9384E2-9AD0-C913-75F7-D8B6B2B31863}"/>
+                </a:ext>
+              </a:extLst>
+            </p:cNvPr>
+            <p:cNvSpPr/>
+            <p:nvPr/>
+          </p:nvSpPr>
+          <p:spPr>
+            <a:xfrm>
+              <a:off x="4968295" y="5239910"/>
+              <a:ext cx="95415" cy="95415"/>
+            </a:xfrm>
+            <a:prstGeom prst="rect">
+              <a:avLst/>
+            </a:prstGeom>
+          </p:spPr>
+          <p:style>
+            <a:lnRef idx="2">
+              <a:schemeClr val="accent1">
+                <a:shade val="50000"/>
+              </a:schemeClr>
+            </a:lnRef>
+            <a:fillRef idx="1">
+              <a:schemeClr val="accent1"/>
+            </a:fillRef>
+            <a:effectRef idx="0">
+              <a:schemeClr val="accent1"/>
+            </a:effectRef>
+            <a:fontRef idx="minor">
+              <a:schemeClr val="lt1"/>
+            </a:fontRef>
+          </p:style>
+          <p:txBody>
+            <a:bodyPr rtlCol="0" anchor="ctr"/>
+            <a:lstStyle/>
+            <a:p>
+              <a:pPr algn="ctr"/>
+              <a:endParaRPr lang="en-TH"/>
+            </a:p>
+          </p:txBody>
+        </p:sp>
+        <p:sp>
+          <p:nvSpPr>
+            <p:cNvPr id="154" name="Rectangle 153">
+              <a:extLst>
+                <a:ext uri="{FF2B5EF4-FFF2-40B4-BE49-F238E27FC236}">
+                  <a16:creationId xmlns:a16="http://schemas.microsoft.com/office/drawing/2014/main" id="{8AFD4B16-118E-9FFA-96DD-76278BDB1DAF}"/>
+                </a:ext>
+              </a:extLst>
+            </p:cNvPr>
+            <p:cNvSpPr/>
+            <p:nvPr/>
+          </p:nvSpPr>
+          <p:spPr>
+            <a:xfrm>
+              <a:off x="4492487" y="5451889"/>
+              <a:ext cx="95415" cy="95415"/>
+            </a:xfrm>
+            <a:prstGeom prst="rect">
+              <a:avLst/>
+            </a:prstGeom>
+          </p:spPr>
+          <p:style>
+            <a:lnRef idx="2">
+              <a:schemeClr val="accent1">
+                <a:shade val="50000"/>
+              </a:schemeClr>
+            </a:lnRef>
+            <a:fillRef idx="1">
+              <a:schemeClr val="accent1"/>
+            </a:fillRef>
+            <a:effectRef idx="0">
+              <a:schemeClr val="accent1"/>
+            </a:effectRef>
+            <a:fontRef idx="minor">
+              <a:schemeClr val="lt1"/>
+            </a:fontRef>
+          </p:style>
+          <p:txBody>
+            <a:bodyPr rtlCol="0" anchor="ctr"/>
+            <a:lstStyle/>
+            <a:p>
+              <a:pPr algn="ctr"/>
+              <a:endParaRPr lang="en-TH"/>
+            </a:p>
+          </p:txBody>
+        </p:sp>
+        <p:sp>
+          <p:nvSpPr>
+            <p:cNvPr id="155" name="Rectangle 154">
+              <a:extLst>
+                <a:ext uri="{FF2B5EF4-FFF2-40B4-BE49-F238E27FC236}">
+                  <a16:creationId xmlns:a16="http://schemas.microsoft.com/office/drawing/2014/main" id="{1CB2567E-4261-7475-E07D-D976BD64D448}"/>
+                </a:ext>
+              </a:extLst>
+            </p:cNvPr>
+            <p:cNvSpPr/>
+            <p:nvPr/>
+          </p:nvSpPr>
+          <p:spPr>
+            <a:xfrm>
+              <a:off x="4730391" y="5451889"/>
+              <a:ext cx="95415" cy="95415"/>
+            </a:xfrm>
+            <a:prstGeom prst="rect">
+              <a:avLst/>
+            </a:prstGeom>
+          </p:spPr>
+          <p:style>
+            <a:lnRef idx="2">
+              <a:schemeClr val="accent1">
+                <a:shade val="50000"/>
+              </a:schemeClr>
+            </a:lnRef>
+            <a:fillRef idx="1">
+              <a:schemeClr val="accent1"/>
+            </a:fillRef>
+            <a:effectRef idx="0">
+              <a:schemeClr val="accent1"/>
+            </a:effectRef>
+            <a:fontRef idx="minor">
+              <a:schemeClr val="lt1"/>
+            </a:fontRef>
+          </p:style>
+          <p:txBody>
+            <a:bodyPr rtlCol="0" anchor="ctr"/>
+            <a:lstStyle/>
+            <a:p>
+              <a:pPr algn="ctr"/>
+              <a:endParaRPr lang="en-TH"/>
+            </a:p>
+          </p:txBody>
+        </p:sp>
+        <p:sp>
+          <p:nvSpPr>
+            <p:cNvPr id="156" name="Rectangle 155">
+              <a:extLst>
+                <a:ext uri="{FF2B5EF4-FFF2-40B4-BE49-F238E27FC236}">
+                  <a16:creationId xmlns:a16="http://schemas.microsoft.com/office/drawing/2014/main" id="{4192AD84-A133-9172-A996-E20590F0A4C2}"/>
+                </a:ext>
+              </a:extLst>
+            </p:cNvPr>
+            <p:cNvSpPr/>
+            <p:nvPr/>
+          </p:nvSpPr>
+          <p:spPr>
+            <a:xfrm>
+              <a:off x="4968295" y="5451889"/>
+              <a:ext cx="95415" cy="95415"/>
+            </a:xfrm>
+            <a:prstGeom prst="rect">
+              <a:avLst/>
+            </a:prstGeom>
+          </p:spPr>
+          <p:style>
+            <a:lnRef idx="2">
+              <a:schemeClr val="accent1">
+                <a:shade val="50000"/>
+              </a:schemeClr>
+            </a:lnRef>
+            <a:fillRef idx="1">
+              <a:schemeClr val="accent1"/>
+            </a:fillRef>
+            <a:effectRef idx="0">
+              <a:schemeClr val="accent1"/>
+            </a:effectRef>
+            <a:fontRef idx="minor">
+              <a:schemeClr val="lt1"/>
+            </a:fontRef>
+          </p:style>
+          <p:txBody>
+            <a:bodyPr rtlCol="0" anchor="ctr"/>
+            <a:lstStyle/>
+            <a:p>
+              <a:pPr algn="ctr"/>
+              <a:endParaRPr lang="en-TH"/>
+            </a:p>
+          </p:txBody>
+        </p:sp>
+        <p:sp>
+          <p:nvSpPr>
+            <p:cNvPr id="157" name="Rectangle 156">
+              <a:extLst>
+                <a:ext uri="{FF2B5EF4-FFF2-40B4-BE49-F238E27FC236}">
+                  <a16:creationId xmlns:a16="http://schemas.microsoft.com/office/drawing/2014/main" id="{DA25C7E6-611B-A5E2-41C6-F404DA003B6F}"/>
+                </a:ext>
+              </a:extLst>
+            </p:cNvPr>
+            <p:cNvSpPr/>
+            <p:nvPr/>
+          </p:nvSpPr>
+          <p:spPr>
+            <a:xfrm>
+              <a:off x="4492487" y="5663868"/>
+              <a:ext cx="95415" cy="95415"/>
+            </a:xfrm>
+            <a:prstGeom prst="rect">
+              <a:avLst/>
+            </a:prstGeom>
+          </p:spPr>
+          <p:style>
+            <a:lnRef idx="2">
+              <a:schemeClr val="accent1">
+                <a:shade val="50000"/>
+              </a:schemeClr>
+            </a:lnRef>
+            <a:fillRef idx="1">
+              <a:schemeClr val="accent1"/>
+            </a:fillRef>
+            <a:effectRef idx="0">
+              <a:schemeClr val="accent1"/>
+            </a:effectRef>
+            <a:fontRef idx="minor">
+              <a:schemeClr val="lt1"/>
+            </a:fontRef>
+          </p:style>
+          <p:txBody>
+            <a:bodyPr rtlCol="0" anchor="ctr"/>
+            <a:lstStyle/>
+            <a:p>
+              <a:pPr algn="ctr"/>
+              <a:endParaRPr lang="en-TH"/>
+            </a:p>
+          </p:txBody>
+        </p:sp>
+        <p:sp>
+          <p:nvSpPr>
+            <p:cNvPr id="158" name="Rectangle 157">
+              <a:extLst>
+                <a:ext uri="{FF2B5EF4-FFF2-40B4-BE49-F238E27FC236}">
+                  <a16:creationId xmlns:a16="http://schemas.microsoft.com/office/drawing/2014/main" id="{51EF19F7-07C2-3927-6A62-597CEA8753E6}"/>
+                </a:ext>
+              </a:extLst>
+            </p:cNvPr>
+            <p:cNvSpPr/>
+            <p:nvPr/>
+          </p:nvSpPr>
+          <p:spPr>
+            <a:xfrm>
+              <a:off x="4730391" y="5663868"/>
+              <a:ext cx="95415" cy="95415"/>
+            </a:xfrm>
+            <a:prstGeom prst="rect">
+              <a:avLst/>
+            </a:prstGeom>
+          </p:spPr>
+          <p:style>
+            <a:lnRef idx="2">
+              <a:schemeClr val="accent1">
+                <a:shade val="50000"/>
+              </a:schemeClr>
+            </a:lnRef>
+            <a:fillRef idx="1">
+              <a:schemeClr val="accent1"/>
+            </a:fillRef>
+            <a:effectRef idx="0">
+              <a:schemeClr val="accent1"/>
+            </a:effectRef>
+            <a:fontRef idx="minor">
+              <a:schemeClr val="lt1"/>
+            </a:fontRef>
+          </p:style>
+          <p:txBody>
+            <a:bodyPr rtlCol="0" anchor="ctr"/>
+            <a:lstStyle/>
+            <a:p>
+              <a:pPr algn="ctr"/>
+              <a:endParaRPr lang="en-TH"/>
+            </a:p>
+          </p:txBody>
+        </p:sp>
+        <p:sp>
+          <p:nvSpPr>
+            <p:cNvPr id="159" name="Rectangle 158">
+              <a:extLst>
+                <a:ext uri="{FF2B5EF4-FFF2-40B4-BE49-F238E27FC236}">
+                  <a16:creationId xmlns:a16="http://schemas.microsoft.com/office/drawing/2014/main" id="{7082E836-E11D-0666-BD29-07D19ABB07DB}"/>
+                </a:ext>
+              </a:extLst>
+            </p:cNvPr>
+            <p:cNvSpPr/>
+            <p:nvPr/>
+          </p:nvSpPr>
+          <p:spPr>
+            <a:xfrm>
+              <a:off x="4968295" y="5663868"/>
+              <a:ext cx="95415" cy="95415"/>
+            </a:xfrm>
+            <a:prstGeom prst="rect">
+              <a:avLst/>
+            </a:prstGeom>
+          </p:spPr>
+          <p:style>
+            <a:lnRef idx="2">
+              <a:schemeClr val="accent1">
+                <a:shade val="50000"/>
+              </a:schemeClr>
+            </a:lnRef>
+            <a:fillRef idx="1">
+              <a:schemeClr val="accent1"/>
+            </a:fillRef>
+            <a:effectRef idx="0">
+              <a:schemeClr val="accent1"/>
+            </a:effectRef>
+            <a:fontRef idx="minor">
+              <a:schemeClr val="lt1"/>
+            </a:fontRef>
+          </p:style>
+          <p:txBody>
+            <a:bodyPr rtlCol="0" anchor="ctr"/>
+            <a:lstStyle/>
+            <a:p>
+              <a:pPr algn="ctr"/>
+              <a:endParaRPr lang="en-TH"/>
+            </a:p>
+          </p:txBody>
+        </p:sp>
+        <p:cxnSp>
+          <p:nvCxnSpPr>
+            <p:cNvPr id="160" name="Straight Connector 159">
+              <a:extLst>
+                <a:ext uri="{FF2B5EF4-FFF2-40B4-BE49-F238E27FC236}">
+                  <a16:creationId xmlns:a16="http://schemas.microsoft.com/office/drawing/2014/main" id="{3CC1E51D-C5BA-8E2E-3C16-58567592D329}"/>
+                </a:ext>
+              </a:extLst>
+            </p:cNvPr>
+            <p:cNvCxnSpPr>
+              <a:stCxn id="151" idx="3"/>
+              <a:endCxn id="152" idx="1"/>
+            </p:cNvCxnSpPr>
+            <p:nvPr/>
+          </p:nvCxnSpPr>
+          <p:spPr>
+            <a:xfrm>
+              <a:off x="4587902" y="5287618"/>
+              <a:ext cx="142489" cy="0"/>
+            </a:xfrm>
+            <a:prstGeom prst="line">
+              <a:avLst/>
+            </a:prstGeom>
+            <a:ln w="12700"/>
+          </p:spPr>
+          <p:style>
+            <a:lnRef idx="1">
+              <a:schemeClr val="accent1"/>
+            </a:lnRef>
+            <a:fillRef idx="0">
+              <a:schemeClr val="accent1"/>
+            </a:fillRef>
+            <a:effectRef idx="0">
+              <a:schemeClr val="accent1"/>
+            </a:effectRef>
+            <a:fontRef idx="minor">
+              <a:schemeClr val="tx1"/>
+            </a:fontRef>
+          </p:style>
+        </p:cxnSp>
+        <p:cxnSp>
+          <p:nvCxnSpPr>
+            <p:cNvPr id="161" name="Straight Connector 160">
+              <a:extLst>
+                <a:ext uri="{FF2B5EF4-FFF2-40B4-BE49-F238E27FC236}">
+                  <a16:creationId xmlns:a16="http://schemas.microsoft.com/office/drawing/2014/main" id="{F5F5FEAB-1A10-C90B-0016-1EFB901E4CD0}"/>
+                </a:ext>
+              </a:extLst>
+            </p:cNvPr>
+            <p:cNvCxnSpPr>
+              <a:cxnSpLocks/>
+              <a:stCxn id="154" idx="2"/>
+              <a:endCxn id="157" idx="0"/>
+            </p:cNvCxnSpPr>
+            <p:nvPr/>
+          </p:nvCxnSpPr>
+          <p:spPr>
+            <a:xfrm>
+              <a:off x="4540195" y="5547304"/>
+              <a:ext cx="0" cy="116564"/>
+            </a:xfrm>
+            <a:prstGeom prst="line">
+              <a:avLst/>
+            </a:prstGeom>
+            <a:ln w="12700"/>
+          </p:spPr>
+          <p:style>
+            <a:lnRef idx="1">
+              <a:schemeClr val="accent1"/>
+            </a:lnRef>
+            <a:fillRef idx="0">
+              <a:schemeClr val="accent1"/>
+            </a:fillRef>
+            <a:effectRef idx="0">
+              <a:schemeClr val="accent1"/>
+            </a:effectRef>
+            <a:fontRef idx="minor">
+              <a:schemeClr val="tx1"/>
+            </a:fontRef>
+          </p:style>
+        </p:cxnSp>
+        <p:cxnSp>
+          <p:nvCxnSpPr>
+            <p:cNvPr id="162" name="Straight Connector 161">
+              <a:extLst>
+                <a:ext uri="{FF2B5EF4-FFF2-40B4-BE49-F238E27FC236}">
+                  <a16:creationId xmlns:a16="http://schemas.microsoft.com/office/drawing/2014/main" id="{712A8EA5-0ACE-00D5-FEDE-60F220E19BDE}"/>
+                </a:ext>
+              </a:extLst>
+            </p:cNvPr>
+            <p:cNvCxnSpPr>
+              <a:cxnSpLocks/>
+              <a:stCxn id="152" idx="2"/>
+              <a:endCxn id="155" idx="0"/>
+            </p:cNvCxnSpPr>
+            <p:nvPr/>
+          </p:nvCxnSpPr>
+          <p:spPr>
+            <a:xfrm>
+              <a:off x="4778099" y="5335325"/>
+              <a:ext cx="0" cy="116564"/>
+            </a:xfrm>
+            <a:prstGeom prst="line">
+              <a:avLst/>
+            </a:prstGeom>
+            <a:ln w="12700"/>
+          </p:spPr>
+          <p:style>
+            <a:lnRef idx="1">
+              <a:schemeClr val="accent1"/>
+            </a:lnRef>
+            <a:fillRef idx="0">
+              <a:schemeClr val="accent1"/>
+            </a:fillRef>
+            <a:effectRef idx="0">
+              <a:schemeClr val="accent1"/>
+            </a:effectRef>
+            <a:fontRef idx="minor">
+              <a:schemeClr val="tx1"/>
+            </a:fontRef>
+          </p:style>
+        </p:cxnSp>
+        <p:cxnSp>
+          <p:nvCxnSpPr>
+            <p:cNvPr id="163" name="Straight Connector 162">
+              <a:extLst>
+                <a:ext uri="{FF2B5EF4-FFF2-40B4-BE49-F238E27FC236}">
+                  <a16:creationId xmlns:a16="http://schemas.microsoft.com/office/drawing/2014/main" id="{FEB92B46-298C-DCBF-66DB-992F83918D2F}"/>
+                </a:ext>
+              </a:extLst>
+            </p:cNvPr>
+            <p:cNvCxnSpPr>
+              <a:cxnSpLocks/>
+              <a:stCxn id="153" idx="2"/>
+              <a:endCxn id="156" idx="0"/>
+            </p:cNvCxnSpPr>
+            <p:nvPr/>
+          </p:nvCxnSpPr>
+          <p:spPr>
+            <a:xfrm>
+              <a:off x="5016003" y="5335325"/>
+              <a:ext cx="0" cy="116564"/>
+            </a:xfrm>
+            <a:prstGeom prst="line">
+              <a:avLst/>
+            </a:prstGeom>
+            <a:ln w="12700"/>
+          </p:spPr>
+          <p:style>
+            <a:lnRef idx="1">
+              <a:schemeClr val="accent1"/>
+            </a:lnRef>
+            <a:fillRef idx="0">
+              <a:schemeClr val="accent1"/>
+            </a:fillRef>
+            <a:effectRef idx="0">
+              <a:schemeClr val="accent1"/>
+            </a:effectRef>
+            <a:fontRef idx="minor">
+              <a:schemeClr val="tx1"/>
+            </a:fontRef>
+          </p:style>
+        </p:cxnSp>
+        <p:cxnSp>
+          <p:nvCxnSpPr>
+            <p:cNvPr id="164" name="Straight Connector 163">
+              <a:extLst>
+                <a:ext uri="{FF2B5EF4-FFF2-40B4-BE49-F238E27FC236}">
+                  <a16:creationId xmlns:a16="http://schemas.microsoft.com/office/drawing/2014/main" id="{A272114F-FAB0-EE77-1C8C-FAC8876C5C38}"/>
+                </a:ext>
+              </a:extLst>
+            </p:cNvPr>
+            <p:cNvCxnSpPr>
+              <a:cxnSpLocks/>
+              <a:stCxn id="156" idx="2"/>
+              <a:endCxn id="159" idx="0"/>
+            </p:cNvCxnSpPr>
+            <p:nvPr/>
+          </p:nvCxnSpPr>
+          <p:spPr>
+            <a:xfrm>
+              <a:off x="5016003" y="5547304"/>
+              <a:ext cx="0" cy="116564"/>
+            </a:xfrm>
+            <a:prstGeom prst="line">
+              <a:avLst/>
+            </a:prstGeom>
+            <a:ln w="12700"/>
+          </p:spPr>
+          <p:style>
+            <a:lnRef idx="1">
+              <a:schemeClr val="accent1"/>
+            </a:lnRef>
+            <a:fillRef idx="0">
+              <a:schemeClr val="accent1"/>
+            </a:fillRef>
+            <a:effectRef idx="0">
+              <a:schemeClr val="accent1"/>
+            </a:effectRef>
+            <a:fontRef idx="minor">
+              <a:schemeClr val="tx1"/>
+            </a:fontRef>
+          </p:style>
+        </p:cxnSp>
+        <p:cxnSp>
+          <p:nvCxnSpPr>
+            <p:cNvPr id="165" name="Curved Connector 164">
+              <a:extLst>
+                <a:ext uri="{FF2B5EF4-FFF2-40B4-BE49-F238E27FC236}">
+                  <a16:creationId xmlns:a16="http://schemas.microsoft.com/office/drawing/2014/main" id="{FEB21E00-78D8-A33C-76FB-523D107DD80C}"/>
+                </a:ext>
+              </a:extLst>
+            </p:cNvPr>
+            <p:cNvCxnSpPr>
+              <a:cxnSpLocks/>
+              <a:stCxn id="152" idx="3"/>
+              <a:endCxn id="156" idx="1"/>
+            </p:cNvCxnSpPr>
+            <p:nvPr/>
+          </p:nvCxnSpPr>
+          <p:spPr>
+            <a:xfrm>
+              <a:off x="4825806" y="5287618"/>
+              <a:ext cx="142489" cy="211979"/>
+            </a:xfrm>
+            <a:prstGeom prst="curvedConnector3">
+              <a:avLst/>
+            </a:prstGeom>
+            <a:ln w="12700"/>
+          </p:spPr>
+          <p:style>
+            <a:lnRef idx="1">
+              <a:schemeClr val="accent1"/>
+            </a:lnRef>
+            <a:fillRef idx="0">
+              <a:schemeClr val="accent1"/>
+            </a:fillRef>
+            <a:effectRef idx="0">
+              <a:schemeClr val="accent1"/>
+            </a:effectRef>
+            <a:fontRef idx="minor">
+              <a:schemeClr val="tx1"/>
+            </a:fontRef>
+          </p:style>
+        </p:cxnSp>
+        <p:cxnSp>
+          <p:nvCxnSpPr>
+            <p:cNvPr id="166" name="Curved Connector 165">
+              <a:extLst>
+                <a:ext uri="{FF2B5EF4-FFF2-40B4-BE49-F238E27FC236}">
+                  <a16:creationId xmlns:a16="http://schemas.microsoft.com/office/drawing/2014/main" id="{A79426EF-F32E-52BE-526E-CD53B90919A9}"/>
+                </a:ext>
+              </a:extLst>
+            </p:cNvPr>
+            <p:cNvCxnSpPr>
+              <a:cxnSpLocks/>
+              <a:stCxn id="155" idx="3"/>
+              <a:endCxn id="159" idx="1"/>
+            </p:cNvCxnSpPr>
+            <p:nvPr/>
+          </p:nvCxnSpPr>
+          <p:spPr>
+            <a:xfrm>
+              <a:off x="4825806" y="5499597"/>
+              <a:ext cx="142489" cy="211979"/>
+            </a:xfrm>
+            <a:prstGeom prst="curvedConnector3">
+              <a:avLst/>
+            </a:prstGeom>
+            <a:ln w="12700"/>
+          </p:spPr>
+          <p:style>
+            <a:lnRef idx="1">
+              <a:schemeClr val="accent1"/>
+            </a:lnRef>
+            <a:fillRef idx="0">
+              <a:schemeClr val="accent1"/>
+            </a:fillRef>
+            <a:effectRef idx="0">
+              <a:schemeClr val="accent1"/>
+            </a:effectRef>
+            <a:fontRef idx="minor">
+              <a:schemeClr val="tx1"/>
+            </a:fontRef>
+          </p:style>
+        </p:cxnSp>
+        <p:cxnSp>
+          <p:nvCxnSpPr>
+            <p:cNvPr id="167" name="Curved Connector 166">
+              <a:extLst>
+                <a:ext uri="{FF2B5EF4-FFF2-40B4-BE49-F238E27FC236}">
+                  <a16:creationId xmlns:a16="http://schemas.microsoft.com/office/drawing/2014/main" id="{15CCDF6E-1CED-4221-D456-C3F8DA3F6473}"/>
+                </a:ext>
+              </a:extLst>
+            </p:cNvPr>
+            <p:cNvCxnSpPr>
+              <a:cxnSpLocks/>
+              <a:stCxn id="155" idx="1"/>
+              <a:endCxn id="157" idx="3"/>
+            </p:cNvCxnSpPr>
+            <p:nvPr/>
+          </p:nvCxnSpPr>
+          <p:spPr>
+            <a:xfrm rot="10800000" flipV="1">
+              <a:off x="4587903" y="5499596"/>
+              <a:ext cx="142489" cy="211979"/>
+            </a:xfrm>
+            <a:prstGeom prst="curvedConnector3">
+              <a:avLst>
+                <a:gd name="adj1" fmla="val 50000"/>
+              </a:avLst>
+            </a:prstGeom>
+            <a:ln w="12700"/>
+          </p:spPr>
+          <p:style>
+            <a:lnRef idx="1">
+              <a:schemeClr val="accent1"/>
+            </a:lnRef>
+            <a:fillRef idx="0">
+              <a:schemeClr val="accent1"/>
+            </a:fillRef>
+            <a:effectRef idx="0">
+              <a:schemeClr val="accent1"/>
+            </a:effectRef>
+            <a:fontRef idx="minor">
+              <a:schemeClr val="tx1"/>
+            </a:fontRef>
+          </p:style>
+        </p:cxnSp>
+      </p:grpSp>
+      <p:grpSp>
+        <p:nvGrpSpPr>
+          <p:cNvPr id="168" name="Group 167">
+            <a:extLst>
+              <a:ext uri="{FF2B5EF4-FFF2-40B4-BE49-F238E27FC236}">
+                <a16:creationId xmlns:a16="http://schemas.microsoft.com/office/drawing/2014/main" id="{A18A48F5-E924-B128-7314-05540FA856F3}"/>
+              </a:ext>
+            </a:extLst>
+          </p:cNvPr>
+          <p:cNvGrpSpPr/>
+          <p:nvPr/>
+        </p:nvGrpSpPr>
+        <p:grpSpPr>
+          <a:xfrm>
+            <a:off x="6974764" y="5098111"/>
+            <a:ext cx="472997" cy="653060"/>
+            <a:chOff x="6239138" y="3844932"/>
+            <a:chExt cx="472997" cy="653060"/>
+          </a:xfrm>
+        </p:grpSpPr>
+        <p:sp>
+          <p:nvSpPr>
+            <p:cNvPr id="169" name="Document 168">
+              <a:extLst>
+                <a:ext uri="{FF2B5EF4-FFF2-40B4-BE49-F238E27FC236}">
+                  <a16:creationId xmlns:a16="http://schemas.microsoft.com/office/drawing/2014/main" id="{7BE03AA2-E4F0-A245-1F6C-2B615B0E0B50}"/>
+                </a:ext>
+              </a:extLst>
+            </p:cNvPr>
+            <p:cNvSpPr/>
+            <p:nvPr/>
+          </p:nvSpPr>
+          <p:spPr>
+            <a:xfrm>
+              <a:off x="6239138" y="3844932"/>
+              <a:ext cx="472997" cy="653060"/>
+            </a:xfrm>
+            <a:prstGeom prst="flowChartDocument">
+              <a:avLst/>
+            </a:prstGeom>
+          </p:spPr>
+          <p:style>
+            <a:lnRef idx="2">
+              <a:schemeClr val="accent1">
+                <a:shade val="50000"/>
+              </a:schemeClr>
+            </a:lnRef>
+            <a:fillRef idx="1">
+              <a:schemeClr val="accent1"/>
+            </a:fillRef>
+            <a:effectRef idx="0">
+              <a:schemeClr val="accent1"/>
+            </a:effectRef>
+            <a:fontRef idx="minor">
+              <a:schemeClr val="lt1"/>
+            </a:fontRef>
+          </p:style>
+          <p:txBody>
+            <a:bodyPr rtlCol="0" anchor="ctr"/>
+            <a:lstStyle/>
+            <a:p>
+              <a:pPr algn="ctr"/>
+              <a:endParaRPr lang="en-TH"/>
+            </a:p>
+          </p:txBody>
+        </p:sp>
+        <p:cxnSp>
+          <p:nvCxnSpPr>
+            <p:cNvPr id="170" name="Straight Connector 169">
+              <a:extLst>
+                <a:ext uri="{FF2B5EF4-FFF2-40B4-BE49-F238E27FC236}">
+                  <a16:creationId xmlns:a16="http://schemas.microsoft.com/office/drawing/2014/main" id="{927E3A0A-2F09-E576-9991-A56D9CFAA657}"/>
+                </a:ext>
+              </a:extLst>
+            </p:cNvPr>
+            <p:cNvCxnSpPr>
+              <a:cxnSpLocks/>
+            </p:cNvCxnSpPr>
+            <p:nvPr/>
+          </p:nvCxnSpPr>
+          <p:spPr>
+            <a:xfrm>
+              <a:off x="6448062" y="3923126"/>
+              <a:ext cx="214065" cy="0"/>
+            </a:xfrm>
+            <a:prstGeom prst="line">
+              <a:avLst/>
+            </a:prstGeom>
+            <a:ln w="12700">
+              <a:solidFill>
+                <a:schemeClr val="accent1">
+                  <a:lumMod val="20000"/>
+                  <a:lumOff val="80000"/>
+                </a:schemeClr>
+              </a:solidFill>
+            </a:ln>
+          </p:spPr>
+          <p:style>
+            <a:lnRef idx="1">
+              <a:schemeClr val="accent1"/>
+            </a:lnRef>
+            <a:fillRef idx="0">
+              <a:schemeClr val="accent1"/>
+            </a:fillRef>
+            <a:effectRef idx="0">
+              <a:schemeClr val="accent1"/>
+            </a:effectRef>
+            <a:fontRef idx="minor">
+              <a:schemeClr val="tx1"/>
+            </a:fontRef>
+          </p:style>
+        </p:cxnSp>
+        <p:cxnSp>
+          <p:nvCxnSpPr>
+            <p:cNvPr id="171" name="Straight Connector 170">
+              <a:extLst>
+                <a:ext uri="{FF2B5EF4-FFF2-40B4-BE49-F238E27FC236}">
+                  <a16:creationId xmlns:a16="http://schemas.microsoft.com/office/drawing/2014/main" id="{1DD6C304-D426-B1F9-2405-32E6A940B299}"/>
+                </a:ext>
+              </a:extLst>
+            </p:cNvPr>
+            <p:cNvCxnSpPr>
+              <a:cxnSpLocks/>
+            </p:cNvCxnSpPr>
+            <p:nvPr/>
+          </p:nvCxnSpPr>
+          <p:spPr>
+            <a:xfrm>
+              <a:off x="6448062" y="3976876"/>
+              <a:ext cx="214065" cy="0"/>
+            </a:xfrm>
+            <a:prstGeom prst="line">
+              <a:avLst/>
+            </a:prstGeom>
+            <a:ln w="12700">
+              <a:solidFill>
+                <a:schemeClr val="accent1">
+                  <a:lumMod val="20000"/>
+                  <a:lumOff val="80000"/>
+                </a:schemeClr>
+              </a:solidFill>
+            </a:ln>
+          </p:spPr>
+          <p:style>
+            <a:lnRef idx="1">
+              <a:schemeClr val="accent1"/>
+            </a:lnRef>
+            <a:fillRef idx="0">
+              <a:schemeClr val="accent1"/>
+            </a:fillRef>
+            <a:effectRef idx="0">
+              <a:schemeClr val="accent1"/>
+            </a:effectRef>
+            <a:fontRef idx="minor">
+              <a:schemeClr val="tx1"/>
+            </a:fontRef>
+          </p:style>
+        </p:cxnSp>
+        <p:cxnSp>
+          <p:nvCxnSpPr>
+            <p:cNvPr id="172" name="Straight Connector 171">
+              <a:extLst>
+                <a:ext uri="{FF2B5EF4-FFF2-40B4-BE49-F238E27FC236}">
+                  <a16:creationId xmlns:a16="http://schemas.microsoft.com/office/drawing/2014/main" id="{7A07AFF5-88B5-7C9A-9543-FC7404574025}"/>
+                </a:ext>
+              </a:extLst>
+            </p:cNvPr>
+            <p:cNvCxnSpPr>
+              <a:cxnSpLocks/>
+            </p:cNvCxnSpPr>
+            <p:nvPr/>
+          </p:nvCxnSpPr>
+          <p:spPr>
+            <a:xfrm>
+              <a:off x="6448062" y="4030626"/>
+              <a:ext cx="214065" cy="0"/>
+            </a:xfrm>
+            <a:prstGeom prst="line">
+              <a:avLst/>
+            </a:prstGeom>
+            <a:ln w="12700">
+              <a:solidFill>
+                <a:schemeClr val="accent1">
+                  <a:lumMod val="20000"/>
+                  <a:lumOff val="80000"/>
+                </a:schemeClr>
+              </a:solidFill>
+            </a:ln>
+          </p:spPr>
+          <p:style>
+            <a:lnRef idx="1">
+              <a:schemeClr val="accent1"/>
+            </a:lnRef>
+            <a:fillRef idx="0">
+              <a:schemeClr val="accent1"/>
+            </a:fillRef>
+            <a:effectRef idx="0">
+              <a:schemeClr val="accent1"/>
+            </a:effectRef>
+            <a:fontRef idx="minor">
+              <a:schemeClr val="tx1"/>
+            </a:fontRef>
+          </p:style>
+        </p:cxnSp>
+        <p:cxnSp>
+          <p:nvCxnSpPr>
+            <p:cNvPr id="173" name="Straight Connector 172">
+              <a:extLst>
+                <a:ext uri="{FF2B5EF4-FFF2-40B4-BE49-F238E27FC236}">
+                  <a16:creationId xmlns:a16="http://schemas.microsoft.com/office/drawing/2014/main" id="{D075B5B6-4482-D6AB-C2F1-CD38083F6140}"/>
+                </a:ext>
+              </a:extLst>
+            </p:cNvPr>
+            <p:cNvCxnSpPr>
+              <a:cxnSpLocks/>
+            </p:cNvCxnSpPr>
+            <p:nvPr/>
+          </p:nvCxnSpPr>
+          <p:spPr>
+            <a:xfrm>
+              <a:off x="6448062" y="4084376"/>
+              <a:ext cx="214065" cy="0"/>
+            </a:xfrm>
+            <a:prstGeom prst="line">
+              <a:avLst/>
+            </a:prstGeom>
+            <a:ln w="12700">
+              <a:solidFill>
+                <a:schemeClr val="accent1">
+                  <a:lumMod val="20000"/>
+                  <a:lumOff val="80000"/>
+                </a:schemeClr>
+              </a:solidFill>
+            </a:ln>
+          </p:spPr>
+          <p:style>
+            <a:lnRef idx="1">
+              <a:schemeClr val="accent1"/>
+            </a:lnRef>
+            <a:fillRef idx="0">
+              <a:schemeClr val="accent1"/>
+            </a:fillRef>
+            <a:effectRef idx="0">
+              <a:schemeClr val="accent1"/>
+            </a:effectRef>
+            <a:fontRef idx="minor">
+              <a:schemeClr val="tx1"/>
+            </a:fontRef>
+          </p:style>
+        </p:cxnSp>
+        <p:cxnSp>
+          <p:nvCxnSpPr>
+            <p:cNvPr id="174" name="Straight Connector 173">
+              <a:extLst>
+                <a:ext uri="{FF2B5EF4-FFF2-40B4-BE49-F238E27FC236}">
+                  <a16:creationId xmlns:a16="http://schemas.microsoft.com/office/drawing/2014/main" id="{43372631-6853-BDEC-AD14-87029B91F410}"/>
+                </a:ext>
+              </a:extLst>
+            </p:cNvPr>
+            <p:cNvCxnSpPr>
+              <a:cxnSpLocks/>
+            </p:cNvCxnSpPr>
+            <p:nvPr/>
+          </p:nvCxnSpPr>
+          <p:spPr>
+            <a:xfrm>
+              <a:off x="6448062" y="4138126"/>
+              <a:ext cx="214065" cy="0"/>
+            </a:xfrm>
+            <a:prstGeom prst="line">
+              <a:avLst/>
+            </a:prstGeom>
+            <a:ln w="12700">
+              <a:solidFill>
+                <a:schemeClr val="accent1">
+                  <a:lumMod val="20000"/>
+                  <a:lumOff val="80000"/>
+                </a:schemeClr>
+              </a:solidFill>
+            </a:ln>
+          </p:spPr>
+          <p:style>
+            <a:lnRef idx="1">
+              <a:schemeClr val="accent1"/>
+            </a:lnRef>
+            <a:fillRef idx="0">
+              <a:schemeClr val="accent1"/>
+            </a:fillRef>
+            <a:effectRef idx="0">
+              <a:schemeClr val="accent1"/>
+            </a:effectRef>
+            <a:fontRef idx="minor">
+              <a:schemeClr val="tx1"/>
+            </a:fontRef>
+          </p:style>
+        </p:cxnSp>
+        <p:cxnSp>
+          <p:nvCxnSpPr>
+            <p:cNvPr id="175" name="Straight Connector 174">
+              <a:extLst>
+                <a:ext uri="{FF2B5EF4-FFF2-40B4-BE49-F238E27FC236}">
+                  <a16:creationId xmlns:a16="http://schemas.microsoft.com/office/drawing/2014/main" id="{67272505-27C0-D6F6-7B41-B924C1158686}"/>
+                </a:ext>
+              </a:extLst>
+            </p:cNvPr>
+            <p:cNvCxnSpPr>
+              <a:cxnSpLocks/>
+            </p:cNvCxnSpPr>
+            <p:nvPr/>
+          </p:nvCxnSpPr>
+          <p:spPr>
+            <a:xfrm>
+              <a:off x="6448062" y="4191876"/>
+              <a:ext cx="214065" cy="0"/>
+            </a:xfrm>
+            <a:prstGeom prst="line">
+              <a:avLst/>
+            </a:prstGeom>
+            <a:ln w="12700">
+              <a:solidFill>
+                <a:schemeClr val="accent1">
+                  <a:lumMod val="20000"/>
+                  <a:lumOff val="80000"/>
+                </a:schemeClr>
+              </a:solidFill>
+            </a:ln>
+          </p:spPr>
+          <p:style>
+            <a:lnRef idx="1">
+              <a:schemeClr val="accent1"/>
+            </a:lnRef>
+            <a:fillRef idx="0">
+              <a:schemeClr val="accent1"/>
+            </a:fillRef>
+            <a:effectRef idx="0">
+              <a:schemeClr val="accent1"/>
+            </a:effectRef>
+            <a:fontRef idx="minor">
+              <a:schemeClr val="tx1"/>
+            </a:fontRef>
+          </p:style>
+        </p:cxnSp>
+        <p:cxnSp>
+          <p:nvCxnSpPr>
+            <p:cNvPr id="176" name="Straight Connector 175">
+              <a:extLst>
+                <a:ext uri="{FF2B5EF4-FFF2-40B4-BE49-F238E27FC236}">
+                  <a16:creationId xmlns:a16="http://schemas.microsoft.com/office/drawing/2014/main" id="{4D5A3815-B814-F872-4844-508F9A9AD77F}"/>
+                </a:ext>
+              </a:extLst>
+            </p:cNvPr>
+            <p:cNvCxnSpPr>
+              <a:cxnSpLocks/>
+            </p:cNvCxnSpPr>
+            <p:nvPr/>
+          </p:nvCxnSpPr>
+          <p:spPr>
+            <a:xfrm>
+              <a:off x="6448062" y="4245626"/>
+              <a:ext cx="214065" cy="0"/>
+            </a:xfrm>
+            <a:prstGeom prst="line">
+              <a:avLst/>
+            </a:prstGeom>
+            <a:ln w="12700">
+              <a:solidFill>
+                <a:schemeClr val="accent1">
+                  <a:lumMod val="20000"/>
+                  <a:lumOff val="80000"/>
+                </a:schemeClr>
+              </a:solidFill>
+            </a:ln>
+          </p:spPr>
+          <p:style>
+            <a:lnRef idx="1">
+              <a:schemeClr val="accent1"/>
+            </a:lnRef>
+            <a:fillRef idx="0">
+              <a:schemeClr val="accent1"/>
+            </a:fillRef>
+            <a:effectRef idx="0">
+              <a:schemeClr val="accent1"/>
+            </a:effectRef>
+            <a:fontRef idx="minor">
+              <a:schemeClr val="tx1"/>
+            </a:fontRef>
+          </p:style>
+        </p:cxnSp>
+        <p:cxnSp>
+          <p:nvCxnSpPr>
+            <p:cNvPr id="177" name="Straight Connector 176">
+              <a:extLst>
+                <a:ext uri="{FF2B5EF4-FFF2-40B4-BE49-F238E27FC236}">
+                  <a16:creationId xmlns:a16="http://schemas.microsoft.com/office/drawing/2014/main" id="{1FBC2829-F20B-A253-3644-8FBFC2FF9BAC}"/>
+                </a:ext>
+              </a:extLst>
+            </p:cNvPr>
+            <p:cNvCxnSpPr>
+              <a:cxnSpLocks/>
+            </p:cNvCxnSpPr>
+            <p:nvPr/>
+          </p:nvCxnSpPr>
+          <p:spPr>
+            <a:xfrm>
+              <a:off x="6448062" y="4299377"/>
+              <a:ext cx="214065" cy="0"/>
+            </a:xfrm>
+            <a:prstGeom prst="line">
+              <a:avLst/>
+            </a:prstGeom>
+            <a:ln w="12700">
+              <a:solidFill>
+                <a:schemeClr val="accent1">
+                  <a:lumMod val="20000"/>
+                  <a:lumOff val="80000"/>
+                </a:schemeClr>
+              </a:solidFill>
+            </a:ln>
+          </p:spPr>
+          <p:style>
+            <a:lnRef idx="1">
+              <a:schemeClr val="accent1"/>
+            </a:lnRef>
+            <a:fillRef idx="0">
+              <a:schemeClr val="accent1"/>
+            </a:fillRef>
+            <a:effectRef idx="0">
+              <a:schemeClr val="accent1"/>
+            </a:effectRef>
+            <a:fontRef idx="minor">
+              <a:schemeClr val="tx1"/>
+            </a:fontRef>
+          </p:style>
+        </p:cxnSp>
+        <p:sp>
+          <p:nvSpPr>
+            <p:cNvPr id="178" name="Oval 177">
+              <a:extLst>
+                <a:ext uri="{FF2B5EF4-FFF2-40B4-BE49-F238E27FC236}">
+                  <a16:creationId xmlns:a16="http://schemas.microsoft.com/office/drawing/2014/main" id="{9BE688C2-5F2B-A71A-C8F7-EA7DEA8E9147}"/>
+                </a:ext>
+              </a:extLst>
+            </p:cNvPr>
+            <p:cNvSpPr/>
+            <p:nvPr/>
+          </p:nvSpPr>
+          <p:spPr>
+            <a:xfrm>
+              <a:off x="6273328" y="3906122"/>
+              <a:ext cx="124504" cy="124504"/>
+            </a:xfrm>
+            <a:prstGeom prst="ellipse">
+              <a:avLst/>
+            </a:prstGeom>
+            <a:solidFill>
+              <a:schemeClr val="tx1"/>
+            </a:solidFill>
+          </p:spPr>
+          <p:style>
+            <a:lnRef idx="2">
+              <a:schemeClr val="accent1">
+                <a:shade val="50000"/>
+              </a:schemeClr>
+            </a:lnRef>
+            <a:fillRef idx="1">
+              <a:schemeClr val="accent1"/>
+            </a:fillRef>
+            <a:effectRef idx="0">
+              <a:schemeClr val="accent1"/>
+            </a:effectRef>
+            <a:fontRef idx="minor">
+              <a:schemeClr val="lt1"/>
+            </a:fontRef>
+          </p:style>
+          <p:txBody>
+            <a:bodyPr rtlCol="0" anchor="ctr"/>
+            <a:lstStyle/>
+            <a:p>
+              <a:pPr algn="ctr"/>
+              <a:endParaRPr lang="en-TH"/>
+            </a:p>
+          </p:txBody>
+        </p:sp>
+        <p:sp>
+          <p:nvSpPr>
+            <p:cNvPr id="179" name="Freeform 178">
+              <a:extLst>
+                <a:ext uri="{FF2B5EF4-FFF2-40B4-BE49-F238E27FC236}">
+                  <a16:creationId xmlns:a16="http://schemas.microsoft.com/office/drawing/2014/main" id="{D623B661-AB64-E66A-40CB-CA1AA7971F4B}"/>
+                </a:ext>
+              </a:extLst>
+            </p:cNvPr>
+            <p:cNvSpPr/>
+            <p:nvPr/>
+          </p:nvSpPr>
+          <p:spPr>
+            <a:xfrm>
+              <a:off x="6297418" y="3930697"/>
+              <a:ext cx="76325" cy="68291"/>
+            </a:xfrm>
+            <a:custGeom>
+              <a:avLst/>
+              <a:gdLst>
+                <a:gd name="connsiteX0" fmla="*/ 0 w 99848"/>
+                <a:gd name="connsiteY0" fmla="*/ 57807 h 89338"/>
+                <a:gd name="connsiteX1" fmla="*/ 36786 w 99848"/>
+                <a:gd name="connsiteY1" fmla="*/ 89338 h 89338"/>
+                <a:gd name="connsiteX2" fmla="*/ 99848 w 99848"/>
+                <a:gd name="connsiteY2" fmla="*/ 0 h 89338"/>
+              </a:gdLst>
+              <a:ahLst/>
+              <a:cxnLst>
+                <a:cxn ang="0">
+                  <a:pos x="connsiteX0" y="connsiteY0"/>
+                </a:cxn>
+                <a:cxn ang="0">
+                  <a:pos x="connsiteX1" y="connsiteY1"/>
+                </a:cxn>
+                <a:cxn ang="0">
+                  <a:pos x="connsiteX2" y="connsiteY2"/>
+                </a:cxn>
+              </a:cxnLst>
+              <a:rect l="l" t="t" r="r" b="b"/>
+              <a:pathLst>
+                <a:path w="99848" h="89338">
+                  <a:moveTo>
+                    <a:pt x="0" y="57807"/>
+                  </a:moveTo>
+                  <a:lnTo>
+                    <a:pt x="36786" y="89338"/>
+                  </a:lnTo>
+                  <a:lnTo>
+                    <a:pt x="99848" y="0"/>
+                  </a:lnTo>
+                </a:path>
+              </a:pathLst>
+            </a:custGeom>
+            <a:noFill/>
+            <a:ln w="19050"/>
+          </p:spPr>
+          <p:style>
+            <a:lnRef idx="2">
+              <a:schemeClr val="accent1">
+                <a:shade val="50000"/>
+              </a:schemeClr>
+            </a:lnRef>
+            <a:fillRef idx="1">
+              <a:schemeClr val="accent1"/>
+            </a:fillRef>
+            <a:effectRef idx="0">
+              <a:schemeClr val="accent1"/>
+            </a:effectRef>
+            <a:fontRef idx="minor">
+              <a:schemeClr val="lt1"/>
+            </a:fontRef>
+          </p:style>
+          <p:txBody>
+            <a:bodyPr rtlCol="0" anchor="ctr"/>
+            <a:lstStyle/>
+            <a:p>
+              <a:pPr algn="ctr"/>
+              <a:endParaRPr lang="en-TH"/>
+            </a:p>
+          </p:txBody>
+        </p:sp>
+        <p:sp>
+          <p:nvSpPr>
+            <p:cNvPr id="180" name="Oval 179">
+              <a:extLst>
+                <a:ext uri="{FF2B5EF4-FFF2-40B4-BE49-F238E27FC236}">
+                  <a16:creationId xmlns:a16="http://schemas.microsoft.com/office/drawing/2014/main" id="{67482B84-2C12-E7E6-2AFC-956A2E92ED8E}"/>
+                </a:ext>
+              </a:extLst>
+            </p:cNvPr>
+            <p:cNvSpPr/>
+            <p:nvPr/>
+          </p:nvSpPr>
+          <p:spPr>
+            <a:xfrm>
+              <a:off x="6273328" y="4052129"/>
+              <a:ext cx="124504" cy="124504"/>
+            </a:xfrm>
+            <a:prstGeom prst="ellipse">
+              <a:avLst/>
+            </a:prstGeom>
+            <a:solidFill>
+              <a:schemeClr val="tx1"/>
+            </a:solidFill>
+          </p:spPr>
+          <p:style>
+            <a:lnRef idx="2">
+              <a:schemeClr val="accent1">
+                <a:shade val="50000"/>
+              </a:schemeClr>
+            </a:lnRef>
+            <a:fillRef idx="1">
+              <a:schemeClr val="accent1"/>
+            </a:fillRef>
+            <a:effectRef idx="0">
+              <a:schemeClr val="accent1"/>
+            </a:effectRef>
+            <a:fontRef idx="minor">
+              <a:schemeClr val="lt1"/>
+            </a:fontRef>
+          </p:style>
+          <p:txBody>
+            <a:bodyPr rtlCol="0" anchor="ctr"/>
+            <a:lstStyle/>
+            <a:p>
+              <a:pPr algn="ctr"/>
+              <a:endParaRPr lang="en-TH"/>
+            </a:p>
+          </p:txBody>
+        </p:sp>
+        <p:sp>
+          <p:nvSpPr>
+            <p:cNvPr id="181" name="Oval 180">
+              <a:extLst>
+                <a:ext uri="{FF2B5EF4-FFF2-40B4-BE49-F238E27FC236}">
+                  <a16:creationId xmlns:a16="http://schemas.microsoft.com/office/drawing/2014/main" id="{DFFDB1A3-47DA-DD2E-5FD9-1BF56BCBF7CA}"/>
+                </a:ext>
+              </a:extLst>
+            </p:cNvPr>
+            <p:cNvSpPr/>
+            <p:nvPr/>
+          </p:nvSpPr>
+          <p:spPr>
+            <a:xfrm>
+              <a:off x="6273328" y="4198136"/>
+              <a:ext cx="124504" cy="124504"/>
+            </a:xfrm>
+            <a:prstGeom prst="ellipse">
+              <a:avLst/>
+            </a:prstGeom>
+            <a:solidFill>
+              <a:schemeClr val="tx1"/>
+            </a:solidFill>
+          </p:spPr>
+          <p:style>
+            <a:lnRef idx="2">
+              <a:schemeClr val="accent1">
+                <a:shade val="50000"/>
+              </a:schemeClr>
+            </a:lnRef>
+            <a:fillRef idx="1">
+              <a:schemeClr val="accent1"/>
+            </a:fillRef>
+            <a:effectRef idx="0">
+              <a:schemeClr val="accent1"/>
+            </a:effectRef>
+            <a:fontRef idx="minor">
+              <a:schemeClr val="lt1"/>
+            </a:fontRef>
+          </p:style>
+          <p:txBody>
+            <a:bodyPr rtlCol="0" anchor="ctr"/>
+            <a:lstStyle/>
+            <a:p>
+              <a:pPr algn="ctr"/>
+              <a:endParaRPr lang="en-TH"/>
+            </a:p>
+          </p:txBody>
+        </p:sp>
+        <p:sp>
+          <p:nvSpPr>
+            <p:cNvPr id="182" name="Freeform 181">
+              <a:extLst>
+                <a:ext uri="{FF2B5EF4-FFF2-40B4-BE49-F238E27FC236}">
+                  <a16:creationId xmlns:a16="http://schemas.microsoft.com/office/drawing/2014/main" id="{7039336D-D1F1-EC8F-4A6A-F33345FE11DC}"/>
+                </a:ext>
+              </a:extLst>
+            </p:cNvPr>
+            <p:cNvSpPr/>
+            <p:nvPr/>
+          </p:nvSpPr>
+          <p:spPr>
+            <a:xfrm>
+              <a:off x="6297418" y="4078179"/>
+              <a:ext cx="76325" cy="68291"/>
+            </a:xfrm>
+            <a:custGeom>
+              <a:avLst/>
+              <a:gdLst>
+                <a:gd name="connsiteX0" fmla="*/ 0 w 99848"/>
+                <a:gd name="connsiteY0" fmla="*/ 57807 h 89338"/>
+                <a:gd name="connsiteX1" fmla="*/ 36786 w 99848"/>
+                <a:gd name="connsiteY1" fmla="*/ 89338 h 89338"/>
+                <a:gd name="connsiteX2" fmla="*/ 99848 w 99848"/>
+                <a:gd name="connsiteY2" fmla="*/ 0 h 89338"/>
+              </a:gdLst>
+              <a:ahLst/>
+              <a:cxnLst>
+                <a:cxn ang="0">
+                  <a:pos x="connsiteX0" y="connsiteY0"/>
+                </a:cxn>
+                <a:cxn ang="0">
+                  <a:pos x="connsiteX1" y="connsiteY1"/>
+                </a:cxn>
+                <a:cxn ang="0">
+                  <a:pos x="connsiteX2" y="connsiteY2"/>
+                </a:cxn>
+              </a:cxnLst>
+              <a:rect l="l" t="t" r="r" b="b"/>
+              <a:pathLst>
+                <a:path w="99848" h="89338">
+                  <a:moveTo>
+                    <a:pt x="0" y="57807"/>
+                  </a:moveTo>
+                  <a:lnTo>
+                    <a:pt x="36786" y="89338"/>
+                  </a:lnTo>
+                  <a:lnTo>
+                    <a:pt x="99848" y="0"/>
+                  </a:lnTo>
+                </a:path>
+              </a:pathLst>
+            </a:custGeom>
+            <a:noFill/>
+            <a:ln w="19050"/>
+          </p:spPr>
+          <p:style>
+            <a:lnRef idx="2">
+              <a:schemeClr val="accent1">
+                <a:shade val="50000"/>
+              </a:schemeClr>
+            </a:lnRef>
+            <a:fillRef idx="1">
+              <a:schemeClr val="accent1"/>
+            </a:fillRef>
+            <a:effectRef idx="0">
+              <a:schemeClr val="accent1"/>
+            </a:effectRef>
+            <a:fontRef idx="minor">
+              <a:schemeClr val="lt1"/>
+            </a:fontRef>
+          </p:style>
+          <p:txBody>
+            <a:bodyPr rtlCol="0" anchor="ctr"/>
+            <a:lstStyle/>
+            <a:p>
+              <a:pPr algn="ctr"/>
+              <a:endParaRPr lang="en-TH"/>
+            </a:p>
+          </p:txBody>
+        </p:sp>
+        <p:sp>
+          <p:nvSpPr>
+            <p:cNvPr id="183" name="Multiply 182">
+              <a:extLst>
+                <a:ext uri="{FF2B5EF4-FFF2-40B4-BE49-F238E27FC236}">
+                  <a16:creationId xmlns:a16="http://schemas.microsoft.com/office/drawing/2014/main" id="{42395BC1-81BC-DBF0-25F6-67E489CAC0F0}"/>
+                </a:ext>
+              </a:extLst>
+            </p:cNvPr>
+            <p:cNvSpPr/>
+            <p:nvPr/>
+          </p:nvSpPr>
+          <p:spPr>
+            <a:xfrm>
+              <a:off x="6281765" y="4204520"/>
+              <a:ext cx="107631" cy="107631"/>
+            </a:xfrm>
+            <a:prstGeom prst="mathMultiply">
+              <a:avLst>
+                <a:gd name="adj1" fmla="val 10924"/>
+              </a:avLst>
+            </a:prstGeom>
+          </p:spPr>
+          <p:style>
+            <a:lnRef idx="2">
+              <a:schemeClr val="accent1">
+                <a:shade val="50000"/>
+              </a:schemeClr>
+            </a:lnRef>
+            <a:fillRef idx="1">
+              <a:schemeClr val="accent1"/>
+            </a:fillRef>
+            <a:effectRef idx="0">
+              <a:schemeClr val="accent1"/>
+            </a:effectRef>
+            <a:fontRef idx="minor">
+              <a:schemeClr val="lt1"/>
+            </a:fontRef>
+          </p:style>
+          <p:txBody>
+            <a:bodyPr rtlCol="0" anchor="ctr"/>
+            <a:lstStyle/>
+            <a:p>
+              <a:pPr algn="ctr"/>
+              <a:endParaRPr lang="en-TH"/>
+            </a:p>
+          </p:txBody>
+        </p:sp>
+      </p:grpSp>
+      <p:sp>
+        <p:nvSpPr>
+          <p:cNvPr id="184" name="Oval 183">
+            <a:extLst>
+              <a:ext uri="{FF2B5EF4-FFF2-40B4-BE49-F238E27FC236}">
+                <a16:creationId xmlns:a16="http://schemas.microsoft.com/office/drawing/2014/main" id="{D9AAC1BC-CFEE-F112-4F79-93C1B7DD80ED}"/>
+              </a:ext>
+            </a:extLst>
+          </p:cNvPr>
+          <p:cNvSpPr/>
+          <p:nvPr/>
+        </p:nvSpPr>
+        <p:spPr>
+          <a:xfrm>
+            <a:off x="7562346" y="1559428"/>
+            <a:ext cx="912187" cy="912187"/>
+          </a:xfrm>
+          <a:prstGeom prst="ellipse">
+            <a:avLst/>
+          </a:prstGeom>
+          <a:solidFill>
+            <a:srgbClr val="FFFFFF">
+              <a:alpha val="61569"/>
+            </a:srgbClr>
+          </a:solidFill>
+          <a:ln>
+            <a:noFill/>
+          </a:ln>
+        </p:spPr>
+        <p:style>
+          <a:lnRef idx="2">
+            <a:schemeClr val="accent1">
+              <a:shade val="50000"/>
+            </a:schemeClr>
+          </a:lnRef>
+          <a:fillRef idx="1">
+            <a:schemeClr val="accent1"/>
+          </a:fillRef>
+          <a:effectRef idx="0">
+            <a:schemeClr val="accent1"/>
+          </a:effectRef>
+          <a:fontRef idx="minor">
+            <a:schemeClr val="lt1"/>
+          </a:fontRef>
+        </p:style>
+        <p:txBody>
+          <a:bodyPr rtlCol="0" anchor="ctr"/>
+          <a:lstStyle/>
+          <a:p>
+            <a:pPr algn="ctr"/>
+            <a:endParaRPr lang="en-TH"/>
+          </a:p>
+        </p:txBody>
+      </p:sp>
+      <p:sp>
+        <p:nvSpPr>
+          <p:cNvPr id="185" name="Oval 184">
+            <a:extLst>
+              <a:ext uri="{FF2B5EF4-FFF2-40B4-BE49-F238E27FC236}">
+                <a16:creationId xmlns:a16="http://schemas.microsoft.com/office/drawing/2014/main" id="{4F183ED6-EF1D-7A1E-C655-A9FF383DED8A}"/>
+              </a:ext>
+            </a:extLst>
+          </p:cNvPr>
+          <p:cNvSpPr/>
+          <p:nvPr/>
+        </p:nvSpPr>
+        <p:spPr>
+          <a:xfrm>
+            <a:off x="6108160" y="2266123"/>
+            <a:ext cx="888635" cy="888635"/>
+          </a:xfrm>
+          <a:prstGeom prst="ellipse">
+            <a:avLst/>
+          </a:prstGeom>
+          <a:solidFill>
+            <a:srgbClr val="FFFFFF">
+              <a:alpha val="61569"/>
+            </a:srgbClr>
+          </a:solidFill>
+          <a:ln>
+            <a:noFill/>
+          </a:ln>
+        </p:spPr>
+        <p:style>
+          <a:lnRef idx="2">
+            <a:schemeClr val="accent1">
+              <a:shade val="50000"/>
+            </a:schemeClr>
+          </a:lnRef>
+          <a:fillRef idx="1">
+            <a:schemeClr val="accent1"/>
+          </a:fillRef>
+          <a:effectRef idx="0">
+            <a:schemeClr val="accent1"/>
+          </a:effectRef>
+          <a:fontRef idx="minor">
+            <a:schemeClr val="lt1"/>
+          </a:fontRef>
+        </p:style>
+        <p:txBody>
+          <a:bodyPr rtlCol="0" anchor="ctr"/>
+          <a:lstStyle/>
+          <a:p>
+            <a:pPr algn="ctr"/>
+            <a:endParaRPr lang="en-TH"/>
+          </a:p>
+        </p:txBody>
+      </p:sp>
+      <p:sp>
+        <p:nvSpPr>
+          <p:cNvPr id="186" name="Oval 185">
+            <a:extLst>
+              <a:ext uri="{FF2B5EF4-FFF2-40B4-BE49-F238E27FC236}">
+                <a16:creationId xmlns:a16="http://schemas.microsoft.com/office/drawing/2014/main" id="{959069D4-864F-1AF6-90A3-BEBF7165E065}"/>
+              </a:ext>
+            </a:extLst>
+          </p:cNvPr>
+          <p:cNvSpPr/>
+          <p:nvPr/>
+        </p:nvSpPr>
+        <p:spPr>
+          <a:xfrm>
+            <a:off x="6739370" y="4963634"/>
+            <a:ext cx="888635" cy="888635"/>
+          </a:xfrm>
+          <a:prstGeom prst="ellipse">
+            <a:avLst/>
+          </a:prstGeom>
+          <a:solidFill>
+            <a:srgbClr val="FFFFFF">
+              <a:alpha val="61569"/>
+            </a:srgbClr>
+          </a:solidFill>
+          <a:ln>
+            <a:noFill/>
+          </a:ln>
+        </p:spPr>
+        <p:style>
+          <a:lnRef idx="2">
+            <a:schemeClr val="accent1">
+              <a:shade val="50000"/>
+            </a:schemeClr>
+          </a:lnRef>
+          <a:fillRef idx="1">
+            <a:schemeClr val="accent1"/>
+          </a:fillRef>
+          <a:effectRef idx="0">
+            <a:schemeClr val="accent1"/>
+          </a:effectRef>
+          <a:fontRef idx="minor">
+            <a:schemeClr val="lt1"/>
+          </a:fontRef>
+        </p:style>
+        <p:txBody>
+          <a:bodyPr rtlCol="0" anchor="ctr"/>
+          <a:lstStyle/>
+          <a:p>
+            <a:pPr algn="ctr"/>
+            <a:endParaRPr lang="en-TH"/>
+          </a:p>
+        </p:txBody>
+      </p:sp>
+      <p:sp>
+        <p:nvSpPr>
+          <p:cNvPr id="188" name="Block Arc 187">
+            <a:extLst>
+              <a:ext uri="{FF2B5EF4-FFF2-40B4-BE49-F238E27FC236}">
+                <a16:creationId xmlns:a16="http://schemas.microsoft.com/office/drawing/2014/main" id="{6C238260-330F-26BA-813A-58A0B57DD22C}"/>
+              </a:ext>
+            </a:extLst>
+          </p:cNvPr>
+          <p:cNvSpPr/>
+          <p:nvPr/>
+        </p:nvSpPr>
+        <p:spPr>
+          <a:xfrm rot="7973128">
+            <a:off x="7185693" y="1148020"/>
+            <a:ext cx="1661695" cy="1661695"/>
+          </a:xfrm>
+          <a:prstGeom prst="blockArc">
+            <a:avLst>
+              <a:gd name="adj1" fmla="val 10800000"/>
+              <a:gd name="adj2" fmla="val 1360083"/>
+              <a:gd name="adj3" fmla="val 3563"/>
+            </a:avLst>
+          </a:prstGeom>
+          <a:ln>
+            <a:noFill/>
+          </a:ln>
+        </p:spPr>
+        <p:style>
+          <a:lnRef idx="2">
+            <a:schemeClr val="accent1">
+              <a:shade val="50000"/>
+            </a:schemeClr>
+          </a:lnRef>
+          <a:fillRef idx="1">
+            <a:schemeClr val="accent1"/>
+          </a:fillRef>
+          <a:effectRef idx="0">
+            <a:schemeClr val="accent1"/>
+          </a:effectRef>
+          <a:fontRef idx="minor">
+            <a:schemeClr val="lt1"/>
+          </a:fontRef>
+        </p:style>
+        <p:txBody>
+          <a:bodyPr rtlCol="0" anchor="ctr"/>
+          <a:lstStyle/>
+          <a:p>
+            <a:pPr algn="ctr"/>
+            <a:endParaRPr lang="en-TH">
+              <a:solidFill>
+                <a:schemeClr val="tx1"/>
+              </a:solidFill>
+            </a:endParaRPr>
+          </a:p>
+        </p:txBody>
+      </p:sp>
+      <p:sp>
+        <p:nvSpPr>
+          <p:cNvPr id="189" name="Block Arc 188">
+            <a:extLst>
+              <a:ext uri="{FF2B5EF4-FFF2-40B4-BE49-F238E27FC236}">
+                <a16:creationId xmlns:a16="http://schemas.microsoft.com/office/drawing/2014/main" id="{B9542046-42F2-DBFB-378A-DA92EF388B6C}"/>
+              </a:ext>
+            </a:extLst>
+          </p:cNvPr>
+          <p:cNvSpPr/>
+          <p:nvPr/>
+        </p:nvSpPr>
+        <p:spPr>
+          <a:xfrm rot="18660119">
+            <a:off x="5750858" y="1865290"/>
+            <a:ext cx="1661695" cy="1661695"/>
+          </a:xfrm>
+          <a:prstGeom prst="blockArc">
+            <a:avLst>
+              <a:gd name="adj1" fmla="val 5879053"/>
+              <a:gd name="adj2" fmla="val 1360083"/>
+              <a:gd name="adj3" fmla="val 3563"/>
+            </a:avLst>
+          </a:prstGeom>
+          <a:ln>
+            <a:noFill/>
+          </a:ln>
+        </p:spPr>
+        <p:style>
+          <a:lnRef idx="2">
+            <a:schemeClr val="accent1">
+              <a:shade val="50000"/>
+            </a:schemeClr>
+          </a:lnRef>
+          <a:fillRef idx="1">
+            <a:schemeClr val="accent1"/>
+          </a:fillRef>
+          <a:effectRef idx="0">
+            <a:schemeClr val="accent1"/>
+          </a:effectRef>
+          <a:fontRef idx="minor">
+            <a:schemeClr val="lt1"/>
+          </a:fontRef>
+        </p:style>
+        <p:txBody>
+          <a:bodyPr rtlCol="0" anchor="ctr"/>
+          <a:lstStyle/>
+          <a:p>
+            <a:pPr algn="ctr"/>
+            <a:endParaRPr lang="en-TH">
+              <a:solidFill>
+                <a:schemeClr val="tx1"/>
+              </a:solidFill>
+            </a:endParaRPr>
+          </a:p>
+        </p:txBody>
+      </p:sp>
+      <p:sp>
+        <p:nvSpPr>
+          <p:cNvPr id="190" name="Block Arc 189">
+            <a:extLst>
+              <a:ext uri="{FF2B5EF4-FFF2-40B4-BE49-F238E27FC236}">
+                <a16:creationId xmlns:a16="http://schemas.microsoft.com/office/drawing/2014/main" id="{4F262426-F93A-A4A9-A183-4027E9BE1F23}"/>
+              </a:ext>
+            </a:extLst>
+          </p:cNvPr>
+          <p:cNvSpPr/>
+          <p:nvPr/>
+        </p:nvSpPr>
+        <p:spPr>
+          <a:xfrm rot="7784366">
+            <a:off x="6811834" y="3061810"/>
+            <a:ext cx="1661695" cy="1661695"/>
+          </a:xfrm>
+          <a:prstGeom prst="blockArc">
+            <a:avLst>
+              <a:gd name="adj1" fmla="val 5879053"/>
+              <a:gd name="adj2" fmla="val 20164482"/>
+              <a:gd name="adj3" fmla="val 3877"/>
+            </a:avLst>
+          </a:prstGeom>
+          <a:ln>
+            <a:noFill/>
+          </a:ln>
+        </p:spPr>
+        <p:style>
+          <a:lnRef idx="2">
+            <a:schemeClr val="accent1">
+              <a:shade val="50000"/>
+            </a:schemeClr>
+          </a:lnRef>
+          <a:fillRef idx="1">
+            <a:schemeClr val="accent1"/>
+          </a:fillRef>
+          <a:effectRef idx="0">
+            <a:schemeClr val="accent1"/>
+          </a:effectRef>
+          <a:fontRef idx="minor">
+            <a:schemeClr val="lt1"/>
+          </a:fontRef>
+        </p:style>
+        <p:txBody>
+          <a:bodyPr rtlCol="0" anchor="ctr"/>
+          <a:lstStyle/>
+          <a:p>
+            <a:pPr algn="ctr"/>
+            <a:endParaRPr lang="en-TH">
+              <a:solidFill>
+                <a:schemeClr val="tx1"/>
+              </a:solidFill>
+            </a:endParaRPr>
+          </a:p>
+        </p:txBody>
+      </p:sp>
+      <p:sp>
+        <p:nvSpPr>
+          <p:cNvPr id="192" name="Block Arc 191">
+            <a:extLst>
+              <a:ext uri="{FF2B5EF4-FFF2-40B4-BE49-F238E27FC236}">
+                <a16:creationId xmlns:a16="http://schemas.microsoft.com/office/drawing/2014/main" id="{321815B7-9E26-979C-AA0B-22C6439F7DB0}"/>
+              </a:ext>
+            </a:extLst>
+          </p:cNvPr>
+          <p:cNvSpPr/>
+          <p:nvPr/>
+        </p:nvSpPr>
+        <p:spPr>
+          <a:xfrm rot="18608009">
+            <a:off x="6383134" y="4602488"/>
+            <a:ext cx="1661695" cy="1661695"/>
+          </a:xfrm>
+          <a:prstGeom prst="blockArc">
+            <a:avLst>
+              <a:gd name="adj1" fmla="val 5879053"/>
+              <a:gd name="adj2" fmla="val 20164482"/>
+              <a:gd name="adj3" fmla="val 3877"/>
+            </a:avLst>
+          </a:prstGeom>
+          <a:ln>
+            <a:noFill/>
+          </a:ln>
+        </p:spPr>
+        <p:style>
+          <a:lnRef idx="2">
+            <a:schemeClr val="accent1">
+              <a:shade val="50000"/>
+            </a:schemeClr>
+          </a:lnRef>
+          <a:fillRef idx="1">
+            <a:schemeClr val="accent1"/>
+          </a:fillRef>
+          <a:effectRef idx="0">
+            <a:schemeClr val="accent1"/>
+          </a:effectRef>
+          <a:fontRef idx="minor">
+            <a:schemeClr val="lt1"/>
+          </a:fontRef>
+        </p:style>
+        <p:txBody>
+          <a:bodyPr rtlCol="0" anchor="ctr"/>
+          <a:lstStyle/>
+          <a:p>
+            <a:pPr algn="ctr"/>
+            <a:endParaRPr lang="en-TH">
+              <a:solidFill>
+                <a:schemeClr val="tx1"/>
+              </a:solidFill>
+            </a:endParaRPr>
+          </a:p>
+        </p:txBody>
+      </p:sp>
+      <p:sp>
+        <p:nvSpPr>
+          <p:cNvPr id="193" name="Triangle 192">
+            <a:extLst>
+              <a:ext uri="{FF2B5EF4-FFF2-40B4-BE49-F238E27FC236}">
+                <a16:creationId xmlns:a16="http://schemas.microsoft.com/office/drawing/2014/main" id="{37F7242B-EE1D-69CB-D806-CF2810032916}"/>
+              </a:ext>
+            </a:extLst>
+          </p:cNvPr>
+          <p:cNvSpPr/>
+          <p:nvPr/>
+        </p:nvSpPr>
+        <p:spPr>
+          <a:xfrm rot="2818918">
+            <a:off x="8392794" y="5149450"/>
+            <a:ext cx="319582" cy="276450"/>
+          </a:xfrm>
+          <a:prstGeom prst="triangle">
+            <a:avLst/>
+          </a:prstGeom>
+          <a:ln>
+            <a:noFill/>
+          </a:ln>
+        </p:spPr>
+        <p:style>
+          <a:lnRef idx="2">
+            <a:schemeClr val="accent1">
+              <a:shade val="50000"/>
+            </a:schemeClr>
+          </a:lnRef>
+          <a:fillRef idx="1">
+            <a:schemeClr val="accent1"/>
+          </a:fillRef>
+          <a:effectRef idx="0">
+            <a:schemeClr val="accent1"/>
+          </a:effectRef>
+          <a:fontRef idx="minor">
+            <a:schemeClr val="lt1"/>
+          </a:fontRef>
+        </p:style>
+        <p:txBody>
+          <a:bodyPr rtlCol="0" anchor="ctr"/>
+          <a:lstStyle/>
+          <a:p>
+            <a:pPr algn="ctr"/>
+            <a:endParaRPr lang="en-TH"/>
+          </a:p>
+        </p:txBody>
+      </p:sp>
+      <p:sp>
+        <p:nvSpPr>
+          <p:cNvPr id="194" name="Rectangle 193">
+            <a:extLst>
+              <a:ext uri="{FF2B5EF4-FFF2-40B4-BE49-F238E27FC236}">
+                <a16:creationId xmlns:a16="http://schemas.microsoft.com/office/drawing/2014/main" id="{05C68786-9FFF-22D0-FA91-AEB1D046F584}"/>
+              </a:ext>
+            </a:extLst>
+          </p:cNvPr>
+          <p:cNvSpPr/>
+          <p:nvPr/>
+        </p:nvSpPr>
+        <p:spPr>
+          <a:xfrm rot="2852721">
+            <a:off x="8072899" y="5208036"/>
+            <a:ext cx="62202" cy="987094"/>
+          </a:xfrm>
+          <a:prstGeom prst="rect">
+            <a:avLst/>
+          </a:prstGeom>
+          <a:ln>
+            <a:noFill/>
+          </a:ln>
+        </p:spPr>
+        <p:style>
+          <a:lnRef idx="2">
+            <a:schemeClr val="accent1">
+              <a:shade val="50000"/>
+            </a:schemeClr>
+          </a:lnRef>
+          <a:fillRef idx="1">
+            <a:schemeClr val="accent1"/>
+          </a:fillRef>
+          <a:effectRef idx="0">
+            <a:schemeClr val="accent1"/>
+          </a:effectRef>
+          <a:fontRef idx="minor">
+            <a:schemeClr val="lt1"/>
+          </a:fontRef>
+        </p:style>
+        <p:txBody>
+          <a:bodyPr rtlCol="0" anchor="ctr"/>
+          <a:lstStyle/>
+          <a:p>
+            <a:pPr algn="ctr"/>
+            <a:endParaRPr lang="en-TH"/>
+          </a:p>
+        </p:txBody>
+      </p:sp>
+      <p:sp>
+        <p:nvSpPr>
+          <p:cNvPr id="195" name="TextBox 194">
+            <a:extLst>
+              <a:ext uri="{FF2B5EF4-FFF2-40B4-BE49-F238E27FC236}">
+                <a16:creationId xmlns:a16="http://schemas.microsoft.com/office/drawing/2014/main" id="{B3F658DC-1FF5-B276-66E8-6A5DDE40E459}"/>
+              </a:ext>
+            </a:extLst>
+          </p:cNvPr>
+          <p:cNvSpPr txBox="1"/>
+          <p:nvPr/>
+        </p:nvSpPr>
+        <p:spPr>
+          <a:xfrm>
+            <a:off x="5793275" y="1462056"/>
+            <a:ext cx="1584216" cy="276999"/>
           </a:xfrm>
           <a:prstGeom prst="rect">
             <a:avLst/>
@@ -26670,25 +28510,186 @@
           </a:bodyPr>
           <a:lstStyle/>
           <a:p>
-            <a:pPr algn="ctr"/>
             <a:r>
-              <a:rPr lang="en-TH" dirty="0"/>
-              <a:t>Display Confusion matrix of each model</a:t>
+              <a:rPr lang="en-TH" sz="1200" dirty="0">
+                <a:solidFill>
+                  <a:schemeClr val="accent1">
+                    <a:lumMod val="40000"/>
+                    <a:lumOff val="60000"/>
+                  </a:schemeClr>
+                </a:solidFill>
+              </a:rPr>
+              <a:t>Data </a:t>
             </a:r>
-          </a:p>
-          <a:p>
-            <a:pPr algn="ctr"/>
             <a:r>
-              <a:rPr lang="en-TH" dirty="0"/>
-              <a:t>Highlight the performance values for easier to see on slide</a:t>
+              <a:rPr lang="en-US" sz="1200" dirty="0">
+                <a:solidFill>
+                  <a:schemeClr val="accent1">
+                    <a:lumMod val="40000"/>
+                    <a:lumOff val="60000"/>
+                  </a:schemeClr>
+                </a:solidFill>
+              </a:rPr>
+              <a:t>u</a:t>
             </a:r>
-          </a:p>
-          <a:p>
-            <a:pPr algn="ctr"/>
             <a:r>
-              <a:rPr lang="en-TH" dirty="0"/>
-              <a:t>(Probably 2-3 models per slide)</a:t>
+              <a:rPr lang="en-TH" sz="1200" dirty="0">
+                <a:solidFill>
+                  <a:schemeClr val="accent1">
+                    <a:lumMod val="40000"/>
+                    <a:lumOff val="60000"/>
+                  </a:schemeClr>
+                </a:solidFill>
+              </a:rPr>
+              <a:t>nderstanding</a:t>
             </a:r>
+          </a:p>
+        </p:txBody>
+      </p:sp>
+      <p:sp>
+        <p:nvSpPr>
+          <p:cNvPr id="196" name="TextBox 195">
+            <a:extLst>
+              <a:ext uri="{FF2B5EF4-FFF2-40B4-BE49-F238E27FC236}">
+                <a16:creationId xmlns:a16="http://schemas.microsoft.com/office/drawing/2014/main" id="{09BFC91E-2762-2E8A-4AE2-1D5C231944F8}"/>
+              </a:ext>
+            </a:extLst>
+          </p:cNvPr>
+          <p:cNvSpPr txBox="1"/>
+          <p:nvPr/>
+        </p:nvSpPr>
+        <p:spPr>
+          <a:xfrm>
+            <a:off x="7310742" y="2769532"/>
+            <a:ext cx="1374543" cy="276999"/>
+          </a:xfrm>
+          <a:prstGeom prst="rect">
+            <a:avLst/>
+          </a:prstGeom>
+          <a:noFill/>
+        </p:spPr>
+        <p:txBody>
+          <a:bodyPr wrap="none" rtlCol="0">
+            <a:spAutoFit/>
+          </a:bodyPr>
+          <a:lstStyle/>
+          <a:p>
+            <a:r>
+              <a:rPr lang="en-TH" sz="1200" dirty="0">
+                <a:solidFill>
+                  <a:schemeClr val="accent1">
+                    <a:lumMod val="40000"/>
+                    <a:lumOff val="60000"/>
+                  </a:schemeClr>
+                </a:solidFill>
+              </a:rPr>
+              <a:t>Data </a:t>
+            </a:r>
+            <a:r>
+              <a:rPr lang="en-US" sz="1200" dirty="0">
+                <a:solidFill>
+                  <a:schemeClr val="accent1">
+                    <a:lumMod val="40000"/>
+                    <a:lumOff val="60000"/>
+                  </a:schemeClr>
+                </a:solidFill>
+              </a:rPr>
+              <a:t>preparation</a:t>
+            </a:r>
+            <a:endParaRPr lang="en-TH" sz="1200" dirty="0">
+              <a:solidFill>
+                <a:schemeClr val="accent1">
+                  <a:lumMod val="40000"/>
+                  <a:lumOff val="60000"/>
+                </a:schemeClr>
+              </a:solidFill>
+            </a:endParaRPr>
+          </a:p>
+        </p:txBody>
+      </p:sp>
+      <p:sp>
+        <p:nvSpPr>
+          <p:cNvPr id="197" name="TextBox 196">
+            <a:extLst>
+              <a:ext uri="{FF2B5EF4-FFF2-40B4-BE49-F238E27FC236}">
+                <a16:creationId xmlns:a16="http://schemas.microsoft.com/office/drawing/2014/main" id="{A47B0524-D733-30C5-E2DF-F696BE523ADF}"/>
+              </a:ext>
+            </a:extLst>
+          </p:cNvPr>
+          <p:cNvSpPr txBox="1"/>
+          <p:nvPr/>
+        </p:nvSpPr>
+        <p:spPr>
+          <a:xfrm>
+            <a:off x="5648142" y="3753913"/>
+            <a:ext cx="1274708" cy="369332"/>
+          </a:xfrm>
+          <a:prstGeom prst="rect">
+            <a:avLst/>
+          </a:prstGeom>
+          <a:noFill/>
+        </p:spPr>
+        <p:txBody>
+          <a:bodyPr wrap="none" rtlCol="0">
+            <a:spAutoFit/>
+          </a:bodyPr>
+          <a:lstStyle/>
+          <a:p>
+            <a:r>
+              <a:rPr lang="en-US" b="1" dirty="0"/>
+              <a:t>Modeling</a:t>
+            </a:r>
+            <a:endParaRPr lang="en-TH" b="1" dirty="0"/>
+          </a:p>
+        </p:txBody>
+      </p:sp>
+      <p:sp>
+        <p:nvSpPr>
+          <p:cNvPr id="198" name="TextBox 197">
+            <a:extLst>
+              <a:ext uri="{FF2B5EF4-FFF2-40B4-BE49-F238E27FC236}">
+                <a16:creationId xmlns:a16="http://schemas.microsoft.com/office/drawing/2014/main" id="{5B9B18B8-8DD2-B24D-13BC-C1295B4A3907}"/>
+              </a:ext>
+            </a:extLst>
+          </p:cNvPr>
+          <p:cNvSpPr txBox="1"/>
+          <p:nvPr/>
+        </p:nvSpPr>
+        <p:spPr>
+          <a:xfrm>
+            <a:off x="7837940" y="4840780"/>
+            <a:ext cx="910699" cy="276999"/>
+          </a:xfrm>
+          <a:prstGeom prst="rect">
+            <a:avLst/>
+          </a:prstGeom>
+          <a:noFill/>
+        </p:spPr>
+        <p:txBody>
+          <a:bodyPr wrap="none" rtlCol="0">
+            <a:spAutoFit/>
+          </a:bodyPr>
+          <a:lstStyle/>
+          <a:p>
+            <a:r>
+              <a:rPr lang="en-US" sz="1200" dirty="0">
+                <a:solidFill>
+                  <a:schemeClr val="accent1">
+                    <a:lumMod val="40000"/>
+                    <a:lumOff val="60000"/>
+                  </a:schemeClr>
+                </a:solidFill>
+              </a:rPr>
+              <a:t>Evaluation</a:t>
+            </a:r>
+            <a:endParaRPr lang="en-TH" sz="1200" dirty="0">
+              <a:solidFill>
+                <a:schemeClr val="accent1">
+                  <a:lumMod val="40000"/>
+                  <a:lumOff val="60000"/>
+                </a:schemeClr>
+              </a:solidFill>
+            </a:endParaRPr>
           </a:p>
         </p:txBody>
       </p:sp>
@@ -27225,10 +29226,10 @@
       </p:sp>
       <p:sp>
         <p:nvSpPr>
-          <p:cNvPr id="10" name="TextBox 9">
+          <p:cNvPr id="2" name="TextBox 1">
             <a:extLst>
               <a:ext uri="{FF2B5EF4-FFF2-40B4-BE49-F238E27FC236}">
-                <a16:creationId xmlns:a16="http://schemas.microsoft.com/office/drawing/2014/main" id="{1626E6DB-66D7-E47D-3B7F-7F97A08E6B51}"/>
+                <a16:creationId xmlns:a16="http://schemas.microsoft.com/office/drawing/2014/main" id="{9FC3AFAC-C6A2-AC04-7D03-3D6913306D1E}"/>
               </a:ext>
             </a:extLst>
           </p:cNvPr>
@@ -27237,8 +29238,8 @@
         </p:nvSpPr>
         <p:spPr>
           <a:xfrm>
-            <a:off x="2307645" y="3548146"/>
-            <a:ext cx="4528740" cy="646331"/>
+            <a:off x="283464" y="804672"/>
+            <a:ext cx="8577072" cy="461665"/>
           </a:xfrm>
           <a:prstGeom prst="rect">
             <a:avLst/>
@@ -27246,23 +29247,1450 @@
           <a:noFill/>
         </p:spPr>
         <p:txBody>
-          <a:bodyPr wrap="none" rtlCol="0">
+          <a:bodyPr wrap="square" rtlCol="0">
             <a:spAutoFit/>
           </a:bodyPr>
           <a:lstStyle/>
           <a:p>
+            <a:pPr marL="342900" indent="-342900">
+              <a:buFont typeface="Wingdings" pitchFamily="2" charset="2"/>
+              <a:buChar char="v"/>
+            </a:pPr>
+            <a:r>
+              <a:rPr lang="en-US" sz="2400" b="1" dirty="0">
+                <a:solidFill>
+                  <a:schemeClr val="accent3">
+                    <a:lumMod val="20000"/>
+                    <a:lumOff val="80000"/>
+                  </a:schemeClr>
+                </a:solidFill>
+                <a:effectLst>
+                  <a:outerShdw blurRad="50800" dist="38100" dir="2700000" algn="tl" rotWithShape="0">
+                    <a:prstClr val="black">
+                      <a:alpha val="40000"/>
+                    </a:prstClr>
+                  </a:outerShdw>
+                </a:effectLst>
+              </a:rPr>
+              <a:t>Performance result</a:t>
+            </a:r>
+            <a:endParaRPr lang="en-TH" sz="2400" b="1" dirty="0">
+              <a:solidFill>
+                <a:schemeClr val="accent3">
+                  <a:lumMod val="20000"/>
+                  <a:lumOff val="80000"/>
+                </a:schemeClr>
+              </a:solidFill>
+              <a:effectLst>
+                <a:outerShdw blurRad="50800" dist="38100" dir="2700000" algn="tl" rotWithShape="0">
+                  <a:prstClr val="black">
+                    <a:alpha val="40000"/>
+                  </a:prstClr>
+                </a:outerShdw>
+              </a:effectLst>
+            </a:endParaRPr>
+          </a:p>
+        </p:txBody>
+      </p:sp>
+      <p:graphicFrame>
+        <p:nvGraphicFramePr>
+          <p:cNvPr id="12" name="Table 12">
+            <a:extLst>
+              <a:ext uri="{FF2B5EF4-FFF2-40B4-BE49-F238E27FC236}">
+                <a16:creationId xmlns:a16="http://schemas.microsoft.com/office/drawing/2014/main" id="{DEC1A18F-A84A-D620-43AA-45877F22E564}"/>
+              </a:ext>
+            </a:extLst>
+          </p:cNvPr>
+          <p:cNvGraphicFramePr>
+            <a:graphicFrameLocks noGrp="1"/>
+          </p:cNvGraphicFramePr>
+          <p:nvPr>
+            <p:extLst>
+              <p:ext uri="{D42A27DB-BD31-4B8C-83A1-F6EECF244321}">
+                <p14:modId xmlns:p14="http://schemas.microsoft.com/office/powerpoint/2010/main" val="3034246365"/>
+              </p:ext>
+            </p:extLst>
+          </p:nvPr>
+        </p:nvGraphicFramePr>
+        <p:xfrm>
+          <a:off x="283464" y="2120900"/>
+          <a:ext cx="8577071" cy="4191000"/>
+        </p:xfrm>
+        <a:graphic>
+          <a:graphicData uri="http://schemas.openxmlformats.org/drawingml/2006/table">
+            <a:tbl>
+              <a:tblPr firstRow="1" bandRow="1">
+                <a:tableStyleId>{5C22544A-7EE6-4342-B048-85BDC9FD1C3A}</a:tableStyleId>
+              </a:tblPr>
+              <a:tblGrid>
+                <a:gridCol w="465310">
+                  <a:extLst>
+                    <a:ext uri="{9D8B030D-6E8A-4147-A177-3AD203B41FA5}">
+                      <a16:colId xmlns:a16="http://schemas.microsoft.com/office/drawing/2014/main" val="2700120823"/>
+                    </a:ext>
+                  </a:extLst>
+                </a:gridCol>
+                <a:gridCol w="3532785">
+                  <a:extLst>
+                    <a:ext uri="{9D8B030D-6E8A-4147-A177-3AD203B41FA5}">
+                      <a16:colId xmlns:a16="http://schemas.microsoft.com/office/drawing/2014/main" val="391520071"/>
+                    </a:ext>
+                  </a:extLst>
+                </a:gridCol>
+                <a:gridCol w="937764">
+                  <a:extLst>
+                    <a:ext uri="{9D8B030D-6E8A-4147-A177-3AD203B41FA5}">
+                      <a16:colId xmlns:a16="http://schemas.microsoft.com/office/drawing/2014/main" val="4293409865"/>
+                    </a:ext>
+                  </a:extLst>
+                </a:gridCol>
+                <a:gridCol w="993088">
+                  <a:extLst>
+                    <a:ext uri="{9D8B030D-6E8A-4147-A177-3AD203B41FA5}">
+                      <a16:colId xmlns:a16="http://schemas.microsoft.com/office/drawing/2014/main" val="3988491133"/>
+                    </a:ext>
+                  </a:extLst>
+                </a:gridCol>
+                <a:gridCol w="940661">
+                  <a:extLst>
+                    <a:ext uri="{9D8B030D-6E8A-4147-A177-3AD203B41FA5}">
+                      <a16:colId xmlns:a16="http://schemas.microsoft.com/office/drawing/2014/main" val="815770014"/>
+                    </a:ext>
+                  </a:extLst>
+                </a:gridCol>
+                <a:gridCol w="788770">
+                  <a:extLst>
+                    <a:ext uri="{9D8B030D-6E8A-4147-A177-3AD203B41FA5}">
+                      <a16:colId xmlns:a16="http://schemas.microsoft.com/office/drawing/2014/main" val="3993907727"/>
+                    </a:ext>
+                  </a:extLst>
+                </a:gridCol>
+                <a:gridCol w="918693">
+                  <a:extLst>
+                    <a:ext uri="{9D8B030D-6E8A-4147-A177-3AD203B41FA5}">
+                      <a16:colId xmlns:a16="http://schemas.microsoft.com/office/drawing/2014/main" val="1241063108"/>
+                    </a:ext>
+                  </a:extLst>
+                </a:gridCol>
+              </a:tblGrid>
+              <a:tr h="419100">
+                <a:tc>
+                  <a:txBody>
+                    <a:bodyPr/>
+                    <a:lstStyle/>
+                    <a:p>
+                      <a:pPr algn="ctr"/>
+                      <a:r>
+                        <a:rPr lang="en-TH" sz="1200" dirty="0"/>
+                        <a:t>No</a:t>
+                      </a:r>
+                    </a:p>
+                  </a:txBody>
+                  <a:tcPr anchor="ctr"/>
+                </a:tc>
+                <a:tc>
+                  <a:txBody>
+                    <a:bodyPr/>
+                    <a:lstStyle/>
+                    <a:p>
+                      <a:pPr algn="ctr"/>
+                      <a:r>
+                        <a:rPr lang="en-TH" sz="1200" dirty="0"/>
+                        <a:t>Models</a:t>
+                      </a:r>
+                    </a:p>
+                  </a:txBody>
+                  <a:tcPr anchor="ctr"/>
+                </a:tc>
+                <a:tc>
+                  <a:txBody>
+                    <a:bodyPr/>
+                    <a:lstStyle/>
+                    <a:p>
+                      <a:pPr algn="ctr"/>
+                      <a:r>
+                        <a:rPr lang="en-TH" sz="1200" dirty="0"/>
+                        <a:t>Accuracy</a:t>
+                      </a:r>
+                    </a:p>
+                  </a:txBody>
+                  <a:tcPr anchor="ctr"/>
+                </a:tc>
+                <a:tc>
+                  <a:txBody>
+                    <a:bodyPr/>
+                    <a:lstStyle/>
+                    <a:p>
+                      <a:pPr algn="ctr"/>
+                      <a:r>
+                        <a:rPr lang="en-TH" sz="1200" dirty="0"/>
+                        <a:t>AUC-ROC</a:t>
+                      </a:r>
+                    </a:p>
+                  </a:txBody>
+                  <a:tcPr anchor="ctr"/>
+                </a:tc>
+                <a:tc>
+                  <a:txBody>
+                    <a:bodyPr/>
+                    <a:lstStyle/>
+                    <a:p>
+                      <a:pPr algn="ctr"/>
+                      <a:r>
+                        <a:rPr lang="en-TH" sz="1200" dirty="0"/>
+                        <a:t>Precision</a:t>
+                      </a:r>
+                    </a:p>
+                  </a:txBody>
+                  <a:tcPr anchor="ctr"/>
+                </a:tc>
+                <a:tc>
+                  <a:txBody>
+                    <a:bodyPr/>
+                    <a:lstStyle/>
+                    <a:p>
+                      <a:pPr algn="ctr"/>
+                      <a:r>
+                        <a:rPr lang="en-TH" sz="1200" dirty="0"/>
+                        <a:t>Recall</a:t>
+                      </a:r>
+                    </a:p>
+                  </a:txBody>
+                  <a:tcPr anchor="ctr"/>
+                </a:tc>
+                <a:tc>
+                  <a:txBody>
+                    <a:bodyPr/>
+                    <a:lstStyle/>
+                    <a:p>
+                      <a:pPr algn="ctr"/>
+                      <a:r>
+                        <a:rPr lang="en-TH" sz="1200" dirty="0"/>
+                        <a:t>F1-Score</a:t>
+                      </a:r>
+                    </a:p>
+                  </a:txBody>
+                  <a:tcPr anchor="ctr"/>
+                </a:tc>
+                <a:extLst>
+                  <a:ext uri="{0D108BD9-81ED-4DB2-BD59-A6C34878D82A}">
+                    <a16:rowId xmlns:a16="http://schemas.microsoft.com/office/drawing/2014/main" val="2275377976"/>
+                  </a:ext>
+                </a:extLst>
+              </a:tr>
+              <a:tr h="419100">
+                <a:tc>
+                  <a:txBody>
+                    <a:bodyPr/>
+                    <a:lstStyle/>
+                    <a:p>
+                      <a:pPr algn="ctr"/>
+                      <a:r>
+                        <a:rPr lang="en-TH" sz="1200" dirty="0"/>
+                        <a:t>1</a:t>
+                      </a:r>
+                    </a:p>
+                  </a:txBody>
+                  <a:tcPr anchor="ctr"/>
+                </a:tc>
+                <a:tc>
+                  <a:txBody>
+                    <a:bodyPr/>
+                    <a:lstStyle/>
+                    <a:p>
+                      <a:pPr algn="l"/>
+                      <a:r>
+                        <a:rPr lang="en-TH" sz="1200" b="1" dirty="0"/>
+                        <a:t>Support Vector Machine with Grid Search CV</a:t>
+                      </a:r>
+                    </a:p>
+                  </a:txBody>
+                  <a:tcPr anchor="ctr"/>
+                </a:tc>
+                <a:tc>
+                  <a:txBody>
+                    <a:bodyPr/>
+                    <a:lstStyle/>
+                    <a:p>
+                      <a:pPr algn="ctr"/>
+                      <a:r>
+                        <a:rPr lang="en-TH" sz="1200" dirty="0"/>
+                        <a:t>79.56%</a:t>
+                      </a:r>
+                    </a:p>
+                  </a:txBody>
+                  <a:tcPr anchor="ctr"/>
+                </a:tc>
+                <a:tc>
+                  <a:txBody>
+                    <a:bodyPr/>
+                    <a:lstStyle/>
+                    <a:p>
+                      <a:pPr algn="ctr"/>
+                      <a:r>
+                        <a:rPr lang="en-TH" sz="1200" dirty="0"/>
+                        <a:t>70.00%</a:t>
+                      </a:r>
+                    </a:p>
+                  </a:txBody>
+                  <a:tcPr anchor="ctr"/>
+                </a:tc>
+                <a:tc>
+                  <a:txBody>
+                    <a:bodyPr/>
+                    <a:lstStyle/>
+                    <a:p>
+                      <a:pPr algn="ctr"/>
+                      <a:r>
+                        <a:rPr lang="en-TH" sz="1200" b="1" dirty="0"/>
+                        <a:t>63.89%</a:t>
+                      </a:r>
+                    </a:p>
+                  </a:txBody>
+                  <a:tcPr anchor="ctr"/>
+                </a:tc>
+                <a:tc>
+                  <a:txBody>
+                    <a:bodyPr/>
+                    <a:lstStyle/>
+                    <a:p>
+                      <a:pPr algn="ctr"/>
+                      <a:r>
+                        <a:rPr lang="en-TH" sz="1200" dirty="0"/>
+                        <a:t>50.00%</a:t>
+                      </a:r>
+                    </a:p>
+                  </a:txBody>
+                  <a:tcPr anchor="ctr"/>
+                </a:tc>
+                <a:tc>
+                  <a:txBody>
+                    <a:bodyPr/>
+                    <a:lstStyle/>
+                    <a:p>
+                      <a:pPr algn="ctr"/>
+                      <a:r>
+                        <a:rPr lang="en-TH" sz="1200" dirty="0"/>
+                        <a:t>56.10%</a:t>
+                      </a:r>
+                    </a:p>
+                  </a:txBody>
+                  <a:tcPr anchor="ctr"/>
+                </a:tc>
+                <a:extLst>
+                  <a:ext uri="{0D108BD9-81ED-4DB2-BD59-A6C34878D82A}">
+                    <a16:rowId xmlns:a16="http://schemas.microsoft.com/office/drawing/2014/main" val="116704284"/>
+                  </a:ext>
+                </a:extLst>
+              </a:tr>
+              <a:tr h="419100">
+                <a:tc>
+                  <a:txBody>
+                    <a:bodyPr/>
+                    <a:lstStyle/>
+                    <a:p>
+                      <a:pPr algn="ctr"/>
+                      <a:r>
+                        <a:rPr lang="en-TH" sz="1200" dirty="0"/>
+                        <a:t>2</a:t>
+                      </a:r>
+                    </a:p>
+                  </a:txBody>
+                  <a:tcPr anchor="ctr"/>
+                </a:tc>
+                <a:tc>
+                  <a:txBody>
+                    <a:bodyPr/>
+                    <a:lstStyle/>
+                    <a:p>
+                      <a:pPr algn="l"/>
+                      <a:r>
+                        <a:rPr lang="en-TH" sz="1200" dirty="0"/>
+                        <a:t>Bagging along with Random Forest</a:t>
+                      </a:r>
+                    </a:p>
+                  </a:txBody>
+                  <a:tcPr anchor="ctr"/>
+                </a:tc>
+                <a:tc>
+                  <a:txBody>
+                    <a:bodyPr/>
+                    <a:lstStyle/>
+                    <a:p>
+                      <a:pPr algn="ctr"/>
+                      <a:r>
+                        <a:rPr lang="en-TH" sz="1200" dirty="0"/>
+                        <a:t>79.56%</a:t>
+                      </a:r>
+                    </a:p>
+                  </a:txBody>
+                  <a:tcPr anchor="ctr"/>
+                </a:tc>
+                <a:tc>
+                  <a:txBody>
+                    <a:bodyPr/>
+                    <a:lstStyle/>
+                    <a:p>
+                      <a:pPr algn="ctr"/>
+                      <a:r>
+                        <a:rPr lang="en-TH" sz="1200" dirty="0"/>
+                        <a:t>70.27%</a:t>
+                      </a:r>
+                    </a:p>
+                  </a:txBody>
+                  <a:tcPr anchor="ctr"/>
+                </a:tc>
+                <a:tc>
+                  <a:txBody>
+                    <a:bodyPr/>
+                    <a:lstStyle/>
+                    <a:p>
+                      <a:pPr algn="ctr"/>
+                      <a:r>
+                        <a:rPr lang="en-TH" sz="1200" dirty="0"/>
+                        <a:t>63.60%</a:t>
+                      </a:r>
+                    </a:p>
+                  </a:txBody>
+                  <a:tcPr anchor="ctr"/>
+                </a:tc>
+                <a:tc>
+                  <a:txBody>
+                    <a:bodyPr/>
+                    <a:lstStyle/>
+                    <a:p>
+                      <a:pPr algn="ctr"/>
+                      <a:r>
+                        <a:rPr lang="en-TH" sz="1200" dirty="0"/>
+                        <a:t>50.82%</a:t>
+                      </a:r>
+                    </a:p>
+                  </a:txBody>
+                  <a:tcPr anchor="ctr"/>
+                </a:tc>
+                <a:tc>
+                  <a:txBody>
+                    <a:bodyPr/>
+                    <a:lstStyle/>
+                    <a:p>
+                      <a:pPr algn="ctr"/>
+                      <a:r>
+                        <a:rPr lang="en-TH" sz="1200" dirty="0"/>
+                        <a:t>56.50%</a:t>
+                      </a:r>
+                    </a:p>
+                  </a:txBody>
+                  <a:tcPr anchor="ctr"/>
+                </a:tc>
+                <a:extLst>
+                  <a:ext uri="{0D108BD9-81ED-4DB2-BD59-A6C34878D82A}">
+                    <a16:rowId xmlns:a16="http://schemas.microsoft.com/office/drawing/2014/main" val="589971013"/>
+                  </a:ext>
+                </a:extLst>
+              </a:tr>
+              <a:tr h="419100">
+                <a:tc>
+                  <a:txBody>
+                    <a:bodyPr/>
+                    <a:lstStyle/>
+                    <a:p>
+                      <a:pPr algn="ctr"/>
+                      <a:r>
+                        <a:rPr lang="en-TH" sz="1200" dirty="0"/>
+                        <a:t>3</a:t>
+                      </a:r>
+                    </a:p>
+                  </a:txBody>
+                  <a:tcPr anchor="ctr"/>
+                </a:tc>
+                <a:tc>
+                  <a:txBody>
+                    <a:bodyPr/>
+                    <a:lstStyle/>
+                    <a:p>
+                      <a:pPr algn="l"/>
+                      <a:r>
+                        <a:rPr lang="en-TH" sz="1200" dirty="0"/>
+                        <a:t>Logistic Regression with Grid Search CV</a:t>
+                      </a:r>
+                    </a:p>
+                  </a:txBody>
+                  <a:tcPr anchor="ctr"/>
+                </a:tc>
+                <a:tc>
+                  <a:txBody>
+                    <a:bodyPr/>
+                    <a:lstStyle/>
+                    <a:p>
+                      <a:pPr algn="ctr"/>
+                      <a:r>
+                        <a:rPr lang="en-TH" sz="1200" dirty="0"/>
+                        <a:t>79.77%</a:t>
+                      </a:r>
+                    </a:p>
+                  </a:txBody>
+                  <a:tcPr anchor="ctr"/>
+                </a:tc>
+                <a:tc>
+                  <a:txBody>
+                    <a:bodyPr/>
+                    <a:lstStyle/>
+                    <a:p>
+                      <a:pPr algn="ctr"/>
+                      <a:r>
+                        <a:rPr lang="en-TH" sz="1200" dirty="0"/>
+                        <a:t>71.47%</a:t>
+                      </a:r>
+                    </a:p>
+                  </a:txBody>
+                  <a:tcPr anchor="ctr"/>
+                </a:tc>
+                <a:tc>
+                  <a:txBody>
+                    <a:bodyPr/>
+                    <a:lstStyle/>
+                    <a:p>
+                      <a:pPr algn="ctr"/>
+                      <a:r>
+                        <a:rPr lang="en-TH" sz="1200" dirty="0"/>
+                        <a:t>63.17%</a:t>
+                      </a:r>
+                    </a:p>
+                  </a:txBody>
+                  <a:tcPr anchor="ctr"/>
+                </a:tc>
+                <a:tc>
+                  <a:txBody>
+                    <a:bodyPr/>
+                    <a:lstStyle/>
+                    <a:p>
+                      <a:pPr algn="ctr"/>
+                      <a:r>
+                        <a:rPr lang="en-TH" sz="1200" dirty="0"/>
+                        <a:t>54.08%</a:t>
+                      </a:r>
+                    </a:p>
+                  </a:txBody>
+                  <a:tcPr anchor="ctr"/>
+                </a:tc>
+                <a:tc>
+                  <a:txBody>
+                    <a:bodyPr/>
+                    <a:lstStyle/>
+                    <a:p>
+                      <a:pPr algn="ctr"/>
+                      <a:r>
+                        <a:rPr lang="en-TH" sz="1200" dirty="0"/>
+                        <a:t>58.27%</a:t>
+                      </a:r>
+                    </a:p>
+                  </a:txBody>
+                  <a:tcPr anchor="ctr"/>
+                </a:tc>
+                <a:extLst>
+                  <a:ext uri="{0D108BD9-81ED-4DB2-BD59-A6C34878D82A}">
+                    <a16:rowId xmlns:a16="http://schemas.microsoft.com/office/drawing/2014/main" val="2321958097"/>
+                  </a:ext>
+                </a:extLst>
+              </a:tr>
+              <a:tr h="419100">
+                <a:tc>
+                  <a:txBody>
+                    <a:bodyPr/>
+                    <a:lstStyle/>
+                    <a:p>
+                      <a:pPr algn="ctr"/>
+                      <a:r>
+                        <a:rPr lang="en-TH" sz="1200" dirty="0"/>
+                        <a:t>4</a:t>
+                      </a:r>
+                    </a:p>
+                  </a:txBody>
+                  <a:tcPr anchor="ctr"/>
+                </a:tc>
+                <a:tc>
+                  <a:txBody>
+                    <a:bodyPr/>
+                    <a:lstStyle/>
+                    <a:p>
+                      <a:pPr algn="l"/>
+                      <a:r>
+                        <a:rPr lang="en-TH" sz="1200" dirty="0"/>
+                        <a:t>Random Forest with Randomized Search CV</a:t>
+                      </a:r>
+                    </a:p>
+                  </a:txBody>
+                  <a:tcPr anchor="ctr"/>
+                </a:tc>
+                <a:tc>
+                  <a:txBody>
+                    <a:bodyPr/>
+                    <a:lstStyle/>
+                    <a:p>
+                      <a:pPr algn="ctr"/>
+                      <a:r>
+                        <a:rPr lang="en-TH" sz="1200" dirty="0"/>
+                        <a:t>79.28%</a:t>
+                      </a:r>
+                    </a:p>
+                  </a:txBody>
+                  <a:tcPr anchor="ctr"/>
+                </a:tc>
+                <a:tc>
+                  <a:txBody>
+                    <a:bodyPr/>
+                    <a:lstStyle/>
+                    <a:p>
+                      <a:pPr algn="ctr"/>
+                      <a:r>
+                        <a:rPr lang="en-TH" sz="1200" dirty="0"/>
+                        <a:t>70.25%</a:t>
+                      </a:r>
+                    </a:p>
+                  </a:txBody>
+                  <a:tcPr anchor="ctr"/>
+                </a:tc>
+                <a:tc>
+                  <a:txBody>
+                    <a:bodyPr/>
+                    <a:lstStyle/>
+                    <a:p>
+                      <a:pPr algn="ctr"/>
+                      <a:r>
+                        <a:rPr lang="en-TH" sz="1200" dirty="0"/>
+                        <a:t>62.58%</a:t>
+                      </a:r>
+                    </a:p>
+                  </a:txBody>
+                  <a:tcPr anchor="ctr"/>
+                </a:tc>
+                <a:tc>
+                  <a:txBody>
+                    <a:bodyPr/>
+                    <a:lstStyle/>
+                    <a:p>
+                      <a:pPr algn="ctr"/>
+                      <a:r>
+                        <a:rPr lang="en-TH" sz="1200" dirty="0"/>
+                        <a:t>51.36%</a:t>
+                      </a:r>
+                    </a:p>
+                  </a:txBody>
+                  <a:tcPr anchor="ctr"/>
+                </a:tc>
+                <a:tc>
+                  <a:txBody>
+                    <a:bodyPr/>
+                    <a:lstStyle/>
+                    <a:p>
+                      <a:pPr algn="ctr"/>
+                      <a:r>
+                        <a:rPr lang="en-TH" sz="1200" dirty="0"/>
+                        <a:t>56.42%</a:t>
+                      </a:r>
+                    </a:p>
+                  </a:txBody>
+                  <a:tcPr anchor="ctr"/>
+                </a:tc>
+                <a:extLst>
+                  <a:ext uri="{0D108BD9-81ED-4DB2-BD59-A6C34878D82A}">
+                    <a16:rowId xmlns:a16="http://schemas.microsoft.com/office/drawing/2014/main" val="978046834"/>
+                  </a:ext>
+                </a:extLst>
+              </a:tr>
+              <a:tr h="419100">
+                <a:tc>
+                  <a:txBody>
+                    <a:bodyPr/>
+                    <a:lstStyle/>
+                    <a:p>
+                      <a:pPr algn="ctr"/>
+                      <a:r>
+                        <a:rPr lang="en-TH" sz="1200" dirty="0"/>
+                        <a:t>5</a:t>
+                      </a:r>
+                    </a:p>
+                  </a:txBody>
+                  <a:tcPr anchor="ctr"/>
+                </a:tc>
+                <a:tc>
+                  <a:txBody>
+                    <a:bodyPr/>
+                    <a:lstStyle/>
+                    <a:p>
+                      <a:pPr algn="l"/>
+                      <a:r>
+                        <a:rPr lang="en-TH" sz="1200" dirty="0"/>
+                        <a:t>AdaBoost Classifier</a:t>
+                      </a:r>
+                    </a:p>
+                  </a:txBody>
+                  <a:tcPr anchor="ctr"/>
+                </a:tc>
+                <a:tc>
+                  <a:txBody>
+                    <a:bodyPr/>
+                    <a:lstStyle/>
+                    <a:p>
+                      <a:pPr algn="ctr"/>
+                      <a:r>
+                        <a:rPr lang="en-TH" sz="1200" dirty="0"/>
+                        <a:t>79.28%</a:t>
+                      </a:r>
+                    </a:p>
+                  </a:txBody>
+                  <a:tcPr anchor="ctr"/>
+                </a:tc>
+                <a:tc>
+                  <a:txBody>
+                    <a:bodyPr/>
+                    <a:lstStyle/>
+                    <a:p>
+                      <a:pPr algn="ctr"/>
+                      <a:r>
+                        <a:rPr lang="en-TH" sz="1200" dirty="0"/>
+                        <a:t>71.04%</a:t>
+                      </a:r>
+                    </a:p>
+                  </a:txBody>
+                  <a:tcPr anchor="ctr"/>
+                </a:tc>
+                <a:tc>
+                  <a:txBody>
+                    <a:bodyPr/>
+                    <a:lstStyle/>
+                    <a:p>
+                      <a:pPr algn="ctr"/>
+                      <a:r>
+                        <a:rPr lang="en-TH" sz="1200" dirty="0"/>
+                        <a:t>61.88%</a:t>
+                      </a:r>
+                    </a:p>
+                  </a:txBody>
+                  <a:tcPr anchor="ctr"/>
+                </a:tc>
+                <a:tc>
+                  <a:txBody>
+                    <a:bodyPr/>
+                    <a:lstStyle/>
+                    <a:p>
+                      <a:pPr algn="ctr"/>
+                      <a:r>
+                        <a:rPr lang="en-TH" sz="1200" dirty="0"/>
+                        <a:t>53.80%</a:t>
+                      </a:r>
+                    </a:p>
+                  </a:txBody>
+                  <a:tcPr anchor="ctr"/>
+                </a:tc>
+                <a:tc>
+                  <a:txBody>
+                    <a:bodyPr/>
+                    <a:lstStyle/>
+                    <a:p>
+                      <a:pPr algn="ctr"/>
+                      <a:r>
+                        <a:rPr lang="en-TH" sz="1200" dirty="0"/>
+                        <a:t>57.56%</a:t>
+                      </a:r>
+                    </a:p>
+                  </a:txBody>
+                  <a:tcPr anchor="ctr"/>
+                </a:tc>
+                <a:extLst>
+                  <a:ext uri="{0D108BD9-81ED-4DB2-BD59-A6C34878D82A}">
+                    <a16:rowId xmlns:a16="http://schemas.microsoft.com/office/drawing/2014/main" val="2859961504"/>
+                  </a:ext>
+                </a:extLst>
+              </a:tr>
+              <a:tr h="419100">
+                <a:tc>
+                  <a:txBody>
+                    <a:bodyPr/>
+                    <a:lstStyle/>
+                    <a:p>
+                      <a:pPr algn="ctr"/>
+                      <a:r>
+                        <a:rPr lang="en-TH" sz="1200" dirty="0"/>
+                        <a:t>6</a:t>
+                      </a:r>
+                    </a:p>
+                  </a:txBody>
+                  <a:tcPr anchor="ctr"/>
+                </a:tc>
+                <a:tc>
+                  <a:txBody>
+                    <a:bodyPr/>
+                    <a:lstStyle/>
+                    <a:p>
+                      <a:pPr algn="l"/>
+                      <a:r>
+                        <a:rPr lang="en-TH" sz="1200" dirty="0"/>
+                        <a:t>K-Nearest Neighbor with Grid Search CV</a:t>
+                      </a:r>
+                    </a:p>
+                  </a:txBody>
+                  <a:tcPr anchor="ctr"/>
+                </a:tc>
+                <a:tc>
+                  <a:txBody>
+                    <a:bodyPr/>
+                    <a:lstStyle/>
+                    <a:p>
+                      <a:pPr algn="ctr"/>
+                      <a:r>
+                        <a:rPr lang="en-TH" sz="1200" dirty="0"/>
+                        <a:t>79.56%</a:t>
+                      </a:r>
+                    </a:p>
+                  </a:txBody>
+                  <a:tcPr anchor="ctr"/>
+                </a:tc>
+                <a:tc>
+                  <a:txBody>
+                    <a:bodyPr/>
+                    <a:lstStyle/>
+                    <a:p>
+                      <a:pPr algn="ctr"/>
+                      <a:r>
+                        <a:rPr lang="en-TH" sz="1200" dirty="0"/>
+                        <a:t>72.20%</a:t>
+                      </a:r>
+                    </a:p>
+                  </a:txBody>
+                  <a:tcPr anchor="ctr"/>
+                </a:tc>
+                <a:tc>
+                  <a:txBody>
+                    <a:bodyPr/>
+                    <a:lstStyle/>
+                    <a:p>
+                      <a:pPr algn="ctr"/>
+                      <a:r>
+                        <a:rPr lang="en-TH" sz="1200" dirty="0"/>
+                        <a:t>61.83%</a:t>
+                      </a:r>
+                    </a:p>
+                  </a:txBody>
+                  <a:tcPr anchor="ctr"/>
+                </a:tc>
+                <a:tc>
+                  <a:txBody>
+                    <a:bodyPr/>
+                    <a:lstStyle/>
+                    <a:p>
+                      <a:pPr algn="ctr"/>
+                      <a:r>
+                        <a:rPr lang="en-TH" sz="1200" dirty="0"/>
+                        <a:t>56.80%</a:t>
+                      </a:r>
+                    </a:p>
+                  </a:txBody>
+                  <a:tcPr anchor="ctr"/>
+                </a:tc>
+                <a:tc>
+                  <a:txBody>
+                    <a:bodyPr/>
+                    <a:lstStyle/>
+                    <a:p>
+                      <a:pPr algn="ctr"/>
+                      <a:r>
+                        <a:rPr lang="en-TH" sz="1200" dirty="0"/>
+                        <a:t>59.21%</a:t>
+                      </a:r>
+                    </a:p>
+                  </a:txBody>
+                  <a:tcPr anchor="ctr"/>
+                </a:tc>
+                <a:extLst>
+                  <a:ext uri="{0D108BD9-81ED-4DB2-BD59-A6C34878D82A}">
+                    <a16:rowId xmlns:a16="http://schemas.microsoft.com/office/drawing/2014/main" val="322037686"/>
+                  </a:ext>
+                </a:extLst>
+              </a:tr>
+              <a:tr h="419100">
+                <a:tc>
+                  <a:txBody>
+                    <a:bodyPr/>
+                    <a:lstStyle/>
+                    <a:p>
+                      <a:pPr algn="ctr"/>
+                      <a:r>
+                        <a:rPr lang="en-TH" sz="1200" dirty="0"/>
+                        <a:t>7</a:t>
+                      </a:r>
+                    </a:p>
+                  </a:txBody>
+                  <a:tcPr anchor="ctr"/>
+                </a:tc>
+                <a:tc>
+                  <a:txBody>
+                    <a:bodyPr/>
+                    <a:lstStyle/>
+                    <a:p>
+                      <a:pPr algn="l"/>
+                      <a:r>
+                        <a:rPr lang="en-TH" sz="1200" dirty="0"/>
+                        <a:t>Multilayer Perceptron</a:t>
+                      </a:r>
+                    </a:p>
+                  </a:txBody>
+                  <a:tcPr anchor="ctr"/>
+                </a:tc>
+                <a:tc>
+                  <a:txBody>
+                    <a:bodyPr/>
+                    <a:lstStyle/>
+                    <a:p>
+                      <a:pPr algn="ctr"/>
+                      <a:r>
+                        <a:rPr lang="en-TH" sz="1200" dirty="0"/>
+                        <a:t>79.20%</a:t>
+                      </a:r>
+                    </a:p>
+                  </a:txBody>
+                  <a:tcPr anchor="ctr"/>
+                </a:tc>
+                <a:tc>
+                  <a:txBody>
+                    <a:bodyPr/>
+                    <a:lstStyle/>
+                    <a:p>
+                      <a:pPr algn="ctr"/>
+                      <a:r>
+                        <a:rPr lang="en-TH" sz="1200" dirty="0"/>
+                        <a:t>71.52%</a:t>
+                      </a:r>
+                    </a:p>
+                  </a:txBody>
+                  <a:tcPr anchor="ctr"/>
+                </a:tc>
+                <a:tc>
+                  <a:txBody>
+                    <a:bodyPr/>
+                    <a:lstStyle/>
+                    <a:p>
+                      <a:pPr algn="ctr"/>
+                      <a:r>
+                        <a:rPr lang="en-TH" sz="1200" dirty="0"/>
+                        <a:t>61.26%</a:t>
+                      </a:r>
+                    </a:p>
+                  </a:txBody>
+                  <a:tcPr anchor="ctr"/>
+                </a:tc>
+                <a:tc>
+                  <a:txBody>
+                    <a:bodyPr/>
+                    <a:lstStyle/>
+                    <a:p>
+                      <a:pPr algn="ctr"/>
+                      <a:r>
+                        <a:rPr lang="en-TH" sz="1200" dirty="0"/>
+                        <a:t>55.43%</a:t>
+                      </a:r>
+                    </a:p>
+                  </a:txBody>
+                  <a:tcPr anchor="ctr"/>
+                </a:tc>
+                <a:tc>
+                  <a:txBody>
+                    <a:bodyPr/>
+                    <a:lstStyle/>
+                    <a:p>
+                      <a:pPr algn="ctr"/>
+                      <a:r>
+                        <a:rPr lang="en-TH" sz="1200" dirty="0"/>
+                        <a:t>58.20%</a:t>
+                      </a:r>
+                    </a:p>
+                  </a:txBody>
+                  <a:tcPr anchor="ctr"/>
+                </a:tc>
+                <a:extLst>
+                  <a:ext uri="{0D108BD9-81ED-4DB2-BD59-A6C34878D82A}">
+                    <a16:rowId xmlns:a16="http://schemas.microsoft.com/office/drawing/2014/main" val="1147357634"/>
+                  </a:ext>
+                </a:extLst>
+              </a:tr>
+              <a:tr h="419100">
+                <a:tc>
+                  <a:txBody>
+                    <a:bodyPr/>
+                    <a:lstStyle/>
+                    <a:p>
+                      <a:pPr algn="ctr"/>
+                      <a:r>
+                        <a:rPr lang="en-TH" sz="1200" dirty="0"/>
+                        <a:t>8</a:t>
+                      </a:r>
+                    </a:p>
+                  </a:txBody>
+                  <a:tcPr anchor="ctr"/>
+                </a:tc>
+                <a:tc>
+                  <a:txBody>
+                    <a:bodyPr/>
+                    <a:lstStyle/>
+                    <a:p>
+                      <a:pPr algn="l"/>
+                      <a:r>
+                        <a:rPr lang="en-TH" sz="1200" dirty="0"/>
+                        <a:t>Decision Tree</a:t>
+                      </a:r>
+                    </a:p>
+                  </a:txBody>
+                  <a:tcPr anchor="ctr"/>
+                </a:tc>
+                <a:tc>
+                  <a:txBody>
+                    <a:bodyPr/>
+                    <a:lstStyle/>
+                    <a:p>
+                      <a:pPr algn="ctr"/>
+                      <a:r>
+                        <a:rPr lang="en-TH" sz="1200" dirty="0"/>
+                        <a:t>72.46%</a:t>
+                      </a:r>
+                    </a:p>
+                  </a:txBody>
+                  <a:tcPr anchor="ctr"/>
+                </a:tc>
+                <a:tc>
+                  <a:txBody>
+                    <a:bodyPr/>
+                    <a:lstStyle/>
+                    <a:p>
+                      <a:pPr algn="ctr"/>
+                      <a:r>
+                        <a:rPr lang="en-TH" sz="1200" dirty="0"/>
+                        <a:t>64.76%</a:t>
+                      </a:r>
+                    </a:p>
+                  </a:txBody>
+                  <a:tcPr anchor="ctr"/>
+                </a:tc>
+                <a:tc>
+                  <a:txBody>
+                    <a:bodyPr/>
+                    <a:lstStyle/>
+                    <a:p>
+                      <a:pPr algn="ctr"/>
+                      <a:r>
+                        <a:rPr lang="en-TH" sz="1200" dirty="0"/>
+                        <a:t>47.35%</a:t>
+                      </a:r>
+                    </a:p>
+                  </a:txBody>
+                  <a:tcPr anchor="ctr"/>
+                </a:tc>
+                <a:tc>
+                  <a:txBody>
+                    <a:bodyPr/>
+                    <a:lstStyle/>
+                    <a:p>
+                      <a:pPr algn="ctr"/>
+                      <a:r>
+                        <a:rPr lang="en-TH" sz="1200" dirty="0"/>
+                        <a:t>48.64%</a:t>
+                      </a:r>
+                    </a:p>
+                  </a:txBody>
+                  <a:tcPr anchor="ctr"/>
+                </a:tc>
+                <a:tc>
+                  <a:txBody>
+                    <a:bodyPr/>
+                    <a:lstStyle/>
+                    <a:p>
+                      <a:pPr algn="ctr"/>
+                      <a:r>
+                        <a:rPr lang="en-TH" sz="1200" dirty="0"/>
+                        <a:t>47.99%</a:t>
+                      </a:r>
+                    </a:p>
+                  </a:txBody>
+                  <a:tcPr anchor="ctr"/>
+                </a:tc>
+                <a:extLst>
+                  <a:ext uri="{0D108BD9-81ED-4DB2-BD59-A6C34878D82A}">
+                    <a16:rowId xmlns:a16="http://schemas.microsoft.com/office/drawing/2014/main" val="501032630"/>
+                  </a:ext>
+                </a:extLst>
+              </a:tr>
+              <a:tr h="419100">
+                <a:tc>
+                  <a:txBody>
+                    <a:bodyPr/>
+                    <a:lstStyle/>
+                    <a:p>
+                      <a:pPr algn="ctr"/>
+                      <a:r>
+                        <a:rPr lang="en-TH" sz="1200" dirty="0"/>
+                        <a:t>9</a:t>
+                      </a:r>
+                    </a:p>
+                  </a:txBody>
+                  <a:tcPr anchor="ctr"/>
+                </a:tc>
+                <a:tc>
+                  <a:txBody>
+                    <a:bodyPr/>
+                    <a:lstStyle/>
+                    <a:p>
+                      <a:pPr algn="l"/>
+                      <a:r>
+                        <a:rPr lang="en-TH" sz="1200" dirty="0"/>
+                        <a:t>Na</a:t>
+                      </a:r>
+                      <a:r>
+                        <a:rPr lang="en-US" sz="1200" dirty="0" err="1"/>
+                        <a:t>ï</a:t>
+                      </a:r>
+                      <a:r>
+                        <a:rPr lang="en-TH" sz="1200" dirty="0"/>
+                        <a:t>ve Bayes Classifier</a:t>
+                      </a:r>
+                    </a:p>
+                  </a:txBody>
+                  <a:tcPr anchor="ctr"/>
+                </a:tc>
+                <a:tc>
+                  <a:txBody>
+                    <a:bodyPr/>
+                    <a:lstStyle/>
+                    <a:p>
+                      <a:pPr algn="ctr"/>
+                      <a:r>
+                        <a:rPr lang="en-TH" sz="1200" dirty="0"/>
+                        <a:t>66.86%</a:t>
+                      </a:r>
+                    </a:p>
+                  </a:txBody>
+                  <a:tcPr anchor="ctr"/>
+                </a:tc>
+                <a:tc>
+                  <a:txBody>
+                    <a:bodyPr/>
+                    <a:lstStyle/>
+                    <a:p>
+                      <a:pPr algn="ctr"/>
+                      <a:r>
+                        <a:rPr lang="en-TH" sz="1200" dirty="0"/>
+                        <a:t>73.09%</a:t>
+                      </a:r>
+                    </a:p>
+                  </a:txBody>
+                  <a:tcPr anchor="ctr"/>
+                </a:tc>
+                <a:tc>
+                  <a:txBody>
+                    <a:bodyPr/>
+                    <a:lstStyle/>
+                    <a:p>
+                      <a:pPr algn="ctr"/>
+                      <a:r>
+                        <a:rPr lang="en-TH" sz="1200" dirty="0"/>
+                        <a:t>43.25%</a:t>
+                      </a:r>
+                    </a:p>
+                  </a:txBody>
+                  <a:tcPr anchor="ctr"/>
+                </a:tc>
+                <a:tc>
+                  <a:txBody>
+                    <a:bodyPr/>
+                    <a:lstStyle/>
+                    <a:p>
+                      <a:pPr algn="ctr"/>
+                      <a:r>
+                        <a:rPr lang="en-TH" sz="1200" dirty="0"/>
+                        <a:t>86.14%</a:t>
+                      </a:r>
+                    </a:p>
+                  </a:txBody>
+                  <a:tcPr anchor="ctr"/>
+                </a:tc>
+                <a:tc>
+                  <a:txBody>
+                    <a:bodyPr/>
+                    <a:lstStyle/>
+                    <a:p>
+                      <a:pPr algn="ctr"/>
+                      <a:r>
+                        <a:rPr lang="en-TH" sz="1200" dirty="0"/>
+                        <a:t>57.58%</a:t>
+                      </a:r>
+                    </a:p>
+                  </a:txBody>
+                  <a:tcPr anchor="ctr"/>
+                </a:tc>
+                <a:extLst>
+                  <a:ext uri="{0D108BD9-81ED-4DB2-BD59-A6C34878D82A}">
+                    <a16:rowId xmlns:a16="http://schemas.microsoft.com/office/drawing/2014/main" val="93526516"/>
+                  </a:ext>
+                </a:extLst>
+              </a:tr>
+            </a:tbl>
+          </a:graphicData>
+        </a:graphic>
+      </p:graphicFrame>
+      <p:sp>
+        <p:nvSpPr>
+          <p:cNvPr id="14" name="TextBox 13">
+            <a:extLst>
+              <a:ext uri="{FF2B5EF4-FFF2-40B4-BE49-F238E27FC236}">
+                <a16:creationId xmlns:a16="http://schemas.microsoft.com/office/drawing/2014/main" id="{B453DE78-5E82-CB1A-C6D1-9E93687BEE56}"/>
+              </a:ext>
+            </a:extLst>
+          </p:cNvPr>
+          <p:cNvSpPr txBox="1"/>
+          <p:nvPr/>
+        </p:nvSpPr>
+        <p:spPr>
+          <a:xfrm>
+            <a:off x="621791" y="1266337"/>
+            <a:ext cx="7991349" cy="677108"/>
+          </a:xfrm>
+          <a:prstGeom prst="rect">
+            <a:avLst/>
+          </a:prstGeom>
+          <a:noFill/>
+        </p:spPr>
+        <p:txBody>
+          <a:bodyPr wrap="square" rtlCol="0">
+            <a:spAutoFit/>
+          </a:bodyPr>
+          <a:lstStyle/>
+          <a:p>
+            <a:r>
+              <a:rPr lang="en-US" dirty="0">
+                <a:solidFill>
+                  <a:schemeClr val="accent3">
+                    <a:lumMod val="20000"/>
+                    <a:lumOff val="80000"/>
+                  </a:schemeClr>
+                </a:solidFill>
+              </a:rPr>
+              <a:t>We want to focus on the performance to correctly identify most of churn customers (positive cases), then we </a:t>
+            </a:r>
+            <a:r>
+              <a:rPr lang="en-US" sz="2000" b="1" dirty="0"/>
+              <a:t>focus on ”Precision” result</a:t>
+            </a:r>
+            <a:endParaRPr lang="en-TH" b="1" dirty="0"/>
+          </a:p>
+        </p:txBody>
+      </p:sp>
+      <p:sp>
+        <p:nvSpPr>
+          <p:cNvPr id="15" name="Rectangle 14">
+            <a:extLst>
+              <a:ext uri="{FF2B5EF4-FFF2-40B4-BE49-F238E27FC236}">
+                <a16:creationId xmlns:a16="http://schemas.microsoft.com/office/drawing/2014/main" id="{533D59D6-6135-E58F-8C0F-18B471FB8A08}"/>
+              </a:ext>
+            </a:extLst>
+          </p:cNvPr>
+          <p:cNvSpPr/>
+          <p:nvPr/>
+        </p:nvSpPr>
+        <p:spPr>
+          <a:xfrm>
+            <a:off x="4254500" y="2120900"/>
+            <a:ext cx="1981200" cy="4191000"/>
+          </a:xfrm>
+          <a:prstGeom prst="rect">
+            <a:avLst/>
+          </a:prstGeom>
+          <a:solidFill>
+            <a:srgbClr val="FFFFFF">
+              <a:alpha val="59608"/>
+            </a:srgbClr>
+          </a:solidFill>
+          <a:ln>
+            <a:noFill/>
+          </a:ln>
+        </p:spPr>
+        <p:style>
+          <a:lnRef idx="2">
+            <a:schemeClr val="accent1">
+              <a:shade val="50000"/>
+            </a:schemeClr>
+          </a:lnRef>
+          <a:fillRef idx="1">
+            <a:schemeClr val="accent1"/>
+          </a:fillRef>
+          <a:effectRef idx="0">
+            <a:schemeClr val="accent1"/>
+          </a:effectRef>
+          <a:fontRef idx="minor">
+            <a:schemeClr val="lt1"/>
+          </a:fontRef>
+        </p:style>
+        <p:txBody>
+          <a:bodyPr rtlCol="0" anchor="ctr"/>
+          <a:lstStyle/>
+          <a:p>
             <a:pPr algn="ctr"/>
-            <a:r>
-              <a:rPr lang="en-TH" dirty="0"/>
-              <a:t>Display comparison table and graphs to </a:t>
-            </a:r>
-          </a:p>
+            <a:endParaRPr lang="en-TH"/>
+          </a:p>
+        </p:txBody>
+      </p:sp>
+      <p:sp>
+        <p:nvSpPr>
+          <p:cNvPr id="16" name="Rectangle 15">
+            <a:extLst>
+              <a:ext uri="{FF2B5EF4-FFF2-40B4-BE49-F238E27FC236}">
+                <a16:creationId xmlns:a16="http://schemas.microsoft.com/office/drawing/2014/main" id="{D55DF863-6C02-0AB3-7528-7230692A10E4}"/>
+              </a:ext>
+            </a:extLst>
+          </p:cNvPr>
+          <p:cNvSpPr/>
+          <p:nvPr/>
+        </p:nvSpPr>
+        <p:spPr>
+          <a:xfrm>
+            <a:off x="7158735" y="2120900"/>
+            <a:ext cx="1701799" cy="4191000"/>
+          </a:xfrm>
+          <a:prstGeom prst="rect">
+            <a:avLst/>
+          </a:prstGeom>
+          <a:solidFill>
+            <a:srgbClr val="FFFFFF">
+              <a:alpha val="59608"/>
+            </a:srgbClr>
+          </a:solidFill>
+          <a:ln>
+            <a:noFill/>
+          </a:ln>
+        </p:spPr>
+        <p:style>
+          <a:lnRef idx="2">
+            <a:schemeClr val="accent1">
+              <a:shade val="50000"/>
+            </a:schemeClr>
+          </a:lnRef>
+          <a:fillRef idx="1">
+            <a:schemeClr val="accent1"/>
+          </a:fillRef>
+          <a:effectRef idx="0">
+            <a:schemeClr val="accent1"/>
+          </a:effectRef>
+          <a:fontRef idx="minor">
+            <a:schemeClr val="lt1"/>
+          </a:fontRef>
+        </p:style>
+        <p:txBody>
+          <a:bodyPr rtlCol="0" anchor="ctr"/>
+          <a:lstStyle/>
           <a:p>
             <a:pPr algn="ctr"/>
-            <a:r>
-              <a:rPr lang="en-TH" dirty="0"/>
-              <a:t>show the difference between each model</a:t>
-            </a:r>
+            <a:endParaRPr lang="en-TH"/>
+          </a:p>
+        </p:txBody>
+      </p:sp>
+      <p:sp>
+        <p:nvSpPr>
+          <p:cNvPr id="17" name="Rectangle 16">
+            <a:extLst>
+              <a:ext uri="{FF2B5EF4-FFF2-40B4-BE49-F238E27FC236}">
+                <a16:creationId xmlns:a16="http://schemas.microsoft.com/office/drawing/2014/main" id="{3B67B3FA-73B3-C4B1-FE9A-18CF1756FF47}"/>
+              </a:ext>
+            </a:extLst>
+          </p:cNvPr>
+          <p:cNvSpPr/>
+          <p:nvPr/>
+        </p:nvSpPr>
+        <p:spPr>
+          <a:xfrm>
+            <a:off x="283463" y="2565400"/>
+            <a:ext cx="4034537" cy="342900"/>
+          </a:xfrm>
+          <a:prstGeom prst="rect">
+            <a:avLst/>
+          </a:prstGeom>
+          <a:noFill/>
+          <a:ln w="76200">
+            <a:solidFill>
+              <a:schemeClr val="accent1"/>
+            </a:solidFill>
+          </a:ln>
+        </p:spPr>
+        <p:style>
+          <a:lnRef idx="2">
+            <a:schemeClr val="accent1">
+              <a:shade val="50000"/>
+            </a:schemeClr>
+          </a:lnRef>
+          <a:fillRef idx="1">
+            <a:schemeClr val="accent1"/>
+          </a:fillRef>
+          <a:effectRef idx="0">
+            <a:schemeClr val="accent1"/>
+          </a:effectRef>
+          <a:fontRef idx="minor">
+            <a:schemeClr val="lt1"/>
+          </a:fontRef>
+        </p:style>
+        <p:txBody>
+          <a:bodyPr rtlCol="0" anchor="ctr"/>
+          <a:lstStyle/>
+          <a:p>
+            <a:pPr algn="ctr"/>
+            <a:endParaRPr lang="en-TH"/>
+          </a:p>
+        </p:txBody>
+      </p:sp>
+      <p:sp>
+        <p:nvSpPr>
+          <p:cNvPr id="18" name="Rectangle 17">
+            <a:extLst>
+              <a:ext uri="{FF2B5EF4-FFF2-40B4-BE49-F238E27FC236}">
+                <a16:creationId xmlns:a16="http://schemas.microsoft.com/office/drawing/2014/main" id="{ECC00400-A0C0-80ED-E8AC-B04570403BB7}"/>
+              </a:ext>
+            </a:extLst>
+          </p:cNvPr>
+          <p:cNvSpPr/>
+          <p:nvPr/>
+        </p:nvSpPr>
+        <p:spPr>
+          <a:xfrm>
+            <a:off x="6248400" y="2565055"/>
+            <a:ext cx="884935" cy="342900"/>
+          </a:xfrm>
+          <a:prstGeom prst="rect">
+            <a:avLst/>
+          </a:prstGeom>
+          <a:noFill/>
+          <a:ln w="76200">
+            <a:solidFill>
+              <a:schemeClr val="accent1"/>
+            </a:solidFill>
+          </a:ln>
+        </p:spPr>
+        <p:style>
+          <a:lnRef idx="2">
+            <a:schemeClr val="accent1">
+              <a:shade val="50000"/>
+            </a:schemeClr>
+          </a:lnRef>
+          <a:fillRef idx="1">
+            <a:schemeClr val="accent1"/>
+          </a:fillRef>
+          <a:effectRef idx="0">
+            <a:schemeClr val="accent1"/>
+          </a:effectRef>
+          <a:fontRef idx="minor">
+            <a:schemeClr val="lt1"/>
+          </a:fontRef>
+        </p:style>
+        <p:txBody>
+          <a:bodyPr rtlCol="0" anchor="ctr"/>
+          <a:lstStyle/>
+          <a:p>
+            <a:pPr algn="ctr"/>
+            <a:endParaRPr lang="en-TH"/>
           </a:p>
         </p:txBody>
       </p:sp>

--- a/PPT_Churn-Predictions-Telecom-Customer.pptx
+++ b/PPT_Churn-Predictions-Telecom-Customer.pptx
@@ -5,21 +5,22 @@
     <p:sldMasterId id="2147483673" r:id="rId1"/>
   </p:sldMasterIdLst>
   <p:notesMasterIdLst>
-    <p:notesMasterId r:id="rId14"/>
+    <p:notesMasterId r:id="rId15"/>
   </p:notesMasterIdLst>
   <p:sldIdLst>
     <p:sldId id="256" r:id="rId2"/>
     <p:sldId id="257" r:id="rId3"/>
     <p:sldId id="258" r:id="rId4"/>
-    <p:sldId id="260" r:id="rId5"/>
-    <p:sldId id="259" r:id="rId6"/>
-    <p:sldId id="261" r:id="rId7"/>
-    <p:sldId id="262" r:id="rId8"/>
-    <p:sldId id="263" r:id="rId9"/>
-    <p:sldId id="264" r:id="rId10"/>
-    <p:sldId id="265" r:id="rId11"/>
-    <p:sldId id="266" r:id="rId12"/>
-    <p:sldId id="267" r:id="rId13"/>
+    <p:sldId id="268" r:id="rId5"/>
+    <p:sldId id="260" r:id="rId6"/>
+    <p:sldId id="259" r:id="rId7"/>
+    <p:sldId id="261" r:id="rId8"/>
+    <p:sldId id="262" r:id="rId9"/>
+    <p:sldId id="263" r:id="rId10"/>
+    <p:sldId id="264" r:id="rId11"/>
+    <p:sldId id="265" r:id="rId12"/>
+    <p:sldId id="266" r:id="rId13"/>
+    <p:sldId id="267" r:id="rId14"/>
   </p:sldIdLst>
   <p:sldSz cx="9144000" cy="6858000" type="screen4x3"/>
   <p:notesSz cx="6858000" cy="9144000"/>
@@ -127,6 +128,374 @@
 </file>
 
 <file path=ppt/charts/chart1.xml><?xml version="1.0" encoding="utf-8"?>
+<c:chartSpace xmlns:c="http://schemas.openxmlformats.org/drawingml/2006/chart" xmlns:a="http://schemas.openxmlformats.org/drawingml/2006/main" xmlns:r="http://schemas.openxmlformats.org/officeDocument/2006/relationships" xmlns:c16r2="http://schemas.microsoft.com/office/drawing/2015/06/chart">
+  <c:date1904 val="0"/>
+  <c:lang val="en-US"/>
+  <c:roundedCorners val="0"/>
+  <mc:AlternateContent xmlns:mc="http://schemas.openxmlformats.org/markup-compatibility/2006">
+    <mc:Choice xmlns:c14="http://schemas.microsoft.com/office/drawing/2007/8/2/chart" Requires="c14">
+      <c14:style val="102"/>
+    </mc:Choice>
+    <mc:Fallback>
+      <c:style val="2"/>
+    </mc:Fallback>
+  </mc:AlternateContent>
+  <c:chart>
+    <c:title>
+      <c:overlay val="0"/>
+      <c:spPr>
+        <a:noFill/>
+        <a:ln>
+          <a:noFill/>
+        </a:ln>
+        <a:effectLst/>
+      </c:spPr>
+      <c:txPr>
+        <a:bodyPr rot="0" spcFirstLastPara="1" vertOverflow="ellipsis" vert="horz" wrap="square" anchor="ctr" anchorCtr="1"/>
+        <a:lstStyle/>
+        <a:p>
+          <a:pPr>
+            <a:defRPr sz="1400" b="1" i="0" u="none" strike="noStrike" kern="1200" spc="0" baseline="0">
+              <a:solidFill>
+                <a:schemeClr val="tx1">
+                  <a:lumMod val="65000"/>
+                  <a:lumOff val="35000"/>
+                </a:schemeClr>
+              </a:solidFill>
+              <a:latin typeface="+mn-lt"/>
+              <a:ea typeface="+mn-ea"/>
+              <a:cs typeface="+mn-cs"/>
+            </a:defRPr>
+          </a:pPr>
+          <a:endParaRPr lang="en-TH"/>
+        </a:p>
+      </c:txPr>
+    </c:title>
+    <c:autoTitleDeleted val="0"/>
+    <c:plotArea>
+      <c:layout/>
+      <c:pieChart>
+        <c:varyColors val="1"/>
+        <c:ser>
+          <c:idx val="0"/>
+          <c:order val="0"/>
+          <c:tx>
+            <c:strRef>
+              <c:f>Calculation!$B$3</c:f>
+              <c:strCache>
+                <c:ptCount val="1"/>
+                <c:pt idx="0">
+                  <c:v>Churn status</c:v>
+                </c:pt>
+              </c:strCache>
+            </c:strRef>
+          </c:tx>
+          <c:spPr>
+            <a:ln>
+              <a:noFill/>
+            </a:ln>
+          </c:spPr>
+          <c:dPt>
+            <c:idx val="0"/>
+            <c:bubble3D val="0"/>
+            <c:explosion val="7"/>
+            <c:spPr>
+              <a:solidFill>
+                <a:schemeClr val="accent2"/>
+              </a:solidFill>
+              <a:ln w="38100">
+                <a:noFill/>
+              </a:ln>
+              <a:effectLst/>
+            </c:spPr>
+            <c:extLst>
+              <c:ext xmlns:c16="http://schemas.microsoft.com/office/drawing/2014/chart" uri="{C3380CC4-5D6E-409C-BE32-E72D297353CC}">
+                <c16:uniqueId val="{00000001-0420-5B4F-B3C6-DFB35A6FC46B}"/>
+              </c:ext>
+            </c:extLst>
+          </c:dPt>
+          <c:dPt>
+            <c:idx val="1"/>
+            <c:bubble3D val="0"/>
+            <c:spPr>
+              <a:solidFill>
+                <a:schemeClr val="tx1">
+                  <a:lumMod val="85000"/>
+                </a:schemeClr>
+              </a:solidFill>
+              <a:ln w="19050">
+                <a:noFill/>
+              </a:ln>
+              <a:effectLst/>
+            </c:spPr>
+            <c:extLst>
+              <c:ext xmlns:c16="http://schemas.microsoft.com/office/drawing/2014/chart" uri="{C3380CC4-5D6E-409C-BE32-E72D297353CC}">
+                <c16:uniqueId val="{00000003-0420-5B4F-B3C6-DFB35A6FC46B}"/>
+              </c:ext>
+            </c:extLst>
+          </c:dPt>
+          <c:dLbls>
+            <c:dLbl>
+              <c:idx val="0"/>
+              <c:layout>
+                <c:manualLayout>
+                  <c:x val="-1.9802421846365707E-2"/>
+                  <c:y val="0.2303661189283894"/>
+                </c:manualLayout>
+              </c:layout>
+              <c:spPr>
+                <a:noFill/>
+                <a:ln>
+                  <a:noFill/>
+                </a:ln>
+                <a:effectLst/>
+              </c:spPr>
+              <c:txPr>
+                <a:bodyPr rot="0" spcFirstLastPara="1" vertOverflow="ellipsis" vert="horz" wrap="square" lIns="38100" tIns="19050" rIns="38100" bIns="19050" anchor="ctr" anchorCtr="1">
+                  <a:noAutofit/>
+                </a:bodyPr>
+                <a:lstStyle/>
+                <a:p>
+                  <a:pPr>
+                    <a:defRPr sz="1400" b="1" i="0" u="none" strike="noStrike" kern="1200" baseline="0">
+                      <a:solidFill>
+                        <a:schemeClr val="tx1">
+                          <a:lumMod val="75000"/>
+                          <a:lumOff val="25000"/>
+                        </a:schemeClr>
+                      </a:solidFill>
+                      <a:latin typeface="+mn-lt"/>
+                      <a:ea typeface="+mn-ea"/>
+                      <a:cs typeface="+mn-cs"/>
+                    </a:defRPr>
+                  </a:pPr>
+                  <a:endParaRPr lang="en-TH"/>
+                </a:p>
+              </c:txPr>
+              <c:dLblPos val="bestFit"/>
+              <c:showLegendKey val="0"/>
+              <c:showVal val="1"/>
+              <c:showCatName val="1"/>
+              <c:showSerName val="0"/>
+              <c:showPercent val="1"/>
+              <c:showBubbleSize val="0"/>
+              <c:extLst>
+                <c:ext xmlns:c15="http://schemas.microsoft.com/office/drawing/2012/chart" uri="{CE6537A1-D6FC-4f65-9D91-7224C49458BB}">
+                  <c15:layout>
+                    <c:manualLayout>
+                      <c:w val="0.47817842065803123"/>
+                      <c:h val="0.25223238475266069"/>
+                    </c:manualLayout>
+                  </c15:layout>
+                </c:ext>
+                <c:ext xmlns:c16="http://schemas.microsoft.com/office/drawing/2014/chart" uri="{C3380CC4-5D6E-409C-BE32-E72D297353CC}">
+                  <c16:uniqueId val="{00000001-0420-5B4F-B3C6-DFB35A6FC46B}"/>
+                </c:ext>
+              </c:extLst>
+            </c:dLbl>
+            <c:dLbl>
+              <c:idx val="1"/>
+              <c:layout>
+                <c:manualLayout>
+                  <c:x val="0.19398656268155715"/>
+                  <c:y val="-0.13152373264702255"/>
+                </c:manualLayout>
+              </c:layout>
+              <c:spPr>
+                <a:noFill/>
+                <a:ln>
+                  <a:noFill/>
+                </a:ln>
+                <a:effectLst/>
+              </c:spPr>
+              <c:txPr>
+                <a:bodyPr rot="0" spcFirstLastPara="1" vertOverflow="ellipsis" vert="horz" wrap="square" lIns="38100" tIns="19050" rIns="38100" bIns="19050" anchor="ctr" anchorCtr="1">
+                  <a:noAutofit/>
+                </a:bodyPr>
+                <a:lstStyle/>
+                <a:p>
+                  <a:pPr>
+                    <a:defRPr sz="1400" b="1" i="0" u="none" strike="noStrike" kern="1200" baseline="0">
+                      <a:solidFill>
+                        <a:schemeClr val="bg1">
+                          <a:lumMod val="50000"/>
+                          <a:lumOff val="50000"/>
+                        </a:schemeClr>
+                      </a:solidFill>
+                      <a:latin typeface="+mn-lt"/>
+                      <a:ea typeface="+mn-ea"/>
+                      <a:cs typeface="+mn-cs"/>
+                    </a:defRPr>
+                  </a:pPr>
+                  <a:endParaRPr lang="en-TH"/>
+                </a:p>
+              </c:txPr>
+              <c:dLblPos val="bestFit"/>
+              <c:showLegendKey val="0"/>
+              <c:showVal val="1"/>
+              <c:showCatName val="1"/>
+              <c:showSerName val="0"/>
+              <c:showPercent val="1"/>
+              <c:showBubbleSize val="0"/>
+              <c:extLst>
+                <c:ext xmlns:c15="http://schemas.microsoft.com/office/drawing/2012/chart" uri="{CE6537A1-D6FC-4f65-9D91-7224C49458BB}">
+                  <c15:layout>
+                    <c:manualLayout>
+                      <c:w val="0.55073536973280923"/>
+                      <c:h val="0.26557662917422264"/>
+                    </c:manualLayout>
+                  </c15:layout>
+                </c:ext>
+                <c:ext xmlns:c16="http://schemas.microsoft.com/office/drawing/2014/chart" uri="{C3380CC4-5D6E-409C-BE32-E72D297353CC}">
+                  <c16:uniqueId val="{00000003-0420-5B4F-B3C6-DFB35A6FC46B}"/>
+                </c:ext>
+              </c:extLst>
+            </c:dLbl>
+            <c:spPr>
+              <a:noFill/>
+              <a:ln>
+                <a:noFill/>
+              </a:ln>
+              <a:effectLst/>
+            </c:spPr>
+            <c:txPr>
+              <a:bodyPr rot="0" spcFirstLastPara="1" vertOverflow="ellipsis" vert="horz" wrap="square" lIns="38100" tIns="19050" rIns="38100" bIns="19050" anchor="ctr" anchorCtr="1">
+                <a:spAutoFit/>
+              </a:bodyPr>
+              <a:lstStyle/>
+              <a:p>
+                <a:pPr>
+                  <a:defRPr sz="1400" b="0" i="0" u="none" strike="noStrike" kern="1200" baseline="0">
+                    <a:solidFill>
+                      <a:schemeClr val="tx1">
+                        <a:lumMod val="75000"/>
+                        <a:lumOff val="25000"/>
+                      </a:schemeClr>
+                    </a:solidFill>
+                    <a:latin typeface="+mn-lt"/>
+                    <a:ea typeface="+mn-ea"/>
+                    <a:cs typeface="+mn-cs"/>
+                  </a:defRPr>
+                </a:pPr>
+                <a:endParaRPr lang="en-TH"/>
+              </a:p>
+            </c:txPr>
+            <c:dLblPos val="ctr"/>
+            <c:showLegendKey val="0"/>
+            <c:showVal val="1"/>
+            <c:showCatName val="1"/>
+            <c:showSerName val="0"/>
+            <c:showPercent val="1"/>
+            <c:showBubbleSize val="0"/>
+            <c:showLeaderLines val="1"/>
+            <c:leaderLines>
+              <c:spPr>
+                <a:ln w="9525" cap="flat" cmpd="sng" algn="ctr">
+                  <a:solidFill>
+                    <a:schemeClr val="tx1">
+                      <a:lumMod val="35000"/>
+                      <a:lumOff val="65000"/>
+                    </a:schemeClr>
+                  </a:solidFill>
+                  <a:round/>
+                </a:ln>
+                <a:effectLst/>
+              </c:spPr>
+            </c:leaderLines>
+            <c:extLst>
+              <c:ext xmlns:c15="http://schemas.microsoft.com/office/drawing/2012/chart" uri="{CE6537A1-D6FC-4f65-9D91-7224C49458BB}"/>
+            </c:extLst>
+          </c:dLbls>
+          <c:cat>
+            <c:strRef>
+              <c:f>Calculation!$A$4:$A$5</c:f>
+              <c:strCache>
+                <c:ptCount val="2"/>
+                <c:pt idx="0">
+                  <c:v>Churn</c:v>
+                </c:pt>
+                <c:pt idx="1">
+                  <c:v>Not churn</c:v>
+                </c:pt>
+              </c:strCache>
+            </c:strRef>
+          </c:cat>
+          <c:val>
+            <c:numRef>
+              <c:f>Calculation!$B$4:$B$5</c:f>
+              <c:numCache>
+                <c:formatCode>General</c:formatCode>
+                <c:ptCount val="2"/>
+                <c:pt idx="0">
+                  <c:v>1869</c:v>
+                </c:pt>
+                <c:pt idx="1">
+                  <c:v>5174</c:v>
+                </c:pt>
+              </c:numCache>
+            </c:numRef>
+          </c:val>
+          <c:extLst>
+            <c:ext xmlns:c16="http://schemas.microsoft.com/office/drawing/2014/chart" uri="{C3380CC4-5D6E-409C-BE32-E72D297353CC}">
+              <c16:uniqueId val="{00000004-0420-5B4F-B3C6-DFB35A6FC46B}"/>
+            </c:ext>
+          </c:extLst>
+        </c:ser>
+        <c:dLbls>
+          <c:dLblPos val="ctr"/>
+          <c:showLegendKey val="0"/>
+          <c:showVal val="1"/>
+          <c:showCatName val="0"/>
+          <c:showSerName val="0"/>
+          <c:showPercent val="0"/>
+          <c:showBubbleSize val="0"/>
+          <c:showLeaderLines val="1"/>
+        </c:dLbls>
+        <c:firstSliceAng val="0"/>
+      </c:pieChart>
+      <c:spPr>
+        <a:noFill/>
+        <a:ln>
+          <a:noFill/>
+        </a:ln>
+        <a:effectLst/>
+      </c:spPr>
+    </c:plotArea>
+    <c:plotVisOnly val="1"/>
+    <c:dispBlanksAs val="gap"/>
+    <c:extLst>
+      <c:ext xmlns:c16r3="http://schemas.microsoft.com/office/drawing/2017/03/chart" uri="{56B9EC1D-385E-4148-901F-78D8002777C0}">
+        <c16r3:dataDisplayOptions16>
+          <c16r3:dispNaAsBlank val="1"/>
+        </c16r3:dataDisplayOptions16>
+      </c:ext>
+    </c:extLst>
+    <c:showDLblsOverMax val="0"/>
+  </c:chart>
+  <c:spPr>
+    <a:noFill/>
+    <a:ln>
+      <a:noFill/>
+    </a:ln>
+    <a:effectLst/>
+  </c:spPr>
+  <c:txPr>
+    <a:bodyPr/>
+    <a:lstStyle/>
+    <a:p>
+      <a:pPr>
+        <a:defRPr/>
+      </a:pPr>
+      <a:endParaRPr lang="en-TH"/>
+    </a:p>
+  </c:txPr>
+  <c:externalData r:id="rId3">
+    <c:autoUpdate val="0"/>
+  </c:externalData>
+</c:chartSpace>
+</file>
+
+<file path=ppt/charts/chart2.xml><?xml version="1.0" encoding="utf-8"?>
 <c:chartSpace xmlns:c="http://schemas.openxmlformats.org/drawingml/2006/chart" xmlns:a="http://schemas.openxmlformats.org/drawingml/2006/main" xmlns:r="http://schemas.openxmlformats.org/officeDocument/2006/relationships" xmlns:c16r2="http://schemas.microsoft.com/office/drawing/2015/06/chart">
   <c:date1904 val="0"/>
   <c:lang val="en-US"/>
@@ -570,7 +939,7 @@
 </c:chartSpace>
 </file>
 
-<file path=ppt/charts/chart2.xml><?xml version="1.0" encoding="utf-8"?>
+<file path=ppt/charts/chart3.xml><?xml version="1.0" encoding="utf-8"?>
 <c:chartSpace xmlns:c="http://schemas.openxmlformats.org/drawingml/2006/chart" xmlns:a="http://schemas.openxmlformats.org/drawingml/2006/main" xmlns:r="http://schemas.openxmlformats.org/officeDocument/2006/relationships" xmlns:c16r2="http://schemas.microsoft.com/office/drawing/2015/06/chart">
   <c:date1904 val="0"/>
   <c:lang val="en-US"/>
@@ -1038,7 +1407,7 @@
 </c:chartSpace>
 </file>
 
-<file path=ppt/charts/chart3.xml><?xml version="1.0" encoding="utf-8"?>
+<file path=ppt/charts/chart4.xml><?xml version="1.0" encoding="utf-8"?>
 <c:chartSpace xmlns:c="http://schemas.openxmlformats.org/drawingml/2006/chart" xmlns:a="http://schemas.openxmlformats.org/drawingml/2006/main" xmlns:r="http://schemas.openxmlformats.org/officeDocument/2006/relationships" xmlns:c16r2="http://schemas.microsoft.com/office/drawing/2015/06/chart">
   <c:date1904 val="0"/>
   <c:lang val="en-US"/>
@@ -1530,7 +1899,7 @@
 </c:chartSpace>
 </file>
 
-<file path=ppt/charts/chart4.xml><?xml version="1.0" encoding="utf-8"?>
+<file path=ppt/charts/chart5.xml><?xml version="1.0" encoding="utf-8"?>
 <c:chartSpace xmlns:c="http://schemas.openxmlformats.org/drawingml/2006/chart" xmlns:a="http://schemas.openxmlformats.org/drawingml/2006/main" xmlns:r="http://schemas.openxmlformats.org/officeDocument/2006/relationships" xmlns:c16r2="http://schemas.microsoft.com/office/drawing/2015/06/chart">
   <c:date1904 val="0"/>
   <c:lang val="en-US"/>
@@ -2021,7 +2390,7 @@
 </c:chartSpace>
 </file>
 
-<file path=ppt/charts/chart5.xml><?xml version="1.0" encoding="utf-8"?>
+<file path=ppt/charts/chart6.xml><?xml version="1.0" encoding="utf-8"?>
 <c:chartSpace xmlns:c="http://schemas.openxmlformats.org/drawingml/2006/chart" xmlns:a="http://schemas.openxmlformats.org/drawingml/2006/main" xmlns:r="http://schemas.openxmlformats.org/officeDocument/2006/relationships" xmlns:c16r2="http://schemas.microsoft.com/office/drawing/2015/06/chart">
   <c:date1904 val="0"/>
   <c:lang val="en-US"/>
@@ -2504,7 +2873,7 @@
 </c:chartSpace>
 </file>
 
-<file path=ppt/charts/chart6.xml><?xml version="1.0" encoding="utf-8"?>
+<file path=ppt/charts/chart7.xml><?xml version="1.0" encoding="utf-8"?>
 <c:chartSpace xmlns:c="http://schemas.openxmlformats.org/drawingml/2006/chart" xmlns:a="http://schemas.openxmlformats.org/drawingml/2006/main" xmlns:r="http://schemas.openxmlformats.org/officeDocument/2006/relationships" xmlns:c16r2="http://schemas.microsoft.com/office/drawing/2015/06/chart">
   <c:date1904 val="0"/>
   <c:lang val="en-US"/>
@@ -2960,7 +3329,7 @@
 </c:chartSpace>
 </file>
 
-<file path=ppt/charts/chart7.xml><?xml version="1.0" encoding="utf-8"?>
+<file path=ppt/charts/chart8.xml><?xml version="1.0" encoding="utf-8"?>
 <c:chartSpace xmlns:c="http://schemas.openxmlformats.org/drawingml/2006/chart" xmlns:a="http://schemas.openxmlformats.org/drawingml/2006/main" xmlns:r="http://schemas.openxmlformats.org/officeDocument/2006/relationships" xmlns:c16r2="http://schemas.microsoft.com/office/drawing/2015/06/chart">
   <c:date1904 val="0"/>
   <c:lang val="en-US"/>
@@ -3416,7 +3785,7 @@
 </c:chartSpace>
 </file>
 
-<file path=ppt/charts/chart8.xml><?xml version="1.0" encoding="utf-8"?>
+<file path=ppt/charts/chart9.xml><?xml version="1.0" encoding="utf-8"?>
 <c:chartSpace xmlns:c="http://schemas.openxmlformats.org/drawingml/2006/chart" xmlns:a="http://schemas.openxmlformats.org/drawingml/2006/main" xmlns:r="http://schemas.openxmlformats.org/officeDocument/2006/relationships" xmlns:c16r2="http://schemas.microsoft.com/office/drawing/2015/06/chart">
   <c:date1904 val="0"/>
   <c:lang val="en-US"/>
@@ -4192,8 +4561,48 @@
 </cs:colorStyle>
 </file>
 
+<file path=ppt/charts/colors9.xml><?xml version="1.0" encoding="utf-8"?>
+<cs:colorStyle xmlns:cs="http://schemas.microsoft.com/office/drawing/2012/chartStyle" xmlns:a="http://schemas.openxmlformats.org/drawingml/2006/main" meth="cycle" id="10">
+  <a:schemeClr val="accent1"/>
+  <a:schemeClr val="accent2"/>
+  <a:schemeClr val="accent3"/>
+  <a:schemeClr val="accent4"/>
+  <a:schemeClr val="accent5"/>
+  <a:schemeClr val="accent6"/>
+  <cs:variation/>
+  <cs:variation>
+    <a:lumMod val="60000"/>
+  </cs:variation>
+  <cs:variation>
+    <a:lumMod val="80000"/>
+    <a:lumOff val="20000"/>
+  </cs:variation>
+  <cs:variation>
+    <a:lumMod val="80000"/>
+  </cs:variation>
+  <cs:variation>
+    <a:lumMod val="60000"/>
+    <a:lumOff val="40000"/>
+  </cs:variation>
+  <cs:variation>
+    <a:lumMod val="50000"/>
+  </cs:variation>
+  <cs:variation>
+    <a:lumMod val="70000"/>
+    <a:lumOff val="30000"/>
+  </cs:variation>
+  <cs:variation>
+    <a:lumMod val="70000"/>
+  </cs:variation>
+  <cs:variation>
+    <a:lumMod val="50000"/>
+    <a:lumOff val="50000"/>
+  </cs:variation>
+</cs:colorStyle>
+</file>
+
 <file path=ppt/charts/style1.xml><?xml version="1.0" encoding="utf-8"?>
-<cs:chartStyle xmlns:cs="http://schemas.microsoft.com/office/drawing/2012/chartStyle" xmlns:a="http://schemas.openxmlformats.org/drawingml/2006/main" id="201">
+<cs:chartStyle xmlns:cs="http://schemas.microsoft.com/office/drawing/2012/chartStyle" xmlns:a="http://schemas.openxmlformats.org/drawingml/2006/main" id="251">
   <cs:axisTitle>
     <cs:lnRef idx="0"/>
     <cs:fillRef idx="0"/>
@@ -4250,7 +4659,7 @@
         <a:round/>
       </a:ln>
     </cs:spPr>
-    <cs:defRPr sz="1000" kern="1200"/>
+    <cs:defRPr sz="900" kern="1200"/>
   </cs:chartArea>
   <cs:dataLabel>
     <cs:lnRef idx="0"/>
@@ -4301,6 +4710,13 @@
     <cs:fontRef idx="minor">
       <a:schemeClr val="tx1"/>
     </cs:fontRef>
+    <cs:spPr>
+      <a:ln w="19050">
+        <a:solidFill>
+          <a:schemeClr val="lt1"/>
+        </a:solidFill>
+      </a:ln>
+    </cs:spPr>
   </cs:dataPoint>
   <cs:dataPoint3D>
     <cs:lnRef idx="0"/>
@@ -4311,12 +4727,19 @@
     <cs:fontRef idx="minor">
       <a:schemeClr val="tx1"/>
     </cs:fontRef>
+    <cs:spPr>
+      <a:ln w="25400">
+        <a:solidFill>
+          <a:schemeClr val="lt1"/>
+        </a:solidFill>
+      </a:ln>
+    </cs:spPr>
   </cs:dataPoint3D>
   <cs:dataPointLine>
     <cs:lnRef idx="0">
       <cs:styleClr val="auto"/>
     </cs:lnRef>
-    <cs:fillRef idx="1"/>
+    <cs:fillRef idx="0"/>
     <cs:effectRef idx="0"/>
     <cs:fontRef idx="minor">
       <a:schemeClr val="tx1"/>
@@ -4354,7 +4777,7 @@
     <cs:lnRef idx="0">
       <cs:styleClr val="auto"/>
     </cs:lnRef>
-    <cs:fillRef idx="1"/>
+    <cs:fillRef idx="0"/>
     <cs:effectRef idx="0"/>
     <cs:fontRef idx="minor">
       <a:schemeClr val="tx1"/>
@@ -4397,22 +4820,23 @@
     <cs:fillRef idx="0"/>
     <cs:effectRef idx="0"/>
     <cs:fontRef idx="minor">
-      <a:schemeClr val="dk1"/>
+      <a:schemeClr val="tx1"/>
     </cs:fontRef>
     <cs:spPr>
       <a:solidFill>
         <a:schemeClr val="dk1">
-          <a:lumMod val="65000"/>
-          <a:lumOff val="35000"/>
+          <a:lumMod val="75000"/>
+          <a:lumOff val="25000"/>
         </a:schemeClr>
       </a:solidFill>
-      <a:ln w="9525">
+      <a:ln w="9525" cap="flat" cmpd="sng" algn="ctr">
         <a:solidFill>
           <a:schemeClr val="tx1">
             <a:lumMod val="65000"/>
             <a:lumOff val="35000"/>
           </a:schemeClr>
         </a:solidFill>
+        <a:round/>
       </a:ln>
     </cs:spPr>
   </cs:downBar>
@@ -4517,8 +4941,8 @@
       <a:ln w="9525" cap="flat" cmpd="sng" algn="ctr">
         <a:solidFill>
           <a:schemeClr val="tx1">
-            <a:lumMod val="75000"/>
-            <a:lumOff val="25000"/>
+            <a:lumMod val="50000"/>
+            <a:lumOff val="50000"/>
           </a:schemeClr>
         </a:solidFill>
         <a:round/>
@@ -4650,19 +5074,20 @@
     <cs:fillRef idx="0"/>
     <cs:effectRef idx="0"/>
     <cs:fontRef idx="minor">
-      <a:schemeClr val="dk1"/>
+      <a:schemeClr val="tx1"/>
     </cs:fontRef>
     <cs:spPr>
       <a:solidFill>
         <a:schemeClr val="lt1"/>
       </a:solidFill>
-      <a:ln w="9525">
+      <a:ln w="9525" cap="flat" cmpd="sng" algn="ctr">
         <a:solidFill>
           <a:schemeClr val="tx1">
-            <a:lumMod val="15000"/>
-            <a:lumOff val="85000"/>
+            <a:lumMod val="65000"/>
+            <a:lumOff val="35000"/>
           </a:schemeClr>
         </a:solidFill>
+        <a:round/>
       </a:ln>
     </cs:spPr>
   </cs:upBar>
@@ -8216,6 +8641,509 @@
 </cs:chartStyle>
 </file>
 
+<file path=ppt/charts/style9.xml><?xml version="1.0" encoding="utf-8"?>
+<cs:chartStyle xmlns:cs="http://schemas.microsoft.com/office/drawing/2012/chartStyle" xmlns:a="http://schemas.openxmlformats.org/drawingml/2006/main" id="201">
+  <cs:axisTitle>
+    <cs:lnRef idx="0"/>
+    <cs:fillRef idx="0"/>
+    <cs:effectRef idx="0"/>
+    <cs:fontRef idx="minor">
+      <a:schemeClr val="tx1">
+        <a:lumMod val="65000"/>
+        <a:lumOff val="35000"/>
+      </a:schemeClr>
+    </cs:fontRef>
+    <cs:defRPr sz="1000" kern="1200"/>
+  </cs:axisTitle>
+  <cs:categoryAxis>
+    <cs:lnRef idx="0"/>
+    <cs:fillRef idx="0"/>
+    <cs:effectRef idx="0"/>
+    <cs:fontRef idx="minor">
+      <a:schemeClr val="tx1">
+        <a:lumMod val="65000"/>
+        <a:lumOff val="35000"/>
+      </a:schemeClr>
+    </cs:fontRef>
+    <cs:spPr>
+      <a:ln w="9525" cap="flat" cmpd="sng" algn="ctr">
+        <a:solidFill>
+          <a:schemeClr val="tx1">
+            <a:lumMod val="15000"/>
+            <a:lumOff val="85000"/>
+          </a:schemeClr>
+        </a:solidFill>
+        <a:round/>
+      </a:ln>
+    </cs:spPr>
+    <cs:defRPr sz="900" kern="1200"/>
+  </cs:categoryAxis>
+  <cs:chartArea mods="allowNoFillOverride allowNoLineOverride">
+    <cs:lnRef idx="0"/>
+    <cs:fillRef idx="0"/>
+    <cs:effectRef idx="0"/>
+    <cs:fontRef idx="minor">
+      <a:schemeClr val="tx1"/>
+    </cs:fontRef>
+    <cs:spPr>
+      <a:solidFill>
+        <a:schemeClr val="bg1"/>
+      </a:solidFill>
+      <a:ln w="9525" cap="flat" cmpd="sng" algn="ctr">
+        <a:solidFill>
+          <a:schemeClr val="tx1">
+            <a:lumMod val="15000"/>
+            <a:lumOff val="85000"/>
+          </a:schemeClr>
+        </a:solidFill>
+        <a:round/>
+      </a:ln>
+    </cs:spPr>
+    <cs:defRPr sz="1000" kern="1200"/>
+  </cs:chartArea>
+  <cs:dataLabel>
+    <cs:lnRef idx="0"/>
+    <cs:fillRef idx="0"/>
+    <cs:effectRef idx="0"/>
+    <cs:fontRef idx="minor">
+      <a:schemeClr val="tx1">
+        <a:lumMod val="75000"/>
+        <a:lumOff val="25000"/>
+      </a:schemeClr>
+    </cs:fontRef>
+    <cs:defRPr sz="900" kern="1200"/>
+  </cs:dataLabel>
+  <cs:dataLabelCallout>
+    <cs:lnRef idx="0"/>
+    <cs:fillRef idx="0"/>
+    <cs:effectRef idx="0"/>
+    <cs:fontRef idx="minor">
+      <a:schemeClr val="dk1">
+        <a:lumMod val="65000"/>
+        <a:lumOff val="35000"/>
+      </a:schemeClr>
+    </cs:fontRef>
+    <cs:spPr>
+      <a:solidFill>
+        <a:schemeClr val="lt1"/>
+      </a:solidFill>
+      <a:ln>
+        <a:solidFill>
+          <a:schemeClr val="dk1">
+            <a:lumMod val="25000"/>
+            <a:lumOff val="75000"/>
+          </a:schemeClr>
+        </a:solidFill>
+      </a:ln>
+    </cs:spPr>
+    <cs:defRPr sz="900" kern="1200"/>
+    <cs:bodyPr rot="0" spcFirstLastPara="1" vertOverflow="clip" horzOverflow="clip" vert="horz" wrap="square" lIns="36576" tIns="18288" rIns="36576" bIns="18288" anchor="ctr" anchorCtr="1">
+      <a:spAutoFit/>
+    </cs:bodyPr>
+  </cs:dataLabelCallout>
+  <cs:dataPoint>
+    <cs:lnRef idx="0"/>
+    <cs:fillRef idx="1">
+      <cs:styleClr val="auto"/>
+    </cs:fillRef>
+    <cs:effectRef idx="0"/>
+    <cs:fontRef idx="minor">
+      <a:schemeClr val="tx1"/>
+    </cs:fontRef>
+  </cs:dataPoint>
+  <cs:dataPoint3D>
+    <cs:lnRef idx="0"/>
+    <cs:fillRef idx="1">
+      <cs:styleClr val="auto"/>
+    </cs:fillRef>
+    <cs:effectRef idx="0"/>
+    <cs:fontRef idx="minor">
+      <a:schemeClr val="tx1"/>
+    </cs:fontRef>
+  </cs:dataPoint3D>
+  <cs:dataPointLine>
+    <cs:lnRef idx="0">
+      <cs:styleClr val="auto"/>
+    </cs:lnRef>
+    <cs:fillRef idx="1"/>
+    <cs:effectRef idx="0"/>
+    <cs:fontRef idx="minor">
+      <a:schemeClr val="tx1"/>
+    </cs:fontRef>
+    <cs:spPr>
+      <a:ln w="28575" cap="rnd">
+        <a:solidFill>
+          <a:schemeClr val="phClr"/>
+        </a:solidFill>
+        <a:round/>
+      </a:ln>
+    </cs:spPr>
+  </cs:dataPointLine>
+  <cs:dataPointMarker>
+    <cs:lnRef idx="0">
+      <cs:styleClr val="auto"/>
+    </cs:lnRef>
+    <cs:fillRef idx="1">
+      <cs:styleClr val="auto"/>
+    </cs:fillRef>
+    <cs:effectRef idx="0"/>
+    <cs:fontRef idx="minor">
+      <a:schemeClr val="tx1"/>
+    </cs:fontRef>
+    <cs:spPr>
+      <a:ln w="9525">
+        <a:solidFill>
+          <a:schemeClr val="phClr"/>
+        </a:solidFill>
+      </a:ln>
+    </cs:spPr>
+  </cs:dataPointMarker>
+  <cs:dataPointMarkerLayout symbol="circle" size="5"/>
+  <cs:dataPointWireframe>
+    <cs:lnRef idx="0">
+      <cs:styleClr val="auto"/>
+    </cs:lnRef>
+    <cs:fillRef idx="1"/>
+    <cs:effectRef idx="0"/>
+    <cs:fontRef idx="minor">
+      <a:schemeClr val="tx1"/>
+    </cs:fontRef>
+    <cs:spPr>
+      <a:ln w="9525" cap="rnd">
+        <a:solidFill>
+          <a:schemeClr val="phClr"/>
+        </a:solidFill>
+        <a:round/>
+      </a:ln>
+    </cs:spPr>
+  </cs:dataPointWireframe>
+  <cs:dataTable>
+    <cs:lnRef idx="0"/>
+    <cs:fillRef idx="0"/>
+    <cs:effectRef idx="0"/>
+    <cs:fontRef idx="minor">
+      <a:schemeClr val="tx1">
+        <a:lumMod val="65000"/>
+        <a:lumOff val="35000"/>
+      </a:schemeClr>
+    </cs:fontRef>
+    <cs:spPr>
+      <a:noFill/>
+      <a:ln w="9525" cap="flat" cmpd="sng" algn="ctr">
+        <a:solidFill>
+          <a:schemeClr val="tx1">
+            <a:lumMod val="15000"/>
+            <a:lumOff val="85000"/>
+          </a:schemeClr>
+        </a:solidFill>
+        <a:round/>
+      </a:ln>
+    </cs:spPr>
+    <cs:defRPr sz="900" kern="1200"/>
+  </cs:dataTable>
+  <cs:downBar>
+    <cs:lnRef idx="0"/>
+    <cs:fillRef idx="0"/>
+    <cs:effectRef idx="0"/>
+    <cs:fontRef idx="minor">
+      <a:schemeClr val="dk1"/>
+    </cs:fontRef>
+    <cs:spPr>
+      <a:solidFill>
+        <a:schemeClr val="dk1">
+          <a:lumMod val="65000"/>
+          <a:lumOff val="35000"/>
+        </a:schemeClr>
+      </a:solidFill>
+      <a:ln w="9525">
+        <a:solidFill>
+          <a:schemeClr val="tx1">
+            <a:lumMod val="65000"/>
+            <a:lumOff val="35000"/>
+          </a:schemeClr>
+        </a:solidFill>
+      </a:ln>
+    </cs:spPr>
+  </cs:downBar>
+  <cs:dropLine>
+    <cs:lnRef idx="0"/>
+    <cs:fillRef idx="0"/>
+    <cs:effectRef idx="0"/>
+    <cs:fontRef idx="minor">
+      <a:schemeClr val="tx1"/>
+    </cs:fontRef>
+    <cs:spPr>
+      <a:ln w="9525" cap="flat" cmpd="sng" algn="ctr">
+        <a:solidFill>
+          <a:schemeClr val="tx1">
+            <a:lumMod val="35000"/>
+            <a:lumOff val="65000"/>
+          </a:schemeClr>
+        </a:solidFill>
+        <a:round/>
+      </a:ln>
+    </cs:spPr>
+  </cs:dropLine>
+  <cs:errorBar>
+    <cs:lnRef idx="0"/>
+    <cs:fillRef idx="0"/>
+    <cs:effectRef idx="0"/>
+    <cs:fontRef idx="minor">
+      <a:schemeClr val="tx1"/>
+    </cs:fontRef>
+    <cs:spPr>
+      <a:ln w="9525" cap="flat" cmpd="sng" algn="ctr">
+        <a:solidFill>
+          <a:schemeClr val="tx1">
+            <a:lumMod val="65000"/>
+            <a:lumOff val="35000"/>
+          </a:schemeClr>
+        </a:solidFill>
+        <a:round/>
+      </a:ln>
+    </cs:spPr>
+  </cs:errorBar>
+  <cs:floor>
+    <cs:lnRef idx="0"/>
+    <cs:fillRef idx="0"/>
+    <cs:effectRef idx="0"/>
+    <cs:fontRef idx="minor">
+      <a:schemeClr val="tx1"/>
+    </cs:fontRef>
+    <cs:spPr>
+      <a:noFill/>
+      <a:ln>
+        <a:noFill/>
+      </a:ln>
+    </cs:spPr>
+  </cs:floor>
+  <cs:gridlineMajor>
+    <cs:lnRef idx="0"/>
+    <cs:fillRef idx="0"/>
+    <cs:effectRef idx="0"/>
+    <cs:fontRef idx="minor">
+      <a:schemeClr val="tx1"/>
+    </cs:fontRef>
+    <cs:spPr>
+      <a:ln w="9525" cap="flat" cmpd="sng" algn="ctr">
+        <a:solidFill>
+          <a:schemeClr val="tx1">
+            <a:lumMod val="15000"/>
+            <a:lumOff val="85000"/>
+          </a:schemeClr>
+        </a:solidFill>
+        <a:round/>
+      </a:ln>
+    </cs:spPr>
+  </cs:gridlineMajor>
+  <cs:gridlineMinor>
+    <cs:lnRef idx="0"/>
+    <cs:fillRef idx="0"/>
+    <cs:effectRef idx="0"/>
+    <cs:fontRef idx="minor">
+      <a:schemeClr val="tx1"/>
+    </cs:fontRef>
+    <cs:spPr>
+      <a:ln w="9525" cap="flat" cmpd="sng" algn="ctr">
+        <a:solidFill>
+          <a:schemeClr val="tx1">
+            <a:lumMod val="5000"/>
+            <a:lumOff val="95000"/>
+          </a:schemeClr>
+        </a:solidFill>
+        <a:round/>
+      </a:ln>
+    </cs:spPr>
+  </cs:gridlineMinor>
+  <cs:hiLoLine>
+    <cs:lnRef idx="0"/>
+    <cs:fillRef idx="0"/>
+    <cs:effectRef idx="0"/>
+    <cs:fontRef idx="minor">
+      <a:schemeClr val="tx1"/>
+    </cs:fontRef>
+    <cs:spPr>
+      <a:ln w="9525" cap="flat" cmpd="sng" algn="ctr">
+        <a:solidFill>
+          <a:schemeClr val="tx1">
+            <a:lumMod val="75000"/>
+            <a:lumOff val="25000"/>
+          </a:schemeClr>
+        </a:solidFill>
+        <a:round/>
+      </a:ln>
+    </cs:spPr>
+  </cs:hiLoLine>
+  <cs:leaderLine>
+    <cs:lnRef idx="0"/>
+    <cs:fillRef idx="0"/>
+    <cs:effectRef idx="0"/>
+    <cs:fontRef idx="minor">
+      <a:schemeClr val="tx1"/>
+    </cs:fontRef>
+    <cs:spPr>
+      <a:ln w="9525" cap="flat" cmpd="sng" algn="ctr">
+        <a:solidFill>
+          <a:schemeClr val="tx1">
+            <a:lumMod val="35000"/>
+            <a:lumOff val="65000"/>
+          </a:schemeClr>
+        </a:solidFill>
+        <a:round/>
+      </a:ln>
+    </cs:spPr>
+  </cs:leaderLine>
+  <cs:legend>
+    <cs:lnRef idx="0"/>
+    <cs:fillRef idx="0"/>
+    <cs:effectRef idx="0"/>
+    <cs:fontRef idx="minor">
+      <a:schemeClr val="tx1">
+        <a:lumMod val="65000"/>
+        <a:lumOff val="35000"/>
+      </a:schemeClr>
+    </cs:fontRef>
+    <cs:defRPr sz="900" kern="1200"/>
+  </cs:legend>
+  <cs:plotArea mods="allowNoFillOverride allowNoLineOverride">
+    <cs:lnRef idx="0"/>
+    <cs:fillRef idx="0"/>
+    <cs:effectRef idx="0"/>
+    <cs:fontRef idx="minor">
+      <a:schemeClr val="tx1"/>
+    </cs:fontRef>
+  </cs:plotArea>
+  <cs:plotArea3D mods="allowNoFillOverride allowNoLineOverride">
+    <cs:lnRef idx="0"/>
+    <cs:fillRef idx="0"/>
+    <cs:effectRef idx="0"/>
+    <cs:fontRef idx="minor">
+      <a:schemeClr val="tx1"/>
+    </cs:fontRef>
+  </cs:plotArea3D>
+  <cs:seriesAxis>
+    <cs:lnRef idx="0"/>
+    <cs:fillRef idx="0"/>
+    <cs:effectRef idx="0"/>
+    <cs:fontRef idx="minor">
+      <a:schemeClr val="tx1">
+        <a:lumMod val="65000"/>
+        <a:lumOff val="35000"/>
+      </a:schemeClr>
+    </cs:fontRef>
+    <cs:defRPr sz="900" kern="1200"/>
+  </cs:seriesAxis>
+  <cs:seriesLine>
+    <cs:lnRef idx="0"/>
+    <cs:fillRef idx="0"/>
+    <cs:effectRef idx="0"/>
+    <cs:fontRef idx="minor">
+      <a:schemeClr val="tx1"/>
+    </cs:fontRef>
+    <cs:spPr>
+      <a:ln w="9525" cap="flat" cmpd="sng" algn="ctr">
+        <a:solidFill>
+          <a:schemeClr val="tx1">
+            <a:lumMod val="35000"/>
+            <a:lumOff val="65000"/>
+          </a:schemeClr>
+        </a:solidFill>
+        <a:round/>
+      </a:ln>
+    </cs:spPr>
+  </cs:seriesLine>
+  <cs:title>
+    <cs:lnRef idx="0"/>
+    <cs:fillRef idx="0"/>
+    <cs:effectRef idx="0"/>
+    <cs:fontRef idx="minor">
+      <a:schemeClr val="tx1">
+        <a:lumMod val="65000"/>
+        <a:lumOff val="35000"/>
+      </a:schemeClr>
+    </cs:fontRef>
+    <cs:defRPr sz="1400" b="0" kern="1200" spc="0" baseline="0"/>
+  </cs:title>
+  <cs:trendline>
+    <cs:lnRef idx="0">
+      <cs:styleClr val="auto"/>
+    </cs:lnRef>
+    <cs:fillRef idx="0"/>
+    <cs:effectRef idx="0"/>
+    <cs:fontRef idx="minor">
+      <a:schemeClr val="tx1"/>
+    </cs:fontRef>
+    <cs:spPr>
+      <a:ln w="19050" cap="rnd">
+        <a:solidFill>
+          <a:schemeClr val="phClr"/>
+        </a:solidFill>
+        <a:prstDash val="sysDot"/>
+      </a:ln>
+    </cs:spPr>
+  </cs:trendline>
+  <cs:trendlineLabel>
+    <cs:lnRef idx="0"/>
+    <cs:fillRef idx="0"/>
+    <cs:effectRef idx="0"/>
+    <cs:fontRef idx="minor">
+      <a:schemeClr val="tx1">
+        <a:lumMod val="65000"/>
+        <a:lumOff val="35000"/>
+      </a:schemeClr>
+    </cs:fontRef>
+    <cs:defRPr sz="900" kern="1200"/>
+  </cs:trendlineLabel>
+  <cs:upBar>
+    <cs:lnRef idx="0"/>
+    <cs:fillRef idx="0"/>
+    <cs:effectRef idx="0"/>
+    <cs:fontRef idx="minor">
+      <a:schemeClr val="dk1"/>
+    </cs:fontRef>
+    <cs:spPr>
+      <a:solidFill>
+        <a:schemeClr val="lt1"/>
+      </a:solidFill>
+      <a:ln w="9525">
+        <a:solidFill>
+          <a:schemeClr val="tx1">
+            <a:lumMod val="15000"/>
+            <a:lumOff val="85000"/>
+          </a:schemeClr>
+        </a:solidFill>
+      </a:ln>
+    </cs:spPr>
+  </cs:upBar>
+  <cs:valueAxis>
+    <cs:lnRef idx="0"/>
+    <cs:fillRef idx="0"/>
+    <cs:effectRef idx="0"/>
+    <cs:fontRef idx="minor">
+      <a:schemeClr val="tx1">
+        <a:lumMod val="65000"/>
+        <a:lumOff val="35000"/>
+      </a:schemeClr>
+    </cs:fontRef>
+    <cs:defRPr sz="900" kern="1200"/>
+  </cs:valueAxis>
+  <cs:wall>
+    <cs:lnRef idx="0"/>
+    <cs:fillRef idx="0"/>
+    <cs:effectRef idx="0"/>
+    <cs:fontRef idx="minor">
+      <a:schemeClr val="tx1"/>
+    </cs:fontRef>
+    <cs:spPr>
+      <a:noFill/>
+      <a:ln>
+        <a:noFill/>
+      </a:ln>
+    </cs:spPr>
+  </cs:wall>
+</cs:chartStyle>
+</file>
+
 <file path=ppt/notesMasters/notesMaster1.xml><?xml version="1.0" encoding="utf-8"?>
 <p:notesMaster xmlns:a="http://schemas.openxmlformats.org/drawingml/2006/main" xmlns:r="http://schemas.openxmlformats.org/officeDocument/2006/relationships" xmlns:p="http://schemas.openxmlformats.org/presentationml/2006/main">
   <p:cSld>
@@ -8298,7 +9226,7 @@
           <a:p>
             <a:fld id="{9647956D-0F95-3D4E-8DCF-31E55121DF25}" type="datetimeFigureOut">
               <a:rPr lang="en-TH" smtClean="0"/>
-              <a:t>17/4/2023 R</a:t>
+              <a:t>18/4/2023 R</a:t>
             </a:fld>
             <a:endParaRPr lang="en-TH"/>
           </a:p>
@@ -8650,6 +9578,90 @@
 </p:notes>
 </file>
 
+<file path=ppt/notesSlides/notesSlide2.xml><?xml version="1.0" encoding="utf-8"?>
+<p:notes xmlns:a="http://schemas.openxmlformats.org/drawingml/2006/main" xmlns:r="http://schemas.openxmlformats.org/officeDocument/2006/relationships" xmlns:p="http://schemas.openxmlformats.org/presentationml/2006/main">
+  <p:cSld>
+    <p:spTree>
+      <p:nvGrpSpPr>
+        <p:cNvPr id="1" name=""/>
+        <p:cNvGrpSpPr/>
+        <p:nvPr/>
+      </p:nvGrpSpPr>
+      <p:grpSpPr>
+        <a:xfrm>
+          <a:off x="0" y="0"/>
+          <a:ext cx="0" cy="0"/>
+          <a:chOff x="0" y="0"/>
+          <a:chExt cx="0" cy="0"/>
+        </a:xfrm>
+      </p:grpSpPr>
+      <p:sp>
+        <p:nvSpPr>
+          <p:cNvPr id="2" name="Slide Image Placeholder 1"/>
+          <p:cNvSpPr>
+            <a:spLocks noGrp="1" noRot="1" noChangeAspect="1"/>
+          </p:cNvSpPr>
+          <p:nvPr>
+            <p:ph type="sldImg"/>
+          </p:nvPr>
+        </p:nvSpPr>
+        <p:spPr/>
+      </p:sp>
+      <p:sp>
+        <p:nvSpPr>
+          <p:cNvPr id="3" name="Notes Placeholder 2"/>
+          <p:cNvSpPr>
+            <a:spLocks noGrp="1"/>
+          </p:cNvSpPr>
+          <p:nvPr>
+            <p:ph type="body" idx="1"/>
+          </p:nvPr>
+        </p:nvSpPr>
+        <p:spPr/>
+        <p:txBody>
+          <a:bodyPr/>
+          <a:lstStyle/>
+          <a:p>
+            <a:endParaRPr lang="en-TH" dirty="0"/>
+          </a:p>
+        </p:txBody>
+      </p:sp>
+      <p:sp>
+        <p:nvSpPr>
+          <p:cNvPr id="4" name="Slide Number Placeholder 3"/>
+          <p:cNvSpPr>
+            <a:spLocks noGrp="1"/>
+          </p:cNvSpPr>
+          <p:nvPr>
+            <p:ph type="sldNum" sz="quarter" idx="5"/>
+          </p:nvPr>
+        </p:nvSpPr>
+        <p:spPr/>
+        <p:txBody>
+          <a:bodyPr/>
+          <a:lstStyle/>
+          <a:p>
+            <a:fld id="{B1A1ABA5-9CFB-4E40-803E-38DC1ECAFD7C}" type="slidenum">
+              <a:rPr lang="en-TH" smtClean="0"/>
+              <a:t>4</a:t>
+            </a:fld>
+            <a:endParaRPr lang="en-TH"/>
+          </a:p>
+        </p:txBody>
+      </p:sp>
+    </p:spTree>
+    <p:extLst>
+      <p:ext uri="{BB962C8B-B14F-4D97-AF65-F5344CB8AC3E}">
+        <p14:creationId xmlns:p14="http://schemas.microsoft.com/office/powerpoint/2010/main" val="1555567947"/>
+      </p:ext>
+    </p:extLst>
+  </p:cSld>
+  <p:clrMapOvr>
+    <a:masterClrMapping/>
+  </p:clrMapOvr>
+</p:notes>
+</file>
+
 <file path=ppt/slideLayouts/slideLayout1.xml><?xml version="1.0" encoding="utf-8"?>
 <p:sldLayout xmlns:a="http://schemas.openxmlformats.org/drawingml/2006/main" xmlns:r="http://schemas.openxmlformats.org/officeDocument/2006/relationships" xmlns:p="http://schemas.openxmlformats.org/presentationml/2006/main" type="title" preserve="1">
   <p:cSld name="Title Slide">
@@ -8793,7 +9805,7 @@
           <a:p>
             <a:fld id="{2395C5C9-164C-46B3-A87E-7660D39D3106}" type="datetime2">
               <a:rPr lang="en-US" smtClean="0"/>
-              <a:t>Monday, April 17, 2023</a:t>
+              <a:t>Tuesday, April 18, 2023</a:t>
             </a:fld>
             <a:endParaRPr lang="en-US" dirty="0"/>
           </a:p>
@@ -8996,7 +10008,7 @@
           <a:p>
             <a:fld id="{5B75179A-1E2B-41AB-B400-4F1B4022FAEE}" type="datetime2">
               <a:rPr lang="en-US" smtClean="0"/>
-              <a:t>Monday, April 17, 2023</a:t>
+              <a:t>Tuesday, April 18, 2023</a:t>
             </a:fld>
             <a:endParaRPr lang="en-US"/>
           </a:p>
@@ -9209,7 +10221,7 @@
           <a:p>
             <a:fld id="{05681D0F-6595-4F14-8EF3-954CD87C797B}" type="datetime2">
               <a:rPr lang="en-US" smtClean="0"/>
-              <a:t>Monday, April 17, 2023</a:t>
+              <a:t>Tuesday, April 18, 2023</a:t>
             </a:fld>
             <a:endParaRPr lang="en-US"/>
           </a:p>
@@ -9411,7 +10423,7 @@
           <a:p>
             <a:fld id="{4DDCFF8A-AAF8-4A12-8A91-9CA0EAF6CBB9}" type="datetime2">
               <a:rPr lang="en-US" smtClean="0"/>
-              <a:t>Monday, April 17, 2023</a:t>
+              <a:t>Tuesday, April 18, 2023</a:t>
             </a:fld>
             <a:endParaRPr lang="en-US" dirty="0"/>
           </a:p>
@@ -9690,7 +10702,7 @@
           <a:p>
             <a:fld id="{ABCC25C3-021A-4B0B-8F70-0C181FE1CF45}" type="datetime2">
               <a:rPr lang="en-US" smtClean="0"/>
-              <a:t>Monday, April 17, 2023</a:t>
+              <a:t>Tuesday, April 18, 2023</a:t>
             </a:fld>
             <a:endParaRPr lang="en-US"/>
           </a:p>
@@ -9950,7 +10962,7 @@
           <a:p>
             <a:fld id="{0C23D88D-8CEC-4ED9-A53B-5596187D9A16}" type="datetime2">
               <a:rPr lang="en-US" smtClean="0"/>
-              <a:t>Monday, April 17, 2023</a:t>
+              <a:t>Tuesday, April 18, 2023</a:t>
             </a:fld>
             <a:endParaRPr lang="en-US"/>
           </a:p>
@@ -10366,7 +11378,7 @@
           <a:p>
             <a:fld id="{D2CCD382-DFDA-4722-A27A-59C21AD112F2}" type="datetime2">
               <a:rPr lang="en-US" smtClean="0"/>
-              <a:t>Monday, April 17, 2023</a:t>
+              <a:t>Tuesday, April 18, 2023</a:t>
             </a:fld>
             <a:endParaRPr lang="en-US"/>
           </a:p>
@@ -10511,7 +11523,7 @@
           <a:p>
             <a:fld id="{22F2A30D-1C09-413F-AAB1-38F366000715}" type="datetime2">
               <a:rPr lang="en-US" smtClean="0"/>
-              <a:t>Monday, April 17, 2023</a:t>
+              <a:t>Tuesday, April 18, 2023</a:t>
             </a:fld>
             <a:endParaRPr lang="en-US"/>
           </a:p>
@@ -10633,7 +11645,7 @@
           <a:p>
             <a:fld id="{6DB82B9C-D65E-4F64-95C3-B10F3B00F0D9}" type="datetime2">
               <a:rPr lang="en-US" smtClean="0"/>
-              <a:t>Monday, April 17, 2023</a:t>
+              <a:t>Tuesday, April 18, 2023</a:t>
             </a:fld>
             <a:endParaRPr lang="en-US"/>
           </a:p>
@@ -10956,7 +11968,7 @@
           <a:p>
             <a:fld id="{B7F5FDCC-6AAC-4A08-B9E0-3793AB5E64C3}" type="datetime2">
               <a:rPr lang="en-US" smtClean="0"/>
-              <a:t>Monday, April 17, 2023</a:t>
+              <a:t>Tuesday, April 18, 2023</a:t>
             </a:fld>
             <a:endParaRPr lang="en-US"/>
           </a:p>
@@ -11244,7 +12256,7 @@
           <a:p>
             <a:fld id="{349FE94D-439C-40F1-900E-BC07940E3988}" type="datetime2">
               <a:rPr lang="en-US" smtClean="0"/>
-              <a:t>Monday, April 17, 2023</a:t>
+              <a:t>Tuesday, April 18, 2023</a:t>
             </a:fld>
             <a:endParaRPr lang="en-US"/>
           </a:p>
@@ -11532,7 +12544,7 @@
           <a:p>
             <a:fld id="{8DEA2CF1-0EB2-4673-802D-3371233E4A77}" type="datetime2">
               <a:rPr lang="en-US" smtClean="0"/>
-              <a:t>Monday, April 17, 2023</a:t>
+              <a:t>Tuesday, April 18, 2023</a:t>
             </a:fld>
             <a:endParaRPr lang="en-US" dirty="0"/>
           </a:p>
@@ -12716,6 +13728,2007 @@
             <a:avLst/>
           </a:prstGeom>
           <a:solidFill>
+            <a:schemeClr val="accent2">
+              <a:lumMod val="20000"/>
+              <a:lumOff val="80000"/>
+            </a:schemeClr>
+          </a:solidFill>
+          <a:ln>
+            <a:solidFill>
+              <a:schemeClr val="bg2">
+                <a:lumMod val="90000"/>
+                <a:lumOff val="10000"/>
+              </a:schemeClr>
+            </a:solidFill>
+          </a:ln>
+          <a:effectLst>
+            <a:outerShdw blurRad="50800" dist="38100" algn="l" rotWithShape="0">
+              <a:prstClr val="black">
+                <a:alpha val="40000"/>
+              </a:prstClr>
+            </a:outerShdw>
+          </a:effectLst>
+        </p:spPr>
+        <p:style>
+          <a:lnRef idx="2">
+            <a:schemeClr val="accent1">
+              <a:shade val="50000"/>
+            </a:schemeClr>
+          </a:lnRef>
+          <a:fillRef idx="1">
+            <a:schemeClr val="accent1"/>
+          </a:fillRef>
+          <a:effectRef idx="0">
+            <a:schemeClr val="accent1"/>
+          </a:effectRef>
+          <a:fontRef idx="minor">
+            <a:schemeClr val="lt1"/>
+          </a:fontRef>
+        </p:style>
+        <p:txBody>
+          <a:bodyPr rtlCol="0" anchor="ctr"/>
+          <a:lstStyle/>
+          <a:p>
+            <a:pPr algn="ctr"/>
+            <a:r>
+              <a:rPr lang="en-TH" sz="1200" b="1" dirty="0">
+                <a:solidFill>
+                  <a:schemeClr val="tx1"/>
+                </a:solidFill>
+                <a:effectLst>
+                  <a:outerShdw blurRad="50800" dist="38100" dir="2700000" algn="tl" rotWithShape="0">
+                    <a:prstClr val="black">
+                      <a:alpha val="40000"/>
+                    </a:prstClr>
+                  </a:outerShdw>
+                </a:effectLst>
+              </a:rPr>
+              <a:t>SUMMARY</a:t>
+            </a:r>
+          </a:p>
+        </p:txBody>
+      </p:sp>
+      <p:sp>
+        <p:nvSpPr>
+          <p:cNvPr id="5" name="Pentagon 4">
+            <a:extLst>
+              <a:ext uri="{FF2B5EF4-FFF2-40B4-BE49-F238E27FC236}">
+                <a16:creationId xmlns:a16="http://schemas.microsoft.com/office/drawing/2014/main" id="{ACC6771C-B465-8628-5E26-0B2F0FA79866}"/>
+              </a:ext>
+            </a:extLst>
+          </p:cNvPr>
+          <p:cNvSpPr/>
+          <p:nvPr/>
+        </p:nvSpPr>
+        <p:spPr>
+          <a:xfrm>
+            <a:off x="5465427" y="0"/>
+            <a:ext cx="2088860" cy="553673"/>
+          </a:xfrm>
+          <a:prstGeom prst="homePlate">
+            <a:avLst/>
+          </a:prstGeom>
+          <a:solidFill>
+            <a:schemeClr val="bg2">
+              <a:lumMod val="90000"/>
+              <a:lumOff val="10000"/>
+            </a:schemeClr>
+          </a:solidFill>
+          <a:ln>
+            <a:solidFill>
+              <a:schemeClr val="bg2">
+                <a:lumMod val="90000"/>
+                <a:lumOff val="10000"/>
+              </a:schemeClr>
+            </a:solidFill>
+          </a:ln>
+          <a:effectLst>
+            <a:outerShdw blurRad="50800" dist="38100" algn="l" rotWithShape="0">
+              <a:prstClr val="black">
+                <a:alpha val="40000"/>
+              </a:prstClr>
+            </a:outerShdw>
+          </a:effectLst>
+        </p:spPr>
+        <p:style>
+          <a:lnRef idx="2">
+            <a:schemeClr val="accent1">
+              <a:shade val="50000"/>
+            </a:schemeClr>
+          </a:lnRef>
+          <a:fillRef idx="1">
+            <a:schemeClr val="accent1"/>
+          </a:fillRef>
+          <a:effectRef idx="0">
+            <a:schemeClr val="accent1"/>
+          </a:effectRef>
+          <a:fontRef idx="minor">
+            <a:schemeClr val="lt1"/>
+          </a:fontRef>
+        </p:style>
+        <p:txBody>
+          <a:bodyPr rtlCol="0" anchor="ctr"/>
+          <a:lstStyle/>
+          <a:p>
+            <a:pPr algn="ctr"/>
+            <a:r>
+              <a:rPr lang="en-TH" sz="1200" b="1" dirty="0">
+                <a:solidFill>
+                  <a:schemeClr val="tx1"/>
+                </a:solidFill>
+                <a:effectLst>
+                  <a:outerShdw blurRad="50800" dist="38100" dir="2700000" algn="tl" rotWithShape="0">
+                    <a:prstClr val="black">
+                      <a:alpha val="40000"/>
+                    </a:prstClr>
+                  </a:outerShdw>
+                </a:effectLst>
+              </a:rPr>
+              <a:t>EVALUATION</a:t>
+            </a:r>
+          </a:p>
+        </p:txBody>
+      </p:sp>
+      <p:sp>
+        <p:nvSpPr>
+          <p:cNvPr id="6" name="Pentagon 5">
+            <a:extLst>
+              <a:ext uri="{FF2B5EF4-FFF2-40B4-BE49-F238E27FC236}">
+                <a16:creationId xmlns:a16="http://schemas.microsoft.com/office/drawing/2014/main" id="{A3219F01-65BD-51C5-EEF8-D664BB4DA515}"/>
+              </a:ext>
+            </a:extLst>
+          </p:cNvPr>
+          <p:cNvSpPr/>
+          <p:nvPr/>
+        </p:nvSpPr>
+        <p:spPr>
+          <a:xfrm>
+            <a:off x="3643618" y="0"/>
+            <a:ext cx="2088860" cy="553673"/>
+          </a:xfrm>
+          <a:prstGeom prst="homePlate">
+            <a:avLst/>
+          </a:prstGeom>
+          <a:solidFill>
+            <a:schemeClr val="accent2">
+              <a:lumMod val="20000"/>
+              <a:lumOff val="80000"/>
+            </a:schemeClr>
+          </a:solidFill>
+          <a:ln>
+            <a:solidFill>
+              <a:schemeClr val="bg2">
+                <a:lumMod val="90000"/>
+                <a:lumOff val="10000"/>
+              </a:schemeClr>
+            </a:solidFill>
+          </a:ln>
+          <a:effectLst>
+            <a:outerShdw blurRad="50800" dist="38100" algn="l" rotWithShape="0">
+              <a:prstClr val="black">
+                <a:alpha val="40000"/>
+              </a:prstClr>
+            </a:outerShdw>
+          </a:effectLst>
+        </p:spPr>
+        <p:style>
+          <a:lnRef idx="2">
+            <a:schemeClr val="accent1">
+              <a:shade val="50000"/>
+            </a:schemeClr>
+          </a:lnRef>
+          <a:fillRef idx="1">
+            <a:schemeClr val="accent1"/>
+          </a:fillRef>
+          <a:effectRef idx="0">
+            <a:schemeClr val="accent1"/>
+          </a:effectRef>
+          <a:fontRef idx="minor">
+            <a:schemeClr val="lt1"/>
+          </a:fontRef>
+        </p:style>
+        <p:txBody>
+          <a:bodyPr rtlCol="0" anchor="ctr"/>
+          <a:lstStyle/>
+          <a:p>
+            <a:pPr algn="ctr"/>
+            <a:r>
+              <a:rPr lang="en-TH" sz="1200" b="1" dirty="0">
+                <a:solidFill>
+                  <a:schemeClr val="tx1"/>
+                </a:solidFill>
+                <a:effectLst>
+                  <a:outerShdw blurRad="50800" dist="38100" dir="2700000" algn="tl" rotWithShape="0">
+                    <a:prstClr val="black">
+                      <a:alpha val="40000"/>
+                    </a:prstClr>
+                  </a:outerShdw>
+                </a:effectLst>
+              </a:rPr>
+              <a:t>MODELING</a:t>
+            </a:r>
+          </a:p>
+        </p:txBody>
+      </p:sp>
+      <p:sp>
+        <p:nvSpPr>
+          <p:cNvPr id="7" name="Pentagon 6">
+            <a:extLst>
+              <a:ext uri="{FF2B5EF4-FFF2-40B4-BE49-F238E27FC236}">
+                <a16:creationId xmlns:a16="http://schemas.microsoft.com/office/drawing/2014/main" id="{2A98161C-A0F3-5486-7E6A-E777AD8F3816}"/>
+              </a:ext>
+            </a:extLst>
+          </p:cNvPr>
+          <p:cNvSpPr/>
+          <p:nvPr/>
+        </p:nvSpPr>
+        <p:spPr>
+          <a:xfrm>
+            <a:off x="1821809" y="0"/>
+            <a:ext cx="2088860" cy="553673"/>
+          </a:xfrm>
+          <a:prstGeom prst="homePlate">
+            <a:avLst/>
+          </a:prstGeom>
+          <a:solidFill>
+            <a:schemeClr val="accent2">
+              <a:lumMod val="20000"/>
+              <a:lumOff val="80000"/>
+            </a:schemeClr>
+          </a:solidFill>
+          <a:ln>
+            <a:solidFill>
+              <a:schemeClr val="bg2">
+                <a:lumMod val="90000"/>
+                <a:lumOff val="10000"/>
+              </a:schemeClr>
+            </a:solidFill>
+          </a:ln>
+          <a:effectLst>
+            <a:outerShdw blurRad="50800" dist="38100" algn="l" rotWithShape="0">
+              <a:prstClr val="black">
+                <a:alpha val="40000"/>
+              </a:prstClr>
+            </a:outerShdw>
+          </a:effectLst>
+        </p:spPr>
+        <p:style>
+          <a:lnRef idx="2">
+            <a:schemeClr val="accent1">
+              <a:shade val="50000"/>
+            </a:schemeClr>
+          </a:lnRef>
+          <a:fillRef idx="1">
+            <a:schemeClr val="accent1"/>
+          </a:fillRef>
+          <a:effectRef idx="0">
+            <a:schemeClr val="accent1"/>
+          </a:effectRef>
+          <a:fontRef idx="minor">
+            <a:schemeClr val="lt1"/>
+          </a:fontRef>
+        </p:style>
+        <p:txBody>
+          <a:bodyPr rtlCol="0" anchor="ctr"/>
+          <a:lstStyle/>
+          <a:p>
+            <a:pPr algn="ctr"/>
+            <a:r>
+              <a:rPr lang="en-TH" sz="1200" b="1" dirty="0">
+                <a:solidFill>
+                  <a:schemeClr val="tx1"/>
+                </a:solidFill>
+                <a:effectLst>
+                  <a:outerShdw blurRad="50800" dist="38100" dir="2700000" algn="tl" rotWithShape="0">
+                    <a:prstClr val="black">
+                      <a:alpha val="40000"/>
+                    </a:prstClr>
+                  </a:outerShdw>
+                </a:effectLst>
+              </a:rPr>
+              <a:t>DATA</a:t>
+            </a:r>
+          </a:p>
+          <a:p>
+            <a:pPr algn="ctr"/>
+            <a:r>
+              <a:rPr lang="en-TH" sz="1200" b="1" dirty="0">
+                <a:solidFill>
+                  <a:schemeClr val="tx1"/>
+                </a:solidFill>
+                <a:effectLst>
+                  <a:outerShdw blurRad="50800" dist="38100" dir="2700000" algn="tl" rotWithShape="0">
+                    <a:prstClr val="black">
+                      <a:alpha val="40000"/>
+                    </a:prstClr>
+                  </a:outerShdw>
+                </a:effectLst>
+              </a:rPr>
+              <a:t>PREPARATION</a:t>
+            </a:r>
+          </a:p>
+        </p:txBody>
+      </p:sp>
+      <p:sp>
+        <p:nvSpPr>
+          <p:cNvPr id="8" name="Pentagon 7">
+            <a:extLst>
+              <a:ext uri="{FF2B5EF4-FFF2-40B4-BE49-F238E27FC236}">
+                <a16:creationId xmlns:a16="http://schemas.microsoft.com/office/drawing/2014/main" id="{7C64D804-D8FA-65E1-EE29-0850EA011E3E}"/>
+              </a:ext>
+            </a:extLst>
+          </p:cNvPr>
+          <p:cNvSpPr/>
+          <p:nvPr/>
+        </p:nvSpPr>
+        <p:spPr>
+          <a:xfrm>
+            <a:off x="0" y="0"/>
+            <a:ext cx="2088860" cy="553673"/>
+          </a:xfrm>
+          <a:prstGeom prst="homePlate">
+            <a:avLst/>
+          </a:prstGeom>
+          <a:solidFill>
+            <a:schemeClr val="accent2">
+              <a:lumMod val="20000"/>
+              <a:lumOff val="80000"/>
+            </a:schemeClr>
+          </a:solidFill>
+          <a:ln>
+            <a:solidFill>
+              <a:schemeClr val="bg2">
+                <a:lumMod val="90000"/>
+                <a:lumOff val="10000"/>
+              </a:schemeClr>
+            </a:solidFill>
+          </a:ln>
+          <a:effectLst>
+            <a:outerShdw blurRad="50800" dist="38100" algn="l" rotWithShape="0">
+              <a:prstClr val="black">
+                <a:alpha val="40000"/>
+              </a:prstClr>
+            </a:outerShdw>
+          </a:effectLst>
+        </p:spPr>
+        <p:style>
+          <a:lnRef idx="2">
+            <a:schemeClr val="accent1">
+              <a:shade val="50000"/>
+            </a:schemeClr>
+          </a:lnRef>
+          <a:fillRef idx="1">
+            <a:schemeClr val="accent1"/>
+          </a:fillRef>
+          <a:effectRef idx="0">
+            <a:schemeClr val="accent1"/>
+          </a:effectRef>
+          <a:fontRef idx="minor">
+            <a:schemeClr val="lt1"/>
+          </a:fontRef>
+        </p:style>
+        <p:txBody>
+          <a:bodyPr rtlCol="0" anchor="ctr"/>
+          <a:lstStyle/>
+          <a:p>
+            <a:pPr algn="ctr"/>
+            <a:r>
+              <a:rPr lang="en-TH" sz="1200" b="1" dirty="0">
+                <a:effectLst>
+                  <a:outerShdw blurRad="50800" dist="38100" dir="2700000" algn="tl" rotWithShape="0">
+                    <a:prstClr val="black">
+                      <a:alpha val="40000"/>
+                    </a:prstClr>
+                  </a:outerShdw>
+                </a:effectLst>
+              </a:rPr>
+              <a:t>DATA</a:t>
+            </a:r>
+          </a:p>
+          <a:p>
+            <a:pPr algn="ctr"/>
+            <a:r>
+              <a:rPr lang="en-TH" sz="1200" b="1" dirty="0">
+                <a:effectLst>
+                  <a:outerShdw blurRad="50800" dist="38100" dir="2700000" algn="tl" rotWithShape="0">
+                    <a:prstClr val="black">
+                      <a:alpha val="40000"/>
+                    </a:prstClr>
+                  </a:outerShdw>
+                </a:effectLst>
+              </a:rPr>
+              <a:t>UNDERSTANDING</a:t>
+            </a:r>
+          </a:p>
+        </p:txBody>
+      </p:sp>
+      <p:sp>
+        <p:nvSpPr>
+          <p:cNvPr id="9" name="Rectangle 8">
+            <a:extLst>
+              <a:ext uri="{FF2B5EF4-FFF2-40B4-BE49-F238E27FC236}">
+                <a16:creationId xmlns:a16="http://schemas.microsoft.com/office/drawing/2014/main" id="{151387D2-65A8-F602-3903-DFEA91C646AE}"/>
+              </a:ext>
+            </a:extLst>
+          </p:cNvPr>
+          <p:cNvSpPr/>
+          <p:nvPr/>
+        </p:nvSpPr>
+        <p:spPr>
+          <a:xfrm>
+            <a:off x="0" y="6547104"/>
+            <a:ext cx="9144000" cy="310896"/>
+          </a:xfrm>
+          <a:prstGeom prst="rect">
+            <a:avLst/>
+          </a:prstGeom>
+          <a:solidFill>
+            <a:schemeClr val="bg2">
+              <a:lumMod val="75000"/>
+              <a:lumOff val="25000"/>
+            </a:schemeClr>
+          </a:solidFill>
+          <a:ln>
+            <a:noFill/>
+          </a:ln>
+        </p:spPr>
+        <p:style>
+          <a:lnRef idx="2">
+            <a:schemeClr val="accent1">
+              <a:shade val="50000"/>
+            </a:schemeClr>
+          </a:lnRef>
+          <a:fillRef idx="1">
+            <a:schemeClr val="accent1"/>
+          </a:fillRef>
+          <a:effectRef idx="0">
+            <a:schemeClr val="accent1"/>
+          </a:effectRef>
+          <a:fontRef idx="minor">
+            <a:schemeClr val="lt1"/>
+          </a:fontRef>
+        </p:style>
+        <p:txBody>
+          <a:bodyPr rtlCol="0" anchor="ctr"/>
+          <a:lstStyle/>
+          <a:p>
+            <a:pPr algn="r"/>
+            <a:r>
+              <a:rPr lang="en-TH" sz="1000" dirty="0">
+                <a:solidFill>
+                  <a:schemeClr val="bg2">
+                    <a:lumMod val="50000"/>
+                    <a:lumOff val="50000"/>
+                  </a:schemeClr>
+                </a:solidFill>
+                <a:latin typeface="+mj-lt"/>
+              </a:rPr>
+              <a:t>Stevens Institute of Technology</a:t>
+            </a:r>
+          </a:p>
+        </p:txBody>
+      </p:sp>
+      <p:sp>
+        <p:nvSpPr>
+          <p:cNvPr id="2" name="TextBox 1">
+            <a:extLst>
+              <a:ext uri="{FF2B5EF4-FFF2-40B4-BE49-F238E27FC236}">
+                <a16:creationId xmlns:a16="http://schemas.microsoft.com/office/drawing/2014/main" id="{9FC3AFAC-C6A2-AC04-7D03-3D6913306D1E}"/>
+              </a:ext>
+            </a:extLst>
+          </p:cNvPr>
+          <p:cNvSpPr txBox="1"/>
+          <p:nvPr/>
+        </p:nvSpPr>
+        <p:spPr>
+          <a:xfrm>
+            <a:off x="283464" y="804672"/>
+            <a:ext cx="8577072" cy="461665"/>
+          </a:xfrm>
+          <a:prstGeom prst="rect">
+            <a:avLst/>
+          </a:prstGeom>
+          <a:noFill/>
+        </p:spPr>
+        <p:txBody>
+          <a:bodyPr wrap="square" rtlCol="0">
+            <a:spAutoFit/>
+          </a:bodyPr>
+          <a:lstStyle/>
+          <a:p>
+            <a:pPr marL="342900" indent="-342900">
+              <a:buFont typeface="Wingdings" pitchFamily="2" charset="2"/>
+              <a:buChar char="v"/>
+            </a:pPr>
+            <a:r>
+              <a:rPr lang="en-US" sz="2400" b="1" dirty="0">
+                <a:solidFill>
+                  <a:schemeClr val="accent3">
+                    <a:lumMod val="20000"/>
+                    <a:lumOff val="80000"/>
+                  </a:schemeClr>
+                </a:solidFill>
+                <a:effectLst>
+                  <a:outerShdw blurRad="50800" dist="38100" dir="2700000" algn="tl" rotWithShape="0">
+                    <a:prstClr val="black">
+                      <a:alpha val="40000"/>
+                    </a:prstClr>
+                  </a:outerShdw>
+                </a:effectLst>
+              </a:rPr>
+              <a:t>Performance result</a:t>
+            </a:r>
+            <a:endParaRPr lang="en-TH" sz="2400" b="1" dirty="0">
+              <a:solidFill>
+                <a:schemeClr val="accent3">
+                  <a:lumMod val="20000"/>
+                  <a:lumOff val="80000"/>
+                </a:schemeClr>
+              </a:solidFill>
+              <a:effectLst>
+                <a:outerShdw blurRad="50800" dist="38100" dir="2700000" algn="tl" rotWithShape="0">
+                  <a:prstClr val="black">
+                    <a:alpha val="40000"/>
+                  </a:prstClr>
+                </a:outerShdw>
+              </a:effectLst>
+            </a:endParaRPr>
+          </a:p>
+        </p:txBody>
+      </p:sp>
+      <p:graphicFrame>
+        <p:nvGraphicFramePr>
+          <p:cNvPr id="12" name="Table 12">
+            <a:extLst>
+              <a:ext uri="{FF2B5EF4-FFF2-40B4-BE49-F238E27FC236}">
+                <a16:creationId xmlns:a16="http://schemas.microsoft.com/office/drawing/2014/main" id="{DEC1A18F-A84A-D620-43AA-45877F22E564}"/>
+              </a:ext>
+            </a:extLst>
+          </p:cNvPr>
+          <p:cNvGraphicFramePr>
+            <a:graphicFrameLocks noGrp="1"/>
+          </p:cNvGraphicFramePr>
+          <p:nvPr>
+            <p:extLst>
+              <p:ext uri="{D42A27DB-BD31-4B8C-83A1-F6EECF244321}">
+                <p14:modId xmlns:p14="http://schemas.microsoft.com/office/powerpoint/2010/main" val="3034246365"/>
+              </p:ext>
+            </p:extLst>
+          </p:nvPr>
+        </p:nvGraphicFramePr>
+        <p:xfrm>
+          <a:off x="283464" y="2120900"/>
+          <a:ext cx="8577071" cy="4191000"/>
+        </p:xfrm>
+        <a:graphic>
+          <a:graphicData uri="http://schemas.openxmlformats.org/drawingml/2006/table">
+            <a:tbl>
+              <a:tblPr firstRow="1" bandRow="1">
+                <a:tableStyleId>{5C22544A-7EE6-4342-B048-85BDC9FD1C3A}</a:tableStyleId>
+              </a:tblPr>
+              <a:tblGrid>
+                <a:gridCol w="465310">
+                  <a:extLst>
+                    <a:ext uri="{9D8B030D-6E8A-4147-A177-3AD203B41FA5}">
+                      <a16:colId xmlns:a16="http://schemas.microsoft.com/office/drawing/2014/main" val="2700120823"/>
+                    </a:ext>
+                  </a:extLst>
+                </a:gridCol>
+                <a:gridCol w="3532785">
+                  <a:extLst>
+                    <a:ext uri="{9D8B030D-6E8A-4147-A177-3AD203B41FA5}">
+                      <a16:colId xmlns:a16="http://schemas.microsoft.com/office/drawing/2014/main" val="391520071"/>
+                    </a:ext>
+                  </a:extLst>
+                </a:gridCol>
+                <a:gridCol w="937764">
+                  <a:extLst>
+                    <a:ext uri="{9D8B030D-6E8A-4147-A177-3AD203B41FA5}">
+                      <a16:colId xmlns:a16="http://schemas.microsoft.com/office/drawing/2014/main" val="4293409865"/>
+                    </a:ext>
+                  </a:extLst>
+                </a:gridCol>
+                <a:gridCol w="993088">
+                  <a:extLst>
+                    <a:ext uri="{9D8B030D-6E8A-4147-A177-3AD203B41FA5}">
+                      <a16:colId xmlns:a16="http://schemas.microsoft.com/office/drawing/2014/main" val="3988491133"/>
+                    </a:ext>
+                  </a:extLst>
+                </a:gridCol>
+                <a:gridCol w="940661">
+                  <a:extLst>
+                    <a:ext uri="{9D8B030D-6E8A-4147-A177-3AD203B41FA5}">
+                      <a16:colId xmlns:a16="http://schemas.microsoft.com/office/drawing/2014/main" val="815770014"/>
+                    </a:ext>
+                  </a:extLst>
+                </a:gridCol>
+                <a:gridCol w="788770">
+                  <a:extLst>
+                    <a:ext uri="{9D8B030D-6E8A-4147-A177-3AD203B41FA5}">
+                      <a16:colId xmlns:a16="http://schemas.microsoft.com/office/drawing/2014/main" val="3993907727"/>
+                    </a:ext>
+                  </a:extLst>
+                </a:gridCol>
+                <a:gridCol w="918693">
+                  <a:extLst>
+                    <a:ext uri="{9D8B030D-6E8A-4147-A177-3AD203B41FA5}">
+                      <a16:colId xmlns:a16="http://schemas.microsoft.com/office/drawing/2014/main" val="1241063108"/>
+                    </a:ext>
+                  </a:extLst>
+                </a:gridCol>
+              </a:tblGrid>
+              <a:tr h="419100">
+                <a:tc>
+                  <a:txBody>
+                    <a:bodyPr/>
+                    <a:lstStyle/>
+                    <a:p>
+                      <a:pPr algn="ctr"/>
+                      <a:r>
+                        <a:rPr lang="en-TH" sz="1200" dirty="0"/>
+                        <a:t>No</a:t>
+                      </a:r>
+                    </a:p>
+                  </a:txBody>
+                  <a:tcPr anchor="ctr"/>
+                </a:tc>
+                <a:tc>
+                  <a:txBody>
+                    <a:bodyPr/>
+                    <a:lstStyle/>
+                    <a:p>
+                      <a:pPr algn="ctr"/>
+                      <a:r>
+                        <a:rPr lang="en-TH" sz="1200" dirty="0"/>
+                        <a:t>Models</a:t>
+                      </a:r>
+                    </a:p>
+                  </a:txBody>
+                  <a:tcPr anchor="ctr"/>
+                </a:tc>
+                <a:tc>
+                  <a:txBody>
+                    <a:bodyPr/>
+                    <a:lstStyle/>
+                    <a:p>
+                      <a:pPr algn="ctr"/>
+                      <a:r>
+                        <a:rPr lang="en-TH" sz="1200" dirty="0"/>
+                        <a:t>Accuracy</a:t>
+                      </a:r>
+                    </a:p>
+                  </a:txBody>
+                  <a:tcPr anchor="ctr"/>
+                </a:tc>
+                <a:tc>
+                  <a:txBody>
+                    <a:bodyPr/>
+                    <a:lstStyle/>
+                    <a:p>
+                      <a:pPr algn="ctr"/>
+                      <a:r>
+                        <a:rPr lang="en-TH" sz="1200" dirty="0"/>
+                        <a:t>AUC-ROC</a:t>
+                      </a:r>
+                    </a:p>
+                  </a:txBody>
+                  <a:tcPr anchor="ctr"/>
+                </a:tc>
+                <a:tc>
+                  <a:txBody>
+                    <a:bodyPr/>
+                    <a:lstStyle/>
+                    <a:p>
+                      <a:pPr algn="ctr"/>
+                      <a:r>
+                        <a:rPr lang="en-TH" sz="1200" dirty="0"/>
+                        <a:t>Precision</a:t>
+                      </a:r>
+                    </a:p>
+                  </a:txBody>
+                  <a:tcPr anchor="ctr"/>
+                </a:tc>
+                <a:tc>
+                  <a:txBody>
+                    <a:bodyPr/>
+                    <a:lstStyle/>
+                    <a:p>
+                      <a:pPr algn="ctr"/>
+                      <a:r>
+                        <a:rPr lang="en-TH" sz="1200" dirty="0"/>
+                        <a:t>Recall</a:t>
+                      </a:r>
+                    </a:p>
+                  </a:txBody>
+                  <a:tcPr anchor="ctr"/>
+                </a:tc>
+                <a:tc>
+                  <a:txBody>
+                    <a:bodyPr/>
+                    <a:lstStyle/>
+                    <a:p>
+                      <a:pPr algn="ctr"/>
+                      <a:r>
+                        <a:rPr lang="en-TH" sz="1200" dirty="0"/>
+                        <a:t>F1-Score</a:t>
+                      </a:r>
+                    </a:p>
+                  </a:txBody>
+                  <a:tcPr anchor="ctr"/>
+                </a:tc>
+                <a:extLst>
+                  <a:ext uri="{0D108BD9-81ED-4DB2-BD59-A6C34878D82A}">
+                    <a16:rowId xmlns:a16="http://schemas.microsoft.com/office/drawing/2014/main" val="2275377976"/>
+                  </a:ext>
+                </a:extLst>
+              </a:tr>
+              <a:tr h="419100">
+                <a:tc>
+                  <a:txBody>
+                    <a:bodyPr/>
+                    <a:lstStyle/>
+                    <a:p>
+                      <a:pPr algn="ctr"/>
+                      <a:r>
+                        <a:rPr lang="en-TH" sz="1200" dirty="0"/>
+                        <a:t>1</a:t>
+                      </a:r>
+                    </a:p>
+                  </a:txBody>
+                  <a:tcPr anchor="ctr"/>
+                </a:tc>
+                <a:tc>
+                  <a:txBody>
+                    <a:bodyPr/>
+                    <a:lstStyle/>
+                    <a:p>
+                      <a:pPr algn="l"/>
+                      <a:r>
+                        <a:rPr lang="en-TH" sz="1200" b="1" dirty="0"/>
+                        <a:t>Support Vector Machine with Grid Search CV</a:t>
+                      </a:r>
+                    </a:p>
+                  </a:txBody>
+                  <a:tcPr anchor="ctr"/>
+                </a:tc>
+                <a:tc>
+                  <a:txBody>
+                    <a:bodyPr/>
+                    <a:lstStyle/>
+                    <a:p>
+                      <a:pPr algn="ctr"/>
+                      <a:r>
+                        <a:rPr lang="en-TH" sz="1200" dirty="0"/>
+                        <a:t>79.56%</a:t>
+                      </a:r>
+                    </a:p>
+                  </a:txBody>
+                  <a:tcPr anchor="ctr"/>
+                </a:tc>
+                <a:tc>
+                  <a:txBody>
+                    <a:bodyPr/>
+                    <a:lstStyle/>
+                    <a:p>
+                      <a:pPr algn="ctr"/>
+                      <a:r>
+                        <a:rPr lang="en-TH" sz="1200" dirty="0"/>
+                        <a:t>70.00%</a:t>
+                      </a:r>
+                    </a:p>
+                  </a:txBody>
+                  <a:tcPr anchor="ctr"/>
+                </a:tc>
+                <a:tc>
+                  <a:txBody>
+                    <a:bodyPr/>
+                    <a:lstStyle/>
+                    <a:p>
+                      <a:pPr algn="ctr"/>
+                      <a:r>
+                        <a:rPr lang="en-TH" sz="1200" b="1" dirty="0"/>
+                        <a:t>63.89%</a:t>
+                      </a:r>
+                    </a:p>
+                  </a:txBody>
+                  <a:tcPr anchor="ctr"/>
+                </a:tc>
+                <a:tc>
+                  <a:txBody>
+                    <a:bodyPr/>
+                    <a:lstStyle/>
+                    <a:p>
+                      <a:pPr algn="ctr"/>
+                      <a:r>
+                        <a:rPr lang="en-TH" sz="1200" dirty="0"/>
+                        <a:t>50.00%</a:t>
+                      </a:r>
+                    </a:p>
+                  </a:txBody>
+                  <a:tcPr anchor="ctr"/>
+                </a:tc>
+                <a:tc>
+                  <a:txBody>
+                    <a:bodyPr/>
+                    <a:lstStyle/>
+                    <a:p>
+                      <a:pPr algn="ctr"/>
+                      <a:r>
+                        <a:rPr lang="en-TH" sz="1200" dirty="0"/>
+                        <a:t>56.10%</a:t>
+                      </a:r>
+                    </a:p>
+                  </a:txBody>
+                  <a:tcPr anchor="ctr"/>
+                </a:tc>
+                <a:extLst>
+                  <a:ext uri="{0D108BD9-81ED-4DB2-BD59-A6C34878D82A}">
+                    <a16:rowId xmlns:a16="http://schemas.microsoft.com/office/drawing/2014/main" val="116704284"/>
+                  </a:ext>
+                </a:extLst>
+              </a:tr>
+              <a:tr h="419100">
+                <a:tc>
+                  <a:txBody>
+                    <a:bodyPr/>
+                    <a:lstStyle/>
+                    <a:p>
+                      <a:pPr algn="ctr"/>
+                      <a:r>
+                        <a:rPr lang="en-TH" sz="1200" dirty="0"/>
+                        <a:t>2</a:t>
+                      </a:r>
+                    </a:p>
+                  </a:txBody>
+                  <a:tcPr anchor="ctr"/>
+                </a:tc>
+                <a:tc>
+                  <a:txBody>
+                    <a:bodyPr/>
+                    <a:lstStyle/>
+                    <a:p>
+                      <a:pPr algn="l"/>
+                      <a:r>
+                        <a:rPr lang="en-TH" sz="1200" dirty="0"/>
+                        <a:t>Bagging along with Random Forest</a:t>
+                      </a:r>
+                    </a:p>
+                  </a:txBody>
+                  <a:tcPr anchor="ctr"/>
+                </a:tc>
+                <a:tc>
+                  <a:txBody>
+                    <a:bodyPr/>
+                    <a:lstStyle/>
+                    <a:p>
+                      <a:pPr algn="ctr"/>
+                      <a:r>
+                        <a:rPr lang="en-TH" sz="1200" dirty="0"/>
+                        <a:t>79.56%</a:t>
+                      </a:r>
+                    </a:p>
+                  </a:txBody>
+                  <a:tcPr anchor="ctr"/>
+                </a:tc>
+                <a:tc>
+                  <a:txBody>
+                    <a:bodyPr/>
+                    <a:lstStyle/>
+                    <a:p>
+                      <a:pPr algn="ctr"/>
+                      <a:r>
+                        <a:rPr lang="en-TH" sz="1200" dirty="0"/>
+                        <a:t>70.27%</a:t>
+                      </a:r>
+                    </a:p>
+                  </a:txBody>
+                  <a:tcPr anchor="ctr"/>
+                </a:tc>
+                <a:tc>
+                  <a:txBody>
+                    <a:bodyPr/>
+                    <a:lstStyle/>
+                    <a:p>
+                      <a:pPr algn="ctr"/>
+                      <a:r>
+                        <a:rPr lang="en-TH" sz="1200" dirty="0"/>
+                        <a:t>63.60%</a:t>
+                      </a:r>
+                    </a:p>
+                  </a:txBody>
+                  <a:tcPr anchor="ctr"/>
+                </a:tc>
+                <a:tc>
+                  <a:txBody>
+                    <a:bodyPr/>
+                    <a:lstStyle/>
+                    <a:p>
+                      <a:pPr algn="ctr"/>
+                      <a:r>
+                        <a:rPr lang="en-TH" sz="1200" dirty="0"/>
+                        <a:t>50.82%</a:t>
+                      </a:r>
+                    </a:p>
+                  </a:txBody>
+                  <a:tcPr anchor="ctr"/>
+                </a:tc>
+                <a:tc>
+                  <a:txBody>
+                    <a:bodyPr/>
+                    <a:lstStyle/>
+                    <a:p>
+                      <a:pPr algn="ctr"/>
+                      <a:r>
+                        <a:rPr lang="en-TH" sz="1200" dirty="0"/>
+                        <a:t>56.50%</a:t>
+                      </a:r>
+                    </a:p>
+                  </a:txBody>
+                  <a:tcPr anchor="ctr"/>
+                </a:tc>
+                <a:extLst>
+                  <a:ext uri="{0D108BD9-81ED-4DB2-BD59-A6C34878D82A}">
+                    <a16:rowId xmlns:a16="http://schemas.microsoft.com/office/drawing/2014/main" val="589971013"/>
+                  </a:ext>
+                </a:extLst>
+              </a:tr>
+              <a:tr h="419100">
+                <a:tc>
+                  <a:txBody>
+                    <a:bodyPr/>
+                    <a:lstStyle/>
+                    <a:p>
+                      <a:pPr algn="ctr"/>
+                      <a:r>
+                        <a:rPr lang="en-TH" sz="1200" dirty="0"/>
+                        <a:t>3</a:t>
+                      </a:r>
+                    </a:p>
+                  </a:txBody>
+                  <a:tcPr anchor="ctr"/>
+                </a:tc>
+                <a:tc>
+                  <a:txBody>
+                    <a:bodyPr/>
+                    <a:lstStyle/>
+                    <a:p>
+                      <a:pPr algn="l"/>
+                      <a:r>
+                        <a:rPr lang="en-TH" sz="1200" dirty="0"/>
+                        <a:t>Logistic Regression with Grid Search CV</a:t>
+                      </a:r>
+                    </a:p>
+                  </a:txBody>
+                  <a:tcPr anchor="ctr"/>
+                </a:tc>
+                <a:tc>
+                  <a:txBody>
+                    <a:bodyPr/>
+                    <a:lstStyle/>
+                    <a:p>
+                      <a:pPr algn="ctr"/>
+                      <a:r>
+                        <a:rPr lang="en-TH" sz="1200" dirty="0"/>
+                        <a:t>79.77%</a:t>
+                      </a:r>
+                    </a:p>
+                  </a:txBody>
+                  <a:tcPr anchor="ctr"/>
+                </a:tc>
+                <a:tc>
+                  <a:txBody>
+                    <a:bodyPr/>
+                    <a:lstStyle/>
+                    <a:p>
+                      <a:pPr algn="ctr"/>
+                      <a:r>
+                        <a:rPr lang="en-TH" sz="1200" dirty="0"/>
+                        <a:t>71.47%</a:t>
+                      </a:r>
+                    </a:p>
+                  </a:txBody>
+                  <a:tcPr anchor="ctr"/>
+                </a:tc>
+                <a:tc>
+                  <a:txBody>
+                    <a:bodyPr/>
+                    <a:lstStyle/>
+                    <a:p>
+                      <a:pPr algn="ctr"/>
+                      <a:r>
+                        <a:rPr lang="en-TH" sz="1200" dirty="0"/>
+                        <a:t>63.17%</a:t>
+                      </a:r>
+                    </a:p>
+                  </a:txBody>
+                  <a:tcPr anchor="ctr"/>
+                </a:tc>
+                <a:tc>
+                  <a:txBody>
+                    <a:bodyPr/>
+                    <a:lstStyle/>
+                    <a:p>
+                      <a:pPr algn="ctr"/>
+                      <a:r>
+                        <a:rPr lang="en-TH" sz="1200" dirty="0"/>
+                        <a:t>54.08%</a:t>
+                      </a:r>
+                    </a:p>
+                  </a:txBody>
+                  <a:tcPr anchor="ctr"/>
+                </a:tc>
+                <a:tc>
+                  <a:txBody>
+                    <a:bodyPr/>
+                    <a:lstStyle/>
+                    <a:p>
+                      <a:pPr algn="ctr"/>
+                      <a:r>
+                        <a:rPr lang="en-TH" sz="1200" dirty="0"/>
+                        <a:t>58.27%</a:t>
+                      </a:r>
+                    </a:p>
+                  </a:txBody>
+                  <a:tcPr anchor="ctr"/>
+                </a:tc>
+                <a:extLst>
+                  <a:ext uri="{0D108BD9-81ED-4DB2-BD59-A6C34878D82A}">
+                    <a16:rowId xmlns:a16="http://schemas.microsoft.com/office/drawing/2014/main" val="2321958097"/>
+                  </a:ext>
+                </a:extLst>
+              </a:tr>
+              <a:tr h="419100">
+                <a:tc>
+                  <a:txBody>
+                    <a:bodyPr/>
+                    <a:lstStyle/>
+                    <a:p>
+                      <a:pPr algn="ctr"/>
+                      <a:r>
+                        <a:rPr lang="en-TH" sz="1200" dirty="0"/>
+                        <a:t>4</a:t>
+                      </a:r>
+                    </a:p>
+                  </a:txBody>
+                  <a:tcPr anchor="ctr"/>
+                </a:tc>
+                <a:tc>
+                  <a:txBody>
+                    <a:bodyPr/>
+                    <a:lstStyle/>
+                    <a:p>
+                      <a:pPr algn="l"/>
+                      <a:r>
+                        <a:rPr lang="en-TH" sz="1200" dirty="0"/>
+                        <a:t>Random Forest with Randomized Search CV</a:t>
+                      </a:r>
+                    </a:p>
+                  </a:txBody>
+                  <a:tcPr anchor="ctr"/>
+                </a:tc>
+                <a:tc>
+                  <a:txBody>
+                    <a:bodyPr/>
+                    <a:lstStyle/>
+                    <a:p>
+                      <a:pPr algn="ctr"/>
+                      <a:r>
+                        <a:rPr lang="en-TH" sz="1200" dirty="0"/>
+                        <a:t>79.28%</a:t>
+                      </a:r>
+                    </a:p>
+                  </a:txBody>
+                  <a:tcPr anchor="ctr"/>
+                </a:tc>
+                <a:tc>
+                  <a:txBody>
+                    <a:bodyPr/>
+                    <a:lstStyle/>
+                    <a:p>
+                      <a:pPr algn="ctr"/>
+                      <a:r>
+                        <a:rPr lang="en-TH" sz="1200" dirty="0"/>
+                        <a:t>70.25%</a:t>
+                      </a:r>
+                    </a:p>
+                  </a:txBody>
+                  <a:tcPr anchor="ctr"/>
+                </a:tc>
+                <a:tc>
+                  <a:txBody>
+                    <a:bodyPr/>
+                    <a:lstStyle/>
+                    <a:p>
+                      <a:pPr algn="ctr"/>
+                      <a:r>
+                        <a:rPr lang="en-TH" sz="1200" dirty="0"/>
+                        <a:t>62.58%</a:t>
+                      </a:r>
+                    </a:p>
+                  </a:txBody>
+                  <a:tcPr anchor="ctr"/>
+                </a:tc>
+                <a:tc>
+                  <a:txBody>
+                    <a:bodyPr/>
+                    <a:lstStyle/>
+                    <a:p>
+                      <a:pPr algn="ctr"/>
+                      <a:r>
+                        <a:rPr lang="en-TH" sz="1200" dirty="0"/>
+                        <a:t>51.36%</a:t>
+                      </a:r>
+                    </a:p>
+                  </a:txBody>
+                  <a:tcPr anchor="ctr"/>
+                </a:tc>
+                <a:tc>
+                  <a:txBody>
+                    <a:bodyPr/>
+                    <a:lstStyle/>
+                    <a:p>
+                      <a:pPr algn="ctr"/>
+                      <a:r>
+                        <a:rPr lang="en-TH" sz="1200" dirty="0"/>
+                        <a:t>56.42%</a:t>
+                      </a:r>
+                    </a:p>
+                  </a:txBody>
+                  <a:tcPr anchor="ctr"/>
+                </a:tc>
+                <a:extLst>
+                  <a:ext uri="{0D108BD9-81ED-4DB2-BD59-A6C34878D82A}">
+                    <a16:rowId xmlns:a16="http://schemas.microsoft.com/office/drawing/2014/main" val="978046834"/>
+                  </a:ext>
+                </a:extLst>
+              </a:tr>
+              <a:tr h="419100">
+                <a:tc>
+                  <a:txBody>
+                    <a:bodyPr/>
+                    <a:lstStyle/>
+                    <a:p>
+                      <a:pPr algn="ctr"/>
+                      <a:r>
+                        <a:rPr lang="en-TH" sz="1200" dirty="0"/>
+                        <a:t>5</a:t>
+                      </a:r>
+                    </a:p>
+                  </a:txBody>
+                  <a:tcPr anchor="ctr"/>
+                </a:tc>
+                <a:tc>
+                  <a:txBody>
+                    <a:bodyPr/>
+                    <a:lstStyle/>
+                    <a:p>
+                      <a:pPr algn="l"/>
+                      <a:r>
+                        <a:rPr lang="en-TH" sz="1200" dirty="0"/>
+                        <a:t>AdaBoost Classifier</a:t>
+                      </a:r>
+                    </a:p>
+                  </a:txBody>
+                  <a:tcPr anchor="ctr"/>
+                </a:tc>
+                <a:tc>
+                  <a:txBody>
+                    <a:bodyPr/>
+                    <a:lstStyle/>
+                    <a:p>
+                      <a:pPr algn="ctr"/>
+                      <a:r>
+                        <a:rPr lang="en-TH" sz="1200" dirty="0"/>
+                        <a:t>79.28%</a:t>
+                      </a:r>
+                    </a:p>
+                  </a:txBody>
+                  <a:tcPr anchor="ctr"/>
+                </a:tc>
+                <a:tc>
+                  <a:txBody>
+                    <a:bodyPr/>
+                    <a:lstStyle/>
+                    <a:p>
+                      <a:pPr algn="ctr"/>
+                      <a:r>
+                        <a:rPr lang="en-TH" sz="1200" dirty="0"/>
+                        <a:t>71.04%</a:t>
+                      </a:r>
+                    </a:p>
+                  </a:txBody>
+                  <a:tcPr anchor="ctr"/>
+                </a:tc>
+                <a:tc>
+                  <a:txBody>
+                    <a:bodyPr/>
+                    <a:lstStyle/>
+                    <a:p>
+                      <a:pPr algn="ctr"/>
+                      <a:r>
+                        <a:rPr lang="en-TH" sz="1200" dirty="0"/>
+                        <a:t>61.88%</a:t>
+                      </a:r>
+                    </a:p>
+                  </a:txBody>
+                  <a:tcPr anchor="ctr"/>
+                </a:tc>
+                <a:tc>
+                  <a:txBody>
+                    <a:bodyPr/>
+                    <a:lstStyle/>
+                    <a:p>
+                      <a:pPr algn="ctr"/>
+                      <a:r>
+                        <a:rPr lang="en-TH" sz="1200" dirty="0"/>
+                        <a:t>53.80%</a:t>
+                      </a:r>
+                    </a:p>
+                  </a:txBody>
+                  <a:tcPr anchor="ctr"/>
+                </a:tc>
+                <a:tc>
+                  <a:txBody>
+                    <a:bodyPr/>
+                    <a:lstStyle/>
+                    <a:p>
+                      <a:pPr algn="ctr"/>
+                      <a:r>
+                        <a:rPr lang="en-TH" sz="1200" dirty="0"/>
+                        <a:t>57.56%</a:t>
+                      </a:r>
+                    </a:p>
+                  </a:txBody>
+                  <a:tcPr anchor="ctr"/>
+                </a:tc>
+                <a:extLst>
+                  <a:ext uri="{0D108BD9-81ED-4DB2-BD59-A6C34878D82A}">
+                    <a16:rowId xmlns:a16="http://schemas.microsoft.com/office/drawing/2014/main" val="2859961504"/>
+                  </a:ext>
+                </a:extLst>
+              </a:tr>
+              <a:tr h="419100">
+                <a:tc>
+                  <a:txBody>
+                    <a:bodyPr/>
+                    <a:lstStyle/>
+                    <a:p>
+                      <a:pPr algn="ctr"/>
+                      <a:r>
+                        <a:rPr lang="en-TH" sz="1200" dirty="0"/>
+                        <a:t>6</a:t>
+                      </a:r>
+                    </a:p>
+                  </a:txBody>
+                  <a:tcPr anchor="ctr"/>
+                </a:tc>
+                <a:tc>
+                  <a:txBody>
+                    <a:bodyPr/>
+                    <a:lstStyle/>
+                    <a:p>
+                      <a:pPr algn="l"/>
+                      <a:r>
+                        <a:rPr lang="en-TH" sz="1200" dirty="0"/>
+                        <a:t>K-Nearest Neighbor with Grid Search CV</a:t>
+                      </a:r>
+                    </a:p>
+                  </a:txBody>
+                  <a:tcPr anchor="ctr"/>
+                </a:tc>
+                <a:tc>
+                  <a:txBody>
+                    <a:bodyPr/>
+                    <a:lstStyle/>
+                    <a:p>
+                      <a:pPr algn="ctr"/>
+                      <a:r>
+                        <a:rPr lang="en-TH" sz="1200" dirty="0"/>
+                        <a:t>79.56%</a:t>
+                      </a:r>
+                    </a:p>
+                  </a:txBody>
+                  <a:tcPr anchor="ctr"/>
+                </a:tc>
+                <a:tc>
+                  <a:txBody>
+                    <a:bodyPr/>
+                    <a:lstStyle/>
+                    <a:p>
+                      <a:pPr algn="ctr"/>
+                      <a:r>
+                        <a:rPr lang="en-TH" sz="1200" dirty="0"/>
+                        <a:t>72.20%</a:t>
+                      </a:r>
+                    </a:p>
+                  </a:txBody>
+                  <a:tcPr anchor="ctr"/>
+                </a:tc>
+                <a:tc>
+                  <a:txBody>
+                    <a:bodyPr/>
+                    <a:lstStyle/>
+                    <a:p>
+                      <a:pPr algn="ctr"/>
+                      <a:r>
+                        <a:rPr lang="en-TH" sz="1200" dirty="0"/>
+                        <a:t>61.83%</a:t>
+                      </a:r>
+                    </a:p>
+                  </a:txBody>
+                  <a:tcPr anchor="ctr"/>
+                </a:tc>
+                <a:tc>
+                  <a:txBody>
+                    <a:bodyPr/>
+                    <a:lstStyle/>
+                    <a:p>
+                      <a:pPr algn="ctr"/>
+                      <a:r>
+                        <a:rPr lang="en-TH" sz="1200" dirty="0"/>
+                        <a:t>56.80%</a:t>
+                      </a:r>
+                    </a:p>
+                  </a:txBody>
+                  <a:tcPr anchor="ctr"/>
+                </a:tc>
+                <a:tc>
+                  <a:txBody>
+                    <a:bodyPr/>
+                    <a:lstStyle/>
+                    <a:p>
+                      <a:pPr algn="ctr"/>
+                      <a:r>
+                        <a:rPr lang="en-TH" sz="1200" dirty="0"/>
+                        <a:t>59.21%</a:t>
+                      </a:r>
+                    </a:p>
+                  </a:txBody>
+                  <a:tcPr anchor="ctr"/>
+                </a:tc>
+                <a:extLst>
+                  <a:ext uri="{0D108BD9-81ED-4DB2-BD59-A6C34878D82A}">
+                    <a16:rowId xmlns:a16="http://schemas.microsoft.com/office/drawing/2014/main" val="322037686"/>
+                  </a:ext>
+                </a:extLst>
+              </a:tr>
+              <a:tr h="419100">
+                <a:tc>
+                  <a:txBody>
+                    <a:bodyPr/>
+                    <a:lstStyle/>
+                    <a:p>
+                      <a:pPr algn="ctr"/>
+                      <a:r>
+                        <a:rPr lang="en-TH" sz="1200" dirty="0"/>
+                        <a:t>7</a:t>
+                      </a:r>
+                    </a:p>
+                  </a:txBody>
+                  <a:tcPr anchor="ctr"/>
+                </a:tc>
+                <a:tc>
+                  <a:txBody>
+                    <a:bodyPr/>
+                    <a:lstStyle/>
+                    <a:p>
+                      <a:pPr algn="l"/>
+                      <a:r>
+                        <a:rPr lang="en-TH" sz="1200" dirty="0"/>
+                        <a:t>Multilayer Perceptron</a:t>
+                      </a:r>
+                    </a:p>
+                  </a:txBody>
+                  <a:tcPr anchor="ctr"/>
+                </a:tc>
+                <a:tc>
+                  <a:txBody>
+                    <a:bodyPr/>
+                    <a:lstStyle/>
+                    <a:p>
+                      <a:pPr algn="ctr"/>
+                      <a:r>
+                        <a:rPr lang="en-TH" sz="1200" dirty="0"/>
+                        <a:t>79.20%</a:t>
+                      </a:r>
+                    </a:p>
+                  </a:txBody>
+                  <a:tcPr anchor="ctr"/>
+                </a:tc>
+                <a:tc>
+                  <a:txBody>
+                    <a:bodyPr/>
+                    <a:lstStyle/>
+                    <a:p>
+                      <a:pPr algn="ctr"/>
+                      <a:r>
+                        <a:rPr lang="en-TH" sz="1200" dirty="0"/>
+                        <a:t>71.52%</a:t>
+                      </a:r>
+                    </a:p>
+                  </a:txBody>
+                  <a:tcPr anchor="ctr"/>
+                </a:tc>
+                <a:tc>
+                  <a:txBody>
+                    <a:bodyPr/>
+                    <a:lstStyle/>
+                    <a:p>
+                      <a:pPr algn="ctr"/>
+                      <a:r>
+                        <a:rPr lang="en-TH" sz="1200" dirty="0"/>
+                        <a:t>61.26%</a:t>
+                      </a:r>
+                    </a:p>
+                  </a:txBody>
+                  <a:tcPr anchor="ctr"/>
+                </a:tc>
+                <a:tc>
+                  <a:txBody>
+                    <a:bodyPr/>
+                    <a:lstStyle/>
+                    <a:p>
+                      <a:pPr algn="ctr"/>
+                      <a:r>
+                        <a:rPr lang="en-TH" sz="1200" dirty="0"/>
+                        <a:t>55.43%</a:t>
+                      </a:r>
+                    </a:p>
+                  </a:txBody>
+                  <a:tcPr anchor="ctr"/>
+                </a:tc>
+                <a:tc>
+                  <a:txBody>
+                    <a:bodyPr/>
+                    <a:lstStyle/>
+                    <a:p>
+                      <a:pPr algn="ctr"/>
+                      <a:r>
+                        <a:rPr lang="en-TH" sz="1200" dirty="0"/>
+                        <a:t>58.20%</a:t>
+                      </a:r>
+                    </a:p>
+                  </a:txBody>
+                  <a:tcPr anchor="ctr"/>
+                </a:tc>
+                <a:extLst>
+                  <a:ext uri="{0D108BD9-81ED-4DB2-BD59-A6C34878D82A}">
+                    <a16:rowId xmlns:a16="http://schemas.microsoft.com/office/drawing/2014/main" val="1147357634"/>
+                  </a:ext>
+                </a:extLst>
+              </a:tr>
+              <a:tr h="419100">
+                <a:tc>
+                  <a:txBody>
+                    <a:bodyPr/>
+                    <a:lstStyle/>
+                    <a:p>
+                      <a:pPr algn="ctr"/>
+                      <a:r>
+                        <a:rPr lang="en-TH" sz="1200" dirty="0"/>
+                        <a:t>8</a:t>
+                      </a:r>
+                    </a:p>
+                  </a:txBody>
+                  <a:tcPr anchor="ctr"/>
+                </a:tc>
+                <a:tc>
+                  <a:txBody>
+                    <a:bodyPr/>
+                    <a:lstStyle/>
+                    <a:p>
+                      <a:pPr algn="l"/>
+                      <a:r>
+                        <a:rPr lang="en-TH" sz="1200" dirty="0"/>
+                        <a:t>Decision Tree</a:t>
+                      </a:r>
+                    </a:p>
+                  </a:txBody>
+                  <a:tcPr anchor="ctr"/>
+                </a:tc>
+                <a:tc>
+                  <a:txBody>
+                    <a:bodyPr/>
+                    <a:lstStyle/>
+                    <a:p>
+                      <a:pPr algn="ctr"/>
+                      <a:r>
+                        <a:rPr lang="en-TH" sz="1200" dirty="0"/>
+                        <a:t>72.46%</a:t>
+                      </a:r>
+                    </a:p>
+                  </a:txBody>
+                  <a:tcPr anchor="ctr"/>
+                </a:tc>
+                <a:tc>
+                  <a:txBody>
+                    <a:bodyPr/>
+                    <a:lstStyle/>
+                    <a:p>
+                      <a:pPr algn="ctr"/>
+                      <a:r>
+                        <a:rPr lang="en-TH" sz="1200" dirty="0"/>
+                        <a:t>64.76%</a:t>
+                      </a:r>
+                    </a:p>
+                  </a:txBody>
+                  <a:tcPr anchor="ctr"/>
+                </a:tc>
+                <a:tc>
+                  <a:txBody>
+                    <a:bodyPr/>
+                    <a:lstStyle/>
+                    <a:p>
+                      <a:pPr algn="ctr"/>
+                      <a:r>
+                        <a:rPr lang="en-TH" sz="1200" dirty="0"/>
+                        <a:t>47.35%</a:t>
+                      </a:r>
+                    </a:p>
+                  </a:txBody>
+                  <a:tcPr anchor="ctr"/>
+                </a:tc>
+                <a:tc>
+                  <a:txBody>
+                    <a:bodyPr/>
+                    <a:lstStyle/>
+                    <a:p>
+                      <a:pPr algn="ctr"/>
+                      <a:r>
+                        <a:rPr lang="en-TH" sz="1200" dirty="0"/>
+                        <a:t>48.64%</a:t>
+                      </a:r>
+                    </a:p>
+                  </a:txBody>
+                  <a:tcPr anchor="ctr"/>
+                </a:tc>
+                <a:tc>
+                  <a:txBody>
+                    <a:bodyPr/>
+                    <a:lstStyle/>
+                    <a:p>
+                      <a:pPr algn="ctr"/>
+                      <a:r>
+                        <a:rPr lang="en-TH" sz="1200" dirty="0"/>
+                        <a:t>47.99%</a:t>
+                      </a:r>
+                    </a:p>
+                  </a:txBody>
+                  <a:tcPr anchor="ctr"/>
+                </a:tc>
+                <a:extLst>
+                  <a:ext uri="{0D108BD9-81ED-4DB2-BD59-A6C34878D82A}">
+                    <a16:rowId xmlns:a16="http://schemas.microsoft.com/office/drawing/2014/main" val="501032630"/>
+                  </a:ext>
+                </a:extLst>
+              </a:tr>
+              <a:tr h="419100">
+                <a:tc>
+                  <a:txBody>
+                    <a:bodyPr/>
+                    <a:lstStyle/>
+                    <a:p>
+                      <a:pPr algn="ctr"/>
+                      <a:r>
+                        <a:rPr lang="en-TH" sz="1200" dirty="0"/>
+                        <a:t>9</a:t>
+                      </a:r>
+                    </a:p>
+                  </a:txBody>
+                  <a:tcPr anchor="ctr"/>
+                </a:tc>
+                <a:tc>
+                  <a:txBody>
+                    <a:bodyPr/>
+                    <a:lstStyle/>
+                    <a:p>
+                      <a:pPr algn="l"/>
+                      <a:r>
+                        <a:rPr lang="en-TH" sz="1200" dirty="0"/>
+                        <a:t>Na</a:t>
+                      </a:r>
+                      <a:r>
+                        <a:rPr lang="en-US" sz="1200" dirty="0" err="1"/>
+                        <a:t>ï</a:t>
+                      </a:r>
+                      <a:r>
+                        <a:rPr lang="en-TH" sz="1200" dirty="0"/>
+                        <a:t>ve Bayes Classifier</a:t>
+                      </a:r>
+                    </a:p>
+                  </a:txBody>
+                  <a:tcPr anchor="ctr"/>
+                </a:tc>
+                <a:tc>
+                  <a:txBody>
+                    <a:bodyPr/>
+                    <a:lstStyle/>
+                    <a:p>
+                      <a:pPr algn="ctr"/>
+                      <a:r>
+                        <a:rPr lang="en-TH" sz="1200" dirty="0"/>
+                        <a:t>66.86%</a:t>
+                      </a:r>
+                    </a:p>
+                  </a:txBody>
+                  <a:tcPr anchor="ctr"/>
+                </a:tc>
+                <a:tc>
+                  <a:txBody>
+                    <a:bodyPr/>
+                    <a:lstStyle/>
+                    <a:p>
+                      <a:pPr algn="ctr"/>
+                      <a:r>
+                        <a:rPr lang="en-TH" sz="1200" dirty="0"/>
+                        <a:t>73.09%</a:t>
+                      </a:r>
+                    </a:p>
+                  </a:txBody>
+                  <a:tcPr anchor="ctr"/>
+                </a:tc>
+                <a:tc>
+                  <a:txBody>
+                    <a:bodyPr/>
+                    <a:lstStyle/>
+                    <a:p>
+                      <a:pPr algn="ctr"/>
+                      <a:r>
+                        <a:rPr lang="en-TH" sz="1200" dirty="0"/>
+                        <a:t>43.25%</a:t>
+                      </a:r>
+                    </a:p>
+                  </a:txBody>
+                  <a:tcPr anchor="ctr"/>
+                </a:tc>
+                <a:tc>
+                  <a:txBody>
+                    <a:bodyPr/>
+                    <a:lstStyle/>
+                    <a:p>
+                      <a:pPr algn="ctr"/>
+                      <a:r>
+                        <a:rPr lang="en-TH" sz="1200" dirty="0"/>
+                        <a:t>86.14%</a:t>
+                      </a:r>
+                    </a:p>
+                  </a:txBody>
+                  <a:tcPr anchor="ctr"/>
+                </a:tc>
+                <a:tc>
+                  <a:txBody>
+                    <a:bodyPr/>
+                    <a:lstStyle/>
+                    <a:p>
+                      <a:pPr algn="ctr"/>
+                      <a:r>
+                        <a:rPr lang="en-TH" sz="1200" dirty="0"/>
+                        <a:t>57.58%</a:t>
+                      </a:r>
+                    </a:p>
+                  </a:txBody>
+                  <a:tcPr anchor="ctr"/>
+                </a:tc>
+                <a:extLst>
+                  <a:ext uri="{0D108BD9-81ED-4DB2-BD59-A6C34878D82A}">
+                    <a16:rowId xmlns:a16="http://schemas.microsoft.com/office/drawing/2014/main" val="93526516"/>
+                  </a:ext>
+                </a:extLst>
+              </a:tr>
+            </a:tbl>
+          </a:graphicData>
+        </a:graphic>
+      </p:graphicFrame>
+      <p:sp>
+        <p:nvSpPr>
+          <p:cNvPr id="14" name="TextBox 13">
+            <a:extLst>
+              <a:ext uri="{FF2B5EF4-FFF2-40B4-BE49-F238E27FC236}">
+                <a16:creationId xmlns:a16="http://schemas.microsoft.com/office/drawing/2014/main" id="{B453DE78-5E82-CB1A-C6D1-9E93687BEE56}"/>
+              </a:ext>
+            </a:extLst>
+          </p:cNvPr>
+          <p:cNvSpPr txBox="1"/>
+          <p:nvPr/>
+        </p:nvSpPr>
+        <p:spPr>
+          <a:xfrm>
+            <a:off x="621791" y="1266337"/>
+            <a:ext cx="7991349" cy="677108"/>
+          </a:xfrm>
+          <a:prstGeom prst="rect">
+            <a:avLst/>
+          </a:prstGeom>
+          <a:noFill/>
+        </p:spPr>
+        <p:txBody>
+          <a:bodyPr wrap="square" rtlCol="0">
+            <a:spAutoFit/>
+          </a:bodyPr>
+          <a:lstStyle/>
+          <a:p>
+            <a:r>
+              <a:rPr lang="en-US" dirty="0">
+                <a:solidFill>
+                  <a:schemeClr val="accent3">
+                    <a:lumMod val="20000"/>
+                    <a:lumOff val="80000"/>
+                  </a:schemeClr>
+                </a:solidFill>
+              </a:rPr>
+              <a:t>We want to focus on the performance to correctly identify most of churn customers (positive cases), then we </a:t>
+            </a:r>
+            <a:r>
+              <a:rPr lang="en-US" sz="2000" b="1" dirty="0"/>
+              <a:t>focus on ”Precision” result</a:t>
+            </a:r>
+            <a:endParaRPr lang="en-TH" b="1" dirty="0"/>
+          </a:p>
+        </p:txBody>
+      </p:sp>
+      <p:sp>
+        <p:nvSpPr>
+          <p:cNvPr id="15" name="Rectangle 14">
+            <a:extLst>
+              <a:ext uri="{FF2B5EF4-FFF2-40B4-BE49-F238E27FC236}">
+                <a16:creationId xmlns:a16="http://schemas.microsoft.com/office/drawing/2014/main" id="{533D59D6-6135-E58F-8C0F-18B471FB8A08}"/>
+              </a:ext>
+            </a:extLst>
+          </p:cNvPr>
+          <p:cNvSpPr/>
+          <p:nvPr/>
+        </p:nvSpPr>
+        <p:spPr>
+          <a:xfrm>
+            <a:off x="4254500" y="2120900"/>
+            <a:ext cx="1981200" cy="4191000"/>
+          </a:xfrm>
+          <a:prstGeom prst="rect">
+            <a:avLst/>
+          </a:prstGeom>
+          <a:solidFill>
+            <a:srgbClr val="FFFFFF">
+              <a:alpha val="59608"/>
+            </a:srgbClr>
+          </a:solidFill>
+          <a:ln>
+            <a:noFill/>
+          </a:ln>
+        </p:spPr>
+        <p:style>
+          <a:lnRef idx="2">
+            <a:schemeClr val="accent1">
+              <a:shade val="50000"/>
+            </a:schemeClr>
+          </a:lnRef>
+          <a:fillRef idx="1">
+            <a:schemeClr val="accent1"/>
+          </a:fillRef>
+          <a:effectRef idx="0">
+            <a:schemeClr val="accent1"/>
+          </a:effectRef>
+          <a:fontRef idx="minor">
+            <a:schemeClr val="lt1"/>
+          </a:fontRef>
+        </p:style>
+        <p:txBody>
+          <a:bodyPr rtlCol="0" anchor="ctr"/>
+          <a:lstStyle/>
+          <a:p>
+            <a:pPr algn="ctr"/>
+            <a:endParaRPr lang="en-TH"/>
+          </a:p>
+        </p:txBody>
+      </p:sp>
+      <p:sp>
+        <p:nvSpPr>
+          <p:cNvPr id="16" name="Rectangle 15">
+            <a:extLst>
+              <a:ext uri="{FF2B5EF4-FFF2-40B4-BE49-F238E27FC236}">
+                <a16:creationId xmlns:a16="http://schemas.microsoft.com/office/drawing/2014/main" id="{D55DF863-6C02-0AB3-7528-7230692A10E4}"/>
+              </a:ext>
+            </a:extLst>
+          </p:cNvPr>
+          <p:cNvSpPr/>
+          <p:nvPr/>
+        </p:nvSpPr>
+        <p:spPr>
+          <a:xfrm>
+            <a:off x="7158735" y="2120900"/>
+            <a:ext cx="1701799" cy="4191000"/>
+          </a:xfrm>
+          <a:prstGeom prst="rect">
+            <a:avLst/>
+          </a:prstGeom>
+          <a:solidFill>
+            <a:srgbClr val="FFFFFF">
+              <a:alpha val="59608"/>
+            </a:srgbClr>
+          </a:solidFill>
+          <a:ln>
+            <a:noFill/>
+          </a:ln>
+        </p:spPr>
+        <p:style>
+          <a:lnRef idx="2">
+            <a:schemeClr val="accent1">
+              <a:shade val="50000"/>
+            </a:schemeClr>
+          </a:lnRef>
+          <a:fillRef idx="1">
+            <a:schemeClr val="accent1"/>
+          </a:fillRef>
+          <a:effectRef idx="0">
+            <a:schemeClr val="accent1"/>
+          </a:effectRef>
+          <a:fontRef idx="minor">
+            <a:schemeClr val="lt1"/>
+          </a:fontRef>
+        </p:style>
+        <p:txBody>
+          <a:bodyPr rtlCol="0" anchor="ctr"/>
+          <a:lstStyle/>
+          <a:p>
+            <a:pPr algn="ctr"/>
+            <a:endParaRPr lang="en-TH"/>
+          </a:p>
+        </p:txBody>
+      </p:sp>
+      <p:sp>
+        <p:nvSpPr>
+          <p:cNvPr id="17" name="Rectangle 16">
+            <a:extLst>
+              <a:ext uri="{FF2B5EF4-FFF2-40B4-BE49-F238E27FC236}">
+                <a16:creationId xmlns:a16="http://schemas.microsoft.com/office/drawing/2014/main" id="{3B67B3FA-73B3-C4B1-FE9A-18CF1756FF47}"/>
+              </a:ext>
+            </a:extLst>
+          </p:cNvPr>
+          <p:cNvSpPr/>
+          <p:nvPr/>
+        </p:nvSpPr>
+        <p:spPr>
+          <a:xfrm>
+            <a:off x="283463" y="2565400"/>
+            <a:ext cx="4034537" cy="342900"/>
+          </a:xfrm>
+          <a:prstGeom prst="rect">
+            <a:avLst/>
+          </a:prstGeom>
+          <a:noFill/>
+          <a:ln w="76200">
+            <a:solidFill>
+              <a:schemeClr val="accent1"/>
+            </a:solidFill>
+          </a:ln>
+        </p:spPr>
+        <p:style>
+          <a:lnRef idx="2">
+            <a:schemeClr val="accent1">
+              <a:shade val="50000"/>
+            </a:schemeClr>
+          </a:lnRef>
+          <a:fillRef idx="1">
+            <a:schemeClr val="accent1"/>
+          </a:fillRef>
+          <a:effectRef idx="0">
+            <a:schemeClr val="accent1"/>
+          </a:effectRef>
+          <a:fontRef idx="minor">
+            <a:schemeClr val="lt1"/>
+          </a:fontRef>
+        </p:style>
+        <p:txBody>
+          <a:bodyPr rtlCol="0" anchor="ctr"/>
+          <a:lstStyle/>
+          <a:p>
+            <a:pPr algn="ctr"/>
+            <a:endParaRPr lang="en-TH"/>
+          </a:p>
+        </p:txBody>
+      </p:sp>
+      <p:sp>
+        <p:nvSpPr>
+          <p:cNvPr id="18" name="Rectangle 17">
+            <a:extLst>
+              <a:ext uri="{FF2B5EF4-FFF2-40B4-BE49-F238E27FC236}">
+                <a16:creationId xmlns:a16="http://schemas.microsoft.com/office/drawing/2014/main" id="{ECC00400-A0C0-80ED-E8AC-B04570403BB7}"/>
+              </a:ext>
+            </a:extLst>
+          </p:cNvPr>
+          <p:cNvSpPr/>
+          <p:nvPr/>
+        </p:nvSpPr>
+        <p:spPr>
+          <a:xfrm>
+            <a:off x="6248400" y="2565055"/>
+            <a:ext cx="884935" cy="342900"/>
+          </a:xfrm>
+          <a:prstGeom prst="rect">
+            <a:avLst/>
+          </a:prstGeom>
+          <a:noFill/>
+          <a:ln w="76200">
+            <a:solidFill>
+              <a:schemeClr val="accent1"/>
+            </a:solidFill>
+          </a:ln>
+        </p:spPr>
+        <p:style>
+          <a:lnRef idx="2">
+            <a:schemeClr val="accent1">
+              <a:shade val="50000"/>
+            </a:schemeClr>
+          </a:lnRef>
+          <a:fillRef idx="1">
+            <a:schemeClr val="accent1"/>
+          </a:fillRef>
+          <a:effectRef idx="0">
+            <a:schemeClr val="accent1"/>
+          </a:effectRef>
+          <a:fontRef idx="minor">
+            <a:schemeClr val="lt1"/>
+          </a:fontRef>
+        </p:style>
+        <p:txBody>
+          <a:bodyPr rtlCol="0" anchor="ctr"/>
+          <a:lstStyle/>
+          <a:p>
+            <a:pPr algn="ctr"/>
+            <a:endParaRPr lang="en-TH"/>
+          </a:p>
+        </p:txBody>
+      </p:sp>
+    </p:spTree>
+    <p:extLst>
+      <p:ext uri="{BB962C8B-B14F-4D97-AF65-F5344CB8AC3E}">
+        <p14:creationId xmlns:p14="http://schemas.microsoft.com/office/powerpoint/2010/main" val="3056345341"/>
+      </p:ext>
+    </p:extLst>
+  </p:cSld>
+  <p:clrMapOvr>
+    <a:masterClrMapping/>
+  </p:clrMapOvr>
+</p:sld>
+</file>
+
+<file path=ppt/slides/slide11.xml><?xml version="1.0" encoding="utf-8"?>
+<p:sld xmlns:a="http://schemas.openxmlformats.org/drawingml/2006/main" xmlns:r="http://schemas.openxmlformats.org/officeDocument/2006/relationships" xmlns:p="http://schemas.openxmlformats.org/presentationml/2006/main">
+  <p:cSld>
+    <p:spTree>
+      <p:nvGrpSpPr>
+        <p:cNvPr id="1" name=""/>
+        <p:cNvGrpSpPr/>
+        <p:nvPr/>
+      </p:nvGrpSpPr>
+      <p:grpSpPr>
+        <a:xfrm>
+          <a:off x="0" y="0"/>
+          <a:ext cx="0" cy="0"/>
+          <a:chOff x="0" y="0"/>
+          <a:chExt cx="0" cy="0"/>
+        </a:xfrm>
+      </p:grpSpPr>
+      <p:sp>
+        <p:nvSpPr>
+          <p:cNvPr id="4" name="Rectangle 3">
+            <a:extLst>
+              <a:ext uri="{FF2B5EF4-FFF2-40B4-BE49-F238E27FC236}">
+                <a16:creationId xmlns:a16="http://schemas.microsoft.com/office/drawing/2014/main" id="{B67F581F-0DA3-E130-F2D8-1BDAB98C5959}"/>
+              </a:ext>
+            </a:extLst>
+          </p:cNvPr>
+          <p:cNvSpPr/>
+          <p:nvPr/>
+        </p:nvSpPr>
+        <p:spPr>
+          <a:xfrm>
+            <a:off x="7287237" y="0"/>
+            <a:ext cx="1856764" cy="553673"/>
+          </a:xfrm>
+          <a:prstGeom prst="rect">
+            <a:avLst/>
+          </a:prstGeom>
+          <a:solidFill>
             <a:schemeClr val="bg2">
               <a:lumMod val="90000"/>
               <a:lumOff val="10000"/>
@@ -13424,7 +16437,7 @@
 </p:sld>
 </file>
 
-<file path=ppt/slides/slide11.xml><?xml version="1.0" encoding="utf-8"?>
+<file path=ppt/slides/slide12.xml><?xml version="1.0" encoding="utf-8"?>
 <p:sld xmlns:a="http://schemas.openxmlformats.org/drawingml/2006/main" xmlns:r="http://schemas.openxmlformats.org/officeDocument/2006/relationships" xmlns:p="http://schemas.openxmlformats.org/presentationml/2006/main">
   <p:cSld>
     <p:spTree>
@@ -13580,7 +16593,7 @@
 </p:sld>
 </file>
 
-<file path=ppt/slides/slide12.xml><?xml version="1.0" encoding="utf-8"?>
+<file path=ppt/slides/slide13.xml><?xml version="1.0" encoding="utf-8"?>
 <p:sld xmlns:a="http://schemas.openxmlformats.org/drawingml/2006/main" xmlns:r="http://schemas.openxmlformats.org/officeDocument/2006/relationships" xmlns:p="http://schemas.openxmlformats.org/presentationml/2006/main">
   <p:cSld>
     <p:spTree>
@@ -19813,6 +22826,1829 @@
           <p:cNvPr id="4" name="Rectangle 3">
             <a:extLst>
               <a:ext uri="{FF2B5EF4-FFF2-40B4-BE49-F238E27FC236}">
+                <a16:creationId xmlns:a16="http://schemas.microsoft.com/office/drawing/2014/main" id="{715DF514-BD55-B472-82B1-7E6D10CD56B2}"/>
+              </a:ext>
+            </a:extLst>
+          </p:cNvPr>
+          <p:cNvSpPr/>
+          <p:nvPr/>
+        </p:nvSpPr>
+        <p:spPr>
+          <a:xfrm>
+            <a:off x="7287237" y="0"/>
+            <a:ext cx="1856764" cy="553673"/>
+          </a:xfrm>
+          <a:prstGeom prst="rect">
+            <a:avLst/>
+          </a:prstGeom>
+          <a:solidFill>
+            <a:schemeClr val="accent2">
+              <a:lumMod val="20000"/>
+              <a:lumOff val="80000"/>
+            </a:schemeClr>
+          </a:solidFill>
+          <a:ln>
+            <a:solidFill>
+              <a:schemeClr val="bg2">
+                <a:lumMod val="90000"/>
+                <a:lumOff val="10000"/>
+              </a:schemeClr>
+            </a:solidFill>
+          </a:ln>
+          <a:effectLst>
+            <a:outerShdw blurRad="50800" dist="38100" algn="l" rotWithShape="0">
+              <a:prstClr val="black">
+                <a:alpha val="40000"/>
+              </a:prstClr>
+            </a:outerShdw>
+          </a:effectLst>
+        </p:spPr>
+        <p:style>
+          <a:lnRef idx="2">
+            <a:schemeClr val="accent1">
+              <a:shade val="50000"/>
+            </a:schemeClr>
+          </a:lnRef>
+          <a:fillRef idx="1">
+            <a:schemeClr val="accent1"/>
+          </a:fillRef>
+          <a:effectRef idx="0">
+            <a:schemeClr val="accent1"/>
+          </a:effectRef>
+          <a:fontRef idx="minor">
+            <a:schemeClr val="lt1"/>
+          </a:fontRef>
+        </p:style>
+        <p:txBody>
+          <a:bodyPr rtlCol="0" anchor="ctr"/>
+          <a:lstStyle/>
+          <a:p>
+            <a:pPr algn="ctr"/>
+            <a:r>
+              <a:rPr lang="en-TH" sz="1200" b="1" dirty="0">
+                <a:solidFill>
+                  <a:schemeClr val="tx1"/>
+                </a:solidFill>
+                <a:effectLst>
+                  <a:outerShdw blurRad="50800" dist="38100" dir="2700000" algn="tl" rotWithShape="0">
+                    <a:prstClr val="black">
+                      <a:alpha val="40000"/>
+                    </a:prstClr>
+                  </a:outerShdw>
+                </a:effectLst>
+              </a:rPr>
+              <a:t>SUMMARY</a:t>
+            </a:r>
+          </a:p>
+        </p:txBody>
+      </p:sp>
+      <p:sp>
+        <p:nvSpPr>
+          <p:cNvPr id="5" name="Pentagon 4">
+            <a:extLst>
+              <a:ext uri="{FF2B5EF4-FFF2-40B4-BE49-F238E27FC236}">
+                <a16:creationId xmlns:a16="http://schemas.microsoft.com/office/drawing/2014/main" id="{B99FBA63-CF29-DF04-8DFF-ED102E67A56D}"/>
+              </a:ext>
+            </a:extLst>
+          </p:cNvPr>
+          <p:cNvSpPr/>
+          <p:nvPr/>
+        </p:nvSpPr>
+        <p:spPr>
+          <a:xfrm>
+            <a:off x="5465427" y="0"/>
+            <a:ext cx="2088860" cy="553673"/>
+          </a:xfrm>
+          <a:prstGeom prst="homePlate">
+            <a:avLst/>
+          </a:prstGeom>
+          <a:solidFill>
+            <a:schemeClr val="accent2">
+              <a:lumMod val="20000"/>
+              <a:lumOff val="80000"/>
+            </a:schemeClr>
+          </a:solidFill>
+          <a:ln>
+            <a:solidFill>
+              <a:schemeClr val="bg2">
+                <a:lumMod val="90000"/>
+                <a:lumOff val="10000"/>
+              </a:schemeClr>
+            </a:solidFill>
+          </a:ln>
+          <a:effectLst>
+            <a:outerShdw blurRad="50800" dist="38100" algn="l" rotWithShape="0">
+              <a:prstClr val="black">
+                <a:alpha val="40000"/>
+              </a:prstClr>
+            </a:outerShdw>
+          </a:effectLst>
+        </p:spPr>
+        <p:style>
+          <a:lnRef idx="2">
+            <a:schemeClr val="accent1">
+              <a:shade val="50000"/>
+            </a:schemeClr>
+          </a:lnRef>
+          <a:fillRef idx="1">
+            <a:schemeClr val="accent1"/>
+          </a:fillRef>
+          <a:effectRef idx="0">
+            <a:schemeClr val="accent1"/>
+          </a:effectRef>
+          <a:fontRef idx="minor">
+            <a:schemeClr val="lt1"/>
+          </a:fontRef>
+        </p:style>
+        <p:txBody>
+          <a:bodyPr rtlCol="0" anchor="ctr"/>
+          <a:lstStyle/>
+          <a:p>
+            <a:pPr algn="ctr"/>
+            <a:r>
+              <a:rPr lang="en-TH" sz="1200" b="1" dirty="0">
+                <a:solidFill>
+                  <a:schemeClr val="tx1"/>
+                </a:solidFill>
+                <a:effectLst>
+                  <a:outerShdw blurRad="50800" dist="38100" dir="2700000" algn="tl" rotWithShape="0">
+                    <a:prstClr val="black">
+                      <a:alpha val="40000"/>
+                    </a:prstClr>
+                  </a:outerShdw>
+                </a:effectLst>
+              </a:rPr>
+              <a:t>EVALUATION</a:t>
+            </a:r>
+          </a:p>
+        </p:txBody>
+      </p:sp>
+      <p:sp>
+        <p:nvSpPr>
+          <p:cNvPr id="6" name="Pentagon 5">
+            <a:extLst>
+              <a:ext uri="{FF2B5EF4-FFF2-40B4-BE49-F238E27FC236}">
+                <a16:creationId xmlns:a16="http://schemas.microsoft.com/office/drawing/2014/main" id="{6E460EDC-0117-D505-2B4D-34786D930417}"/>
+              </a:ext>
+            </a:extLst>
+          </p:cNvPr>
+          <p:cNvSpPr/>
+          <p:nvPr/>
+        </p:nvSpPr>
+        <p:spPr>
+          <a:xfrm>
+            <a:off x="3643618" y="0"/>
+            <a:ext cx="2088860" cy="553673"/>
+          </a:xfrm>
+          <a:prstGeom prst="homePlate">
+            <a:avLst/>
+          </a:prstGeom>
+          <a:solidFill>
+            <a:schemeClr val="accent2">
+              <a:lumMod val="20000"/>
+              <a:lumOff val="80000"/>
+            </a:schemeClr>
+          </a:solidFill>
+          <a:ln>
+            <a:solidFill>
+              <a:schemeClr val="bg2">
+                <a:lumMod val="90000"/>
+                <a:lumOff val="10000"/>
+              </a:schemeClr>
+            </a:solidFill>
+          </a:ln>
+          <a:effectLst>
+            <a:outerShdw blurRad="50800" dist="38100" algn="l" rotWithShape="0">
+              <a:prstClr val="black">
+                <a:alpha val="40000"/>
+              </a:prstClr>
+            </a:outerShdw>
+          </a:effectLst>
+        </p:spPr>
+        <p:style>
+          <a:lnRef idx="2">
+            <a:schemeClr val="accent1">
+              <a:shade val="50000"/>
+            </a:schemeClr>
+          </a:lnRef>
+          <a:fillRef idx="1">
+            <a:schemeClr val="accent1"/>
+          </a:fillRef>
+          <a:effectRef idx="0">
+            <a:schemeClr val="accent1"/>
+          </a:effectRef>
+          <a:fontRef idx="minor">
+            <a:schemeClr val="lt1"/>
+          </a:fontRef>
+        </p:style>
+        <p:txBody>
+          <a:bodyPr rtlCol="0" anchor="ctr"/>
+          <a:lstStyle/>
+          <a:p>
+            <a:pPr algn="ctr"/>
+            <a:r>
+              <a:rPr lang="en-TH" sz="1200" b="1" dirty="0">
+                <a:solidFill>
+                  <a:schemeClr val="tx1"/>
+                </a:solidFill>
+                <a:effectLst>
+                  <a:outerShdw blurRad="50800" dist="38100" dir="2700000" algn="tl" rotWithShape="0">
+                    <a:prstClr val="black">
+                      <a:alpha val="40000"/>
+                    </a:prstClr>
+                  </a:outerShdw>
+                </a:effectLst>
+              </a:rPr>
+              <a:t>MODELING</a:t>
+            </a:r>
+          </a:p>
+        </p:txBody>
+      </p:sp>
+      <p:sp>
+        <p:nvSpPr>
+          <p:cNvPr id="7" name="Pentagon 6">
+            <a:extLst>
+              <a:ext uri="{FF2B5EF4-FFF2-40B4-BE49-F238E27FC236}">
+                <a16:creationId xmlns:a16="http://schemas.microsoft.com/office/drawing/2014/main" id="{B3BDC402-FF87-984E-87C8-5403365593BC}"/>
+              </a:ext>
+            </a:extLst>
+          </p:cNvPr>
+          <p:cNvSpPr/>
+          <p:nvPr/>
+        </p:nvSpPr>
+        <p:spPr>
+          <a:xfrm>
+            <a:off x="1821809" y="0"/>
+            <a:ext cx="2088860" cy="553673"/>
+          </a:xfrm>
+          <a:prstGeom prst="homePlate">
+            <a:avLst/>
+          </a:prstGeom>
+          <a:solidFill>
+            <a:schemeClr val="accent2">
+              <a:lumMod val="20000"/>
+              <a:lumOff val="80000"/>
+            </a:schemeClr>
+          </a:solidFill>
+          <a:ln>
+            <a:solidFill>
+              <a:schemeClr val="bg2">
+                <a:lumMod val="90000"/>
+                <a:lumOff val="10000"/>
+              </a:schemeClr>
+            </a:solidFill>
+          </a:ln>
+          <a:effectLst>
+            <a:outerShdw blurRad="50800" dist="38100" algn="l" rotWithShape="0">
+              <a:prstClr val="black">
+                <a:alpha val="40000"/>
+              </a:prstClr>
+            </a:outerShdw>
+          </a:effectLst>
+        </p:spPr>
+        <p:style>
+          <a:lnRef idx="2">
+            <a:schemeClr val="accent1">
+              <a:shade val="50000"/>
+            </a:schemeClr>
+          </a:lnRef>
+          <a:fillRef idx="1">
+            <a:schemeClr val="accent1"/>
+          </a:fillRef>
+          <a:effectRef idx="0">
+            <a:schemeClr val="accent1"/>
+          </a:effectRef>
+          <a:fontRef idx="minor">
+            <a:schemeClr val="lt1"/>
+          </a:fontRef>
+        </p:style>
+        <p:txBody>
+          <a:bodyPr rtlCol="0" anchor="ctr"/>
+          <a:lstStyle/>
+          <a:p>
+            <a:pPr algn="ctr"/>
+            <a:r>
+              <a:rPr lang="en-TH" sz="1200" b="1" dirty="0">
+                <a:solidFill>
+                  <a:schemeClr val="tx1"/>
+                </a:solidFill>
+                <a:effectLst>
+                  <a:outerShdw blurRad="50800" dist="38100" dir="2700000" algn="tl" rotWithShape="0">
+                    <a:prstClr val="black">
+                      <a:alpha val="40000"/>
+                    </a:prstClr>
+                  </a:outerShdw>
+                </a:effectLst>
+              </a:rPr>
+              <a:t>DATA</a:t>
+            </a:r>
+          </a:p>
+          <a:p>
+            <a:pPr algn="ctr"/>
+            <a:r>
+              <a:rPr lang="en-TH" sz="1200" b="1" dirty="0">
+                <a:solidFill>
+                  <a:schemeClr val="tx1"/>
+                </a:solidFill>
+                <a:effectLst>
+                  <a:outerShdw blurRad="50800" dist="38100" dir="2700000" algn="tl" rotWithShape="0">
+                    <a:prstClr val="black">
+                      <a:alpha val="40000"/>
+                    </a:prstClr>
+                  </a:outerShdw>
+                </a:effectLst>
+              </a:rPr>
+              <a:t>PREPARATION</a:t>
+            </a:r>
+          </a:p>
+        </p:txBody>
+      </p:sp>
+      <p:sp>
+        <p:nvSpPr>
+          <p:cNvPr id="8" name="Pentagon 7">
+            <a:extLst>
+              <a:ext uri="{FF2B5EF4-FFF2-40B4-BE49-F238E27FC236}">
+                <a16:creationId xmlns:a16="http://schemas.microsoft.com/office/drawing/2014/main" id="{C6FB2D4C-FC79-1B03-B187-0CFC0C9F9C1D}"/>
+              </a:ext>
+            </a:extLst>
+          </p:cNvPr>
+          <p:cNvSpPr/>
+          <p:nvPr/>
+        </p:nvSpPr>
+        <p:spPr>
+          <a:xfrm>
+            <a:off x="0" y="0"/>
+            <a:ext cx="2088860" cy="553673"/>
+          </a:xfrm>
+          <a:prstGeom prst="homePlate">
+            <a:avLst/>
+          </a:prstGeom>
+          <a:solidFill>
+            <a:schemeClr val="bg2">
+              <a:lumMod val="90000"/>
+              <a:lumOff val="10000"/>
+            </a:schemeClr>
+          </a:solidFill>
+          <a:ln>
+            <a:solidFill>
+              <a:schemeClr val="bg2">
+                <a:lumMod val="90000"/>
+                <a:lumOff val="10000"/>
+              </a:schemeClr>
+            </a:solidFill>
+          </a:ln>
+          <a:effectLst>
+            <a:outerShdw blurRad="50800" dist="38100" algn="l" rotWithShape="0">
+              <a:prstClr val="black">
+                <a:alpha val="40000"/>
+              </a:prstClr>
+            </a:outerShdw>
+          </a:effectLst>
+        </p:spPr>
+        <p:style>
+          <a:lnRef idx="2">
+            <a:schemeClr val="accent1">
+              <a:shade val="50000"/>
+            </a:schemeClr>
+          </a:lnRef>
+          <a:fillRef idx="1">
+            <a:schemeClr val="accent1"/>
+          </a:fillRef>
+          <a:effectRef idx="0">
+            <a:schemeClr val="accent1"/>
+          </a:effectRef>
+          <a:fontRef idx="minor">
+            <a:schemeClr val="lt1"/>
+          </a:fontRef>
+        </p:style>
+        <p:txBody>
+          <a:bodyPr rtlCol="0" anchor="ctr"/>
+          <a:lstStyle/>
+          <a:p>
+            <a:pPr algn="ctr"/>
+            <a:r>
+              <a:rPr lang="en-TH" sz="1200" b="1" dirty="0">
+                <a:effectLst>
+                  <a:outerShdw blurRad="50800" dist="38100" dir="2700000" algn="tl" rotWithShape="0">
+                    <a:prstClr val="black">
+                      <a:alpha val="40000"/>
+                    </a:prstClr>
+                  </a:outerShdw>
+                </a:effectLst>
+              </a:rPr>
+              <a:t>DATA</a:t>
+            </a:r>
+          </a:p>
+          <a:p>
+            <a:pPr algn="ctr"/>
+            <a:r>
+              <a:rPr lang="en-TH" sz="1200" b="1" dirty="0">
+                <a:effectLst>
+                  <a:outerShdw blurRad="50800" dist="38100" dir="2700000" algn="tl" rotWithShape="0">
+                    <a:prstClr val="black">
+                      <a:alpha val="40000"/>
+                    </a:prstClr>
+                  </a:outerShdw>
+                </a:effectLst>
+              </a:rPr>
+              <a:t>UNDERSTANDING</a:t>
+            </a:r>
+          </a:p>
+        </p:txBody>
+      </p:sp>
+      <p:sp>
+        <p:nvSpPr>
+          <p:cNvPr id="9" name="TextBox 8">
+            <a:extLst>
+              <a:ext uri="{FF2B5EF4-FFF2-40B4-BE49-F238E27FC236}">
+                <a16:creationId xmlns:a16="http://schemas.microsoft.com/office/drawing/2014/main" id="{F9E9CF0A-0243-4A8F-D4D2-3B6C1F0D63A3}"/>
+              </a:ext>
+            </a:extLst>
+          </p:cNvPr>
+          <p:cNvSpPr txBox="1"/>
+          <p:nvPr/>
+        </p:nvSpPr>
+        <p:spPr>
+          <a:xfrm>
+            <a:off x="283464" y="804672"/>
+            <a:ext cx="8577072" cy="461665"/>
+          </a:xfrm>
+          <a:prstGeom prst="rect">
+            <a:avLst/>
+          </a:prstGeom>
+          <a:noFill/>
+        </p:spPr>
+        <p:txBody>
+          <a:bodyPr wrap="square" rtlCol="0">
+            <a:spAutoFit/>
+          </a:bodyPr>
+          <a:lstStyle/>
+          <a:p>
+            <a:pPr marL="342900" indent="-342900">
+              <a:buFont typeface="Wingdings" pitchFamily="2" charset="2"/>
+              <a:buChar char="v"/>
+            </a:pPr>
+            <a:r>
+              <a:rPr lang="en-TH" sz="2400" b="1" dirty="0">
+                <a:solidFill>
+                  <a:schemeClr val="accent3">
+                    <a:lumMod val="20000"/>
+                    <a:lumOff val="80000"/>
+                  </a:schemeClr>
+                </a:solidFill>
+                <a:effectLst>
+                  <a:outerShdw blurRad="50800" dist="38100" dir="2700000" algn="tl" rotWithShape="0">
+                    <a:prstClr val="black">
+                      <a:alpha val="40000"/>
+                    </a:prstClr>
+                  </a:outerShdw>
+                </a:effectLst>
+              </a:rPr>
+              <a:t>Concerned features review</a:t>
+            </a:r>
+          </a:p>
+        </p:txBody>
+      </p:sp>
+      <p:graphicFrame>
+        <p:nvGraphicFramePr>
+          <p:cNvPr id="16" name="Chart 15">
+            <a:extLst>
+              <a:ext uri="{FF2B5EF4-FFF2-40B4-BE49-F238E27FC236}">
+                <a16:creationId xmlns:a16="http://schemas.microsoft.com/office/drawing/2014/main" id="{D84A0DA2-0C85-E4D4-B76E-CDFD96B8267D}"/>
+              </a:ext>
+            </a:extLst>
+          </p:cNvPr>
+          <p:cNvGraphicFramePr>
+            <a:graphicFrameLocks/>
+          </p:cNvGraphicFramePr>
+          <p:nvPr>
+            <p:extLst>
+              <p:ext uri="{D42A27DB-BD31-4B8C-83A1-F6EECF244321}">
+                <p14:modId xmlns:p14="http://schemas.microsoft.com/office/powerpoint/2010/main" val="1907622389"/>
+              </p:ext>
+            </p:extLst>
+          </p:nvPr>
+        </p:nvGraphicFramePr>
+        <p:xfrm>
+          <a:off x="283464" y="3375110"/>
+          <a:ext cx="2275454" cy="2426889"/>
+        </p:xfrm>
+        <a:graphic>
+          <a:graphicData uri="http://schemas.openxmlformats.org/drawingml/2006/chart">
+            <c:chart xmlns:c="http://schemas.openxmlformats.org/drawingml/2006/chart" xmlns:r="http://schemas.openxmlformats.org/officeDocument/2006/relationships" r:id="rId3"/>
+          </a:graphicData>
+        </a:graphic>
+      </p:graphicFrame>
+      <p:grpSp>
+        <p:nvGrpSpPr>
+          <p:cNvPr id="20" name="Group 19">
+            <a:extLst>
+              <a:ext uri="{FF2B5EF4-FFF2-40B4-BE49-F238E27FC236}">
+                <a16:creationId xmlns:a16="http://schemas.microsoft.com/office/drawing/2014/main" id="{EDA42141-EDA9-4C3C-C1B7-5BA76D37B643}"/>
+              </a:ext>
+            </a:extLst>
+          </p:cNvPr>
+          <p:cNvGrpSpPr/>
+          <p:nvPr/>
+        </p:nvGrpSpPr>
+        <p:grpSpPr>
+          <a:xfrm rot="5400000">
+            <a:off x="562226" y="1792839"/>
+            <a:ext cx="1783156" cy="1381386"/>
+            <a:chOff x="3334067" y="1801038"/>
+            <a:chExt cx="1783156" cy="1381386"/>
+          </a:xfrm>
+        </p:grpSpPr>
+        <p:sp>
+          <p:nvSpPr>
+            <p:cNvPr id="18" name="Triangle 17">
+              <a:extLst>
+                <a:ext uri="{FF2B5EF4-FFF2-40B4-BE49-F238E27FC236}">
+                  <a16:creationId xmlns:a16="http://schemas.microsoft.com/office/drawing/2014/main" id="{E5B3B1DC-D41B-6688-FEB6-625A889B4202}"/>
+                </a:ext>
+              </a:extLst>
+            </p:cNvPr>
+            <p:cNvSpPr/>
+            <p:nvPr/>
+          </p:nvSpPr>
+          <p:spPr>
+            <a:xfrm rot="5400000">
+              <a:off x="4166467" y="2144478"/>
+              <a:ext cx="1207006" cy="694506"/>
+            </a:xfrm>
+            <a:prstGeom prst="triangle">
+              <a:avLst/>
+            </a:prstGeom>
+            <a:solidFill>
+              <a:schemeClr val="accent2">
+                <a:lumMod val="40000"/>
+                <a:lumOff val="60000"/>
+              </a:schemeClr>
+            </a:solidFill>
+            <a:ln>
+              <a:noFill/>
+            </a:ln>
+          </p:spPr>
+          <p:style>
+            <a:lnRef idx="2">
+              <a:schemeClr val="accent1">
+                <a:shade val="50000"/>
+              </a:schemeClr>
+            </a:lnRef>
+            <a:fillRef idx="1">
+              <a:schemeClr val="accent1"/>
+            </a:fillRef>
+            <a:effectRef idx="0">
+              <a:schemeClr val="accent1"/>
+            </a:effectRef>
+            <a:fontRef idx="minor">
+              <a:schemeClr val="lt1"/>
+            </a:fontRef>
+          </p:style>
+          <p:txBody>
+            <a:bodyPr rtlCol="0" anchor="ctr"/>
+            <a:lstStyle/>
+            <a:p>
+              <a:pPr algn="ctr"/>
+              <a:endParaRPr lang="en-TH" dirty="0"/>
+            </a:p>
+          </p:txBody>
+        </p:sp>
+        <p:sp>
+          <p:nvSpPr>
+            <p:cNvPr id="19" name="Oval 18">
+              <a:extLst>
+                <a:ext uri="{FF2B5EF4-FFF2-40B4-BE49-F238E27FC236}">
+                  <a16:creationId xmlns:a16="http://schemas.microsoft.com/office/drawing/2014/main" id="{E69C8424-3AE0-1A20-D1CA-CA040703233B}"/>
+                </a:ext>
+              </a:extLst>
+            </p:cNvPr>
+            <p:cNvSpPr/>
+            <p:nvPr/>
+          </p:nvSpPr>
+          <p:spPr>
+            <a:xfrm>
+              <a:off x="3334067" y="1801038"/>
+              <a:ext cx="1381386" cy="1381386"/>
+            </a:xfrm>
+            <a:prstGeom prst="ellipse">
+              <a:avLst/>
+            </a:prstGeom>
+            <a:solidFill>
+              <a:schemeClr val="tx1"/>
+            </a:solidFill>
+            <a:ln w="76200">
+              <a:solidFill>
+                <a:schemeClr val="accent2">
+                  <a:lumMod val="40000"/>
+                  <a:lumOff val="60000"/>
+                </a:schemeClr>
+              </a:solidFill>
+            </a:ln>
+          </p:spPr>
+          <p:style>
+            <a:lnRef idx="2">
+              <a:schemeClr val="accent1">
+                <a:shade val="50000"/>
+              </a:schemeClr>
+            </a:lnRef>
+            <a:fillRef idx="1">
+              <a:schemeClr val="accent1"/>
+            </a:fillRef>
+            <a:effectRef idx="0">
+              <a:schemeClr val="accent1"/>
+            </a:effectRef>
+            <a:fontRef idx="minor">
+              <a:schemeClr val="lt1"/>
+            </a:fontRef>
+          </p:style>
+          <p:txBody>
+            <a:bodyPr rtlCol="0" anchor="ctr"/>
+            <a:lstStyle/>
+            <a:p>
+              <a:pPr algn="ctr"/>
+              <a:endParaRPr lang="en-TH" dirty="0"/>
+            </a:p>
+          </p:txBody>
+        </p:sp>
+      </p:grpSp>
+      <p:sp>
+        <p:nvSpPr>
+          <p:cNvPr id="15" name="TextBox 14">
+            <a:extLst>
+              <a:ext uri="{FF2B5EF4-FFF2-40B4-BE49-F238E27FC236}">
+                <a16:creationId xmlns:a16="http://schemas.microsoft.com/office/drawing/2014/main" id="{032662F9-479F-DA1F-AEE3-3195B4A9D9FF}"/>
+              </a:ext>
+            </a:extLst>
+          </p:cNvPr>
+          <p:cNvSpPr txBox="1"/>
+          <p:nvPr/>
+        </p:nvSpPr>
+        <p:spPr>
+          <a:xfrm>
+            <a:off x="832386" y="1896743"/>
+            <a:ext cx="1245854" cy="707886"/>
+          </a:xfrm>
+          <a:prstGeom prst="rect">
+            <a:avLst/>
+          </a:prstGeom>
+          <a:noFill/>
+          <a:effectLst/>
+        </p:spPr>
+        <p:txBody>
+          <a:bodyPr wrap="none" rtlCol="0" anchor="ctr">
+            <a:spAutoFit/>
+          </a:bodyPr>
+          <a:lstStyle/>
+          <a:p>
+            <a:pPr algn="ctr"/>
+            <a:r>
+              <a:rPr lang="en-TH" sz="2400" b="1" dirty="0">
+                <a:solidFill>
+                  <a:schemeClr val="accent1"/>
+                </a:solidFill>
+              </a:rPr>
+              <a:t>7043</a:t>
+            </a:r>
+          </a:p>
+          <a:p>
+            <a:pPr algn="ctr"/>
+            <a:r>
+              <a:rPr lang="en-TH" sz="1600" b="1" dirty="0">
+                <a:solidFill>
+                  <a:schemeClr val="accent1"/>
+                </a:solidFill>
+              </a:rPr>
+              <a:t>Customers</a:t>
+            </a:r>
+          </a:p>
+        </p:txBody>
+      </p:sp>
+      <p:sp>
+        <p:nvSpPr>
+          <p:cNvPr id="45" name="Triangle 44">
+            <a:extLst>
+              <a:ext uri="{FF2B5EF4-FFF2-40B4-BE49-F238E27FC236}">
+                <a16:creationId xmlns:a16="http://schemas.microsoft.com/office/drawing/2014/main" id="{15EA7EA3-AF9F-770F-1747-2961FEF5AD85}"/>
+              </a:ext>
+            </a:extLst>
+          </p:cNvPr>
+          <p:cNvSpPr/>
+          <p:nvPr/>
+        </p:nvSpPr>
+        <p:spPr>
+          <a:xfrm rot="16200000">
+            <a:off x="2168492" y="4027929"/>
+            <a:ext cx="1038823" cy="628920"/>
+          </a:xfrm>
+          <a:prstGeom prst="triangle">
+            <a:avLst>
+              <a:gd name="adj" fmla="val 18897"/>
+            </a:avLst>
+          </a:prstGeom>
+          <a:solidFill>
+            <a:schemeClr val="accent2"/>
+          </a:solidFill>
+          <a:ln>
+            <a:noFill/>
+          </a:ln>
+          <a:effectLst>
+            <a:outerShdw blurRad="50800" dist="38100" dir="2700000" algn="tl" rotWithShape="0">
+              <a:prstClr val="black">
+                <a:alpha val="40000"/>
+              </a:prstClr>
+            </a:outerShdw>
+          </a:effectLst>
+        </p:spPr>
+        <p:style>
+          <a:lnRef idx="2">
+            <a:schemeClr val="accent1">
+              <a:shade val="50000"/>
+            </a:schemeClr>
+          </a:lnRef>
+          <a:fillRef idx="1">
+            <a:schemeClr val="accent1"/>
+          </a:fillRef>
+          <a:effectRef idx="0">
+            <a:schemeClr val="accent1"/>
+          </a:effectRef>
+          <a:fontRef idx="minor">
+            <a:schemeClr val="lt1"/>
+          </a:fontRef>
+        </p:style>
+        <p:txBody>
+          <a:bodyPr rtlCol="0" anchor="ctr"/>
+          <a:lstStyle/>
+          <a:p>
+            <a:pPr algn="ctr"/>
+            <a:endParaRPr lang="en-TH"/>
+          </a:p>
+        </p:txBody>
+      </p:sp>
+      <p:sp>
+        <p:nvSpPr>
+          <p:cNvPr id="44" name="Freeform 43">
+            <a:extLst>
+              <a:ext uri="{FF2B5EF4-FFF2-40B4-BE49-F238E27FC236}">
+                <a16:creationId xmlns:a16="http://schemas.microsoft.com/office/drawing/2014/main" id="{1EDF39CB-DDD2-2459-6E03-0EF33F3BCED1}"/>
+              </a:ext>
+            </a:extLst>
+          </p:cNvPr>
+          <p:cNvSpPr/>
+          <p:nvPr/>
+        </p:nvSpPr>
+        <p:spPr>
+          <a:xfrm>
+            <a:off x="2899793" y="2087347"/>
+            <a:ext cx="5931496" cy="3714652"/>
+          </a:xfrm>
+          <a:custGeom>
+            <a:avLst/>
+            <a:gdLst>
+              <a:gd name="connsiteX0" fmla="*/ 1134216 w 5931496"/>
+              <a:gd name="connsiteY0" fmla="*/ 3627342 h 3714652"/>
+              <a:gd name="connsiteX1" fmla="*/ 92225 w 5931496"/>
+              <a:gd name="connsiteY1" fmla="*/ 2787370 h 3714652"/>
+              <a:gd name="connsiteX2" fmla="*/ 70960 w 5931496"/>
+              <a:gd name="connsiteY2" fmla="*/ 1787910 h 3714652"/>
+              <a:gd name="connsiteX3" fmla="*/ 262346 w 5931496"/>
+              <a:gd name="connsiteY3" fmla="*/ 841612 h 3714652"/>
+              <a:gd name="connsiteX4" fmla="*/ 900300 w 5931496"/>
+              <a:gd name="connsiteY4" fmla="*/ 426942 h 3714652"/>
+              <a:gd name="connsiteX5" fmla="*/ 2686570 w 5931496"/>
+              <a:gd name="connsiteY5" fmla="*/ 12272 h 3714652"/>
+              <a:gd name="connsiteX6" fmla="*/ 4770551 w 5931496"/>
+              <a:gd name="connsiteY6" fmla="*/ 224924 h 3714652"/>
+              <a:gd name="connsiteX7" fmla="*/ 5631788 w 5931496"/>
+              <a:gd name="connsiteY7" fmla="*/ 1341342 h 3714652"/>
+              <a:gd name="connsiteX8" fmla="*/ 5897602 w 5931496"/>
+              <a:gd name="connsiteY8" fmla="*/ 1830440 h 3714652"/>
+              <a:gd name="connsiteX9" fmla="*/ 5886970 w 5931496"/>
+              <a:gd name="connsiteY9" fmla="*/ 2351435 h 3714652"/>
+              <a:gd name="connsiteX10" fmla="*/ 5525463 w 5931496"/>
+              <a:gd name="connsiteY10" fmla="*/ 3159510 h 3714652"/>
+              <a:gd name="connsiteX11" fmla="*/ 4738653 w 5931496"/>
+              <a:gd name="connsiteY11" fmla="*/ 3680505 h 3714652"/>
+              <a:gd name="connsiteX12" fmla="*/ 2537714 w 5931496"/>
+              <a:gd name="connsiteY12" fmla="*/ 3659240 h 3714652"/>
+              <a:gd name="connsiteX13" fmla="*/ 1134216 w 5931496"/>
+              <a:gd name="connsiteY13" fmla="*/ 3627342 h 3714652"/>
+            </a:gdLst>
+            <a:ahLst/>
+            <a:cxnLst>
+              <a:cxn ang="0">
+                <a:pos x="connsiteX0" y="connsiteY0"/>
+              </a:cxn>
+              <a:cxn ang="0">
+                <a:pos x="connsiteX1" y="connsiteY1"/>
+              </a:cxn>
+              <a:cxn ang="0">
+                <a:pos x="connsiteX2" y="connsiteY2"/>
+              </a:cxn>
+              <a:cxn ang="0">
+                <a:pos x="connsiteX3" y="connsiteY3"/>
+              </a:cxn>
+              <a:cxn ang="0">
+                <a:pos x="connsiteX4" y="connsiteY4"/>
+              </a:cxn>
+              <a:cxn ang="0">
+                <a:pos x="connsiteX5" y="connsiteY5"/>
+              </a:cxn>
+              <a:cxn ang="0">
+                <a:pos x="connsiteX6" y="connsiteY6"/>
+              </a:cxn>
+              <a:cxn ang="0">
+                <a:pos x="connsiteX7" y="connsiteY7"/>
+              </a:cxn>
+              <a:cxn ang="0">
+                <a:pos x="connsiteX8" y="connsiteY8"/>
+              </a:cxn>
+              <a:cxn ang="0">
+                <a:pos x="connsiteX9" y="connsiteY9"/>
+              </a:cxn>
+              <a:cxn ang="0">
+                <a:pos x="connsiteX10" y="connsiteY10"/>
+              </a:cxn>
+              <a:cxn ang="0">
+                <a:pos x="connsiteX11" y="connsiteY11"/>
+              </a:cxn>
+              <a:cxn ang="0">
+                <a:pos x="connsiteX12" y="connsiteY12"/>
+              </a:cxn>
+              <a:cxn ang="0">
+                <a:pos x="connsiteX13" y="connsiteY13"/>
+              </a:cxn>
+            </a:cxnLst>
+            <a:rect l="l" t="t" r="r" b="b"/>
+            <a:pathLst>
+              <a:path w="5931496" h="3714652">
+                <a:moveTo>
+                  <a:pt x="1134216" y="3627342"/>
+                </a:moveTo>
+                <a:cubicBezTo>
+                  <a:pt x="726635" y="3482030"/>
+                  <a:pt x="269434" y="3093942"/>
+                  <a:pt x="92225" y="2787370"/>
+                </a:cubicBezTo>
+                <a:cubicBezTo>
+                  <a:pt x="-84984" y="2480798"/>
+                  <a:pt x="42607" y="2112203"/>
+                  <a:pt x="70960" y="1787910"/>
+                </a:cubicBezTo>
+                <a:cubicBezTo>
+                  <a:pt x="99313" y="1463617"/>
+                  <a:pt x="124123" y="1068440"/>
+                  <a:pt x="262346" y="841612"/>
+                </a:cubicBezTo>
+                <a:cubicBezTo>
+                  <a:pt x="400569" y="614784"/>
+                  <a:pt x="496263" y="565165"/>
+                  <a:pt x="900300" y="426942"/>
+                </a:cubicBezTo>
+                <a:cubicBezTo>
+                  <a:pt x="1304337" y="288719"/>
+                  <a:pt x="2041528" y="45942"/>
+                  <a:pt x="2686570" y="12272"/>
+                </a:cubicBezTo>
+                <a:cubicBezTo>
+                  <a:pt x="3331612" y="-21398"/>
+                  <a:pt x="4279681" y="3412"/>
+                  <a:pt x="4770551" y="224924"/>
+                </a:cubicBezTo>
+                <a:cubicBezTo>
+                  <a:pt x="5261421" y="446436"/>
+                  <a:pt x="5443946" y="1073756"/>
+                  <a:pt x="5631788" y="1341342"/>
+                </a:cubicBezTo>
+                <a:cubicBezTo>
+                  <a:pt x="5819630" y="1608928"/>
+                  <a:pt x="5855072" y="1662091"/>
+                  <a:pt x="5897602" y="1830440"/>
+                </a:cubicBezTo>
+                <a:cubicBezTo>
+                  <a:pt x="5940132" y="1998789"/>
+                  <a:pt x="5948993" y="2129923"/>
+                  <a:pt x="5886970" y="2351435"/>
+                </a:cubicBezTo>
+                <a:cubicBezTo>
+                  <a:pt x="5824947" y="2572947"/>
+                  <a:pt x="5716849" y="2937999"/>
+                  <a:pt x="5525463" y="3159510"/>
+                </a:cubicBezTo>
+                <a:cubicBezTo>
+                  <a:pt x="5334077" y="3381021"/>
+                  <a:pt x="5236611" y="3597217"/>
+                  <a:pt x="4738653" y="3680505"/>
+                </a:cubicBezTo>
+                <a:cubicBezTo>
+                  <a:pt x="4240695" y="3763793"/>
+                  <a:pt x="3136681" y="3669873"/>
+                  <a:pt x="2537714" y="3659240"/>
+                </a:cubicBezTo>
+                <a:cubicBezTo>
+                  <a:pt x="1938747" y="3648608"/>
+                  <a:pt x="1541797" y="3772654"/>
+                  <a:pt x="1134216" y="3627342"/>
+                </a:cubicBezTo>
+                <a:close/>
+              </a:path>
+            </a:pathLst>
+          </a:custGeom>
+          <a:solidFill>
+            <a:schemeClr val="accent2">
+              <a:lumMod val="20000"/>
+              <a:lumOff val="80000"/>
+            </a:schemeClr>
+          </a:solidFill>
+          <a:ln w="38100">
+            <a:solidFill>
+              <a:schemeClr val="accent2"/>
+            </a:solidFill>
+          </a:ln>
+          <a:effectLst>
+            <a:outerShdw blurRad="50800" dist="38100" dir="2700000" algn="tl" rotWithShape="0">
+              <a:prstClr val="black">
+                <a:alpha val="40000"/>
+              </a:prstClr>
+            </a:outerShdw>
+          </a:effectLst>
+        </p:spPr>
+        <p:style>
+          <a:lnRef idx="2">
+            <a:schemeClr val="accent1">
+              <a:shade val="50000"/>
+            </a:schemeClr>
+          </a:lnRef>
+          <a:fillRef idx="1">
+            <a:schemeClr val="accent1"/>
+          </a:fillRef>
+          <a:effectRef idx="0">
+            <a:schemeClr val="accent1"/>
+          </a:effectRef>
+          <a:fontRef idx="minor">
+            <a:schemeClr val="lt1"/>
+          </a:fontRef>
+        </p:style>
+        <p:txBody>
+          <a:bodyPr rtlCol="0" anchor="ctr"/>
+          <a:lstStyle/>
+          <a:p>
+            <a:pPr algn="ctr"/>
+            <a:endParaRPr lang="en-TH" dirty="0"/>
+          </a:p>
+        </p:txBody>
+      </p:sp>
+      <p:sp>
+        <p:nvSpPr>
+          <p:cNvPr id="24" name="TextBox 23">
+            <a:extLst>
+              <a:ext uri="{FF2B5EF4-FFF2-40B4-BE49-F238E27FC236}">
+                <a16:creationId xmlns:a16="http://schemas.microsoft.com/office/drawing/2014/main" id="{058981A5-14DD-091B-3BBF-8AFD3DBD13DF}"/>
+              </a:ext>
+            </a:extLst>
+          </p:cNvPr>
+          <p:cNvSpPr txBox="1"/>
+          <p:nvPr/>
+        </p:nvSpPr>
+        <p:spPr>
+          <a:xfrm>
+            <a:off x="3979612" y="2632928"/>
+            <a:ext cx="1701235" cy="646331"/>
+          </a:xfrm>
+          <a:prstGeom prst="rect">
+            <a:avLst/>
+          </a:prstGeom>
+          <a:noFill/>
+        </p:spPr>
+        <p:txBody>
+          <a:bodyPr wrap="none" rtlCol="0">
+            <a:spAutoFit/>
+          </a:bodyPr>
+          <a:lstStyle/>
+          <a:p>
+            <a:r>
+              <a:rPr lang="en-TH" sz="3600" b="1" dirty="0">
+                <a:solidFill>
+                  <a:schemeClr val="accent2"/>
+                </a:solidFill>
+              </a:rPr>
+              <a:t>Tenure</a:t>
+            </a:r>
+          </a:p>
+        </p:txBody>
+      </p:sp>
+      <p:sp>
+        <p:nvSpPr>
+          <p:cNvPr id="25" name="TextBox 24">
+            <a:extLst>
+              <a:ext uri="{FF2B5EF4-FFF2-40B4-BE49-F238E27FC236}">
+                <a16:creationId xmlns:a16="http://schemas.microsoft.com/office/drawing/2014/main" id="{6642FC3A-849D-2211-3947-0C88AFA2BB1F}"/>
+              </a:ext>
+            </a:extLst>
+          </p:cNvPr>
+          <p:cNvSpPr txBox="1"/>
+          <p:nvPr/>
+        </p:nvSpPr>
+        <p:spPr>
+          <a:xfrm>
+            <a:off x="5315931" y="3303967"/>
+            <a:ext cx="742511" cy="276999"/>
+          </a:xfrm>
+          <a:prstGeom prst="rect">
+            <a:avLst/>
+          </a:prstGeom>
+          <a:noFill/>
+        </p:spPr>
+        <p:txBody>
+          <a:bodyPr wrap="none" rtlCol="0">
+            <a:spAutoFit/>
+          </a:bodyPr>
+          <a:lstStyle/>
+          <a:p>
+            <a:r>
+              <a:rPr lang="en-TH" sz="1200" dirty="0">
+                <a:solidFill>
+                  <a:schemeClr val="accent2">
+                    <a:lumMod val="60000"/>
+                    <a:lumOff val="40000"/>
+                  </a:schemeClr>
+                </a:solidFill>
+              </a:rPr>
+              <a:t>Gender</a:t>
+            </a:r>
+          </a:p>
+        </p:txBody>
+      </p:sp>
+      <p:sp>
+        <p:nvSpPr>
+          <p:cNvPr id="26" name="TextBox 25">
+            <a:extLst>
+              <a:ext uri="{FF2B5EF4-FFF2-40B4-BE49-F238E27FC236}">
+                <a16:creationId xmlns:a16="http://schemas.microsoft.com/office/drawing/2014/main" id="{577794AD-BD8B-617D-DA8B-D8D150B9485C}"/>
+              </a:ext>
+            </a:extLst>
+          </p:cNvPr>
+          <p:cNvSpPr txBox="1"/>
+          <p:nvPr/>
+        </p:nvSpPr>
+        <p:spPr>
+          <a:xfrm>
+            <a:off x="6172028" y="3234355"/>
+            <a:ext cx="1749197" cy="369332"/>
+          </a:xfrm>
+          <a:prstGeom prst="rect">
+            <a:avLst/>
+          </a:prstGeom>
+          <a:noFill/>
+        </p:spPr>
+        <p:txBody>
+          <a:bodyPr wrap="none" rtlCol="0">
+            <a:spAutoFit/>
+          </a:bodyPr>
+          <a:lstStyle/>
+          <a:p>
+            <a:r>
+              <a:rPr lang="en-TH" b="1" dirty="0">
+                <a:solidFill>
+                  <a:schemeClr val="accent2"/>
+                </a:solidFill>
+              </a:rPr>
+              <a:t>Senior Citizen</a:t>
+            </a:r>
+          </a:p>
+        </p:txBody>
+      </p:sp>
+      <p:sp>
+        <p:nvSpPr>
+          <p:cNvPr id="27" name="TextBox 26">
+            <a:extLst>
+              <a:ext uri="{FF2B5EF4-FFF2-40B4-BE49-F238E27FC236}">
+                <a16:creationId xmlns:a16="http://schemas.microsoft.com/office/drawing/2014/main" id="{CCC15864-D568-42FD-0301-3BB272074720}"/>
+              </a:ext>
+            </a:extLst>
+          </p:cNvPr>
+          <p:cNvSpPr txBox="1"/>
+          <p:nvPr/>
+        </p:nvSpPr>
+        <p:spPr>
+          <a:xfrm>
+            <a:off x="3280687" y="2864456"/>
+            <a:ext cx="683329" cy="276999"/>
+          </a:xfrm>
+          <a:prstGeom prst="rect">
+            <a:avLst/>
+          </a:prstGeom>
+          <a:noFill/>
+        </p:spPr>
+        <p:txBody>
+          <a:bodyPr wrap="none" rtlCol="0">
+            <a:spAutoFit/>
+          </a:bodyPr>
+          <a:lstStyle/>
+          <a:p>
+            <a:r>
+              <a:rPr lang="en-TH" sz="1200" dirty="0">
+                <a:solidFill>
+                  <a:schemeClr val="accent2">
+                    <a:lumMod val="60000"/>
+                    <a:lumOff val="40000"/>
+                  </a:schemeClr>
+                </a:solidFill>
+              </a:rPr>
+              <a:t>Partner</a:t>
+            </a:r>
+          </a:p>
+        </p:txBody>
+      </p:sp>
+      <p:sp>
+        <p:nvSpPr>
+          <p:cNvPr id="28" name="TextBox 27">
+            <a:extLst>
+              <a:ext uri="{FF2B5EF4-FFF2-40B4-BE49-F238E27FC236}">
+                <a16:creationId xmlns:a16="http://schemas.microsoft.com/office/drawing/2014/main" id="{B053C5CE-28D3-DF81-B6FA-5961C6D77AD1}"/>
+              </a:ext>
+            </a:extLst>
+          </p:cNvPr>
+          <p:cNvSpPr txBox="1"/>
+          <p:nvPr/>
+        </p:nvSpPr>
+        <p:spPr>
+          <a:xfrm>
+            <a:off x="7578280" y="3746651"/>
+            <a:ext cx="1096903" cy="276999"/>
+          </a:xfrm>
+          <a:prstGeom prst="rect">
+            <a:avLst/>
+          </a:prstGeom>
+          <a:noFill/>
+        </p:spPr>
+        <p:txBody>
+          <a:bodyPr wrap="none" rtlCol="0">
+            <a:spAutoFit/>
+          </a:bodyPr>
+          <a:lstStyle/>
+          <a:p>
+            <a:r>
+              <a:rPr lang="en-TH" sz="1200" dirty="0">
+                <a:solidFill>
+                  <a:schemeClr val="accent2">
+                    <a:lumMod val="60000"/>
+                    <a:lumOff val="40000"/>
+                  </a:schemeClr>
+                </a:solidFill>
+              </a:rPr>
+              <a:t>Dependents</a:t>
+            </a:r>
+          </a:p>
+        </p:txBody>
+      </p:sp>
+      <p:sp>
+        <p:nvSpPr>
+          <p:cNvPr id="29" name="TextBox 28">
+            <a:extLst>
+              <a:ext uri="{FF2B5EF4-FFF2-40B4-BE49-F238E27FC236}">
+                <a16:creationId xmlns:a16="http://schemas.microsoft.com/office/drawing/2014/main" id="{C9C8DC05-E358-BA72-C96B-AA4CE86F43E3}"/>
+              </a:ext>
+            </a:extLst>
+          </p:cNvPr>
+          <p:cNvSpPr txBox="1"/>
+          <p:nvPr/>
+        </p:nvSpPr>
+        <p:spPr>
+          <a:xfrm>
+            <a:off x="5788557" y="2783176"/>
+            <a:ext cx="1893467" cy="307777"/>
+          </a:xfrm>
+          <a:prstGeom prst="rect">
+            <a:avLst/>
+          </a:prstGeom>
+          <a:noFill/>
+        </p:spPr>
+        <p:txBody>
+          <a:bodyPr wrap="none" rtlCol="0">
+            <a:spAutoFit/>
+          </a:bodyPr>
+          <a:lstStyle/>
+          <a:p>
+            <a:r>
+              <a:rPr lang="en-TH" sz="1400" dirty="0">
+                <a:solidFill>
+                  <a:schemeClr val="accent2">
+                    <a:lumMod val="60000"/>
+                    <a:lumOff val="40000"/>
+                  </a:schemeClr>
+                </a:solidFill>
+              </a:rPr>
+              <a:t>Multiple lines service</a:t>
+            </a:r>
+          </a:p>
+        </p:txBody>
+      </p:sp>
+      <p:sp>
+        <p:nvSpPr>
+          <p:cNvPr id="30" name="TextBox 29">
+            <a:extLst>
+              <a:ext uri="{FF2B5EF4-FFF2-40B4-BE49-F238E27FC236}">
+                <a16:creationId xmlns:a16="http://schemas.microsoft.com/office/drawing/2014/main" id="{3BDA1634-3544-199D-BDCB-80E8FC17A926}"/>
+              </a:ext>
+            </a:extLst>
+          </p:cNvPr>
+          <p:cNvSpPr txBox="1"/>
+          <p:nvPr/>
+        </p:nvSpPr>
+        <p:spPr>
+          <a:xfrm>
+            <a:off x="4256469" y="2394951"/>
+            <a:ext cx="1326004" cy="307777"/>
+          </a:xfrm>
+          <a:prstGeom prst="rect">
+            <a:avLst/>
+          </a:prstGeom>
+          <a:noFill/>
+        </p:spPr>
+        <p:txBody>
+          <a:bodyPr wrap="none" rtlCol="0">
+            <a:spAutoFit/>
+          </a:bodyPr>
+          <a:lstStyle/>
+          <a:p>
+            <a:r>
+              <a:rPr lang="en-TH" sz="1400" dirty="0">
+                <a:solidFill>
+                  <a:schemeClr val="accent2">
+                    <a:lumMod val="60000"/>
+                    <a:lumOff val="40000"/>
+                  </a:schemeClr>
+                </a:solidFill>
+              </a:rPr>
+              <a:t>Phone service</a:t>
+            </a:r>
+          </a:p>
+        </p:txBody>
+      </p:sp>
+      <p:sp>
+        <p:nvSpPr>
+          <p:cNvPr id="31" name="TextBox 30">
+            <a:extLst>
+              <a:ext uri="{FF2B5EF4-FFF2-40B4-BE49-F238E27FC236}">
+                <a16:creationId xmlns:a16="http://schemas.microsoft.com/office/drawing/2014/main" id="{0BF4DE41-5D3D-26F1-E37C-E6F1C2917472}"/>
+              </a:ext>
+            </a:extLst>
+          </p:cNvPr>
+          <p:cNvSpPr txBox="1"/>
+          <p:nvPr/>
+        </p:nvSpPr>
+        <p:spPr>
+          <a:xfrm>
+            <a:off x="3292948" y="3252435"/>
+            <a:ext cx="1931298" cy="369332"/>
+          </a:xfrm>
+          <a:prstGeom prst="rect">
+            <a:avLst/>
+          </a:prstGeom>
+          <a:noFill/>
+        </p:spPr>
+        <p:txBody>
+          <a:bodyPr wrap="none" rtlCol="0">
+            <a:spAutoFit/>
+          </a:bodyPr>
+          <a:lstStyle/>
+          <a:p>
+            <a:r>
+              <a:rPr lang="en-TH" b="1" dirty="0">
+                <a:solidFill>
+                  <a:schemeClr val="accent2"/>
+                </a:solidFill>
+              </a:rPr>
+              <a:t>Internet service</a:t>
+            </a:r>
+          </a:p>
+        </p:txBody>
+      </p:sp>
+      <p:sp>
+        <p:nvSpPr>
+          <p:cNvPr id="32" name="TextBox 31">
+            <a:extLst>
+              <a:ext uri="{FF2B5EF4-FFF2-40B4-BE49-F238E27FC236}">
+                <a16:creationId xmlns:a16="http://schemas.microsoft.com/office/drawing/2014/main" id="{EE489D1B-9D73-BD71-8676-92651877D09F}"/>
+              </a:ext>
+            </a:extLst>
+          </p:cNvPr>
+          <p:cNvSpPr txBox="1"/>
+          <p:nvPr/>
+        </p:nvSpPr>
+        <p:spPr>
+          <a:xfrm>
+            <a:off x="6088082" y="4644272"/>
+            <a:ext cx="1241045" cy="276999"/>
+          </a:xfrm>
+          <a:prstGeom prst="rect">
+            <a:avLst/>
+          </a:prstGeom>
+          <a:noFill/>
+        </p:spPr>
+        <p:txBody>
+          <a:bodyPr wrap="none" rtlCol="0">
+            <a:spAutoFit/>
+          </a:bodyPr>
+          <a:lstStyle/>
+          <a:p>
+            <a:r>
+              <a:rPr lang="en-TH" sz="1200" dirty="0">
+                <a:solidFill>
+                  <a:schemeClr val="accent2">
+                    <a:lumMod val="60000"/>
+                    <a:lumOff val="40000"/>
+                  </a:schemeClr>
+                </a:solidFill>
+              </a:rPr>
+              <a:t>Online security</a:t>
+            </a:r>
+          </a:p>
+        </p:txBody>
+      </p:sp>
+      <p:sp>
+        <p:nvSpPr>
+          <p:cNvPr id="33" name="TextBox 32">
+            <a:extLst>
+              <a:ext uri="{FF2B5EF4-FFF2-40B4-BE49-F238E27FC236}">
+                <a16:creationId xmlns:a16="http://schemas.microsoft.com/office/drawing/2014/main" id="{735A511A-161A-741F-EA37-B81870547874}"/>
+              </a:ext>
+            </a:extLst>
+          </p:cNvPr>
+          <p:cNvSpPr txBox="1"/>
+          <p:nvPr/>
+        </p:nvSpPr>
+        <p:spPr>
+          <a:xfrm>
+            <a:off x="7355556" y="4659763"/>
+            <a:ext cx="1219949" cy="276999"/>
+          </a:xfrm>
+          <a:prstGeom prst="rect">
+            <a:avLst/>
+          </a:prstGeom>
+          <a:noFill/>
+        </p:spPr>
+        <p:txBody>
+          <a:bodyPr wrap="none" rtlCol="0">
+            <a:spAutoFit/>
+          </a:bodyPr>
+          <a:lstStyle/>
+          <a:p>
+            <a:r>
+              <a:rPr lang="en-TH" sz="1200" dirty="0">
+                <a:solidFill>
+                  <a:schemeClr val="accent2">
+                    <a:lumMod val="60000"/>
+                    <a:lumOff val="40000"/>
+                  </a:schemeClr>
+                </a:solidFill>
+              </a:rPr>
+              <a:t>Online backup</a:t>
+            </a:r>
+          </a:p>
+        </p:txBody>
+      </p:sp>
+      <p:sp>
+        <p:nvSpPr>
+          <p:cNvPr id="34" name="TextBox 33">
+            <a:extLst>
+              <a:ext uri="{FF2B5EF4-FFF2-40B4-BE49-F238E27FC236}">
+                <a16:creationId xmlns:a16="http://schemas.microsoft.com/office/drawing/2014/main" id="{2B64DCB5-16D0-0326-CA45-CDF5628DB48B}"/>
+              </a:ext>
+            </a:extLst>
+          </p:cNvPr>
+          <p:cNvSpPr txBox="1"/>
+          <p:nvPr/>
+        </p:nvSpPr>
+        <p:spPr>
+          <a:xfrm>
+            <a:off x="3108449" y="3736018"/>
+            <a:ext cx="1144224" cy="276999"/>
+          </a:xfrm>
+          <a:prstGeom prst="rect">
+            <a:avLst/>
+          </a:prstGeom>
+          <a:noFill/>
+        </p:spPr>
+        <p:txBody>
+          <a:bodyPr wrap="none" rtlCol="0">
+            <a:spAutoFit/>
+          </a:bodyPr>
+          <a:lstStyle/>
+          <a:p>
+            <a:r>
+              <a:rPr lang="en-TH" sz="1200" dirty="0">
+                <a:solidFill>
+                  <a:schemeClr val="accent2">
+                    <a:lumMod val="60000"/>
+                    <a:lumOff val="40000"/>
+                  </a:schemeClr>
+                </a:solidFill>
+              </a:rPr>
+              <a:t>Tech support</a:t>
+            </a:r>
+          </a:p>
+        </p:txBody>
+      </p:sp>
+      <p:sp>
+        <p:nvSpPr>
+          <p:cNvPr id="35" name="TextBox 34">
+            <a:extLst>
+              <a:ext uri="{FF2B5EF4-FFF2-40B4-BE49-F238E27FC236}">
+                <a16:creationId xmlns:a16="http://schemas.microsoft.com/office/drawing/2014/main" id="{92B7811D-8D49-CBA8-B520-B558C7946755}"/>
+              </a:ext>
+            </a:extLst>
+          </p:cNvPr>
+          <p:cNvSpPr txBox="1"/>
+          <p:nvPr/>
+        </p:nvSpPr>
+        <p:spPr>
+          <a:xfrm>
+            <a:off x="4322577" y="4198979"/>
+            <a:ext cx="1640129" cy="307777"/>
+          </a:xfrm>
+          <a:prstGeom prst="rect">
+            <a:avLst/>
+          </a:prstGeom>
+          <a:noFill/>
+        </p:spPr>
+        <p:txBody>
+          <a:bodyPr wrap="none" rtlCol="0">
+            <a:spAutoFit/>
+          </a:bodyPr>
+          <a:lstStyle/>
+          <a:p>
+            <a:r>
+              <a:rPr lang="en-TH" sz="1400" dirty="0">
+                <a:solidFill>
+                  <a:schemeClr val="accent2">
+                    <a:lumMod val="60000"/>
+                    <a:lumOff val="40000"/>
+                  </a:schemeClr>
+                </a:solidFill>
+              </a:rPr>
+              <a:t>Device protection</a:t>
+            </a:r>
+          </a:p>
+        </p:txBody>
+      </p:sp>
+      <p:sp>
+        <p:nvSpPr>
+          <p:cNvPr id="36" name="TextBox 35">
+            <a:extLst>
+              <a:ext uri="{FF2B5EF4-FFF2-40B4-BE49-F238E27FC236}">
+                <a16:creationId xmlns:a16="http://schemas.microsoft.com/office/drawing/2014/main" id="{3DE16959-24EC-8FEB-6781-64C3C622390B}"/>
+              </a:ext>
+            </a:extLst>
+          </p:cNvPr>
+          <p:cNvSpPr txBox="1"/>
+          <p:nvPr/>
+        </p:nvSpPr>
+        <p:spPr>
+          <a:xfrm>
+            <a:off x="5985959" y="4092556"/>
+            <a:ext cx="2508957" cy="523220"/>
+          </a:xfrm>
+          <a:prstGeom prst="rect">
+            <a:avLst/>
+          </a:prstGeom>
+          <a:noFill/>
+        </p:spPr>
+        <p:txBody>
+          <a:bodyPr wrap="none" rtlCol="0">
+            <a:spAutoFit/>
+          </a:bodyPr>
+          <a:lstStyle/>
+          <a:p>
+            <a:r>
+              <a:rPr lang="en-TH" sz="2800" b="1" dirty="0">
+                <a:solidFill>
+                  <a:schemeClr val="accent2"/>
+                </a:solidFill>
+              </a:rPr>
+              <a:t>Streaming TV</a:t>
+            </a:r>
+          </a:p>
+        </p:txBody>
+      </p:sp>
+      <p:sp>
+        <p:nvSpPr>
+          <p:cNvPr id="37" name="TextBox 36">
+            <a:extLst>
+              <a:ext uri="{FF2B5EF4-FFF2-40B4-BE49-F238E27FC236}">
+                <a16:creationId xmlns:a16="http://schemas.microsoft.com/office/drawing/2014/main" id="{7556964D-5604-71E6-6D56-335BA50D2DF1}"/>
+              </a:ext>
+            </a:extLst>
+          </p:cNvPr>
+          <p:cNvSpPr txBox="1"/>
+          <p:nvPr/>
+        </p:nvSpPr>
+        <p:spPr>
+          <a:xfrm>
+            <a:off x="4201207" y="3615952"/>
+            <a:ext cx="3328668" cy="523220"/>
+          </a:xfrm>
+          <a:prstGeom prst="rect">
+            <a:avLst/>
+          </a:prstGeom>
+          <a:noFill/>
+        </p:spPr>
+        <p:txBody>
+          <a:bodyPr wrap="none" rtlCol="0">
+            <a:spAutoFit/>
+          </a:bodyPr>
+          <a:lstStyle/>
+          <a:p>
+            <a:r>
+              <a:rPr lang="en-TH" sz="2800" b="1" dirty="0">
+                <a:solidFill>
+                  <a:schemeClr val="accent2"/>
+                </a:solidFill>
+              </a:rPr>
+              <a:t>Streaming Movies</a:t>
+            </a:r>
+          </a:p>
+        </p:txBody>
+      </p:sp>
+      <p:sp>
+        <p:nvSpPr>
+          <p:cNvPr id="38" name="TextBox 37">
+            <a:extLst>
+              <a:ext uri="{FF2B5EF4-FFF2-40B4-BE49-F238E27FC236}">
+                <a16:creationId xmlns:a16="http://schemas.microsoft.com/office/drawing/2014/main" id="{2CC38B5E-8EF4-B1D2-389B-725FF413018E}"/>
+              </a:ext>
+            </a:extLst>
+          </p:cNvPr>
+          <p:cNvSpPr txBox="1"/>
+          <p:nvPr/>
+        </p:nvSpPr>
+        <p:spPr>
+          <a:xfrm>
+            <a:off x="3354542" y="4206715"/>
+            <a:ext cx="786882" cy="276999"/>
+          </a:xfrm>
+          <a:prstGeom prst="rect">
+            <a:avLst/>
+          </a:prstGeom>
+          <a:noFill/>
+        </p:spPr>
+        <p:txBody>
+          <a:bodyPr wrap="none" rtlCol="0">
+            <a:spAutoFit/>
+          </a:bodyPr>
+          <a:lstStyle/>
+          <a:p>
+            <a:r>
+              <a:rPr lang="en-TH" sz="1200" dirty="0">
+                <a:solidFill>
+                  <a:schemeClr val="accent2">
+                    <a:lumMod val="60000"/>
+                    <a:lumOff val="40000"/>
+                  </a:schemeClr>
+                </a:solidFill>
+              </a:rPr>
+              <a:t>Contract</a:t>
+            </a:r>
+          </a:p>
+        </p:txBody>
+      </p:sp>
+      <p:sp>
+        <p:nvSpPr>
+          <p:cNvPr id="39" name="TextBox 38">
+            <a:extLst>
+              <a:ext uri="{FF2B5EF4-FFF2-40B4-BE49-F238E27FC236}">
+                <a16:creationId xmlns:a16="http://schemas.microsoft.com/office/drawing/2014/main" id="{9795227C-12C0-0139-BABB-D6900B4FB622}"/>
+              </a:ext>
+            </a:extLst>
+          </p:cNvPr>
+          <p:cNvSpPr txBox="1"/>
+          <p:nvPr/>
+        </p:nvSpPr>
+        <p:spPr>
+          <a:xfrm>
+            <a:off x="3045575" y="4491449"/>
+            <a:ext cx="3066032" cy="523220"/>
+          </a:xfrm>
+          <a:prstGeom prst="rect">
+            <a:avLst/>
+          </a:prstGeom>
+          <a:noFill/>
+        </p:spPr>
+        <p:txBody>
+          <a:bodyPr wrap="none" rtlCol="0">
+            <a:spAutoFit/>
+          </a:bodyPr>
+          <a:lstStyle/>
+          <a:p>
+            <a:r>
+              <a:rPr lang="en-TH" sz="2800" b="1" dirty="0">
+                <a:solidFill>
+                  <a:schemeClr val="accent2"/>
+                </a:solidFill>
+              </a:rPr>
+              <a:t>Paperless billing</a:t>
+            </a:r>
+          </a:p>
+        </p:txBody>
+      </p:sp>
+      <p:sp>
+        <p:nvSpPr>
+          <p:cNvPr id="40" name="TextBox 39">
+            <a:extLst>
+              <a:ext uri="{FF2B5EF4-FFF2-40B4-BE49-F238E27FC236}">
+                <a16:creationId xmlns:a16="http://schemas.microsoft.com/office/drawing/2014/main" id="{A358AF00-97C2-B538-E582-8B1B769F17CC}"/>
+              </a:ext>
+            </a:extLst>
+          </p:cNvPr>
+          <p:cNvSpPr txBox="1"/>
+          <p:nvPr/>
+        </p:nvSpPr>
+        <p:spPr>
+          <a:xfrm>
+            <a:off x="4852529" y="5031565"/>
+            <a:ext cx="3155479" cy="523220"/>
+          </a:xfrm>
+          <a:prstGeom prst="rect">
+            <a:avLst/>
+          </a:prstGeom>
+          <a:noFill/>
+        </p:spPr>
+        <p:txBody>
+          <a:bodyPr wrap="none" rtlCol="0">
+            <a:spAutoFit/>
+          </a:bodyPr>
+          <a:lstStyle/>
+          <a:p>
+            <a:r>
+              <a:rPr lang="en-TH" sz="2800" b="1" dirty="0">
+                <a:solidFill>
+                  <a:schemeClr val="accent2"/>
+                </a:solidFill>
+              </a:rPr>
+              <a:t>Payment method</a:t>
+            </a:r>
+          </a:p>
+        </p:txBody>
+      </p:sp>
+      <p:sp>
+        <p:nvSpPr>
+          <p:cNvPr id="41" name="TextBox 40">
+            <a:extLst>
+              <a:ext uri="{FF2B5EF4-FFF2-40B4-BE49-F238E27FC236}">
+                <a16:creationId xmlns:a16="http://schemas.microsoft.com/office/drawing/2014/main" id="{3CD8C953-5D59-EBE2-9CF3-4ED256A9B7A9}"/>
+              </a:ext>
+            </a:extLst>
+          </p:cNvPr>
+          <p:cNvSpPr txBox="1"/>
+          <p:nvPr/>
+        </p:nvSpPr>
+        <p:spPr>
+          <a:xfrm>
+            <a:off x="5678245" y="2364173"/>
+            <a:ext cx="2053767" cy="369332"/>
+          </a:xfrm>
+          <a:prstGeom prst="rect">
+            <a:avLst/>
+          </a:prstGeom>
+          <a:noFill/>
+        </p:spPr>
+        <p:txBody>
+          <a:bodyPr wrap="none" rtlCol="0">
+            <a:spAutoFit/>
+          </a:bodyPr>
+          <a:lstStyle/>
+          <a:p>
+            <a:r>
+              <a:rPr lang="en-TH" b="1" dirty="0">
+                <a:solidFill>
+                  <a:schemeClr val="accent2"/>
+                </a:solidFill>
+              </a:rPr>
+              <a:t>Monthly charges</a:t>
+            </a:r>
+          </a:p>
+        </p:txBody>
+      </p:sp>
+      <p:sp>
+        <p:nvSpPr>
+          <p:cNvPr id="42" name="TextBox 41">
+            <a:extLst>
+              <a:ext uri="{FF2B5EF4-FFF2-40B4-BE49-F238E27FC236}">
+                <a16:creationId xmlns:a16="http://schemas.microsoft.com/office/drawing/2014/main" id="{3E8CB22D-0B94-8940-1CB6-F8A2A7D1C231}"/>
+              </a:ext>
+            </a:extLst>
+          </p:cNvPr>
+          <p:cNvSpPr txBox="1"/>
+          <p:nvPr/>
+        </p:nvSpPr>
+        <p:spPr>
+          <a:xfrm>
+            <a:off x="3539249" y="5139287"/>
+            <a:ext cx="1268617" cy="307777"/>
+          </a:xfrm>
+          <a:prstGeom prst="rect">
+            <a:avLst/>
+          </a:prstGeom>
+          <a:noFill/>
+        </p:spPr>
+        <p:txBody>
+          <a:bodyPr wrap="none" rtlCol="0">
+            <a:spAutoFit/>
+          </a:bodyPr>
+          <a:lstStyle/>
+          <a:p>
+            <a:r>
+              <a:rPr lang="en-TH" sz="1400" dirty="0">
+                <a:solidFill>
+                  <a:schemeClr val="accent2">
+                    <a:lumMod val="60000"/>
+                    <a:lumOff val="40000"/>
+                  </a:schemeClr>
+                </a:solidFill>
+              </a:rPr>
+              <a:t>Total charges</a:t>
+            </a:r>
+          </a:p>
+        </p:txBody>
+      </p:sp>
+      <p:sp>
+        <p:nvSpPr>
+          <p:cNvPr id="48" name="TextBox 47">
+            <a:extLst>
+              <a:ext uri="{FF2B5EF4-FFF2-40B4-BE49-F238E27FC236}">
+                <a16:creationId xmlns:a16="http://schemas.microsoft.com/office/drawing/2014/main" id="{D8148603-B6EC-39EF-78A2-083F39448380}"/>
+              </a:ext>
+            </a:extLst>
+          </p:cNvPr>
+          <p:cNvSpPr txBox="1"/>
+          <p:nvPr/>
+        </p:nvSpPr>
+        <p:spPr>
+          <a:xfrm>
+            <a:off x="4173557" y="1705329"/>
+            <a:ext cx="3288336" cy="369332"/>
+          </a:xfrm>
+          <a:prstGeom prst="rect">
+            <a:avLst/>
+          </a:prstGeom>
+          <a:noFill/>
+        </p:spPr>
+        <p:txBody>
+          <a:bodyPr wrap="none" rtlCol="0">
+            <a:spAutoFit/>
+          </a:bodyPr>
+          <a:lstStyle/>
+          <a:p>
+            <a:r>
+              <a:rPr lang="en-TH" b="1" dirty="0">
+                <a:solidFill>
+                  <a:schemeClr val="accent3">
+                    <a:lumMod val="20000"/>
+                    <a:lumOff val="80000"/>
+                  </a:schemeClr>
+                </a:solidFill>
+              </a:rPr>
+              <a:t>Analyze concerned features</a:t>
+            </a:r>
+          </a:p>
+        </p:txBody>
+      </p:sp>
+    </p:spTree>
+    <p:extLst>
+      <p:ext uri="{BB962C8B-B14F-4D97-AF65-F5344CB8AC3E}">
+        <p14:creationId xmlns:p14="http://schemas.microsoft.com/office/powerpoint/2010/main" val="4093686591"/>
+      </p:ext>
+    </p:extLst>
+  </p:cSld>
+  <p:clrMapOvr>
+    <a:masterClrMapping/>
+  </p:clrMapOvr>
+</p:sld>
+</file>
+
+<file path=ppt/slides/slide5.xml><?xml version="1.0" encoding="utf-8"?>
+<p:sld xmlns:a="http://schemas.openxmlformats.org/drawingml/2006/main" xmlns:r="http://schemas.openxmlformats.org/officeDocument/2006/relationships" xmlns:p="http://schemas.openxmlformats.org/presentationml/2006/main">
+  <p:cSld>
+    <p:spTree>
+      <p:nvGrpSpPr>
+        <p:cNvPr id="1" name=""/>
+        <p:cNvGrpSpPr/>
+        <p:nvPr/>
+      </p:nvGrpSpPr>
+      <p:grpSpPr>
+        <a:xfrm>
+          <a:off x="0" y="0"/>
+          <a:ext cx="0" cy="0"/>
+          <a:chOff x="0" y="0"/>
+          <a:chExt cx="0" cy="0"/>
+        </a:xfrm>
+      </p:grpSpPr>
+      <p:sp>
+        <p:nvSpPr>
+          <p:cNvPr id="4" name="Rectangle 3">
+            <a:extLst>
+              <a:ext uri="{FF2B5EF4-FFF2-40B4-BE49-F238E27FC236}">
                 <a16:creationId xmlns:a16="http://schemas.microsoft.com/office/drawing/2014/main" id="{902EF9E8-4430-B155-443E-8271D25D5AB0}"/>
               </a:ext>
             </a:extLst>
@@ -20357,7 +25193,7 @@
                   </a:outerShdw>
                 </a:effectLst>
               </a:rPr>
-              <a:t>Concerned features</a:t>
+              <a:t>Concerned features review</a:t>
             </a:r>
             <a:endParaRPr lang="en-TH" sz="2400" b="1" dirty="0">
               <a:solidFill>
@@ -20481,7 +25317,7 @@
         </p:nvSpPr>
         <p:spPr>
           <a:xfrm>
-            <a:off x="398033" y="4517021"/>
+            <a:off x="481158" y="4517021"/>
             <a:ext cx="1011219" cy="1794263"/>
           </a:xfrm>
           <a:prstGeom prst="rect">
@@ -20935,6 +25771,182 @@
           </a:p>
         </p:txBody>
       </p:sp>
+      <p:sp>
+        <p:nvSpPr>
+          <p:cNvPr id="15" name="Rectangle 14">
+            <a:extLst>
+              <a:ext uri="{FF2B5EF4-FFF2-40B4-BE49-F238E27FC236}">
+                <a16:creationId xmlns:a16="http://schemas.microsoft.com/office/drawing/2014/main" id="{BC347695-2A61-B5EF-7C8C-3E10D95EB2F6}"/>
+              </a:ext>
+            </a:extLst>
+          </p:cNvPr>
+          <p:cNvSpPr/>
+          <p:nvPr/>
+        </p:nvSpPr>
+        <p:spPr>
+          <a:xfrm>
+            <a:off x="6816439" y="1000145"/>
+            <a:ext cx="168941" cy="168941"/>
+          </a:xfrm>
+          <a:prstGeom prst="rect">
+            <a:avLst/>
+          </a:prstGeom>
+          <a:solidFill>
+            <a:schemeClr val="accent2"/>
+          </a:solidFill>
+          <a:ln>
+            <a:noFill/>
+          </a:ln>
+        </p:spPr>
+        <p:style>
+          <a:lnRef idx="2">
+            <a:schemeClr val="accent1">
+              <a:shade val="50000"/>
+            </a:schemeClr>
+          </a:lnRef>
+          <a:fillRef idx="1">
+            <a:schemeClr val="accent1"/>
+          </a:fillRef>
+          <a:effectRef idx="0">
+            <a:schemeClr val="accent1"/>
+          </a:effectRef>
+          <a:fontRef idx="minor">
+            <a:schemeClr val="lt1"/>
+          </a:fontRef>
+        </p:style>
+        <p:txBody>
+          <a:bodyPr rtlCol="0" anchor="ctr"/>
+          <a:lstStyle/>
+          <a:p>
+            <a:pPr algn="ctr"/>
+            <a:endParaRPr lang="en-TH" dirty="0"/>
+          </a:p>
+        </p:txBody>
+      </p:sp>
+      <p:sp>
+        <p:nvSpPr>
+          <p:cNvPr id="17" name="Rectangle 16">
+            <a:extLst>
+              <a:ext uri="{FF2B5EF4-FFF2-40B4-BE49-F238E27FC236}">
+                <a16:creationId xmlns:a16="http://schemas.microsoft.com/office/drawing/2014/main" id="{E4F955F7-4A86-D829-F1CF-6BC8501C2B7A}"/>
+              </a:ext>
+            </a:extLst>
+          </p:cNvPr>
+          <p:cNvSpPr/>
+          <p:nvPr/>
+        </p:nvSpPr>
+        <p:spPr>
+          <a:xfrm>
+            <a:off x="7755884" y="1000145"/>
+            <a:ext cx="168941" cy="168941"/>
+          </a:xfrm>
+          <a:prstGeom prst="rect">
+            <a:avLst/>
+          </a:prstGeom>
+          <a:solidFill>
+            <a:schemeClr val="tx1">
+              <a:lumMod val="85000"/>
+            </a:schemeClr>
+          </a:solidFill>
+          <a:ln>
+            <a:noFill/>
+          </a:ln>
+        </p:spPr>
+        <p:style>
+          <a:lnRef idx="2">
+            <a:schemeClr val="accent1">
+              <a:shade val="50000"/>
+            </a:schemeClr>
+          </a:lnRef>
+          <a:fillRef idx="1">
+            <a:schemeClr val="accent1"/>
+          </a:fillRef>
+          <a:effectRef idx="0">
+            <a:schemeClr val="accent1"/>
+          </a:effectRef>
+          <a:fontRef idx="minor">
+            <a:schemeClr val="lt1"/>
+          </a:fontRef>
+        </p:style>
+        <p:txBody>
+          <a:bodyPr rtlCol="0" anchor="ctr"/>
+          <a:lstStyle/>
+          <a:p>
+            <a:pPr algn="ctr"/>
+            <a:endParaRPr lang="en-TH" dirty="0"/>
+          </a:p>
+        </p:txBody>
+      </p:sp>
+      <p:sp>
+        <p:nvSpPr>
+          <p:cNvPr id="20" name="TextBox 19">
+            <a:extLst>
+              <a:ext uri="{FF2B5EF4-FFF2-40B4-BE49-F238E27FC236}">
+                <a16:creationId xmlns:a16="http://schemas.microsoft.com/office/drawing/2014/main" id="{7E39749A-AB9B-42C6-C138-EFF07DA2C076}"/>
+              </a:ext>
+            </a:extLst>
+          </p:cNvPr>
+          <p:cNvSpPr txBox="1"/>
+          <p:nvPr/>
+        </p:nvSpPr>
+        <p:spPr>
+          <a:xfrm>
+            <a:off x="6985380" y="930727"/>
+            <a:ext cx="691215" cy="307777"/>
+          </a:xfrm>
+          <a:prstGeom prst="rect">
+            <a:avLst/>
+          </a:prstGeom>
+          <a:noFill/>
+        </p:spPr>
+        <p:txBody>
+          <a:bodyPr wrap="none" rtlCol="0" anchor="ctr">
+            <a:spAutoFit/>
+          </a:bodyPr>
+          <a:lstStyle/>
+          <a:p>
+            <a:r>
+              <a:rPr lang="en-TH" sz="1400" dirty="0"/>
+              <a:t>Churn</a:t>
+            </a:r>
+          </a:p>
+        </p:txBody>
+      </p:sp>
+      <p:sp>
+        <p:nvSpPr>
+          <p:cNvPr id="22" name="TextBox 21">
+            <a:extLst>
+              <a:ext uri="{FF2B5EF4-FFF2-40B4-BE49-F238E27FC236}">
+                <a16:creationId xmlns:a16="http://schemas.microsoft.com/office/drawing/2014/main" id="{5BA68405-B834-8705-C3E6-8A5E40DC6BF6}"/>
+              </a:ext>
+            </a:extLst>
+          </p:cNvPr>
+          <p:cNvSpPr txBox="1"/>
+          <p:nvPr/>
+        </p:nvSpPr>
+        <p:spPr>
+          <a:xfrm>
+            <a:off x="7924825" y="930727"/>
+            <a:ext cx="998991" cy="307777"/>
+          </a:xfrm>
+          <a:prstGeom prst="rect">
+            <a:avLst/>
+          </a:prstGeom>
+          <a:noFill/>
+        </p:spPr>
+        <p:txBody>
+          <a:bodyPr wrap="none" rtlCol="0" anchor="ctr">
+            <a:spAutoFit/>
+          </a:bodyPr>
+          <a:lstStyle/>
+          <a:p>
+            <a:r>
+              <a:rPr lang="en-TH" sz="1400" dirty="0"/>
+              <a:t>Not churn</a:t>
+            </a:r>
+          </a:p>
+        </p:txBody>
+      </p:sp>
     </p:spTree>
     <p:extLst>
       <p:ext uri="{BB962C8B-B14F-4D97-AF65-F5344CB8AC3E}">
@@ -20948,7 +25960,7 @@
 </p:sld>
 </file>
 
-<file path=ppt/slides/slide5.xml><?xml version="1.0" encoding="utf-8"?>
+<file path=ppt/slides/slide6.xml><?xml version="1.0" encoding="utf-8"?>
 <p:sld xmlns:a="http://schemas.openxmlformats.org/drawingml/2006/main" xmlns:r="http://schemas.openxmlformats.org/officeDocument/2006/relationships" xmlns:p="http://schemas.openxmlformats.org/presentationml/2006/main">
   <p:cSld>
     <p:spTree>
@@ -21514,7 +26526,7 @@
                   </a:outerShdw>
                 </a:effectLst>
               </a:rPr>
-              <a:t>Concerned features</a:t>
+              <a:t>Concerned features review</a:t>
             </a:r>
             <a:endParaRPr lang="en-TH" sz="2400" b="1" dirty="0">
               <a:solidFill>
@@ -21827,7 +26839,7 @@
         </p:nvSpPr>
         <p:spPr>
           <a:xfrm>
-            <a:off x="6182599" y="4250097"/>
+            <a:off x="4992473" y="4250097"/>
             <a:ext cx="945907" cy="1803230"/>
           </a:xfrm>
           <a:prstGeom prst="rect">
@@ -22027,7 +27039,7 @@
         </p:nvSpPr>
         <p:spPr>
           <a:xfrm>
-            <a:off x="7128506" y="4157054"/>
+            <a:off x="4430222" y="3671778"/>
             <a:ext cx="1313180" cy="553998"/>
           </a:xfrm>
           <a:prstGeom prst="rect">
@@ -22041,6 +27053,7 @@
           </a:bodyPr>
           <a:lstStyle/>
           <a:p>
+            <a:pPr algn="r"/>
             <a:r>
               <a:rPr lang="en-TH" sz="1000" b="1" dirty="0">
                 <a:solidFill>
@@ -22051,6 +27064,7 @@
             </a:r>
           </a:p>
           <a:p>
+            <a:pPr algn="r"/>
             <a:r>
               <a:rPr lang="en-TH" sz="1000" b="1" dirty="0">
                 <a:solidFill>
@@ -22061,6 +27075,7 @@
             </a:r>
           </a:p>
           <a:p>
+            <a:pPr algn="r"/>
             <a:r>
               <a:rPr lang="en-TH" sz="1000" b="1" dirty="0">
                 <a:solidFill>
@@ -22068,6 +27083,182 @@
                 </a:solidFill>
               </a:rPr>
               <a:t>Churned</a:t>
+            </a:r>
+          </a:p>
+        </p:txBody>
+      </p:sp>
+      <p:sp>
+        <p:nvSpPr>
+          <p:cNvPr id="2" name="Rectangle 1">
+            <a:extLst>
+              <a:ext uri="{FF2B5EF4-FFF2-40B4-BE49-F238E27FC236}">
+                <a16:creationId xmlns:a16="http://schemas.microsoft.com/office/drawing/2014/main" id="{E2DF6746-89DA-B1B9-661A-0FC1B9F70A59}"/>
+              </a:ext>
+            </a:extLst>
+          </p:cNvPr>
+          <p:cNvSpPr/>
+          <p:nvPr/>
+        </p:nvSpPr>
+        <p:spPr>
+          <a:xfrm>
+            <a:off x="6816439" y="1000145"/>
+            <a:ext cx="168941" cy="168941"/>
+          </a:xfrm>
+          <a:prstGeom prst="rect">
+            <a:avLst/>
+          </a:prstGeom>
+          <a:solidFill>
+            <a:schemeClr val="accent2"/>
+          </a:solidFill>
+          <a:ln>
+            <a:noFill/>
+          </a:ln>
+        </p:spPr>
+        <p:style>
+          <a:lnRef idx="2">
+            <a:schemeClr val="accent1">
+              <a:shade val="50000"/>
+            </a:schemeClr>
+          </a:lnRef>
+          <a:fillRef idx="1">
+            <a:schemeClr val="accent1"/>
+          </a:fillRef>
+          <a:effectRef idx="0">
+            <a:schemeClr val="accent1"/>
+          </a:effectRef>
+          <a:fontRef idx="minor">
+            <a:schemeClr val="lt1"/>
+          </a:fontRef>
+        </p:style>
+        <p:txBody>
+          <a:bodyPr rtlCol="0" anchor="ctr"/>
+          <a:lstStyle/>
+          <a:p>
+            <a:pPr algn="ctr"/>
+            <a:endParaRPr lang="en-TH" dirty="0"/>
+          </a:p>
+        </p:txBody>
+      </p:sp>
+      <p:sp>
+        <p:nvSpPr>
+          <p:cNvPr id="3" name="Rectangle 2">
+            <a:extLst>
+              <a:ext uri="{FF2B5EF4-FFF2-40B4-BE49-F238E27FC236}">
+                <a16:creationId xmlns:a16="http://schemas.microsoft.com/office/drawing/2014/main" id="{9F15C4CF-2929-7946-BC86-96A99D11E521}"/>
+              </a:ext>
+            </a:extLst>
+          </p:cNvPr>
+          <p:cNvSpPr/>
+          <p:nvPr/>
+        </p:nvSpPr>
+        <p:spPr>
+          <a:xfrm>
+            <a:off x="7755884" y="1000145"/>
+            <a:ext cx="168941" cy="168941"/>
+          </a:xfrm>
+          <a:prstGeom prst="rect">
+            <a:avLst/>
+          </a:prstGeom>
+          <a:solidFill>
+            <a:schemeClr val="tx1">
+              <a:lumMod val="85000"/>
+            </a:schemeClr>
+          </a:solidFill>
+          <a:ln>
+            <a:noFill/>
+          </a:ln>
+        </p:spPr>
+        <p:style>
+          <a:lnRef idx="2">
+            <a:schemeClr val="accent1">
+              <a:shade val="50000"/>
+            </a:schemeClr>
+          </a:lnRef>
+          <a:fillRef idx="1">
+            <a:schemeClr val="accent1"/>
+          </a:fillRef>
+          <a:effectRef idx="0">
+            <a:schemeClr val="accent1"/>
+          </a:effectRef>
+          <a:fontRef idx="minor">
+            <a:schemeClr val="lt1"/>
+          </a:fontRef>
+        </p:style>
+        <p:txBody>
+          <a:bodyPr rtlCol="0" anchor="ctr"/>
+          <a:lstStyle/>
+          <a:p>
+            <a:pPr algn="ctr"/>
+            <a:endParaRPr lang="en-TH" dirty="0"/>
+          </a:p>
+        </p:txBody>
+      </p:sp>
+      <p:sp>
+        <p:nvSpPr>
+          <p:cNvPr id="11" name="TextBox 10">
+            <a:extLst>
+              <a:ext uri="{FF2B5EF4-FFF2-40B4-BE49-F238E27FC236}">
+                <a16:creationId xmlns:a16="http://schemas.microsoft.com/office/drawing/2014/main" id="{5EB5F739-5280-65AC-1514-6E7791CE07AD}"/>
+              </a:ext>
+            </a:extLst>
+          </p:cNvPr>
+          <p:cNvSpPr txBox="1"/>
+          <p:nvPr/>
+        </p:nvSpPr>
+        <p:spPr>
+          <a:xfrm>
+            <a:off x="6985380" y="930727"/>
+            <a:ext cx="691215" cy="307777"/>
+          </a:xfrm>
+          <a:prstGeom prst="rect">
+            <a:avLst/>
+          </a:prstGeom>
+          <a:noFill/>
+        </p:spPr>
+        <p:txBody>
+          <a:bodyPr wrap="none" rtlCol="0" anchor="ctr">
+            <a:spAutoFit/>
+          </a:bodyPr>
+          <a:lstStyle/>
+          <a:p>
+            <a:r>
+              <a:rPr lang="en-TH" sz="1400" dirty="0"/>
+              <a:t>Churn</a:t>
+            </a:r>
+          </a:p>
+        </p:txBody>
+      </p:sp>
+      <p:sp>
+        <p:nvSpPr>
+          <p:cNvPr id="12" name="TextBox 11">
+            <a:extLst>
+              <a:ext uri="{FF2B5EF4-FFF2-40B4-BE49-F238E27FC236}">
+                <a16:creationId xmlns:a16="http://schemas.microsoft.com/office/drawing/2014/main" id="{A0944750-4BB6-2712-B5EC-445EDE74B50E}"/>
+              </a:ext>
+            </a:extLst>
+          </p:cNvPr>
+          <p:cNvSpPr txBox="1"/>
+          <p:nvPr/>
+        </p:nvSpPr>
+        <p:spPr>
+          <a:xfrm>
+            <a:off x="7924825" y="930727"/>
+            <a:ext cx="998991" cy="307777"/>
+          </a:xfrm>
+          <a:prstGeom prst="rect">
+            <a:avLst/>
+          </a:prstGeom>
+          <a:noFill/>
+        </p:spPr>
+        <p:txBody>
+          <a:bodyPr wrap="none" rtlCol="0" anchor="ctr">
+            <a:spAutoFit/>
+          </a:bodyPr>
+          <a:lstStyle/>
+          <a:p>
+            <a:r>
+              <a:rPr lang="en-TH" sz="1400" dirty="0"/>
+              <a:t>Not churn</a:t>
             </a:r>
           </a:p>
         </p:txBody>
@@ -22085,7 +27276,7 @@
 </p:sld>
 </file>
 
-<file path=ppt/slides/slide6.xml><?xml version="1.0" encoding="utf-8"?>
+<file path=ppt/slides/slide7.xml><?xml version="1.0" encoding="utf-8"?>
 <p:sld xmlns:a="http://schemas.openxmlformats.org/drawingml/2006/main" xmlns:r="http://schemas.openxmlformats.org/officeDocument/2006/relationships" xmlns:p="http://schemas.openxmlformats.org/presentationml/2006/main">
   <p:cSld>
     <p:spTree>
@@ -23439,7 +28630,7 @@
 </p:sld>
 </file>
 
-<file path=ppt/slides/slide7.xml><?xml version="1.0" encoding="utf-8"?>
+<file path=ppt/slides/slide8.xml><?xml version="1.0" encoding="utf-8"?>
 <p:sld xmlns:a="http://schemas.openxmlformats.org/drawingml/2006/main" xmlns:r="http://schemas.openxmlformats.org/officeDocument/2006/relationships" xmlns:p="http://schemas.openxmlformats.org/presentationml/2006/main">
   <p:cSld>
     <p:spTree>
@@ -24664,7 +29855,7 @@
 </p:sld>
 </file>
 
-<file path=ppt/slides/slide8.xml><?xml version="1.0" encoding="utf-8"?>
+<file path=ppt/slides/slide9.xml><?xml version="1.0" encoding="utf-8"?>
 <p:sld xmlns:a="http://schemas.openxmlformats.org/drawingml/2006/main" xmlns:r="http://schemas.openxmlformats.org/officeDocument/2006/relationships" xmlns:p="http://schemas.openxmlformats.org/presentationml/2006/main">
   <p:cSld>
     <p:spTree>
@@ -28706,2007 +33897,6 @@
 </p:sld>
 </file>
 
-<file path=ppt/slides/slide9.xml><?xml version="1.0" encoding="utf-8"?>
-<p:sld xmlns:a="http://schemas.openxmlformats.org/drawingml/2006/main" xmlns:r="http://schemas.openxmlformats.org/officeDocument/2006/relationships" xmlns:p="http://schemas.openxmlformats.org/presentationml/2006/main">
-  <p:cSld>
-    <p:spTree>
-      <p:nvGrpSpPr>
-        <p:cNvPr id="1" name=""/>
-        <p:cNvGrpSpPr/>
-        <p:nvPr/>
-      </p:nvGrpSpPr>
-      <p:grpSpPr>
-        <a:xfrm>
-          <a:off x="0" y="0"/>
-          <a:ext cx="0" cy="0"/>
-          <a:chOff x="0" y="0"/>
-          <a:chExt cx="0" cy="0"/>
-        </a:xfrm>
-      </p:grpSpPr>
-      <p:sp>
-        <p:nvSpPr>
-          <p:cNvPr id="4" name="Rectangle 3">
-            <a:extLst>
-              <a:ext uri="{FF2B5EF4-FFF2-40B4-BE49-F238E27FC236}">
-                <a16:creationId xmlns:a16="http://schemas.microsoft.com/office/drawing/2014/main" id="{B67F581F-0DA3-E130-F2D8-1BDAB98C5959}"/>
-              </a:ext>
-            </a:extLst>
-          </p:cNvPr>
-          <p:cNvSpPr/>
-          <p:nvPr/>
-        </p:nvSpPr>
-        <p:spPr>
-          <a:xfrm>
-            <a:off x="7287237" y="0"/>
-            <a:ext cx="1856764" cy="553673"/>
-          </a:xfrm>
-          <a:prstGeom prst="rect">
-            <a:avLst/>
-          </a:prstGeom>
-          <a:solidFill>
-            <a:schemeClr val="accent2">
-              <a:lumMod val="20000"/>
-              <a:lumOff val="80000"/>
-            </a:schemeClr>
-          </a:solidFill>
-          <a:ln>
-            <a:solidFill>
-              <a:schemeClr val="bg2">
-                <a:lumMod val="90000"/>
-                <a:lumOff val="10000"/>
-              </a:schemeClr>
-            </a:solidFill>
-          </a:ln>
-          <a:effectLst>
-            <a:outerShdw blurRad="50800" dist="38100" algn="l" rotWithShape="0">
-              <a:prstClr val="black">
-                <a:alpha val="40000"/>
-              </a:prstClr>
-            </a:outerShdw>
-          </a:effectLst>
-        </p:spPr>
-        <p:style>
-          <a:lnRef idx="2">
-            <a:schemeClr val="accent1">
-              <a:shade val="50000"/>
-            </a:schemeClr>
-          </a:lnRef>
-          <a:fillRef idx="1">
-            <a:schemeClr val="accent1"/>
-          </a:fillRef>
-          <a:effectRef idx="0">
-            <a:schemeClr val="accent1"/>
-          </a:effectRef>
-          <a:fontRef idx="minor">
-            <a:schemeClr val="lt1"/>
-          </a:fontRef>
-        </p:style>
-        <p:txBody>
-          <a:bodyPr rtlCol="0" anchor="ctr"/>
-          <a:lstStyle/>
-          <a:p>
-            <a:pPr algn="ctr"/>
-            <a:r>
-              <a:rPr lang="en-TH" sz="1200" b="1" dirty="0">
-                <a:solidFill>
-                  <a:schemeClr val="tx1"/>
-                </a:solidFill>
-                <a:effectLst>
-                  <a:outerShdw blurRad="50800" dist="38100" dir="2700000" algn="tl" rotWithShape="0">
-                    <a:prstClr val="black">
-                      <a:alpha val="40000"/>
-                    </a:prstClr>
-                  </a:outerShdw>
-                </a:effectLst>
-              </a:rPr>
-              <a:t>SUMMARY</a:t>
-            </a:r>
-          </a:p>
-        </p:txBody>
-      </p:sp>
-      <p:sp>
-        <p:nvSpPr>
-          <p:cNvPr id="5" name="Pentagon 4">
-            <a:extLst>
-              <a:ext uri="{FF2B5EF4-FFF2-40B4-BE49-F238E27FC236}">
-                <a16:creationId xmlns:a16="http://schemas.microsoft.com/office/drawing/2014/main" id="{ACC6771C-B465-8628-5E26-0B2F0FA79866}"/>
-              </a:ext>
-            </a:extLst>
-          </p:cNvPr>
-          <p:cNvSpPr/>
-          <p:nvPr/>
-        </p:nvSpPr>
-        <p:spPr>
-          <a:xfrm>
-            <a:off x="5465427" y="0"/>
-            <a:ext cx="2088860" cy="553673"/>
-          </a:xfrm>
-          <a:prstGeom prst="homePlate">
-            <a:avLst/>
-          </a:prstGeom>
-          <a:solidFill>
-            <a:schemeClr val="bg2">
-              <a:lumMod val="90000"/>
-              <a:lumOff val="10000"/>
-            </a:schemeClr>
-          </a:solidFill>
-          <a:ln>
-            <a:solidFill>
-              <a:schemeClr val="bg2">
-                <a:lumMod val="90000"/>
-                <a:lumOff val="10000"/>
-              </a:schemeClr>
-            </a:solidFill>
-          </a:ln>
-          <a:effectLst>
-            <a:outerShdw blurRad="50800" dist="38100" algn="l" rotWithShape="0">
-              <a:prstClr val="black">
-                <a:alpha val="40000"/>
-              </a:prstClr>
-            </a:outerShdw>
-          </a:effectLst>
-        </p:spPr>
-        <p:style>
-          <a:lnRef idx="2">
-            <a:schemeClr val="accent1">
-              <a:shade val="50000"/>
-            </a:schemeClr>
-          </a:lnRef>
-          <a:fillRef idx="1">
-            <a:schemeClr val="accent1"/>
-          </a:fillRef>
-          <a:effectRef idx="0">
-            <a:schemeClr val="accent1"/>
-          </a:effectRef>
-          <a:fontRef idx="minor">
-            <a:schemeClr val="lt1"/>
-          </a:fontRef>
-        </p:style>
-        <p:txBody>
-          <a:bodyPr rtlCol="0" anchor="ctr"/>
-          <a:lstStyle/>
-          <a:p>
-            <a:pPr algn="ctr"/>
-            <a:r>
-              <a:rPr lang="en-TH" sz="1200" b="1" dirty="0">
-                <a:solidFill>
-                  <a:schemeClr val="tx1"/>
-                </a:solidFill>
-                <a:effectLst>
-                  <a:outerShdw blurRad="50800" dist="38100" dir="2700000" algn="tl" rotWithShape="0">
-                    <a:prstClr val="black">
-                      <a:alpha val="40000"/>
-                    </a:prstClr>
-                  </a:outerShdw>
-                </a:effectLst>
-              </a:rPr>
-              <a:t>EVALUATION</a:t>
-            </a:r>
-          </a:p>
-        </p:txBody>
-      </p:sp>
-      <p:sp>
-        <p:nvSpPr>
-          <p:cNvPr id="6" name="Pentagon 5">
-            <a:extLst>
-              <a:ext uri="{FF2B5EF4-FFF2-40B4-BE49-F238E27FC236}">
-                <a16:creationId xmlns:a16="http://schemas.microsoft.com/office/drawing/2014/main" id="{A3219F01-65BD-51C5-EEF8-D664BB4DA515}"/>
-              </a:ext>
-            </a:extLst>
-          </p:cNvPr>
-          <p:cNvSpPr/>
-          <p:nvPr/>
-        </p:nvSpPr>
-        <p:spPr>
-          <a:xfrm>
-            <a:off x="3643618" y="0"/>
-            <a:ext cx="2088860" cy="553673"/>
-          </a:xfrm>
-          <a:prstGeom prst="homePlate">
-            <a:avLst/>
-          </a:prstGeom>
-          <a:solidFill>
-            <a:schemeClr val="accent2">
-              <a:lumMod val="20000"/>
-              <a:lumOff val="80000"/>
-            </a:schemeClr>
-          </a:solidFill>
-          <a:ln>
-            <a:solidFill>
-              <a:schemeClr val="bg2">
-                <a:lumMod val="90000"/>
-                <a:lumOff val="10000"/>
-              </a:schemeClr>
-            </a:solidFill>
-          </a:ln>
-          <a:effectLst>
-            <a:outerShdw blurRad="50800" dist="38100" algn="l" rotWithShape="0">
-              <a:prstClr val="black">
-                <a:alpha val="40000"/>
-              </a:prstClr>
-            </a:outerShdw>
-          </a:effectLst>
-        </p:spPr>
-        <p:style>
-          <a:lnRef idx="2">
-            <a:schemeClr val="accent1">
-              <a:shade val="50000"/>
-            </a:schemeClr>
-          </a:lnRef>
-          <a:fillRef idx="1">
-            <a:schemeClr val="accent1"/>
-          </a:fillRef>
-          <a:effectRef idx="0">
-            <a:schemeClr val="accent1"/>
-          </a:effectRef>
-          <a:fontRef idx="minor">
-            <a:schemeClr val="lt1"/>
-          </a:fontRef>
-        </p:style>
-        <p:txBody>
-          <a:bodyPr rtlCol="0" anchor="ctr"/>
-          <a:lstStyle/>
-          <a:p>
-            <a:pPr algn="ctr"/>
-            <a:r>
-              <a:rPr lang="en-TH" sz="1200" b="1" dirty="0">
-                <a:solidFill>
-                  <a:schemeClr val="tx1"/>
-                </a:solidFill>
-                <a:effectLst>
-                  <a:outerShdw blurRad="50800" dist="38100" dir="2700000" algn="tl" rotWithShape="0">
-                    <a:prstClr val="black">
-                      <a:alpha val="40000"/>
-                    </a:prstClr>
-                  </a:outerShdw>
-                </a:effectLst>
-              </a:rPr>
-              <a:t>MODELING</a:t>
-            </a:r>
-          </a:p>
-        </p:txBody>
-      </p:sp>
-      <p:sp>
-        <p:nvSpPr>
-          <p:cNvPr id="7" name="Pentagon 6">
-            <a:extLst>
-              <a:ext uri="{FF2B5EF4-FFF2-40B4-BE49-F238E27FC236}">
-                <a16:creationId xmlns:a16="http://schemas.microsoft.com/office/drawing/2014/main" id="{2A98161C-A0F3-5486-7E6A-E777AD8F3816}"/>
-              </a:ext>
-            </a:extLst>
-          </p:cNvPr>
-          <p:cNvSpPr/>
-          <p:nvPr/>
-        </p:nvSpPr>
-        <p:spPr>
-          <a:xfrm>
-            <a:off x="1821809" y="0"/>
-            <a:ext cx="2088860" cy="553673"/>
-          </a:xfrm>
-          <a:prstGeom prst="homePlate">
-            <a:avLst/>
-          </a:prstGeom>
-          <a:solidFill>
-            <a:schemeClr val="accent2">
-              <a:lumMod val="20000"/>
-              <a:lumOff val="80000"/>
-            </a:schemeClr>
-          </a:solidFill>
-          <a:ln>
-            <a:solidFill>
-              <a:schemeClr val="bg2">
-                <a:lumMod val="90000"/>
-                <a:lumOff val="10000"/>
-              </a:schemeClr>
-            </a:solidFill>
-          </a:ln>
-          <a:effectLst>
-            <a:outerShdw blurRad="50800" dist="38100" algn="l" rotWithShape="0">
-              <a:prstClr val="black">
-                <a:alpha val="40000"/>
-              </a:prstClr>
-            </a:outerShdw>
-          </a:effectLst>
-        </p:spPr>
-        <p:style>
-          <a:lnRef idx="2">
-            <a:schemeClr val="accent1">
-              <a:shade val="50000"/>
-            </a:schemeClr>
-          </a:lnRef>
-          <a:fillRef idx="1">
-            <a:schemeClr val="accent1"/>
-          </a:fillRef>
-          <a:effectRef idx="0">
-            <a:schemeClr val="accent1"/>
-          </a:effectRef>
-          <a:fontRef idx="minor">
-            <a:schemeClr val="lt1"/>
-          </a:fontRef>
-        </p:style>
-        <p:txBody>
-          <a:bodyPr rtlCol="0" anchor="ctr"/>
-          <a:lstStyle/>
-          <a:p>
-            <a:pPr algn="ctr"/>
-            <a:r>
-              <a:rPr lang="en-TH" sz="1200" b="1" dirty="0">
-                <a:solidFill>
-                  <a:schemeClr val="tx1"/>
-                </a:solidFill>
-                <a:effectLst>
-                  <a:outerShdw blurRad="50800" dist="38100" dir="2700000" algn="tl" rotWithShape="0">
-                    <a:prstClr val="black">
-                      <a:alpha val="40000"/>
-                    </a:prstClr>
-                  </a:outerShdw>
-                </a:effectLst>
-              </a:rPr>
-              <a:t>DATA</a:t>
-            </a:r>
-          </a:p>
-          <a:p>
-            <a:pPr algn="ctr"/>
-            <a:r>
-              <a:rPr lang="en-TH" sz="1200" b="1" dirty="0">
-                <a:solidFill>
-                  <a:schemeClr val="tx1"/>
-                </a:solidFill>
-                <a:effectLst>
-                  <a:outerShdw blurRad="50800" dist="38100" dir="2700000" algn="tl" rotWithShape="0">
-                    <a:prstClr val="black">
-                      <a:alpha val="40000"/>
-                    </a:prstClr>
-                  </a:outerShdw>
-                </a:effectLst>
-              </a:rPr>
-              <a:t>PREPARATION</a:t>
-            </a:r>
-          </a:p>
-        </p:txBody>
-      </p:sp>
-      <p:sp>
-        <p:nvSpPr>
-          <p:cNvPr id="8" name="Pentagon 7">
-            <a:extLst>
-              <a:ext uri="{FF2B5EF4-FFF2-40B4-BE49-F238E27FC236}">
-                <a16:creationId xmlns:a16="http://schemas.microsoft.com/office/drawing/2014/main" id="{7C64D804-D8FA-65E1-EE29-0850EA011E3E}"/>
-              </a:ext>
-            </a:extLst>
-          </p:cNvPr>
-          <p:cNvSpPr/>
-          <p:nvPr/>
-        </p:nvSpPr>
-        <p:spPr>
-          <a:xfrm>
-            <a:off x="0" y="0"/>
-            <a:ext cx="2088860" cy="553673"/>
-          </a:xfrm>
-          <a:prstGeom prst="homePlate">
-            <a:avLst/>
-          </a:prstGeom>
-          <a:solidFill>
-            <a:schemeClr val="accent2">
-              <a:lumMod val="20000"/>
-              <a:lumOff val="80000"/>
-            </a:schemeClr>
-          </a:solidFill>
-          <a:ln>
-            <a:solidFill>
-              <a:schemeClr val="bg2">
-                <a:lumMod val="90000"/>
-                <a:lumOff val="10000"/>
-              </a:schemeClr>
-            </a:solidFill>
-          </a:ln>
-          <a:effectLst>
-            <a:outerShdw blurRad="50800" dist="38100" algn="l" rotWithShape="0">
-              <a:prstClr val="black">
-                <a:alpha val="40000"/>
-              </a:prstClr>
-            </a:outerShdw>
-          </a:effectLst>
-        </p:spPr>
-        <p:style>
-          <a:lnRef idx="2">
-            <a:schemeClr val="accent1">
-              <a:shade val="50000"/>
-            </a:schemeClr>
-          </a:lnRef>
-          <a:fillRef idx="1">
-            <a:schemeClr val="accent1"/>
-          </a:fillRef>
-          <a:effectRef idx="0">
-            <a:schemeClr val="accent1"/>
-          </a:effectRef>
-          <a:fontRef idx="minor">
-            <a:schemeClr val="lt1"/>
-          </a:fontRef>
-        </p:style>
-        <p:txBody>
-          <a:bodyPr rtlCol="0" anchor="ctr"/>
-          <a:lstStyle/>
-          <a:p>
-            <a:pPr algn="ctr"/>
-            <a:r>
-              <a:rPr lang="en-TH" sz="1200" b="1" dirty="0">
-                <a:effectLst>
-                  <a:outerShdw blurRad="50800" dist="38100" dir="2700000" algn="tl" rotWithShape="0">
-                    <a:prstClr val="black">
-                      <a:alpha val="40000"/>
-                    </a:prstClr>
-                  </a:outerShdw>
-                </a:effectLst>
-              </a:rPr>
-              <a:t>DATA</a:t>
-            </a:r>
-          </a:p>
-          <a:p>
-            <a:pPr algn="ctr"/>
-            <a:r>
-              <a:rPr lang="en-TH" sz="1200" b="1" dirty="0">
-                <a:effectLst>
-                  <a:outerShdw blurRad="50800" dist="38100" dir="2700000" algn="tl" rotWithShape="0">
-                    <a:prstClr val="black">
-                      <a:alpha val="40000"/>
-                    </a:prstClr>
-                  </a:outerShdw>
-                </a:effectLst>
-              </a:rPr>
-              <a:t>UNDERSTANDING</a:t>
-            </a:r>
-          </a:p>
-        </p:txBody>
-      </p:sp>
-      <p:sp>
-        <p:nvSpPr>
-          <p:cNvPr id="9" name="Rectangle 8">
-            <a:extLst>
-              <a:ext uri="{FF2B5EF4-FFF2-40B4-BE49-F238E27FC236}">
-                <a16:creationId xmlns:a16="http://schemas.microsoft.com/office/drawing/2014/main" id="{151387D2-65A8-F602-3903-DFEA91C646AE}"/>
-              </a:ext>
-            </a:extLst>
-          </p:cNvPr>
-          <p:cNvSpPr/>
-          <p:nvPr/>
-        </p:nvSpPr>
-        <p:spPr>
-          <a:xfrm>
-            <a:off x="0" y="6547104"/>
-            <a:ext cx="9144000" cy="310896"/>
-          </a:xfrm>
-          <a:prstGeom prst="rect">
-            <a:avLst/>
-          </a:prstGeom>
-          <a:solidFill>
-            <a:schemeClr val="bg2">
-              <a:lumMod val="75000"/>
-              <a:lumOff val="25000"/>
-            </a:schemeClr>
-          </a:solidFill>
-          <a:ln>
-            <a:noFill/>
-          </a:ln>
-        </p:spPr>
-        <p:style>
-          <a:lnRef idx="2">
-            <a:schemeClr val="accent1">
-              <a:shade val="50000"/>
-            </a:schemeClr>
-          </a:lnRef>
-          <a:fillRef idx="1">
-            <a:schemeClr val="accent1"/>
-          </a:fillRef>
-          <a:effectRef idx="0">
-            <a:schemeClr val="accent1"/>
-          </a:effectRef>
-          <a:fontRef idx="minor">
-            <a:schemeClr val="lt1"/>
-          </a:fontRef>
-        </p:style>
-        <p:txBody>
-          <a:bodyPr rtlCol="0" anchor="ctr"/>
-          <a:lstStyle/>
-          <a:p>
-            <a:pPr algn="r"/>
-            <a:r>
-              <a:rPr lang="en-TH" sz="1000" dirty="0">
-                <a:solidFill>
-                  <a:schemeClr val="bg2">
-                    <a:lumMod val="50000"/>
-                    <a:lumOff val="50000"/>
-                  </a:schemeClr>
-                </a:solidFill>
-                <a:latin typeface="+mj-lt"/>
-              </a:rPr>
-              <a:t>Stevens Institute of Technology</a:t>
-            </a:r>
-          </a:p>
-        </p:txBody>
-      </p:sp>
-      <p:sp>
-        <p:nvSpPr>
-          <p:cNvPr id="2" name="TextBox 1">
-            <a:extLst>
-              <a:ext uri="{FF2B5EF4-FFF2-40B4-BE49-F238E27FC236}">
-                <a16:creationId xmlns:a16="http://schemas.microsoft.com/office/drawing/2014/main" id="{9FC3AFAC-C6A2-AC04-7D03-3D6913306D1E}"/>
-              </a:ext>
-            </a:extLst>
-          </p:cNvPr>
-          <p:cNvSpPr txBox="1"/>
-          <p:nvPr/>
-        </p:nvSpPr>
-        <p:spPr>
-          <a:xfrm>
-            <a:off x="283464" y="804672"/>
-            <a:ext cx="8577072" cy="461665"/>
-          </a:xfrm>
-          <a:prstGeom prst="rect">
-            <a:avLst/>
-          </a:prstGeom>
-          <a:noFill/>
-        </p:spPr>
-        <p:txBody>
-          <a:bodyPr wrap="square" rtlCol="0">
-            <a:spAutoFit/>
-          </a:bodyPr>
-          <a:lstStyle/>
-          <a:p>
-            <a:pPr marL="342900" indent="-342900">
-              <a:buFont typeface="Wingdings" pitchFamily="2" charset="2"/>
-              <a:buChar char="v"/>
-            </a:pPr>
-            <a:r>
-              <a:rPr lang="en-US" sz="2400" b="1" dirty="0">
-                <a:solidFill>
-                  <a:schemeClr val="accent3">
-                    <a:lumMod val="20000"/>
-                    <a:lumOff val="80000"/>
-                  </a:schemeClr>
-                </a:solidFill>
-                <a:effectLst>
-                  <a:outerShdw blurRad="50800" dist="38100" dir="2700000" algn="tl" rotWithShape="0">
-                    <a:prstClr val="black">
-                      <a:alpha val="40000"/>
-                    </a:prstClr>
-                  </a:outerShdw>
-                </a:effectLst>
-              </a:rPr>
-              <a:t>Performance result</a:t>
-            </a:r>
-            <a:endParaRPr lang="en-TH" sz="2400" b="1" dirty="0">
-              <a:solidFill>
-                <a:schemeClr val="accent3">
-                  <a:lumMod val="20000"/>
-                  <a:lumOff val="80000"/>
-                </a:schemeClr>
-              </a:solidFill>
-              <a:effectLst>
-                <a:outerShdw blurRad="50800" dist="38100" dir="2700000" algn="tl" rotWithShape="0">
-                  <a:prstClr val="black">
-                    <a:alpha val="40000"/>
-                  </a:prstClr>
-                </a:outerShdw>
-              </a:effectLst>
-            </a:endParaRPr>
-          </a:p>
-        </p:txBody>
-      </p:sp>
-      <p:graphicFrame>
-        <p:nvGraphicFramePr>
-          <p:cNvPr id="12" name="Table 12">
-            <a:extLst>
-              <a:ext uri="{FF2B5EF4-FFF2-40B4-BE49-F238E27FC236}">
-                <a16:creationId xmlns:a16="http://schemas.microsoft.com/office/drawing/2014/main" id="{DEC1A18F-A84A-D620-43AA-45877F22E564}"/>
-              </a:ext>
-            </a:extLst>
-          </p:cNvPr>
-          <p:cNvGraphicFramePr>
-            <a:graphicFrameLocks noGrp="1"/>
-          </p:cNvGraphicFramePr>
-          <p:nvPr>
-            <p:extLst>
-              <p:ext uri="{D42A27DB-BD31-4B8C-83A1-F6EECF244321}">
-                <p14:modId xmlns:p14="http://schemas.microsoft.com/office/powerpoint/2010/main" val="3034246365"/>
-              </p:ext>
-            </p:extLst>
-          </p:nvPr>
-        </p:nvGraphicFramePr>
-        <p:xfrm>
-          <a:off x="283464" y="2120900"/>
-          <a:ext cx="8577071" cy="4191000"/>
-        </p:xfrm>
-        <a:graphic>
-          <a:graphicData uri="http://schemas.openxmlformats.org/drawingml/2006/table">
-            <a:tbl>
-              <a:tblPr firstRow="1" bandRow="1">
-                <a:tableStyleId>{5C22544A-7EE6-4342-B048-85BDC9FD1C3A}</a:tableStyleId>
-              </a:tblPr>
-              <a:tblGrid>
-                <a:gridCol w="465310">
-                  <a:extLst>
-                    <a:ext uri="{9D8B030D-6E8A-4147-A177-3AD203B41FA5}">
-                      <a16:colId xmlns:a16="http://schemas.microsoft.com/office/drawing/2014/main" val="2700120823"/>
-                    </a:ext>
-                  </a:extLst>
-                </a:gridCol>
-                <a:gridCol w="3532785">
-                  <a:extLst>
-                    <a:ext uri="{9D8B030D-6E8A-4147-A177-3AD203B41FA5}">
-                      <a16:colId xmlns:a16="http://schemas.microsoft.com/office/drawing/2014/main" val="391520071"/>
-                    </a:ext>
-                  </a:extLst>
-                </a:gridCol>
-                <a:gridCol w="937764">
-                  <a:extLst>
-                    <a:ext uri="{9D8B030D-6E8A-4147-A177-3AD203B41FA5}">
-                      <a16:colId xmlns:a16="http://schemas.microsoft.com/office/drawing/2014/main" val="4293409865"/>
-                    </a:ext>
-                  </a:extLst>
-                </a:gridCol>
-                <a:gridCol w="993088">
-                  <a:extLst>
-                    <a:ext uri="{9D8B030D-6E8A-4147-A177-3AD203B41FA5}">
-                      <a16:colId xmlns:a16="http://schemas.microsoft.com/office/drawing/2014/main" val="3988491133"/>
-                    </a:ext>
-                  </a:extLst>
-                </a:gridCol>
-                <a:gridCol w="940661">
-                  <a:extLst>
-                    <a:ext uri="{9D8B030D-6E8A-4147-A177-3AD203B41FA5}">
-                      <a16:colId xmlns:a16="http://schemas.microsoft.com/office/drawing/2014/main" val="815770014"/>
-                    </a:ext>
-                  </a:extLst>
-                </a:gridCol>
-                <a:gridCol w="788770">
-                  <a:extLst>
-                    <a:ext uri="{9D8B030D-6E8A-4147-A177-3AD203B41FA5}">
-                      <a16:colId xmlns:a16="http://schemas.microsoft.com/office/drawing/2014/main" val="3993907727"/>
-                    </a:ext>
-                  </a:extLst>
-                </a:gridCol>
-                <a:gridCol w="918693">
-                  <a:extLst>
-                    <a:ext uri="{9D8B030D-6E8A-4147-A177-3AD203B41FA5}">
-                      <a16:colId xmlns:a16="http://schemas.microsoft.com/office/drawing/2014/main" val="1241063108"/>
-                    </a:ext>
-                  </a:extLst>
-                </a:gridCol>
-              </a:tblGrid>
-              <a:tr h="419100">
-                <a:tc>
-                  <a:txBody>
-                    <a:bodyPr/>
-                    <a:lstStyle/>
-                    <a:p>
-                      <a:pPr algn="ctr"/>
-                      <a:r>
-                        <a:rPr lang="en-TH" sz="1200" dirty="0"/>
-                        <a:t>No</a:t>
-                      </a:r>
-                    </a:p>
-                  </a:txBody>
-                  <a:tcPr anchor="ctr"/>
-                </a:tc>
-                <a:tc>
-                  <a:txBody>
-                    <a:bodyPr/>
-                    <a:lstStyle/>
-                    <a:p>
-                      <a:pPr algn="ctr"/>
-                      <a:r>
-                        <a:rPr lang="en-TH" sz="1200" dirty="0"/>
-                        <a:t>Models</a:t>
-                      </a:r>
-                    </a:p>
-                  </a:txBody>
-                  <a:tcPr anchor="ctr"/>
-                </a:tc>
-                <a:tc>
-                  <a:txBody>
-                    <a:bodyPr/>
-                    <a:lstStyle/>
-                    <a:p>
-                      <a:pPr algn="ctr"/>
-                      <a:r>
-                        <a:rPr lang="en-TH" sz="1200" dirty="0"/>
-                        <a:t>Accuracy</a:t>
-                      </a:r>
-                    </a:p>
-                  </a:txBody>
-                  <a:tcPr anchor="ctr"/>
-                </a:tc>
-                <a:tc>
-                  <a:txBody>
-                    <a:bodyPr/>
-                    <a:lstStyle/>
-                    <a:p>
-                      <a:pPr algn="ctr"/>
-                      <a:r>
-                        <a:rPr lang="en-TH" sz="1200" dirty="0"/>
-                        <a:t>AUC-ROC</a:t>
-                      </a:r>
-                    </a:p>
-                  </a:txBody>
-                  <a:tcPr anchor="ctr"/>
-                </a:tc>
-                <a:tc>
-                  <a:txBody>
-                    <a:bodyPr/>
-                    <a:lstStyle/>
-                    <a:p>
-                      <a:pPr algn="ctr"/>
-                      <a:r>
-                        <a:rPr lang="en-TH" sz="1200" dirty="0"/>
-                        <a:t>Precision</a:t>
-                      </a:r>
-                    </a:p>
-                  </a:txBody>
-                  <a:tcPr anchor="ctr"/>
-                </a:tc>
-                <a:tc>
-                  <a:txBody>
-                    <a:bodyPr/>
-                    <a:lstStyle/>
-                    <a:p>
-                      <a:pPr algn="ctr"/>
-                      <a:r>
-                        <a:rPr lang="en-TH" sz="1200" dirty="0"/>
-                        <a:t>Recall</a:t>
-                      </a:r>
-                    </a:p>
-                  </a:txBody>
-                  <a:tcPr anchor="ctr"/>
-                </a:tc>
-                <a:tc>
-                  <a:txBody>
-                    <a:bodyPr/>
-                    <a:lstStyle/>
-                    <a:p>
-                      <a:pPr algn="ctr"/>
-                      <a:r>
-                        <a:rPr lang="en-TH" sz="1200" dirty="0"/>
-                        <a:t>F1-Score</a:t>
-                      </a:r>
-                    </a:p>
-                  </a:txBody>
-                  <a:tcPr anchor="ctr"/>
-                </a:tc>
-                <a:extLst>
-                  <a:ext uri="{0D108BD9-81ED-4DB2-BD59-A6C34878D82A}">
-                    <a16:rowId xmlns:a16="http://schemas.microsoft.com/office/drawing/2014/main" val="2275377976"/>
-                  </a:ext>
-                </a:extLst>
-              </a:tr>
-              <a:tr h="419100">
-                <a:tc>
-                  <a:txBody>
-                    <a:bodyPr/>
-                    <a:lstStyle/>
-                    <a:p>
-                      <a:pPr algn="ctr"/>
-                      <a:r>
-                        <a:rPr lang="en-TH" sz="1200" dirty="0"/>
-                        <a:t>1</a:t>
-                      </a:r>
-                    </a:p>
-                  </a:txBody>
-                  <a:tcPr anchor="ctr"/>
-                </a:tc>
-                <a:tc>
-                  <a:txBody>
-                    <a:bodyPr/>
-                    <a:lstStyle/>
-                    <a:p>
-                      <a:pPr algn="l"/>
-                      <a:r>
-                        <a:rPr lang="en-TH" sz="1200" b="1" dirty="0"/>
-                        <a:t>Support Vector Machine with Grid Search CV</a:t>
-                      </a:r>
-                    </a:p>
-                  </a:txBody>
-                  <a:tcPr anchor="ctr"/>
-                </a:tc>
-                <a:tc>
-                  <a:txBody>
-                    <a:bodyPr/>
-                    <a:lstStyle/>
-                    <a:p>
-                      <a:pPr algn="ctr"/>
-                      <a:r>
-                        <a:rPr lang="en-TH" sz="1200" dirty="0"/>
-                        <a:t>79.56%</a:t>
-                      </a:r>
-                    </a:p>
-                  </a:txBody>
-                  <a:tcPr anchor="ctr"/>
-                </a:tc>
-                <a:tc>
-                  <a:txBody>
-                    <a:bodyPr/>
-                    <a:lstStyle/>
-                    <a:p>
-                      <a:pPr algn="ctr"/>
-                      <a:r>
-                        <a:rPr lang="en-TH" sz="1200" dirty="0"/>
-                        <a:t>70.00%</a:t>
-                      </a:r>
-                    </a:p>
-                  </a:txBody>
-                  <a:tcPr anchor="ctr"/>
-                </a:tc>
-                <a:tc>
-                  <a:txBody>
-                    <a:bodyPr/>
-                    <a:lstStyle/>
-                    <a:p>
-                      <a:pPr algn="ctr"/>
-                      <a:r>
-                        <a:rPr lang="en-TH" sz="1200" b="1" dirty="0"/>
-                        <a:t>63.89%</a:t>
-                      </a:r>
-                    </a:p>
-                  </a:txBody>
-                  <a:tcPr anchor="ctr"/>
-                </a:tc>
-                <a:tc>
-                  <a:txBody>
-                    <a:bodyPr/>
-                    <a:lstStyle/>
-                    <a:p>
-                      <a:pPr algn="ctr"/>
-                      <a:r>
-                        <a:rPr lang="en-TH" sz="1200" dirty="0"/>
-                        <a:t>50.00%</a:t>
-                      </a:r>
-                    </a:p>
-                  </a:txBody>
-                  <a:tcPr anchor="ctr"/>
-                </a:tc>
-                <a:tc>
-                  <a:txBody>
-                    <a:bodyPr/>
-                    <a:lstStyle/>
-                    <a:p>
-                      <a:pPr algn="ctr"/>
-                      <a:r>
-                        <a:rPr lang="en-TH" sz="1200" dirty="0"/>
-                        <a:t>56.10%</a:t>
-                      </a:r>
-                    </a:p>
-                  </a:txBody>
-                  <a:tcPr anchor="ctr"/>
-                </a:tc>
-                <a:extLst>
-                  <a:ext uri="{0D108BD9-81ED-4DB2-BD59-A6C34878D82A}">
-                    <a16:rowId xmlns:a16="http://schemas.microsoft.com/office/drawing/2014/main" val="116704284"/>
-                  </a:ext>
-                </a:extLst>
-              </a:tr>
-              <a:tr h="419100">
-                <a:tc>
-                  <a:txBody>
-                    <a:bodyPr/>
-                    <a:lstStyle/>
-                    <a:p>
-                      <a:pPr algn="ctr"/>
-                      <a:r>
-                        <a:rPr lang="en-TH" sz="1200" dirty="0"/>
-                        <a:t>2</a:t>
-                      </a:r>
-                    </a:p>
-                  </a:txBody>
-                  <a:tcPr anchor="ctr"/>
-                </a:tc>
-                <a:tc>
-                  <a:txBody>
-                    <a:bodyPr/>
-                    <a:lstStyle/>
-                    <a:p>
-                      <a:pPr algn="l"/>
-                      <a:r>
-                        <a:rPr lang="en-TH" sz="1200" dirty="0"/>
-                        <a:t>Bagging along with Random Forest</a:t>
-                      </a:r>
-                    </a:p>
-                  </a:txBody>
-                  <a:tcPr anchor="ctr"/>
-                </a:tc>
-                <a:tc>
-                  <a:txBody>
-                    <a:bodyPr/>
-                    <a:lstStyle/>
-                    <a:p>
-                      <a:pPr algn="ctr"/>
-                      <a:r>
-                        <a:rPr lang="en-TH" sz="1200" dirty="0"/>
-                        <a:t>79.56%</a:t>
-                      </a:r>
-                    </a:p>
-                  </a:txBody>
-                  <a:tcPr anchor="ctr"/>
-                </a:tc>
-                <a:tc>
-                  <a:txBody>
-                    <a:bodyPr/>
-                    <a:lstStyle/>
-                    <a:p>
-                      <a:pPr algn="ctr"/>
-                      <a:r>
-                        <a:rPr lang="en-TH" sz="1200" dirty="0"/>
-                        <a:t>70.27%</a:t>
-                      </a:r>
-                    </a:p>
-                  </a:txBody>
-                  <a:tcPr anchor="ctr"/>
-                </a:tc>
-                <a:tc>
-                  <a:txBody>
-                    <a:bodyPr/>
-                    <a:lstStyle/>
-                    <a:p>
-                      <a:pPr algn="ctr"/>
-                      <a:r>
-                        <a:rPr lang="en-TH" sz="1200" dirty="0"/>
-                        <a:t>63.60%</a:t>
-                      </a:r>
-                    </a:p>
-                  </a:txBody>
-                  <a:tcPr anchor="ctr"/>
-                </a:tc>
-                <a:tc>
-                  <a:txBody>
-                    <a:bodyPr/>
-                    <a:lstStyle/>
-                    <a:p>
-                      <a:pPr algn="ctr"/>
-                      <a:r>
-                        <a:rPr lang="en-TH" sz="1200" dirty="0"/>
-                        <a:t>50.82%</a:t>
-                      </a:r>
-                    </a:p>
-                  </a:txBody>
-                  <a:tcPr anchor="ctr"/>
-                </a:tc>
-                <a:tc>
-                  <a:txBody>
-                    <a:bodyPr/>
-                    <a:lstStyle/>
-                    <a:p>
-                      <a:pPr algn="ctr"/>
-                      <a:r>
-                        <a:rPr lang="en-TH" sz="1200" dirty="0"/>
-                        <a:t>56.50%</a:t>
-                      </a:r>
-                    </a:p>
-                  </a:txBody>
-                  <a:tcPr anchor="ctr"/>
-                </a:tc>
-                <a:extLst>
-                  <a:ext uri="{0D108BD9-81ED-4DB2-BD59-A6C34878D82A}">
-                    <a16:rowId xmlns:a16="http://schemas.microsoft.com/office/drawing/2014/main" val="589971013"/>
-                  </a:ext>
-                </a:extLst>
-              </a:tr>
-              <a:tr h="419100">
-                <a:tc>
-                  <a:txBody>
-                    <a:bodyPr/>
-                    <a:lstStyle/>
-                    <a:p>
-                      <a:pPr algn="ctr"/>
-                      <a:r>
-                        <a:rPr lang="en-TH" sz="1200" dirty="0"/>
-                        <a:t>3</a:t>
-                      </a:r>
-                    </a:p>
-                  </a:txBody>
-                  <a:tcPr anchor="ctr"/>
-                </a:tc>
-                <a:tc>
-                  <a:txBody>
-                    <a:bodyPr/>
-                    <a:lstStyle/>
-                    <a:p>
-                      <a:pPr algn="l"/>
-                      <a:r>
-                        <a:rPr lang="en-TH" sz="1200" dirty="0"/>
-                        <a:t>Logistic Regression with Grid Search CV</a:t>
-                      </a:r>
-                    </a:p>
-                  </a:txBody>
-                  <a:tcPr anchor="ctr"/>
-                </a:tc>
-                <a:tc>
-                  <a:txBody>
-                    <a:bodyPr/>
-                    <a:lstStyle/>
-                    <a:p>
-                      <a:pPr algn="ctr"/>
-                      <a:r>
-                        <a:rPr lang="en-TH" sz="1200" dirty="0"/>
-                        <a:t>79.77%</a:t>
-                      </a:r>
-                    </a:p>
-                  </a:txBody>
-                  <a:tcPr anchor="ctr"/>
-                </a:tc>
-                <a:tc>
-                  <a:txBody>
-                    <a:bodyPr/>
-                    <a:lstStyle/>
-                    <a:p>
-                      <a:pPr algn="ctr"/>
-                      <a:r>
-                        <a:rPr lang="en-TH" sz="1200" dirty="0"/>
-                        <a:t>71.47%</a:t>
-                      </a:r>
-                    </a:p>
-                  </a:txBody>
-                  <a:tcPr anchor="ctr"/>
-                </a:tc>
-                <a:tc>
-                  <a:txBody>
-                    <a:bodyPr/>
-                    <a:lstStyle/>
-                    <a:p>
-                      <a:pPr algn="ctr"/>
-                      <a:r>
-                        <a:rPr lang="en-TH" sz="1200" dirty="0"/>
-                        <a:t>63.17%</a:t>
-                      </a:r>
-                    </a:p>
-                  </a:txBody>
-                  <a:tcPr anchor="ctr"/>
-                </a:tc>
-                <a:tc>
-                  <a:txBody>
-                    <a:bodyPr/>
-                    <a:lstStyle/>
-                    <a:p>
-                      <a:pPr algn="ctr"/>
-                      <a:r>
-                        <a:rPr lang="en-TH" sz="1200" dirty="0"/>
-                        <a:t>54.08%</a:t>
-                      </a:r>
-                    </a:p>
-                  </a:txBody>
-                  <a:tcPr anchor="ctr"/>
-                </a:tc>
-                <a:tc>
-                  <a:txBody>
-                    <a:bodyPr/>
-                    <a:lstStyle/>
-                    <a:p>
-                      <a:pPr algn="ctr"/>
-                      <a:r>
-                        <a:rPr lang="en-TH" sz="1200" dirty="0"/>
-                        <a:t>58.27%</a:t>
-                      </a:r>
-                    </a:p>
-                  </a:txBody>
-                  <a:tcPr anchor="ctr"/>
-                </a:tc>
-                <a:extLst>
-                  <a:ext uri="{0D108BD9-81ED-4DB2-BD59-A6C34878D82A}">
-                    <a16:rowId xmlns:a16="http://schemas.microsoft.com/office/drawing/2014/main" val="2321958097"/>
-                  </a:ext>
-                </a:extLst>
-              </a:tr>
-              <a:tr h="419100">
-                <a:tc>
-                  <a:txBody>
-                    <a:bodyPr/>
-                    <a:lstStyle/>
-                    <a:p>
-                      <a:pPr algn="ctr"/>
-                      <a:r>
-                        <a:rPr lang="en-TH" sz="1200" dirty="0"/>
-                        <a:t>4</a:t>
-                      </a:r>
-                    </a:p>
-                  </a:txBody>
-                  <a:tcPr anchor="ctr"/>
-                </a:tc>
-                <a:tc>
-                  <a:txBody>
-                    <a:bodyPr/>
-                    <a:lstStyle/>
-                    <a:p>
-                      <a:pPr algn="l"/>
-                      <a:r>
-                        <a:rPr lang="en-TH" sz="1200" dirty="0"/>
-                        <a:t>Random Forest with Randomized Search CV</a:t>
-                      </a:r>
-                    </a:p>
-                  </a:txBody>
-                  <a:tcPr anchor="ctr"/>
-                </a:tc>
-                <a:tc>
-                  <a:txBody>
-                    <a:bodyPr/>
-                    <a:lstStyle/>
-                    <a:p>
-                      <a:pPr algn="ctr"/>
-                      <a:r>
-                        <a:rPr lang="en-TH" sz="1200" dirty="0"/>
-                        <a:t>79.28%</a:t>
-                      </a:r>
-                    </a:p>
-                  </a:txBody>
-                  <a:tcPr anchor="ctr"/>
-                </a:tc>
-                <a:tc>
-                  <a:txBody>
-                    <a:bodyPr/>
-                    <a:lstStyle/>
-                    <a:p>
-                      <a:pPr algn="ctr"/>
-                      <a:r>
-                        <a:rPr lang="en-TH" sz="1200" dirty="0"/>
-                        <a:t>70.25%</a:t>
-                      </a:r>
-                    </a:p>
-                  </a:txBody>
-                  <a:tcPr anchor="ctr"/>
-                </a:tc>
-                <a:tc>
-                  <a:txBody>
-                    <a:bodyPr/>
-                    <a:lstStyle/>
-                    <a:p>
-                      <a:pPr algn="ctr"/>
-                      <a:r>
-                        <a:rPr lang="en-TH" sz="1200" dirty="0"/>
-                        <a:t>62.58%</a:t>
-                      </a:r>
-                    </a:p>
-                  </a:txBody>
-                  <a:tcPr anchor="ctr"/>
-                </a:tc>
-                <a:tc>
-                  <a:txBody>
-                    <a:bodyPr/>
-                    <a:lstStyle/>
-                    <a:p>
-                      <a:pPr algn="ctr"/>
-                      <a:r>
-                        <a:rPr lang="en-TH" sz="1200" dirty="0"/>
-                        <a:t>51.36%</a:t>
-                      </a:r>
-                    </a:p>
-                  </a:txBody>
-                  <a:tcPr anchor="ctr"/>
-                </a:tc>
-                <a:tc>
-                  <a:txBody>
-                    <a:bodyPr/>
-                    <a:lstStyle/>
-                    <a:p>
-                      <a:pPr algn="ctr"/>
-                      <a:r>
-                        <a:rPr lang="en-TH" sz="1200" dirty="0"/>
-                        <a:t>56.42%</a:t>
-                      </a:r>
-                    </a:p>
-                  </a:txBody>
-                  <a:tcPr anchor="ctr"/>
-                </a:tc>
-                <a:extLst>
-                  <a:ext uri="{0D108BD9-81ED-4DB2-BD59-A6C34878D82A}">
-                    <a16:rowId xmlns:a16="http://schemas.microsoft.com/office/drawing/2014/main" val="978046834"/>
-                  </a:ext>
-                </a:extLst>
-              </a:tr>
-              <a:tr h="419100">
-                <a:tc>
-                  <a:txBody>
-                    <a:bodyPr/>
-                    <a:lstStyle/>
-                    <a:p>
-                      <a:pPr algn="ctr"/>
-                      <a:r>
-                        <a:rPr lang="en-TH" sz="1200" dirty="0"/>
-                        <a:t>5</a:t>
-                      </a:r>
-                    </a:p>
-                  </a:txBody>
-                  <a:tcPr anchor="ctr"/>
-                </a:tc>
-                <a:tc>
-                  <a:txBody>
-                    <a:bodyPr/>
-                    <a:lstStyle/>
-                    <a:p>
-                      <a:pPr algn="l"/>
-                      <a:r>
-                        <a:rPr lang="en-TH" sz="1200" dirty="0"/>
-                        <a:t>AdaBoost Classifier</a:t>
-                      </a:r>
-                    </a:p>
-                  </a:txBody>
-                  <a:tcPr anchor="ctr"/>
-                </a:tc>
-                <a:tc>
-                  <a:txBody>
-                    <a:bodyPr/>
-                    <a:lstStyle/>
-                    <a:p>
-                      <a:pPr algn="ctr"/>
-                      <a:r>
-                        <a:rPr lang="en-TH" sz="1200" dirty="0"/>
-                        <a:t>79.28%</a:t>
-                      </a:r>
-                    </a:p>
-                  </a:txBody>
-                  <a:tcPr anchor="ctr"/>
-                </a:tc>
-                <a:tc>
-                  <a:txBody>
-                    <a:bodyPr/>
-                    <a:lstStyle/>
-                    <a:p>
-                      <a:pPr algn="ctr"/>
-                      <a:r>
-                        <a:rPr lang="en-TH" sz="1200" dirty="0"/>
-                        <a:t>71.04%</a:t>
-                      </a:r>
-                    </a:p>
-                  </a:txBody>
-                  <a:tcPr anchor="ctr"/>
-                </a:tc>
-                <a:tc>
-                  <a:txBody>
-                    <a:bodyPr/>
-                    <a:lstStyle/>
-                    <a:p>
-                      <a:pPr algn="ctr"/>
-                      <a:r>
-                        <a:rPr lang="en-TH" sz="1200" dirty="0"/>
-                        <a:t>61.88%</a:t>
-                      </a:r>
-                    </a:p>
-                  </a:txBody>
-                  <a:tcPr anchor="ctr"/>
-                </a:tc>
-                <a:tc>
-                  <a:txBody>
-                    <a:bodyPr/>
-                    <a:lstStyle/>
-                    <a:p>
-                      <a:pPr algn="ctr"/>
-                      <a:r>
-                        <a:rPr lang="en-TH" sz="1200" dirty="0"/>
-                        <a:t>53.80%</a:t>
-                      </a:r>
-                    </a:p>
-                  </a:txBody>
-                  <a:tcPr anchor="ctr"/>
-                </a:tc>
-                <a:tc>
-                  <a:txBody>
-                    <a:bodyPr/>
-                    <a:lstStyle/>
-                    <a:p>
-                      <a:pPr algn="ctr"/>
-                      <a:r>
-                        <a:rPr lang="en-TH" sz="1200" dirty="0"/>
-                        <a:t>57.56%</a:t>
-                      </a:r>
-                    </a:p>
-                  </a:txBody>
-                  <a:tcPr anchor="ctr"/>
-                </a:tc>
-                <a:extLst>
-                  <a:ext uri="{0D108BD9-81ED-4DB2-BD59-A6C34878D82A}">
-                    <a16:rowId xmlns:a16="http://schemas.microsoft.com/office/drawing/2014/main" val="2859961504"/>
-                  </a:ext>
-                </a:extLst>
-              </a:tr>
-              <a:tr h="419100">
-                <a:tc>
-                  <a:txBody>
-                    <a:bodyPr/>
-                    <a:lstStyle/>
-                    <a:p>
-                      <a:pPr algn="ctr"/>
-                      <a:r>
-                        <a:rPr lang="en-TH" sz="1200" dirty="0"/>
-                        <a:t>6</a:t>
-                      </a:r>
-                    </a:p>
-                  </a:txBody>
-                  <a:tcPr anchor="ctr"/>
-                </a:tc>
-                <a:tc>
-                  <a:txBody>
-                    <a:bodyPr/>
-                    <a:lstStyle/>
-                    <a:p>
-                      <a:pPr algn="l"/>
-                      <a:r>
-                        <a:rPr lang="en-TH" sz="1200" dirty="0"/>
-                        <a:t>K-Nearest Neighbor with Grid Search CV</a:t>
-                      </a:r>
-                    </a:p>
-                  </a:txBody>
-                  <a:tcPr anchor="ctr"/>
-                </a:tc>
-                <a:tc>
-                  <a:txBody>
-                    <a:bodyPr/>
-                    <a:lstStyle/>
-                    <a:p>
-                      <a:pPr algn="ctr"/>
-                      <a:r>
-                        <a:rPr lang="en-TH" sz="1200" dirty="0"/>
-                        <a:t>79.56%</a:t>
-                      </a:r>
-                    </a:p>
-                  </a:txBody>
-                  <a:tcPr anchor="ctr"/>
-                </a:tc>
-                <a:tc>
-                  <a:txBody>
-                    <a:bodyPr/>
-                    <a:lstStyle/>
-                    <a:p>
-                      <a:pPr algn="ctr"/>
-                      <a:r>
-                        <a:rPr lang="en-TH" sz="1200" dirty="0"/>
-                        <a:t>72.20%</a:t>
-                      </a:r>
-                    </a:p>
-                  </a:txBody>
-                  <a:tcPr anchor="ctr"/>
-                </a:tc>
-                <a:tc>
-                  <a:txBody>
-                    <a:bodyPr/>
-                    <a:lstStyle/>
-                    <a:p>
-                      <a:pPr algn="ctr"/>
-                      <a:r>
-                        <a:rPr lang="en-TH" sz="1200" dirty="0"/>
-                        <a:t>61.83%</a:t>
-                      </a:r>
-                    </a:p>
-                  </a:txBody>
-                  <a:tcPr anchor="ctr"/>
-                </a:tc>
-                <a:tc>
-                  <a:txBody>
-                    <a:bodyPr/>
-                    <a:lstStyle/>
-                    <a:p>
-                      <a:pPr algn="ctr"/>
-                      <a:r>
-                        <a:rPr lang="en-TH" sz="1200" dirty="0"/>
-                        <a:t>56.80%</a:t>
-                      </a:r>
-                    </a:p>
-                  </a:txBody>
-                  <a:tcPr anchor="ctr"/>
-                </a:tc>
-                <a:tc>
-                  <a:txBody>
-                    <a:bodyPr/>
-                    <a:lstStyle/>
-                    <a:p>
-                      <a:pPr algn="ctr"/>
-                      <a:r>
-                        <a:rPr lang="en-TH" sz="1200" dirty="0"/>
-                        <a:t>59.21%</a:t>
-                      </a:r>
-                    </a:p>
-                  </a:txBody>
-                  <a:tcPr anchor="ctr"/>
-                </a:tc>
-                <a:extLst>
-                  <a:ext uri="{0D108BD9-81ED-4DB2-BD59-A6C34878D82A}">
-                    <a16:rowId xmlns:a16="http://schemas.microsoft.com/office/drawing/2014/main" val="322037686"/>
-                  </a:ext>
-                </a:extLst>
-              </a:tr>
-              <a:tr h="419100">
-                <a:tc>
-                  <a:txBody>
-                    <a:bodyPr/>
-                    <a:lstStyle/>
-                    <a:p>
-                      <a:pPr algn="ctr"/>
-                      <a:r>
-                        <a:rPr lang="en-TH" sz="1200" dirty="0"/>
-                        <a:t>7</a:t>
-                      </a:r>
-                    </a:p>
-                  </a:txBody>
-                  <a:tcPr anchor="ctr"/>
-                </a:tc>
-                <a:tc>
-                  <a:txBody>
-                    <a:bodyPr/>
-                    <a:lstStyle/>
-                    <a:p>
-                      <a:pPr algn="l"/>
-                      <a:r>
-                        <a:rPr lang="en-TH" sz="1200" dirty="0"/>
-                        <a:t>Multilayer Perceptron</a:t>
-                      </a:r>
-                    </a:p>
-                  </a:txBody>
-                  <a:tcPr anchor="ctr"/>
-                </a:tc>
-                <a:tc>
-                  <a:txBody>
-                    <a:bodyPr/>
-                    <a:lstStyle/>
-                    <a:p>
-                      <a:pPr algn="ctr"/>
-                      <a:r>
-                        <a:rPr lang="en-TH" sz="1200" dirty="0"/>
-                        <a:t>79.20%</a:t>
-                      </a:r>
-                    </a:p>
-                  </a:txBody>
-                  <a:tcPr anchor="ctr"/>
-                </a:tc>
-                <a:tc>
-                  <a:txBody>
-                    <a:bodyPr/>
-                    <a:lstStyle/>
-                    <a:p>
-                      <a:pPr algn="ctr"/>
-                      <a:r>
-                        <a:rPr lang="en-TH" sz="1200" dirty="0"/>
-                        <a:t>71.52%</a:t>
-                      </a:r>
-                    </a:p>
-                  </a:txBody>
-                  <a:tcPr anchor="ctr"/>
-                </a:tc>
-                <a:tc>
-                  <a:txBody>
-                    <a:bodyPr/>
-                    <a:lstStyle/>
-                    <a:p>
-                      <a:pPr algn="ctr"/>
-                      <a:r>
-                        <a:rPr lang="en-TH" sz="1200" dirty="0"/>
-                        <a:t>61.26%</a:t>
-                      </a:r>
-                    </a:p>
-                  </a:txBody>
-                  <a:tcPr anchor="ctr"/>
-                </a:tc>
-                <a:tc>
-                  <a:txBody>
-                    <a:bodyPr/>
-                    <a:lstStyle/>
-                    <a:p>
-                      <a:pPr algn="ctr"/>
-                      <a:r>
-                        <a:rPr lang="en-TH" sz="1200" dirty="0"/>
-                        <a:t>55.43%</a:t>
-                      </a:r>
-                    </a:p>
-                  </a:txBody>
-                  <a:tcPr anchor="ctr"/>
-                </a:tc>
-                <a:tc>
-                  <a:txBody>
-                    <a:bodyPr/>
-                    <a:lstStyle/>
-                    <a:p>
-                      <a:pPr algn="ctr"/>
-                      <a:r>
-                        <a:rPr lang="en-TH" sz="1200" dirty="0"/>
-                        <a:t>58.20%</a:t>
-                      </a:r>
-                    </a:p>
-                  </a:txBody>
-                  <a:tcPr anchor="ctr"/>
-                </a:tc>
-                <a:extLst>
-                  <a:ext uri="{0D108BD9-81ED-4DB2-BD59-A6C34878D82A}">
-                    <a16:rowId xmlns:a16="http://schemas.microsoft.com/office/drawing/2014/main" val="1147357634"/>
-                  </a:ext>
-                </a:extLst>
-              </a:tr>
-              <a:tr h="419100">
-                <a:tc>
-                  <a:txBody>
-                    <a:bodyPr/>
-                    <a:lstStyle/>
-                    <a:p>
-                      <a:pPr algn="ctr"/>
-                      <a:r>
-                        <a:rPr lang="en-TH" sz="1200" dirty="0"/>
-                        <a:t>8</a:t>
-                      </a:r>
-                    </a:p>
-                  </a:txBody>
-                  <a:tcPr anchor="ctr"/>
-                </a:tc>
-                <a:tc>
-                  <a:txBody>
-                    <a:bodyPr/>
-                    <a:lstStyle/>
-                    <a:p>
-                      <a:pPr algn="l"/>
-                      <a:r>
-                        <a:rPr lang="en-TH" sz="1200" dirty="0"/>
-                        <a:t>Decision Tree</a:t>
-                      </a:r>
-                    </a:p>
-                  </a:txBody>
-                  <a:tcPr anchor="ctr"/>
-                </a:tc>
-                <a:tc>
-                  <a:txBody>
-                    <a:bodyPr/>
-                    <a:lstStyle/>
-                    <a:p>
-                      <a:pPr algn="ctr"/>
-                      <a:r>
-                        <a:rPr lang="en-TH" sz="1200" dirty="0"/>
-                        <a:t>72.46%</a:t>
-                      </a:r>
-                    </a:p>
-                  </a:txBody>
-                  <a:tcPr anchor="ctr"/>
-                </a:tc>
-                <a:tc>
-                  <a:txBody>
-                    <a:bodyPr/>
-                    <a:lstStyle/>
-                    <a:p>
-                      <a:pPr algn="ctr"/>
-                      <a:r>
-                        <a:rPr lang="en-TH" sz="1200" dirty="0"/>
-                        <a:t>64.76%</a:t>
-                      </a:r>
-                    </a:p>
-                  </a:txBody>
-                  <a:tcPr anchor="ctr"/>
-                </a:tc>
-                <a:tc>
-                  <a:txBody>
-                    <a:bodyPr/>
-                    <a:lstStyle/>
-                    <a:p>
-                      <a:pPr algn="ctr"/>
-                      <a:r>
-                        <a:rPr lang="en-TH" sz="1200" dirty="0"/>
-                        <a:t>47.35%</a:t>
-                      </a:r>
-                    </a:p>
-                  </a:txBody>
-                  <a:tcPr anchor="ctr"/>
-                </a:tc>
-                <a:tc>
-                  <a:txBody>
-                    <a:bodyPr/>
-                    <a:lstStyle/>
-                    <a:p>
-                      <a:pPr algn="ctr"/>
-                      <a:r>
-                        <a:rPr lang="en-TH" sz="1200" dirty="0"/>
-                        <a:t>48.64%</a:t>
-                      </a:r>
-                    </a:p>
-                  </a:txBody>
-                  <a:tcPr anchor="ctr"/>
-                </a:tc>
-                <a:tc>
-                  <a:txBody>
-                    <a:bodyPr/>
-                    <a:lstStyle/>
-                    <a:p>
-                      <a:pPr algn="ctr"/>
-                      <a:r>
-                        <a:rPr lang="en-TH" sz="1200" dirty="0"/>
-                        <a:t>47.99%</a:t>
-                      </a:r>
-                    </a:p>
-                  </a:txBody>
-                  <a:tcPr anchor="ctr"/>
-                </a:tc>
-                <a:extLst>
-                  <a:ext uri="{0D108BD9-81ED-4DB2-BD59-A6C34878D82A}">
-                    <a16:rowId xmlns:a16="http://schemas.microsoft.com/office/drawing/2014/main" val="501032630"/>
-                  </a:ext>
-                </a:extLst>
-              </a:tr>
-              <a:tr h="419100">
-                <a:tc>
-                  <a:txBody>
-                    <a:bodyPr/>
-                    <a:lstStyle/>
-                    <a:p>
-                      <a:pPr algn="ctr"/>
-                      <a:r>
-                        <a:rPr lang="en-TH" sz="1200" dirty="0"/>
-                        <a:t>9</a:t>
-                      </a:r>
-                    </a:p>
-                  </a:txBody>
-                  <a:tcPr anchor="ctr"/>
-                </a:tc>
-                <a:tc>
-                  <a:txBody>
-                    <a:bodyPr/>
-                    <a:lstStyle/>
-                    <a:p>
-                      <a:pPr algn="l"/>
-                      <a:r>
-                        <a:rPr lang="en-TH" sz="1200" dirty="0"/>
-                        <a:t>Na</a:t>
-                      </a:r>
-                      <a:r>
-                        <a:rPr lang="en-US" sz="1200" dirty="0" err="1"/>
-                        <a:t>ï</a:t>
-                      </a:r>
-                      <a:r>
-                        <a:rPr lang="en-TH" sz="1200" dirty="0"/>
-                        <a:t>ve Bayes Classifier</a:t>
-                      </a:r>
-                    </a:p>
-                  </a:txBody>
-                  <a:tcPr anchor="ctr"/>
-                </a:tc>
-                <a:tc>
-                  <a:txBody>
-                    <a:bodyPr/>
-                    <a:lstStyle/>
-                    <a:p>
-                      <a:pPr algn="ctr"/>
-                      <a:r>
-                        <a:rPr lang="en-TH" sz="1200" dirty="0"/>
-                        <a:t>66.86%</a:t>
-                      </a:r>
-                    </a:p>
-                  </a:txBody>
-                  <a:tcPr anchor="ctr"/>
-                </a:tc>
-                <a:tc>
-                  <a:txBody>
-                    <a:bodyPr/>
-                    <a:lstStyle/>
-                    <a:p>
-                      <a:pPr algn="ctr"/>
-                      <a:r>
-                        <a:rPr lang="en-TH" sz="1200" dirty="0"/>
-                        <a:t>73.09%</a:t>
-                      </a:r>
-                    </a:p>
-                  </a:txBody>
-                  <a:tcPr anchor="ctr"/>
-                </a:tc>
-                <a:tc>
-                  <a:txBody>
-                    <a:bodyPr/>
-                    <a:lstStyle/>
-                    <a:p>
-                      <a:pPr algn="ctr"/>
-                      <a:r>
-                        <a:rPr lang="en-TH" sz="1200" dirty="0"/>
-                        <a:t>43.25%</a:t>
-                      </a:r>
-                    </a:p>
-                  </a:txBody>
-                  <a:tcPr anchor="ctr"/>
-                </a:tc>
-                <a:tc>
-                  <a:txBody>
-                    <a:bodyPr/>
-                    <a:lstStyle/>
-                    <a:p>
-                      <a:pPr algn="ctr"/>
-                      <a:r>
-                        <a:rPr lang="en-TH" sz="1200" dirty="0"/>
-                        <a:t>86.14%</a:t>
-                      </a:r>
-                    </a:p>
-                  </a:txBody>
-                  <a:tcPr anchor="ctr"/>
-                </a:tc>
-                <a:tc>
-                  <a:txBody>
-                    <a:bodyPr/>
-                    <a:lstStyle/>
-                    <a:p>
-                      <a:pPr algn="ctr"/>
-                      <a:r>
-                        <a:rPr lang="en-TH" sz="1200" dirty="0"/>
-                        <a:t>57.58%</a:t>
-                      </a:r>
-                    </a:p>
-                  </a:txBody>
-                  <a:tcPr anchor="ctr"/>
-                </a:tc>
-                <a:extLst>
-                  <a:ext uri="{0D108BD9-81ED-4DB2-BD59-A6C34878D82A}">
-                    <a16:rowId xmlns:a16="http://schemas.microsoft.com/office/drawing/2014/main" val="93526516"/>
-                  </a:ext>
-                </a:extLst>
-              </a:tr>
-            </a:tbl>
-          </a:graphicData>
-        </a:graphic>
-      </p:graphicFrame>
-      <p:sp>
-        <p:nvSpPr>
-          <p:cNvPr id="14" name="TextBox 13">
-            <a:extLst>
-              <a:ext uri="{FF2B5EF4-FFF2-40B4-BE49-F238E27FC236}">
-                <a16:creationId xmlns:a16="http://schemas.microsoft.com/office/drawing/2014/main" id="{B453DE78-5E82-CB1A-C6D1-9E93687BEE56}"/>
-              </a:ext>
-            </a:extLst>
-          </p:cNvPr>
-          <p:cNvSpPr txBox="1"/>
-          <p:nvPr/>
-        </p:nvSpPr>
-        <p:spPr>
-          <a:xfrm>
-            <a:off x="621791" y="1266337"/>
-            <a:ext cx="7991349" cy="677108"/>
-          </a:xfrm>
-          <a:prstGeom prst="rect">
-            <a:avLst/>
-          </a:prstGeom>
-          <a:noFill/>
-        </p:spPr>
-        <p:txBody>
-          <a:bodyPr wrap="square" rtlCol="0">
-            <a:spAutoFit/>
-          </a:bodyPr>
-          <a:lstStyle/>
-          <a:p>
-            <a:r>
-              <a:rPr lang="en-US" dirty="0">
-                <a:solidFill>
-                  <a:schemeClr val="accent3">
-                    <a:lumMod val="20000"/>
-                    <a:lumOff val="80000"/>
-                  </a:schemeClr>
-                </a:solidFill>
-              </a:rPr>
-              <a:t>We want to focus on the performance to correctly identify most of churn customers (positive cases), then we </a:t>
-            </a:r>
-            <a:r>
-              <a:rPr lang="en-US" sz="2000" b="1" dirty="0"/>
-              <a:t>focus on ”Precision” result</a:t>
-            </a:r>
-            <a:endParaRPr lang="en-TH" b="1" dirty="0"/>
-          </a:p>
-        </p:txBody>
-      </p:sp>
-      <p:sp>
-        <p:nvSpPr>
-          <p:cNvPr id="15" name="Rectangle 14">
-            <a:extLst>
-              <a:ext uri="{FF2B5EF4-FFF2-40B4-BE49-F238E27FC236}">
-                <a16:creationId xmlns:a16="http://schemas.microsoft.com/office/drawing/2014/main" id="{533D59D6-6135-E58F-8C0F-18B471FB8A08}"/>
-              </a:ext>
-            </a:extLst>
-          </p:cNvPr>
-          <p:cNvSpPr/>
-          <p:nvPr/>
-        </p:nvSpPr>
-        <p:spPr>
-          <a:xfrm>
-            <a:off x="4254500" y="2120900"/>
-            <a:ext cx="1981200" cy="4191000"/>
-          </a:xfrm>
-          <a:prstGeom prst="rect">
-            <a:avLst/>
-          </a:prstGeom>
-          <a:solidFill>
-            <a:srgbClr val="FFFFFF">
-              <a:alpha val="59608"/>
-            </a:srgbClr>
-          </a:solidFill>
-          <a:ln>
-            <a:noFill/>
-          </a:ln>
-        </p:spPr>
-        <p:style>
-          <a:lnRef idx="2">
-            <a:schemeClr val="accent1">
-              <a:shade val="50000"/>
-            </a:schemeClr>
-          </a:lnRef>
-          <a:fillRef idx="1">
-            <a:schemeClr val="accent1"/>
-          </a:fillRef>
-          <a:effectRef idx="0">
-            <a:schemeClr val="accent1"/>
-          </a:effectRef>
-          <a:fontRef idx="minor">
-            <a:schemeClr val="lt1"/>
-          </a:fontRef>
-        </p:style>
-        <p:txBody>
-          <a:bodyPr rtlCol="0" anchor="ctr"/>
-          <a:lstStyle/>
-          <a:p>
-            <a:pPr algn="ctr"/>
-            <a:endParaRPr lang="en-TH"/>
-          </a:p>
-        </p:txBody>
-      </p:sp>
-      <p:sp>
-        <p:nvSpPr>
-          <p:cNvPr id="16" name="Rectangle 15">
-            <a:extLst>
-              <a:ext uri="{FF2B5EF4-FFF2-40B4-BE49-F238E27FC236}">
-                <a16:creationId xmlns:a16="http://schemas.microsoft.com/office/drawing/2014/main" id="{D55DF863-6C02-0AB3-7528-7230692A10E4}"/>
-              </a:ext>
-            </a:extLst>
-          </p:cNvPr>
-          <p:cNvSpPr/>
-          <p:nvPr/>
-        </p:nvSpPr>
-        <p:spPr>
-          <a:xfrm>
-            <a:off x="7158735" y="2120900"/>
-            <a:ext cx="1701799" cy="4191000"/>
-          </a:xfrm>
-          <a:prstGeom prst="rect">
-            <a:avLst/>
-          </a:prstGeom>
-          <a:solidFill>
-            <a:srgbClr val="FFFFFF">
-              <a:alpha val="59608"/>
-            </a:srgbClr>
-          </a:solidFill>
-          <a:ln>
-            <a:noFill/>
-          </a:ln>
-        </p:spPr>
-        <p:style>
-          <a:lnRef idx="2">
-            <a:schemeClr val="accent1">
-              <a:shade val="50000"/>
-            </a:schemeClr>
-          </a:lnRef>
-          <a:fillRef idx="1">
-            <a:schemeClr val="accent1"/>
-          </a:fillRef>
-          <a:effectRef idx="0">
-            <a:schemeClr val="accent1"/>
-          </a:effectRef>
-          <a:fontRef idx="minor">
-            <a:schemeClr val="lt1"/>
-          </a:fontRef>
-        </p:style>
-        <p:txBody>
-          <a:bodyPr rtlCol="0" anchor="ctr"/>
-          <a:lstStyle/>
-          <a:p>
-            <a:pPr algn="ctr"/>
-            <a:endParaRPr lang="en-TH"/>
-          </a:p>
-        </p:txBody>
-      </p:sp>
-      <p:sp>
-        <p:nvSpPr>
-          <p:cNvPr id="17" name="Rectangle 16">
-            <a:extLst>
-              <a:ext uri="{FF2B5EF4-FFF2-40B4-BE49-F238E27FC236}">
-                <a16:creationId xmlns:a16="http://schemas.microsoft.com/office/drawing/2014/main" id="{3B67B3FA-73B3-C4B1-FE9A-18CF1756FF47}"/>
-              </a:ext>
-            </a:extLst>
-          </p:cNvPr>
-          <p:cNvSpPr/>
-          <p:nvPr/>
-        </p:nvSpPr>
-        <p:spPr>
-          <a:xfrm>
-            <a:off x="283463" y="2565400"/>
-            <a:ext cx="4034537" cy="342900"/>
-          </a:xfrm>
-          <a:prstGeom prst="rect">
-            <a:avLst/>
-          </a:prstGeom>
-          <a:noFill/>
-          <a:ln w="76200">
-            <a:solidFill>
-              <a:schemeClr val="accent1"/>
-            </a:solidFill>
-          </a:ln>
-        </p:spPr>
-        <p:style>
-          <a:lnRef idx="2">
-            <a:schemeClr val="accent1">
-              <a:shade val="50000"/>
-            </a:schemeClr>
-          </a:lnRef>
-          <a:fillRef idx="1">
-            <a:schemeClr val="accent1"/>
-          </a:fillRef>
-          <a:effectRef idx="0">
-            <a:schemeClr val="accent1"/>
-          </a:effectRef>
-          <a:fontRef idx="minor">
-            <a:schemeClr val="lt1"/>
-          </a:fontRef>
-        </p:style>
-        <p:txBody>
-          <a:bodyPr rtlCol="0" anchor="ctr"/>
-          <a:lstStyle/>
-          <a:p>
-            <a:pPr algn="ctr"/>
-            <a:endParaRPr lang="en-TH"/>
-          </a:p>
-        </p:txBody>
-      </p:sp>
-      <p:sp>
-        <p:nvSpPr>
-          <p:cNvPr id="18" name="Rectangle 17">
-            <a:extLst>
-              <a:ext uri="{FF2B5EF4-FFF2-40B4-BE49-F238E27FC236}">
-                <a16:creationId xmlns:a16="http://schemas.microsoft.com/office/drawing/2014/main" id="{ECC00400-A0C0-80ED-E8AC-B04570403BB7}"/>
-              </a:ext>
-            </a:extLst>
-          </p:cNvPr>
-          <p:cNvSpPr/>
-          <p:nvPr/>
-        </p:nvSpPr>
-        <p:spPr>
-          <a:xfrm>
-            <a:off x="6248400" y="2565055"/>
-            <a:ext cx="884935" cy="342900"/>
-          </a:xfrm>
-          <a:prstGeom prst="rect">
-            <a:avLst/>
-          </a:prstGeom>
-          <a:noFill/>
-          <a:ln w="76200">
-            <a:solidFill>
-              <a:schemeClr val="accent1"/>
-            </a:solidFill>
-          </a:ln>
-        </p:spPr>
-        <p:style>
-          <a:lnRef idx="2">
-            <a:schemeClr val="accent1">
-              <a:shade val="50000"/>
-            </a:schemeClr>
-          </a:lnRef>
-          <a:fillRef idx="1">
-            <a:schemeClr val="accent1"/>
-          </a:fillRef>
-          <a:effectRef idx="0">
-            <a:schemeClr val="accent1"/>
-          </a:effectRef>
-          <a:fontRef idx="minor">
-            <a:schemeClr val="lt1"/>
-          </a:fontRef>
-        </p:style>
-        <p:txBody>
-          <a:bodyPr rtlCol="0" anchor="ctr"/>
-          <a:lstStyle/>
-          <a:p>
-            <a:pPr algn="ctr"/>
-            <a:endParaRPr lang="en-TH"/>
-          </a:p>
-        </p:txBody>
-      </p:sp>
-    </p:spTree>
-    <p:extLst>
-      <p:ext uri="{BB962C8B-B14F-4D97-AF65-F5344CB8AC3E}">
-        <p14:creationId xmlns:p14="http://schemas.microsoft.com/office/powerpoint/2010/main" val="3056345341"/>
-      </p:ext>
-    </p:extLst>
-  </p:cSld>
-  <p:clrMapOvr>
-    <a:masterClrMapping/>
-  </p:clrMapOvr>
-</p:sld>
-</file>
-
 <file path=ppt/theme/theme1.xml><?xml version="1.0" encoding="utf-8"?>
 <a:theme xmlns:a="http://schemas.openxmlformats.org/drawingml/2006/main" name="BlobVTI">
   <a:themeElements>
